--- a/2020_2 Analise de Sistema/Aulas/2020_08_19 Etapas de Aplicação/Ativ(ADS).pptx
+++ b/2020_2 Analise de Sistema/Aulas/2020_08_19 Etapas de Aplicação/Ativ(ADS).pptx
@@ -10,6 +10,9 @@
     <p:sldId id="257" r:id="rId4"/>
     <p:sldId id="260" r:id="rId5"/>
     <p:sldId id="262" r:id="rId6"/>
+    <p:sldId id="263" r:id="rId7"/>
+    <p:sldId id="264" r:id="rId8"/>
+    <p:sldId id="265" r:id="rId9"/>
   </p:sldIdLst>
   <p:sldSz cx="12192000" cy="6858000"/>
   <p:notesSz cx="6858000" cy="9144000"/>
@@ -1127,7 +1130,7 @@
           <a:blip xmlns:r="http://schemas.openxmlformats.org/officeDocument/2006/relationships" r:embed="rId1">
             <a:extLst>
               <a:ext uri="{96DAC541-7B7A-43D3-8B79-37D633B846F1}">
-                <asvg:svgBlip xmlns:asvg="http://schemas.microsoft.com/office/drawing/2016/SVG/main" xmlns="" r:embed="rId2"/>
+                <asvg:svgBlip xmlns="" xmlns:asvg="http://schemas.microsoft.com/office/drawing/2016/SVG/main" r:embed="rId2"/>
               </a:ext>
             </a:extLst>
           </a:blip>
@@ -1180,7 +1183,7 @@
                 <a14:useLocalDpi xmlns:a14="http://schemas.microsoft.com/office/drawing/2010/main" val="0"/>
               </a:ext>
               <a:ext uri="{96DAC541-7B7A-43D3-8B79-37D633B846F1}">
-                <asvg:svgBlip xmlns:asvg="http://schemas.microsoft.com/office/drawing/2016/SVG/main" xmlns="" r:embed="rId4"/>
+                <asvg:svgBlip xmlns="" xmlns:asvg="http://schemas.microsoft.com/office/drawing/2016/SVG/main" r:embed="rId4"/>
               </a:ext>
             </a:extLst>
           </a:blip>
@@ -1237,7 +1240,7 @@
           <a:blip xmlns:r="http://schemas.openxmlformats.org/officeDocument/2006/relationships" r:embed="rId5">
             <a:extLst>
               <a:ext uri="{96DAC541-7B7A-43D3-8B79-37D633B846F1}">
-                <asvg:svgBlip xmlns:asvg="http://schemas.microsoft.com/office/drawing/2016/SVG/main" xmlns="" r:embed="rId6"/>
+                <asvg:svgBlip xmlns="" xmlns:asvg="http://schemas.microsoft.com/office/drawing/2016/SVG/main" r:embed="rId6"/>
               </a:ext>
             </a:extLst>
           </a:blip>
@@ -1287,7 +1290,7 @@
           <a:blip xmlns:r="http://schemas.openxmlformats.org/officeDocument/2006/relationships" r:embed="rId7">
             <a:extLst>
               <a:ext uri="{96DAC541-7B7A-43D3-8B79-37D633B846F1}">
-                <asvg:svgBlip xmlns:asvg="http://schemas.microsoft.com/office/drawing/2016/SVG/main" xmlns="" r:embed="rId8"/>
+                <asvg:svgBlip xmlns="" xmlns:asvg="http://schemas.microsoft.com/office/drawing/2016/SVG/main" r:embed="rId8"/>
               </a:ext>
             </a:extLst>
           </a:blip>
@@ -1388,7 +1391,7 @@
           <a:blip xmlns:r="http://schemas.openxmlformats.org/officeDocument/2006/relationships" r:embed="rId1">
             <a:extLst>
               <a:ext uri="{96DAC541-7B7A-43D3-8B79-37D633B846F1}">
-                <asvg:svgBlip xmlns:asvg="http://schemas.microsoft.com/office/drawing/2016/SVG/main" xmlns="" r:embed="rId2"/>
+                <asvg:svgBlip xmlns="" xmlns:asvg="http://schemas.microsoft.com/office/drawing/2016/SVG/main" r:embed="rId2"/>
               </a:ext>
             </a:extLst>
           </a:blip>
@@ -1519,7 +1522,7 @@
                 <a14:useLocalDpi xmlns:a14="http://schemas.microsoft.com/office/drawing/2010/main" val="0"/>
               </a:ext>
               <a:ext uri="{96DAC541-7B7A-43D3-8B79-37D633B846F1}">
-                <asvg:svgBlip xmlns:asvg="http://schemas.microsoft.com/office/drawing/2016/SVG/main" xmlns="" r:embed="rId4"/>
+                <asvg:svgBlip xmlns="" xmlns:asvg="http://schemas.microsoft.com/office/drawing/2016/SVG/main" r:embed="rId4"/>
               </a:ext>
             </a:extLst>
           </a:blip>
@@ -1639,7 +1642,7 @@
           <a:blip xmlns:r="http://schemas.openxmlformats.org/officeDocument/2006/relationships" r:embed="rId5">
             <a:extLst>
               <a:ext uri="{96DAC541-7B7A-43D3-8B79-37D633B846F1}">
-                <asvg:svgBlip xmlns:asvg="http://schemas.microsoft.com/office/drawing/2016/SVG/main" xmlns="" r:embed="rId6"/>
+                <asvg:svgBlip xmlns="" xmlns:asvg="http://schemas.microsoft.com/office/drawing/2016/SVG/main" r:embed="rId6"/>
               </a:ext>
             </a:extLst>
           </a:blip>
@@ -1767,7 +1770,7 @@
           <a:blip xmlns:r="http://schemas.openxmlformats.org/officeDocument/2006/relationships" r:embed="rId7">
             <a:extLst>
               <a:ext uri="{96DAC541-7B7A-43D3-8B79-37D633B846F1}">
-                <asvg:svgBlip xmlns:asvg="http://schemas.microsoft.com/office/drawing/2016/SVG/main" xmlns="" r:embed="rId8"/>
+                <asvg:svgBlip xmlns="" xmlns:asvg="http://schemas.microsoft.com/office/drawing/2016/SVG/main" r:embed="rId8"/>
               </a:ext>
             </a:extLst>
           </a:blip>
@@ -2052,7 +2055,7 @@
   </dgm:layoutNode>
   <dgm:extLst>
     <a:ext uri="{68A01E43-0DF5-4B5B-8FA6-DAF915123BFB}">
-      <dgm1612:lstStyle xmlns:dgm1612="http://schemas.microsoft.com/office/drawing/2016/12/diagram" xmlns="">
+      <dgm1612:lstStyle xmlns="" xmlns:dgm1612="http://schemas.microsoft.com/office/drawing/2016/12/diagram">
         <a:lvl1pPr>
           <a:lnSpc>
             <a:spcPct val="100000"/>
@@ -3599,7 +3602,7 @@
             <a:fld id="{B61BEF0D-F0BB-DE4B-95CE-6DB70DBA9567}" type="datetimeFigureOut">
               <a:rPr lang="en-US" dirty="0"/>
               <a:pPr/>
-              <a:t>8/19/2020</a:t>
+              <a:t>8/28/2020</a:t>
             </a:fld>
             <a:endParaRPr lang="en-US"/>
           </a:p>
@@ -3892,7 +3895,7 @@
             <a:fld id="{B61BEF0D-F0BB-DE4B-95CE-6DB70DBA9567}" type="datetimeFigureOut">
               <a:rPr lang="en-US" dirty="0"/>
               <a:pPr/>
-              <a:t>8/19/2020</a:t>
+              <a:t>8/28/2020</a:t>
             </a:fld>
             <a:endParaRPr lang="en-US"/>
           </a:p>
@@ -4141,7 +4144,7 @@
             <a:fld id="{B61BEF0D-F0BB-DE4B-95CE-6DB70DBA9567}" type="datetimeFigureOut">
               <a:rPr lang="en-US" dirty="0"/>
               <a:pPr/>
-              <a:t>8/19/2020</a:t>
+              <a:t>8/28/2020</a:t>
             </a:fld>
             <a:endParaRPr lang="en-US"/>
           </a:p>
@@ -4682,7 +4685,7 @@
             <a:fld id="{B61BEF0D-F0BB-DE4B-95CE-6DB70DBA9567}" type="datetimeFigureOut">
               <a:rPr lang="en-US" dirty="0"/>
               <a:pPr/>
-              <a:t>8/19/2020</a:t>
+              <a:t>8/28/2020</a:t>
             </a:fld>
             <a:endParaRPr lang="en-US"/>
           </a:p>
@@ -4931,7 +4934,7 @@
             <a:fld id="{B61BEF0D-F0BB-DE4B-95CE-6DB70DBA9567}" type="datetimeFigureOut">
               <a:rPr lang="en-US" dirty="0"/>
               <a:pPr/>
-              <a:t>8/19/2020</a:t>
+              <a:t>8/28/2020</a:t>
             </a:fld>
             <a:endParaRPr lang="en-US"/>
           </a:p>
@@ -5464,7 +5467,7 @@
             <a:fld id="{B61BEF0D-F0BB-DE4B-95CE-6DB70DBA9567}" type="datetimeFigureOut">
               <a:rPr lang="en-US" dirty="0"/>
               <a:pPr/>
-              <a:t>8/19/2020</a:t>
+              <a:t>8/28/2020</a:t>
             </a:fld>
             <a:endParaRPr lang="en-US"/>
           </a:p>
@@ -5762,7 +5765,7 @@
             <a:fld id="{B61BEF0D-F0BB-DE4B-95CE-6DB70DBA9567}" type="datetimeFigureOut">
               <a:rPr lang="en-US" dirty="0"/>
               <a:pPr/>
-              <a:t>8/19/2020</a:t>
+              <a:t>8/28/2020</a:t>
             </a:fld>
             <a:endParaRPr lang="en-US"/>
           </a:p>
@@ -5936,7 +5939,7 @@
             <a:fld id="{B61BEF0D-F0BB-DE4B-95CE-6DB70DBA9567}" type="datetimeFigureOut">
               <a:rPr lang="en-US" dirty="0"/>
               <a:pPr/>
-              <a:t>8/19/2020</a:t>
+              <a:t>8/28/2020</a:t>
             </a:fld>
             <a:endParaRPr lang="en-US"/>
           </a:p>
@@ -6116,7 +6119,7 @@
             <a:fld id="{B61BEF0D-F0BB-DE4B-95CE-6DB70DBA9567}" type="datetimeFigureOut">
               <a:rPr lang="en-US" dirty="0"/>
               <a:pPr/>
-              <a:t>8/19/2020</a:t>
+              <a:t>8/28/2020</a:t>
             </a:fld>
             <a:endParaRPr lang="en-US"/>
           </a:p>
@@ -6358,7 +6361,7 @@
             <a:fld id="{1D8BD707-D9CF-40AE-B4C6-C98DA3205C09}" type="datetimeFigureOut">
               <a:rPr lang="en-US" smtClean="0"/>
               <a:pPr/>
-              <a:t>8/19/2020</a:t>
+              <a:t>8/28/2020</a:t>
             </a:fld>
             <a:endParaRPr lang="en-US"/>
           </a:p>
@@ -6523,7 +6526,7 @@
             <a:fld id="{1D8BD707-D9CF-40AE-B4C6-C98DA3205C09}" type="datetimeFigureOut">
               <a:rPr lang="en-US" smtClean="0"/>
               <a:pPr/>
-              <a:t>8/19/2020</a:t>
+              <a:t>8/28/2020</a:t>
             </a:fld>
             <a:endParaRPr lang="en-US"/>
           </a:p>
@@ -6688,7 +6691,7 @@
             <a:fld id="{B61BEF0D-F0BB-DE4B-95CE-6DB70DBA9567}" type="datetimeFigureOut">
               <a:rPr lang="en-US" dirty="0"/>
               <a:pPr/>
-              <a:t>8/19/2020</a:t>
+              <a:t>8/28/2020</a:t>
             </a:fld>
             <a:endParaRPr lang="en-US"/>
           </a:p>
@@ -6940,7 +6943,7 @@
             <a:fld id="{1D8BD707-D9CF-40AE-B4C6-C98DA3205C09}" type="datetimeFigureOut">
               <a:rPr lang="en-US" smtClean="0"/>
               <a:pPr/>
-              <a:t>8/19/2020</a:t>
+              <a:t>8/28/2020</a:t>
             </a:fld>
             <a:endParaRPr lang="en-US"/>
           </a:p>
@@ -7222,7 +7225,7 @@
             <a:fld id="{1D8BD707-D9CF-40AE-B4C6-C98DA3205C09}" type="datetimeFigureOut">
               <a:rPr lang="en-US" smtClean="0"/>
               <a:pPr/>
-              <a:t>8/19/2020</a:t>
+              <a:t>8/28/2020</a:t>
             </a:fld>
             <a:endParaRPr lang="en-US"/>
           </a:p>
@@ -7638,7 +7641,7 @@
             <a:fld id="{1D8BD707-D9CF-40AE-B4C6-C98DA3205C09}" type="datetimeFigureOut">
               <a:rPr lang="en-US" smtClean="0"/>
               <a:pPr/>
-              <a:t>8/19/2020</a:t>
+              <a:t>8/28/2020</a:t>
             </a:fld>
             <a:endParaRPr lang="en-US"/>
           </a:p>
@@ -7752,7 +7755,7 @@
             <a:fld id="{1D8BD707-D9CF-40AE-B4C6-C98DA3205C09}" type="datetimeFigureOut">
               <a:rPr lang="en-US" smtClean="0"/>
               <a:pPr/>
-              <a:t>8/19/2020</a:t>
+              <a:t>8/28/2020</a:t>
             </a:fld>
             <a:endParaRPr lang="en-US"/>
           </a:p>
@@ -7844,7 +7847,7 @@
             <a:fld id="{1D8BD707-D9CF-40AE-B4C6-C98DA3205C09}" type="datetimeFigureOut">
               <a:rPr lang="en-US" smtClean="0"/>
               <a:pPr/>
-              <a:t>8/19/2020</a:t>
+              <a:t>8/28/2020</a:t>
             </a:fld>
             <a:endParaRPr lang="en-US"/>
           </a:p>
@@ -8116,7 +8119,7 @@
             <a:fld id="{1D8BD707-D9CF-40AE-B4C6-C98DA3205C09}" type="datetimeFigureOut">
               <a:rPr lang="en-US" smtClean="0"/>
               <a:pPr/>
-              <a:t>8/19/2020</a:t>
+              <a:t>8/28/2020</a:t>
             </a:fld>
             <a:endParaRPr lang="en-US"/>
           </a:p>
@@ -8365,7 +8368,7 @@
             <a:fld id="{1D8BD707-D9CF-40AE-B4C6-C98DA3205C09}" type="datetimeFigureOut">
               <a:rPr lang="en-US" smtClean="0"/>
               <a:pPr/>
-              <a:t>8/19/2020</a:t>
+              <a:t>8/28/2020</a:t>
             </a:fld>
             <a:endParaRPr lang="en-US"/>
           </a:p>
@@ -8530,7 +8533,7 @@
             <a:fld id="{1D8BD707-D9CF-40AE-B4C6-C98DA3205C09}" type="datetimeFigureOut">
               <a:rPr lang="en-US" smtClean="0"/>
               <a:pPr/>
-              <a:t>8/19/2020</a:t>
+              <a:t>8/28/2020</a:t>
             </a:fld>
             <a:endParaRPr lang="en-US"/>
           </a:p>
@@ -8705,7 +8708,7 @@
             <a:fld id="{1D8BD707-D9CF-40AE-B4C6-C98DA3205C09}" type="datetimeFigureOut">
               <a:rPr lang="en-US" smtClean="0"/>
               <a:pPr/>
-              <a:t>8/19/2020</a:t>
+              <a:t>8/28/2020</a:t>
             </a:fld>
             <a:endParaRPr lang="en-US"/>
           </a:p>
@@ -8947,7 +8950,7 @@
             <a:fld id="{B61BEF0D-F0BB-DE4B-95CE-6DB70DBA9567}" type="datetimeFigureOut">
               <a:rPr lang="en-US" dirty="0"/>
               <a:pPr/>
-              <a:t>8/19/2020</a:t>
+              <a:t>8/28/2020</a:t>
             </a:fld>
             <a:endParaRPr lang="en-US"/>
           </a:p>
@@ -9243,7 +9246,7 @@
             <a:fld id="{B61BEF0D-F0BB-DE4B-95CE-6DB70DBA9567}" type="datetimeFigureOut">
               <a:rPr lang="en-US" dirty="0"/>
               <a:pPr/>
-              <a:t>8/19/2020</a:t>
+              <a:t>8/28/2020</a:t>
             </a:fld>
             <a:endParaRPr lang="en-US"/>
           </a:p>
@@ -9684,7 +9687,7 @@
             <a:fld id="{B61BEF0D-F0BB-DE4B-95CE-6DB70DBA9567}" type="datetimeFigureOut">
               <a:rPr lang="en-US" dirty="0"/>
               <a:pPr/>
-              <a:t>8/19/2020</a:t>
+              <a:t>8/28/2020</a:t>
             </a:fld>
             <a:endParaRPr lang="en-US"/>
           </a:p>
@@ -9803,7 +9806,7 @@
             <a:fld id="{B61BEF0D-F0BB-DE4B-95CE-6DB70DBA9567}" type="datetimeFigureOut">
               <a:rPr lang="en-US" dirty="0"/>
               <a:pPr/>
-              <a:t>8/19/2020</a:t>
+              <a:t>8/28/2020</a:t>
             </a:fld>
             <a:endParaRPr lang="en-US"/>
           </a:p>
@@ -9900,7 +9903,7 @@
             <a:fld id="{B61BEF0D-F0BB-DE4B-95CE-6DB70DBA9567}" type="datetimeFigureOut">
               <a:rPr lang="en-US" dirty="0"/>
               <a:pPr/>
-              <a:t>8/19/2020</a:t>
+              <a:t>8/28/2020</a:t>
             </a:fld>
             <a:endParaRPr lang="en-US"/>
           </a:p>
@@ -10183,7 +10186,7 @@
             <a:fld id="{B61BEF0D-F0BB-DE4B-95CE-6DB70DBA9567}" type="datetimeFigureOut">
               <a:rPr lang="en-US" dirty="0"/>
               <a:pPr/>
-              <a:t>8/19/2020</a:t>
+              <a:t>8/28/2020</a:t>
             </a:fld>
             <a:endParaRPr lang="en-US"/>
           </a:p>
@@ -10471,7 +10474,7 @@
             <a:fld id="{B61BEF0D-F0BB-DE4B-95CE-6DB70DBA9567}" type="datetimeFigureOut">
               <a:rPr lang="en-US" dirty="0"/>
               <a:pPr/>
-              <a:t>8/19/2020</a:t>
+              <a:t>8/28/2020</a:t>
             </a:fld>
             <a:endParaRPr lang="en-US"/>
           </a:p>
@@ -11001,7 +11004,7 @@
             <a:fld id="{B61BEF0D-F0BB-DE4B-95CE-6DB70DBA9567}" type="datetimeFigureOut">
               <a:rPr lang="en-US" dirty="0"/>
               <a:pPr/>
-              <a:t>8/19/2020</a:t>
+              <a:t>8/28/2020</a:t>
             </a:fld>
             <a:endParaRPr lang="en-US"/>
           </a:p>
@@ -11667,7 +11670,7 @@
             <a:fld id="{1D8BD707-D9CF-40AE-B4C6-C98DA3205C09}" type="datetimeFigureOut">
               <a:rPr lang="en-US" smtClean="0"/>
               <a:pPr/>
-              <a:t>8/19/2020</a:t>
+              <a:t>8/28/2020</a:t>
             </a:fld>
             <a:endParaRPr lang="en-US"/>
           </a:p>
@@ -12054,7 +12057,7 @@
                 <a16:creationId xmlns:a16="http://schemas.microsoft.com/office/drawing/2014/main" id="{E9D059B6-ADD8-488A-B346-63289E90D13F}"/>
               </a:ext>
               <a:ext uri="{C183D7F6-B498-43B3-948B-1728B52AA6E4}">
-                <adec:decorative xmlns:adec="http://schemas.microsoft.com/office/drawing/2017/decorative" xmlns="" val="1"/>
+                <adec:decorative xmlns="" xmlns:adec="http://schemas.microsoft.com/office/drawing/2017/decorative" val="1"/>
               </a:ext>
             </a:extLst>
           </p:cNvPr>
@@ -12085,7 +12088,7 @@
                   <a16:creationId xmlns:a16="http://schemas.microsoft.com/office/drawing/2014/main" id="{F69B42B4-BC82-4495-A6F9-A28167B56A0E}"/>
                 </a:ext>
                 <a:ext uri="{C183D7F6-B498-43B3-948B-1728B52AA6E4}">
-                  <adec:decorative xmlns:adec="http://schemas.microsoft.com/office/drawing/2017/decorative" xmlns="" val="1"/>
+                  <adec:decorative xmlns="" xmlns:adec="http://schemas.microsoft.com/office/drawing/2017/decorative" val="1"/>
                 </a:ext>
               </a:extLst>
             </p:cNvPr>
@@ -12146,7 +12149,7 @@
                   <a16:creationId xmlns:a16="http://schemas.microsoft.com/office/drawing/2014/main" id="{83CC168C-2AD4-4FFB-9F25-420ED6514C7D}"/>
                 </a:ext>
                 <a:ext uri="{C183D7F6-B498-43B3-948B-1728B52AA6E4}">
-                  <adec:decorative xmlns:adec="http://schemas.microsoft.com/office/drawing/2017/decorative" xmlns="" val="1"/>
+                  <adec:decorative xmlns="" xmlns:adec="http://schemas.microsoft.com/office/drawing/2017/decorative" val="1"/>
                 </a:ext>
               </a:extLst>
             </p:cNvPr>
@@ -12213,7 +12216,7 @@
                   <a16:creationId xmlns:a16="http://schemas.microsoft.com/office/drawing/2014/main" id="{6C9F369A-6158-4AE8-BA04-138A9DFFAE05}"/>
                 </a:ext>
                 <a:ext uri="{C183D7F6-B498-43B3-948B-1728B52AA6E4}">
-                  <adec:decorative xmlns:adec="http://schemas.microsoft.com/office/drawing/2017/decorative" xmlns="" val="1"/>
+                  <adec:decorative xmlns="" xmlns:adec="http://schemas.microsoft.com/office/drawing/2017/decorative" val="1"/>
                 </a:ext>
               </a:extLst>
             </p:cNvPr>
@@ -12274,7 +12277,7 @@
                   <a16:creationId xmlns:a16="http://schemas.microsoft.com/office/drawing/2014/main" id="{FC7B1DF4-AD98-42A8-820F-667A3DCC40AC}"/>
                 </a:ext>
                 <a:ext uri="{C183D7F6-B498-43B3-948B-1728B52AA6E4}">
-                  <adec:decorative xmlns:adec="http://schemas.microsoft.com/office/drawing/2017/decorative" xmlns="" val="1"/>
+                  <adec:decorative xmlns="" xmlns:adec="http://schemas.microsoft.com/office/drawing/2017/decorative" val="1"/>
                 </a:ext>
               </a:extLst>
             </p:cNvPr>
@@ -12334,7 +12337,7 @@
                   <a16:creationId xmlns:a16="http://schemas.microsoft.com/office/drawing/2014/main" id="{61C58B74-3656-4FD5-AC47-EE3A59EBB818}"/>
                 </a:ext>
                 <a:ext uri="{C183D7F6-B498-43B3-948B-1728B52AA6E4}">
-                  <adec:decorative xmlns:adec="http://schemas.microsoft.com/office/drawing/2017/decorative" xmlns="" val="1"/>
+                  <adec:decorative xmlns="" xmlns:adec="http://schemas.microsoft.com/office/drawing/2017/decorative" val="1"/>
                 </a:ext>
               </a:extLst>
             </p:cNvPr>
@@ -12400,7 +12403,7 @@
                   <a16:creationId xmlns:a16="http://schemas.microsoft.com/office/drawing/2014/main" id="{8B349A01-D803-4A18-B608-47BFCED43435}"/>
                 </a:ext>
                 <a:ext uri="{C183D7F6-B498-43B3-948B-1728B52AA6E4}">
-                  <adec:decorative xmlns:adec="http://schemas.microsoft.com/office/drawing/2017/decorative" xmlns="" val="1"/>
+                  <adec:decorative xmlns="" xmlns:adec="http://schemas.microsoft.com/office/drawing/2017/decorative" val="1"/>
                 </a:ext>
               </a:extLst>
             </p:cNvPr>
@@ -12474,7 +12477,7 @@
                 <a16:creationId xmlns:a16="http://schemas.microsoft.com/office/drawing/2014/main" id="{E67A1FC6-22FB-4EA7-B90A-C9F18FBEF30F}"/>
               </a:ext>
               <a:ext uri="{C183D7F6-B498-43B3-948B-1728B52AA6E4}">
-                <adec:decorative xmlns:adec="http://schemas.microsoft.com/office/drawing/2017/decorative" xmlns="" val="1"/>
+                <adec:decorative xmlns="" xmlns:adec="http://schemas.microsoft.com/office/drawing/2017/decorative" val="1"/>
               </a:ext>
             </a:extLst>
           </p:cNvPr>
@@ -12534,7 +12537,7 @@
                 <a16:creationId xmlns:a16="http://schemas.microsoft.com/office/drawing/2014/main" id="{6246FDC4-DD97-431A-914A-9EB57A4A3C7C}"/>
               </a:ext>
               <a:ext uri="{C183D7F6-B498-43B3-948B-1728B52AA6E4}">
-                <adec:decorative xmlns:adec="http://schemas.microsoft.com/office/drawing/2017/decorative" xmlns="" val="1"/>
+                <adec:decorative xmlns="" xmlns:adec="http://schemas.microsoft.com/office/drawing/2017/decorative" val="1"/>
               </a:ext>
             </a:extLst>
           </p:cNvPr>
@@ -12782,7 +12785,7 @@
                 <a16:creationId xmlns:a16="http://schemas.microsoft.com/office/drawing/2014/main" id="{CD4E68A2-74B0-42F5-BB75-2E1A7C2018C7}"/>
               </a:ext>
               <a:ext uri="{C183D7F6-B498-43B3-948B-1728B52AA6E4}">
-                <adec:decorative xmlns:adec="http://schemas.microsoft.com/office/drawing/2017/decorative" xmlns="" val="1"/>
+                <adec:decorative xmlns="" xmlns:adec="http://schemas.microsoft.com/office/drawing/2017/decorative" val="1"/>
               </a:ext>
             </a:extLst>
           </p:cNvPr>
@@ -13279,7 +13282,7 @@
           <a:blip r:embed="rId2">
             <a:extLst>
               <a:ext uri="{96DAC541-7B7A-43D3-8B79-37D633B846F1}">
-                <asvg:svgBlip xmlns:asvg="http://schemas.microsoft.com/office/drawing/2016/SVG/main" xmlns="" r:embed="rId8"/>
+                <asvg:svgBlip xmlns="" xmlns:asvg="http://schemas.microsoft.com/office/drawing/2016/SVG/main" r:embed="rId8"/>
               </a:ext>
             </a:extLst>
           </a:blip>
@@ -13308,7 +13311,7 @@
     <a:overrideClrMapping bg1="dk1" tx1="lt1" bg2="dk2" tx2="lt2" accent1="accent1" accent2="accent2" accent3="accent3" accent4="accent4" accent5="accent5" accent6="accent6" hlink="hlink" folHlink="folHlink"/>
   </p:clrMapOvr>
   <mc:AlternateContent xmlns:mc="http://schemas.openxmlformats.org/markup-compatibility/2006">
-    <mc:Choice xmlns:p159="http://schemas.microsoft.com/office/powerpoint/2015/09/main" xmlns="" Requires="p159">
+    <mc:Choice xmlns="" xmlns:p159="http://schemas.microsoft.com/office/powerpoint/2015/09/main" Requires="p159">
       <p:transition xmlns:p14="http://schemas.microsoft.com/office/powerpoint/2010/main" spd="slow" p14:dur="2000">
         <p159:morph option="byObject"/>
       </p:transition>
@@ -13368,7 +13371,7 @@
                 <a16:creationId xmlns:a16="http://schemas.microsoft.com/office/drawing/2014/main" id="{6AD30037-67ED-4367-9BE0-45787510BF13}"/>
               </a:ext>
               <a:ext uri="{C183D7F6-B498-43B3-948B-1728B52AA6E4}">
-                <adec:decorative xmlns:adec="http://schemas.microsoft.com/office/drawing/2017/decorative" xmlns="" val="1"/>
+                <adec:decorative xmlns="" xmlns:adec="http://schemas.microsoft.com/office/drawing/2017/decorative" val="1"/>
               </a:ext>
             </a:extLst>
           </p:cNvPr>
@@ -13481,7 +13484,7 @@
                 <a16:creationId xmlns:a16="http://schemas.microsoft.com/office/drawing/2014/main" id="{50841A4E-5BC1-44B4-83CF-D524E8AEAD64}"/>
               </a:ext>
               <a:ext uri="{C183D7F6-B498-43B3-948B-1728B52AA6E4}">
-                <adec:decorative xmlns:adec="http://schemas.microsoft.com/office/drawing/2017/decorative" xmlns="" val="1"/>
+                <adec:decorative xmlns="" xmlns:adec="http://schemas.microsoft.com/office/drawing/2017/decorative" val="1"/>
               </a:ext>
             </a:extLst>
           </p:cNvPr>
@@ -13512,7 +13515,7 @@
                   <a16:creationId xmlns:a16="http://schemas.microsoft.com/office/drawing/2014/main" id="{BF371BCC-8954-44E2-8C4F-29DC188727AC}"/>
                 </a:ext>
                 <a:ext uri="{C183D7F6-B498-43B3-948B-1728B52AA6E4}">
-                  <adec:decorative xmlns:adec="http://schemas.microsoft.com/office/drawing/2017/decorative" xmlns="" val="1"/>
+                  <adec:decorative xmlns="" xmlns:adec="http://schemas.microsoft.com/office/drawing/2017/decorative" val="1"/>
                 </a:ext>
               </a:extLst>
             </p:cNvPr>
@@ -13573,7 +13576,7 @@
                   <a16:creationId xmlns:a16="http://schemas.microsoft.com/office/drawing/2014/main" id="{CD3505BE-B420-41C5-BE34-3E7652D37A5F}"/>
                 </a:ext>
                 <a:ext uri="{C183D7F6-B498-43B3-948B-1728B52AA6E4}">
-                  <adec:decorative xmlns:adec="http://schemas.microsoft.com/office/drawing/2017/decorative" xmlns="" val="1"/>
+                  <adec:decorative xmlns="" xmlns:adec="http://schemas.microsoft.com/office/drawing/2017/decorative" val="1"/>
                 </a:ext>
               </a:extLst>
             </p:cNvPr>
@@ -13637,7 +13640,7 @@
                   <a16:creationId xmlns:a16="http://schemas.microsoft.com/office/drawing/2014/main" id="{4B68A05B-A78B-4D59-8CF9-1900731A2188}"/>
                 </a:ext>
                 <a:ext uri="{C183D7F6-B498-43B3-948B-1728B52AA6E4}">
-                  <adec:decorative xmlns:adec="http://schemas.microsoft.com/office/drawing/2017/decorative" xmlns="" val="1"/>
+                  <adec:decorative xmlns="" xmlns:adec="http://schemas.microsoft.com/office/drawing/2017/decorative" val="1"/>
                 </a:ext>
               </a:extLst>
             </p:cNvPr>
@@ -13698,7 +13701,7 @@
                   <a16:creationId xmlns:a16="http://schemas.microsoft.com/office/drawing/2014/main" id="{84D57A01-C112-4FF2-B5ED-0B762AAD9CE2}"/>
                 </a:ext>
                 <a:ext uri="{C183D7F6-B498-43B3-948B-1728B52AA6E4}">
-                  <adec:decorative xmlns:adec="http://schemas.microsoft.com/office/drawing/2017/decorative" xmlns="" val="1"/>
+                  <adec:decorative xmlns="" xmlns:adec="http://schemas.microsoft.com/office/drawing/2017/decorative" val="1"/>
                 </a:ext>
               </a:extLst>
             </p:cNvPr>
@@ -13758,7 +13761,7 @@
                   <a16:creationId xmlns:a16="http://schemas.microsoft.com/office/drawing/2014/main" id="{6CCCCDF1-5D4F-4CA1-8400-DFBB96BB011D}"/>
                 </a:ext>
                 <a:ext uri="{C183D7F6-B498-43B3-948B-1728B52AA6E4}">
-                  <adec:decorative xmlns:adec="http://schemas.microsoft.com/office/drawing/2017/decorative" xmlns="" val="1"/>
+                  <adec:decorative xmlns="" xmlns:adec="http://schemas.microsoft.com/office/drawing/2017/decorative" val="1"/>
                 </a:ext>
               </a:extLst>
             </p:cNvPr>
@@ -13824,7 +13827,7 @@
                   <a16:creationId xmlns:a16="http://schemas.microsoft.com/office/drawing/2014/main" id="{20A090B2-5344-43CD-BC70-A6D44F15E800}"/>
                 </a:ext>
                 <a:ext uri="{C183D7F6-B498-43B3-948B-1728B52AA6E4}">
-                  <adec:decorative xmlns:adec="http://schemas.microsoft.com/office/drawing/2017/decorative" xmlns="" val="1"/>
+                  <adec:decorative xmlns="" xmlns:adec="http://schemas.microsoft.com/office/drawing/2017/decorative" val="1"/>
                 </a:ext>
               </a:extLst>
             </p:cNvPr>
@@ -14328,7 +14331,7 @@
           <a:blip r:embed="rId4">
             <a:extLst>
               <a:ext uri="{96DAC541-7B7A-43D3-8B79-37D633B846F1}">
-                <asvg:svgBlip xmlns:asvg="http://schemas.microsoft.com/office/drawing/2016/SVG/main" xmlns="" r:embed="rId8"/>
+                <asvg:svgBlip xmlns="" xmlns:asvg="http://schemas.microsoft.com/office/drawing/2016/SVG/main" r:embed="rId8"/>
               </a:ext>
             </a:extLst>
           </a:blip>
@@ -14392,7 +14395,7 @@
                 <a16:creationId xmlns:a16="http://schemas.microsoft.com/office/drawing/2014/main" id="{2FCD9B94-D70B-4446-85E5-ACD3904289CB}"/>
               </a:ext>
               <a:ext uri="{C183D7F6-B498-43B3-948B-1728B52AA6E4}">
-                <adec:decorative xmlns:adec="http://schemas.microsoft.com/office/drawing/2017/decorative" xmlns="" val="1"/>
+                <adec:decorative xmlns="" xmlns:adec="http://schemas.microsoft.com/office/drawing/2017/decorative" val="1"/>
               </a:ext>
             </a:extLst>
           </p:cNvPr>
@@ -14694,7 +14697,7 @@
           <a:blip r:embed="rId7">
             <a:extLst>
               <a:ext uri="{96DAC541-7B7A-43D3-8B79-37D633B846F1}">
-                <asvg:svgBlip xmlns:asvg="http://schemas.microsoft.com/office/drawing/2016/SVG/main" xmlns="" r:embed="rId8"/>
+                <asvg:svgBlip xmlns="" xmlns:asvg="http://schemas.microsoft.com/office/drawing/2016/SVG/main" r:embed="rId8"/>
               </a:ext>
             </a:extLst>
           </a:blip>
@@ -16214,7 +16217,7 @@
           <a:blip r:embed="rId2">
             <a:extLst>
               <a:ext uri="{96DAC541-7B7A-43D3-8B79-37D633B846F1}">
-                <asvg:svgBlip xmlns:asvg="http://schemas.microsoft.com/office/drawing/2016/SVG/main" xmlns="" r:embed="rId8"/>
+                <asvg:svgBlip xmlns="" xmlns:asvg="http://schemas.microsoft.com/office/drawing/2016/SVG/main" r:embed="rId8"/>
               </a:ext>
             </a:extLst>
           </a:blip>
@@ -16344,6 +16347,183 @@
     <p:extLst>
       <p:ext uri="{BB962C8B-B14F-4D97-AF65-F5344CB8AC3E}">
         <p14:creationId xmlns:p14="http://schemas.microsoft.com/office/powerpoint/2010/main" val="791870045"/>
+      </p:ext>
+    </p:extLst>
+  </p:cSld>
+  <p:clrMapOvr>
+    <a:masterClrMapping/>
+  </p:clrMapOvr>
+</p:sld>
+</file>
+
+<file path=ppt/slides/slide5.xml><?xml version="1.0" encoding="utf-8"?>
+<p:sld xmlns:a="http://schemas.openxmlformats.org/drawingml/2006/main" xmlns:r="http://schemas.openxmlformats.org/officeDocument/2006/relationships" xmlns:p="http://schemas.openxmlformats.org/presentationml/2006/main">
+  <p:cSld>
+    <p:spTree>
+      <p:nvGrpSpPr>
+        <p:cNvPr id="1" name=""/>
+        <p:cNvGrpSpPr/>
+        <p:nvPr/>
+      </p:nvGrpSpPr>
+      <p:grpSpPr>
+        <a:xfrm>
+          <a:off x="0" y="0"/>
+          <a:ext cx="0" cy="0"/>
+          <a:chOff x="0" y="0"/>
+          <a:chExt cx="0" cy="0"/>
+        </a:xfrm>
+      </p:grpSpPr>
+      <p:pic>
+        <p:nvPicPr>
+          <p:cNvPr id="2" name="Imagem 1"/>
+          <p:cNvPicPr>
+            <a:picLocks noChangeAspect="1"/>
+          </p:cNvPicPr>
+          <p:nvPr/>
+        </p:nvPicPr>
+        <p:blipFill rotWithShape="1">
+          <a:blip r:embed="rId2">
+            <a:extLst>
+              <a:ext uri="{28A0092B-C50C-407E-A947-70E740481C1C}">
+                <a14:useLocalDpi xmlns:a14="http://schemas.microsoft.com/office/drawing/2010/main" val="0"/>
+              </a:ext>
+            </a:extLst>
+          </a:blip>
+          <a:srcRect l="14540" t="20990" r="7757" b="594"/>
+          <a:stretch/>
+        </p:blipFill>
+        <p:spPr>
+          <a:xfrm>
+            <a:off x="263236" y="0"/>
+            <a:ext cx="11762509" cy="6809873"/>
+          </a:xfrm>
+          <a:prstGeom prst="rect">
+            <a:avLst/>
+          </a:prstGeom>
+        </p:spPr>
+      </p:pic>
+    </p:spTree>
+    <p:extLst>
+      <p:ext uri="{BB962C8B-B14F-4D97-AF65-F5344CB8AC3E}">
+        <p14:creationId xmlns:p14="http://schemas.microsoft.com/office/powerpoint/2010/main" val="2389187419"/>
+      </p:ext>
+    </p:extLst>
+  </p:cSld>
+  <p:clrMapOvr>
+    <a:masterClrMapping/>
+  </p:clrMapOvr>
+</p:sld>
+</file>
+
+<file path=ppt/slides/slide6.xml><?xml version="1.0" encoding="utf-8"?>
+<p:sld xmlns:a="http://schemas.openxmlformats.org/drawingml/2006/main" xmlns:r="http://schemas.openxmlformats.org/officeDocument/2006/relationships" xmlns:p="http://schemas.openxmlformats.org/presentationml/2006/main">
+  <p:cSld>
+    <p:spTree>
+      <p:nvGrpSpPr>
+        <p:cNvPr id="1" name=""/>
+        <p:cNvGrpSpPr/>
+        <p:nvPr/>
+      </p:nvGrpSpPr>
+      <p:grpSpPr>
+        <a:xfrm>
+          <a:off x="0" y="0"/>
+          <a:ext cx="0" cy="0"/>
+          <a:chOff x="0" y="0"/>
+          <a:chExt cx="0" cy="0"/>
+        </a:xfrm>
+      </p:grpSpPr>
+      <p:pic>
+        <p:nvPicPr>
+          <p:cNvPr id="2" name="Imagem 1"/>
+          <p:cNvPicPr>
+            <a:picLocks noChangeAspect="1"/>
+          </p:cNvPicPr>
+          <p:nvPr/>
+        </p:nvPicPr>
+        <p:blipFill rotWithShape="1">
+          <a:blip r:embed="rId2">
+            <a:extLst>
+              <a:ext uri="{28A0092B-C50C-407E-A947-70E740481C1C}">
+                <a14:useLocalDpi xmlns:a14="http://schemas.microsoft.com/office/drawing/2010/main" val="0"/>
+              </a:ext>
+            </a:extLst>
+          </a:blip>
+          <a:srcRect l="14540" t="20990" r="7757" b="594"/>
+          <a:stretch/>
+        </p:blipFill>
+        <p:spPr>
+          <a:xfrm>
+            <a:off x="263236" y="0"/>
+            <a:ext cx="11762509" cy="6809873"/>
+          </a:xfrm>
+          <a:prstGeom prst="rect">
+            <a:avLst/>
+          </a:prstGeom>
+        </p:spPr>
+      </p:pic>
+    </p:spTree>
+    <p:extLst>
+      <p:ext uri="{BB962C8B-B14F-4D97-AF65-F5344CB8AC3E}">
+        <p14:creationId xmlns:p14="http://schemas.microsoft.com/office/powerpoint/2010/main" val="3033505191"/>
+      </p:ext>
+    </p:extLst>
+  </p:cSld>
+  <p:clrMapOvr>
+    <a:masterClrMapping/>
+  </p:clrMapOvr>
+</p:sld>
+</file>
+
+<file path=ppt/slides/slide7.xml><?xml version="1.0" encoding="utf-8"?>
+<p:sld xmlns:a="http://schemas.openxmlformats.org/drawingml/2006/main" xmlns:r="http://schemas.openxmlformats.org/officeDocument/2006/relationships" xmlns:p="http://schemas.openxmlformats.org/presentationml/2006/main">
+  <p:cSld>
+    <p:spTree>
+      <p:nvGrpSpPr>
+        <p:cNvPr id="1" name=""/>
+        <p:cNvGrpSpPr/>
+        <p:nvPr/>
+      </p:nvGrpSpPr>
+      <p:grpSpPr>
+        <a:xfrm>
+          <a:off x="0" y="0"/>
+          <a:ext cx="0" cy="0"/>
+          <a:chOff x="0" y="0"/>
+          <a:chExt cx="0" cy="0"/>
+        </a:xfrm>
+      </p:grpSpPr>
+      <p:pic>
+        <p:nvPicPr>
+          <p:cNvPr id="2" name="Imagem 1"/>
+          <p:cNvPicPr>
+            <a:picLocks noChangeAspect="1"/>
+          </p:cNvPicPr>
+          <p:nvPr/>
+        </p:nvPicPr>
+        <p:blipFill rotWithShape="1">
+          <a:blip r:embed="rId2">
+            <a:extLst>
+              <a:ext uri="{28A0092B-C50C-407E-A947-70E740481C1C}">
+                <a14:useLocalDpi xmlns:a14="http://schemas.microsoft.com/office/drawing/2010/main" val="0"/>
+              </a:ext>
+            </a:extLst>
+          </a:blip>
+          <a:srcRect l="14540" t="20990" r="7757" b="594"/>
+          <a:stretch/>
+        </p:blipFill>
+        <p:spPr>
+          <a:xfrm>
+            <a:off x="263236" y="0"/>
+            <a:ext cx="11762509" cy="6809873"/>
+          </a:xfrm>
+          <a:prstGeom prst="rect">
+            <a:avLst/>
+          </a:prstGeom>
+        </p:spPr>
+      </p:pic>
+    </p:spTree>
+    <p:extLst>
+      <p:ext uri="{BB962C8B-B14F-4D97-AF65-F5344CB8AC3E}">
+        <p14:creationId xmlns:p14="http://schemas.microsoft.com/office/powerpoint/2010/main" val="1051437290"/>
       </p:ext>
     </p:extLst>
   </p:cSld>

--- a/2020_2 Analise de Sistema/Aulas/2020_08_19 Etapas de Aplicação/Ativ(ADS).pptx
+++ b/2020_2 Analise de Sistema/Aulas/2020_08_19 Etapas de Aplicação/Ativ(ADS).pptx
@@ -10,9 +10,10 @@
     <p:sldId id="257" r:id="rId4"/>
     <p:sldId id="260" r:id="rId5"/>
     <p:sldId id="262" r:id="rId6"/>
-    <p:sldId id="263" r:id="rId7"/>
-    <p:sldId id="264" r:id="rId8"/>
-    <p:sldId id="265" r:id="rId9"/>
+    <p:sldId id="266" r:id="rId7"/>
+    <p:sldId id="267" r:id="rId8"/>
+    <p:sldId id="268" r:id="rId9"/>
+    <p:sldId id="269" r:id="rId10"/>
   </p:sldIdLst>
   <p:sldSz cx="12192000" cy="6858000"/>
   <p:notesSz cx="6858000" cy="9144000"/>
@@ -3602,7 +3603,7 @@
             <a:fld id="{B61BEF0D-F0BB-DE4B-95CE-6DB70DBA9567}" type="datetimeFigureOut">
               <a:rPr lang="en-US" dirty="0"/>
               <a:pPr/>
-              <a:t>8/28/2020</a:t>
+              <a:t>8/30/2020</a:t>
             </a:fld>
             <a:endParaRPr lang="en-US"/>
           </a:p>
@@ -3895,7 +3896,7 @@
             <a:fld id="{B61BEF0D-F0BB-DE4B-95CE-6DB70DBA9567}" type="datetimeFigureOut">
               <a:rPr lang="en-US" dirty="0"/>
               <a:pPr/>
-              <a:t>8/28/2020</a:t>
+              <a:t>8/30/2020</a:t>
             </a:fld>
             <a:endParaRPr lang="en-US"/>
           </a:p>
@@ -4144,7 +4145,7 @@
             <a:fld id="{B61BEF0D-F0BB-DE4B-95CE-6DB70DBA9567}" type="datetimeFigureOut">
               <a:rPr lang="en-US" dirty="0"/>
               <a:pPr/>
-              <a:t>8/28/2020</a:t>
+              <a:t>8/30/2020</a:t>
             </a:fld>
             <a:endParaRPr lang="en-US"/>
           </a:p>
@@ -4685,7 +4686,7 @@
             <a:fld id="{B61BEF0D-F0BB-DE4B-95CE-6DB70DBA9567}" type="datetimeFigureOut">
               <a:rPr lang="en-US" dirty="0"/>
               <a:pPr/>
-              <a:t>8/28/2020</a:t>
+              <a:t>8/30/2020</a:t>
             </a:fld>
             <a:endParaRPr lang="en-US"/>
           </a:p>
@@ -4934,7 +4935,7 @@
             <a:fld id="{B61BEF0D-F0BB-DE4B-95CE-6DB70DBA9567}" type="datetimeFigureOut">
               <a:rPr lang="en-US" dirty="0"/>
               <a:pPr/>
-              <a:t>8/28/2020</a:t>
+              <a:t>8/30/2020</a:t>
             </a:fld>
             <a:endParaRPr lang="en-US"/>
           </a:p>
@@ -5467,7 +5468,7 @@
             <a:fld id="{B61BEF0D-F0BB-DE4B-95CE-6DB70DBA9567}" type="datetimeFigureOut">
               <a:rPr lang="en-US" dirty="0"/>
               <a:pPr/>
-              <a:t>8/28/2020</a:t>
+              <a:t>8/30/2020</a:t>
             </a:fld>
             <a:endParaRPr lang="en-US"/>
           </a:p>
@@ -5765,7 +5766,7 @@
             <a:fld id="{B61BEF0D-F0BB-DE4B-95CE-6DB70DBA9567}" type="datetimeFigureOut">
               <a:rPr lang="en-US" dirty="0"/>
               <a:pPr/>
-              <a:t>8/28/2020</a:t>
+              <a:t>8/30/2020</a:t>
             </a:fld>
             <a:endParaRPr lang="en-US"/>
           </a:p>
@@ -5939,7 +5940,7 @@
             <a:fld id="{B61BEF0D-F0BB-DE4B-95CE-6DB70DBA9567}" type="datetimeFigureOut">
               <a:rPr lang="en-US" dirty="0"/>
               <a:pPr/>
-              <a:t>8/28/2020</a:t>
+              <a:t>8/30/2020</a:t>
             </a:fld>
             <a:endParaRPr lang="en-US"/>
           </a:p>
@@ -6119,7 +6120,7 @@
             <a:fld id="{B61BEF0D-F0BB-DE4B-95CE-6DB70DBA9567}" type="datetimeFigureOut">
               <a:rPr lang="en-US" dirty="0"/>
               <a:pPr/>
-              <a:t>8/28/2020</a:t>
+              <a:t>8/30/2020</a:t>
             </a:fld>
             <a:endParaRPr lang="en-US"/>
           </a:p>
@@ -6361,7 +6362,7 @@
             <a:fld id="{1D8BD707-D9CF-40AE-B4C6-C98DA3205C09}" type="datetimeFigureOut">
               <a:rPr lang="en-US" smtClean="0"/>
               <a:pPr/>
-              <a:t>8/28/2020</a:t>
+              <a:t>8/30/2020</a:t>
             </a:fld>
             <a:endParaRPr lang="en-US"/>
           </a:p>
@@ -6526,7 +6527,7 @@
             <a:fld id="{1D8BD707-D9CF-40AE-B4C6-C98DA3205C09}" type="datetimeFigureOut">
               <a:rPr lang="en-US" smtClean="0"/>
               <a:pPr/>
-              <a:t>8/28/2020</a:t>
+              <a:t>8/30/2020</a:t>
             </a:fld>
             <a:endParaRPr lang="en-US"/>
           </a:p>
@@ -6691,7 +6692,7 @@
             <a:fld id="{B61BEF0D-F0BB-DE4B-95CE-6DB70DBA9567}" type="datetimeFigureOut">
               <a:rPr lang="en-US" dirty="0"/>
               <a:pPr/>
-              <a:t>8/28/2020</a:t>
+              <a:t>8/30/2020</a:t>
             </a:fld>
             <a:endParaRPr lang="en-US"/>
           </a:p>
@@ -6943,7 +6944,7 @@
             <a:fld id="{1D8BD707-D9CF-40AE-B4C6-C98DA3205C09}" type="datetimeFigureOut">
               <a:rPr lang="en-US" smtClean="0"/>
               <a:pPr/>
-              <a:t>8/28/2020</a:t>
+              <a:t>8/30/2020</a:t>
             </a:fld>
             <a:endParaRPr lang="en-US"/>
           </a:p>
@@ -7225,7 +7226,7 @@
             <a:fld id="{1D8BD707-D9CF-40AE-B4C6-C98DA3205C09}" type="datetimeFigureOut">
               <a:rPr lang="en-US" smtClean="0"/>
               <a:pPr/>
-              <a:t>8/28/2020</a:t>
+              <a:t>8/30/2020</a:t>
             </a:fld>
             <a:endParaRPr lang="en-US"/>
           </a:p>
@@ -7641,7 +7642,7 @@
             <a:fld id="{1D8BD707-D9CF-40AE-B4C6-C98DA3205C09}" type="datetimeFigureOut">
               <a:rPr lang="en-US" smtClean="0"/>
               <a:pPr/>
-              <a:t>8/28/2020</a:t>
+              <a:t>8/30/2020</a:t>
             </a:fld>
             <a:endParaRPr lang="en-US"/>
           </a:p>
@@ -7755,7 +7756,7 @@
             <a:fld id="{1D8BD707-D9CF-40AE-B4C6-C98DA3205C09}" type="datetimeFigureOut">
               <a:rPr lang="en-US" smtClean="0"/>
               <a:pPr/>
-              <a:t>8/28/2020</a:t>
+              <a:t>8/30/2020</a:t>
             </a:fld>
             <a:endParaRPr lang="en-US"/>
           </a:p>
@@ -7847,7 +7848,7 @@
             <a:fld id="{1D8BD707-D9CF-40AE-B4C6-C98DA3205C09}" type="datetimeFigureOut">
               <a:rPr lang="en-US" smtClean="0"/>
               <a:pPr/>
-              <a:t>8/28/2020</a:t>
+              <a:t>8/30/2020</a:t>
             </a:fld>
             <a:endParaRPr lang="en-US"/>
           </a:p>
@@ -8119,7 +8120,7 @@
             <a:fld id="{1D8BD707-D9CF-40AE-B4C6-C98DA3205C09}" type="datetimeFigureOut">
               <a:rPr lang="en-US" smtClean="0"/>
               <a:pPr/>
-              <a:t>8/28/2020</a:t>
+              <a:t>8/30/2020</a:t>
             </a:fld>
             <a:endParaRPr lang="en-US"/>
           </a:p>
@@ -8368,7 +8369,7 @@
             <a:fld id="{1D8BD707-D9CF-40AE-B4C6-C98DA3205C09}" type="datetimeFigureOut">
               <a:rPr lang="en-US" smtClean="0"/>
               <a:pPr/>
-              <a:t>8/28/2020</a:t>
+              <a:t>8/30/2020</a:t>
             </a:fld>
             <a:endParaRPr lang="en-US"/>
           </a:p>
@@ -8533,7 +8534,7 @@
             <a:fld id="{1D8BD707-D9CF-40AE-B4C6-C98DA3205C09}" type="datetimeFigureOut">
               <a:rPr lang="en-US" smtClean="0"/>
               <a:pPr/>
-              <a:t>8/28/2020</a:t>
+              <a:t>8/30/2020</a:t>
             </a:fld>
             <a:endParaRPr lang="en-US"/>
           </a:p>
@@ -8708,7 +8709,7 @@
             <a:fld id="{1D8BD707-D9CF-40AE-B4C6-C98DA3205C09}" type="datetimeFigureOut">
               <a:rPr lang="en-US" smtClean="0"/>
               <a:pPr/>
-              <a:t>8/28/2020</a:t>
+              <a:t>8/30/2020</a:t>
             </a:fld>
             <a:endParaRPr lang="en-US"/>
           </a:p>
@@ -8950,7 +8951,7 @@
             <a:fld id="{B61BEF0D-F0BB-DE4B-95CE-6DB70DBA9567}" type="datetimeFigureOut">
               <a:rPr lang="en-US" dirty="0"/>
               <a:pPr/>
-              <a:t>8/28/2020</a:t>
+              <a:t>8/30/2020</a:t>
             </a:fld>
             <a:endParaRPr lang="en-US"/>
           </a:p>
@@ -9246,7 +9247,7 @@
             <a:fld id="{B61BEF0D-F0BB-DE4B-95CE-6DB70DBA9567}" type="datetimeFigureOut">
               <a:rPr lang="en-US" dirty="0"/>
               <a:pPr/>
-              <a:t>8/28/2020</a:t>
+              <a:t>8/30/2020</a:t>
             </a:fld>
             <a:endParaRPr lang="en-US"/>
           </a:p>
@@ -9687,7 +9688,7 @@
             <a:fld id="{B61BEF0D-F0BB-DE4B-95CE-6DB70DBA9567}" type="datetimeFigureOut">
               <a:rPr lang="en-US" dirty="0"/>
               <a:pPr/>
-              <a:t>8/28/2020</a:t>
+              <a:t>8/30/2020</a:t>
             </a:fld>
             <a:endParaRPr lang="en-US"/>
           </a:p>
@@ -9806,7 +9807,7 @@
             <a:fld id="{B61BEF0D-F0BB-DE4B-95CE-6DB70DBA9567}" type="datetimeFigureOut">
               <a:rPr lang="en-US" dirty="0"/>
               <a:pPr/>
-              <a:t>8/28/2020</a:t>
+              <a:t>8/30/2020</a:t>
             </a:fld>
             <a:endParaRPr lang="en-US"/>
           </a:p>
@@ -9903,7 +9904,7 @@
             <a:fld id="{B61BEF0D-F0BB-DE4B-95CE-6DB70DBA9567}" type="datetimeFigureOut">
               <a:rPr lang="en-US" dirty="0"/>
               <a:pPr/>
-              <a:t>8/28/2020</a:t>
+              <a:t>8/30/2020</a:t>
             </a:fld>
             <a:endParaRPr lang="en-US"/>
           </a:p>
@@ -10186,7 +10187,7 @@
             <a:fld id="{B61BEF0D-F0BB-DE4B-95CE-6DB70DBA9567}" type="datetimeFigureOut">
               <a:rPr lang="en-US" dirty="0"/>
               <a:pPr/>
-              <a:t>8/28/2020</a:t>
+              <a:t>8/30/2020</a:t>
             </a:fld>
             <a:endParaRPr lang="en-US"/>
           </a:p>
@@ -10474,7 +10475,7 @@
             <a:fld id="{B61BEF0D-F0BB-DE4B-95CE-6DB70DBA9567}" type="datetimeFigureOut">
               <a:rPr lang="en-US" dirty="0"/>
               <a:pPr/>
-              <a:t>8/28/2020</a:t>
+              <a:t>8/30/2020</a:t>
             </a:fld>
             <a:endParaRPr lang="en-US"/>
           </a:p>
@@ -11004,7 +11005,7 @@
             <a:fld id="{B61BEF0D-F0BB-DE4B-95CE-6DB70DBA9567}" type="datetimeFigureOut">
               <a:rPr lang="en-US" dirty="0"/>
               <a:pPr/>
-              <a:t>8/28/2020</a:t>
+              <a:t>8/30/2020</a:t>
             </a:fld>
             <a:endParaRPr lang="en-US"/>
           </a:p>
@@ -11670,7 +11671,7 @@
             <a:fld id="{1D8BD707-D9CF-40AE-B4C6-C98DA3205C09}" type="datetimeFigureOut">
               <a:rPr lang="en-US" smtClean="0"/>
               <a:pPr/>
-              <a:t>8/28/2020</a:t>
+              <a:t>8/30/2020</a:t>
             </a:fld>
             <a:endParaRPr lang="en-US"/>
           </a:p>
@@ -16373,39 +16374,1557 @@
           <a:chExt cx="0" cy="0"/>
         </a:xfrm>
       </p:grpSpPr>
+      <p:sp>
+        <p:nvSpPr>
+          <p:cNvPr id="6" name="Retângulo 5"/>
+          <p:cNvSpPr/>
+          <p:nvPr/>
+        </p:nvSpPr>
+        <p:spPr>
+          <a:xfrm>
+            <a:off x="1071154" y="4429919"/>
+            <a:ext cx="1449977" cy="664595"/>
+          </a:xfrm>
+          <a:prstGeom prst="rect">
+            <a:avLst/>
+          </a:prstGeom>
+          <a:solidFill>
+            <a:srgbClr val="FFFF00"/>
+          </a:solidFill>
+          <a:ln>
+            <a:solidFill>
+              <a:srgbClr val="FFFF00"/>
+            </a:solidFill>
+          </a:ln>
+          <a:effectLst>
+            <a:outerShdw blurRad="50800" dist="38100" dir="5400000" algn="t" rotWithShape="0">
+              <a:prstClr val="black">
+                <a:alpha val="40000"/>
+              </a:prstClr>
+            </a:outerShdw>
+          </a:effectLst>
+        </p:spPr>
+        <p:style>
+          <a:lnRef idx="2">
+            <a:schemeClr val="accent1">
+              <a:shade val="50000"/>
+            </a:schemeClr>
+          </a:lnRef>
+          <a:fillRef idx="1">
+            <a:schemeClr val="accent1"/>
+          </a:fillRef>
+          <a:effectRef idx="0">
+            <a:schemeClr val="accent1"/>
+          </a:effectRef>
+          <a:fontRef idx="minor">
+            <a:schemeClr val="lt1"/>
+          </a:fontRef>
+        </p:style>
+        <p:txBody>
+          <a:bodyPr rtlCol="0" anchor="ctr"/>
+          <a:lstStyle/>
+          <a:p>
+            <a:pPr algn="ctr"/>
+            <a:r>
+              <a:rPr lang="pt-BR" b="1" dirty="0" smtClean="0">
+                <a:solidFill>
+                  <a:schemeClr val="tx1"/>
+                </a:solidFill>
+              </a:rPr>
+              <a:t>Cidadãos</a:t>
+            </a:r>
+            <a:endParaRPr lang="pt-BR" b="1" dirty="0">
+              <a:solidFill>
+                <a:schemeClr val="tx1"/>
+              </a:solidFill>
+            </a:endParaRPr>
+          </a:p>
+        </p:txBody>
+      </p:sp>
+      <p:sp>
+        <p:nvSpPr>
+          <p:cNvPr id="7" name="Retângulo 6"/>
+          <p:cNvSpPr/>
+          <p:nvPr/>
+        </p:nvSpPr>
+        <p:spPr>
+          <a:xfrm>
+            <a:off x="2248988" y="4876517"/>
+            <a:ext cx="1449977" cy="664595"/>
+          </a:xfrm>
+          <a:prstGeom prst="rect">
+            <a:avLst/>
+          </a:prstGeom>
+          <a:solidFill>
+            <a:srgbClr val="FFFF00"/>
+          </a:solidFill>
+          <a:ln>
+            <a:solidFill>
+              <a:srgbClr val="FFFF00"/>
+            </a:solidFill>
+          </a:ln>
+          <a:effectLst>
+            <a:outerShdw blurRad="50800" dist="38100" dir="5400000" algn="t" rotWithShape="0">
+              <a:prstClr val="black">
+                <a:alpha val="40000"/>
+              </a:prstClr>
+            </a:outerShdw>
+          </a:effectLst>
+        </p:spPr>
+        <p:style>
+          <a:lnRef idx="2">
+            <a:schemeClr val="accent1">
+              <a:shade val="50000"/>
+            </a:schemeClr>
+          </a:lnRef>
+          <a:fillRef idx="1">
+            <a:schemeClr val="accent1"/>
+          </a:fillRef>
+          <a:effectRef idx="0">
+            <a:schemeClr val="accent1"/>
+          </a:effectRef>
+          <a:fontRef idx="minor">
+            <a:schemeClr val="lt1"/>
+          </a:fontRef>
+        </p:style>
+        <p:txBody>
+          <a:bodyPr rtlCol="0" anchor="ctr"/>
+          <a:lstStyle/>
+          <a:p>
+            <a:pPr algn="ctr"/>
+            <a:r>
+              <a:rPr lang="pt-BR" b="1" dirty="0" smtClean="0">
+                <a:solidFill>
+                  <a:schemeClr val="tx1"/>
+                </a:solidFill>
+              </a:rPr>
+              <a:t>Profissionais de Saúde</a:t>
+            </a:r>
+            <a:endParaRPr lang="pt-BR" b="1" dirty="0">
+              <a:solidFill>
+                <a:schemeClr val="tx1"/>
+              </a:solidFill>
+            </a:endParaRPr>
+          </a:p>
+        </p:txBody>
+      </p:sp>
+      <p:sp>
+        <p:nvSpPr>
+          <p:cNvPr id="8" name="Retângulo 7"/>
+          <p:cNvSpPr/>
+          <p:nvPr/>
+        </p:nvSpPr>
+        <p:spPr>
+          <a:xfrm>
+            <a:off x="1161506" y="5476240"/>
+            <a:ext cx="1449977" cy="664595"/>
+          </a:xfrm>
+          <a:prstGeom prst="rect">
+            <a:avLst/>
+          </a:prstGeom>
+          <a:solidFill>
+            <a:srgbClr val="FFFF00"/>
+          </a:solidFill>
+          <a:ln>
+            <a:solidFill>
+              <a:srgbClr val="FFFF00"/>
+            </a:solidFill>
+          </a:ln>
+          <a:effectLst>
+            <a:outerShdw blurRad="50800" dist="38100" dir="5400000" algn="t" rotWithShape="0">
+              <a:prstClr val="black">
+                <a:alpha val="40000"/>
+              </a:prstClr>
+            </a:outerShdw>
+          </a:effectLst>
+        </p:spPr>
+        <p:style>
+          <a:lnRef idx="2">
+            <a:schemeClr val="accent1">
+              <a:shade val="50000"/>
+            </a:schemeClr>
+          </a:lnRef>
+          <a:fillRef idx="1">
+            <a:schemeClr val="accent1"/>
+          </a:fillRef>
+          <a:effectRef idx="0">
+            <a:schemeClr val="accent1"/>
+          </a:effectRef>
+          <a:fontRef idx="minor">
+            <a:schemeClr val="lt1"/>
+          </a:fontRef>
+        </p:style>
+        <p:txBody>
+          <a:bodyPr rtlCol="0" anchor="ctr"/>
+          <a:lstStyle/>
+          <a:p>
+            <a:pPr algn="ctr"/>
+            <a:r>
+              <a:rPr lang="pt-BR" sz="1600" b="1" dirty="0" smtClean="0">
+                <a:solidFill>
+                  <a:schemeClr val="tx1"/>
+                </a:solidFill>
+              </a:rPr>
+              <a:t>Equipe ADM na Área da Saúde  </a:t>
+            </a:r>
+            <a:endParaRPr lang="pt-BR" sz="1600" b="1" dirty="0">
+              <a:solidFill>
+                <a:schemeClr val="tx1"/>
+              </a:solidFill>
+            </a:endParaRPr>
+          </a:p>
+        </p:txBody>
+      </p:sp>
+      <p:sp>
+        <p:nvSpPr>
+          <p:cNvPr id="9" name="Retângulo 8"/>
+          <p:cNvSpPr/>
+          <p:nvPr/>
+        </p:nvSpPr>
+        <p:spPr>
+          <a:xfrm>
+            <a:off x="1071154" y="1835966"/>
+            <a:ext cx="1449977" cy="664595"/>
+          </a:xfrm>
+          <a:prstGeom prst="rect">
+            <a:avLst/>
+          </a:prstGeom>
+          <a:solidFill>
+            <a:schemeClr val="accent1"/>
+          </a:solidFill>
+          <a:ln>
+            <a:solidFill>
+              <a:schemeClr val="accent1"/>
+            </a:solidFill>
+          </a:ln>
+          <a:effectLst>
+            <a:outerShdw blurRad="50800" dist="38100" dir="5400000" algn="t" rotWithShape="0">
+              <a:prstClr val="black">
+                <a:alpha val="40000"/>
+              </a:prstClr>
+            </a:outerShdw>
+          </a:effectLst>
+        </p:spPr>
+        <p:style>
+          <a:lnRef idx="2">
+            <a:schemeClr val="accent1">
+              <a:shade val="50000"/>
+            </a:schemeClr>
+          </a:lnRef>
+          <a:fillRef idx="1">
+            <a:schemeClr val="accent1"/>
+          </a:fillRef>
+          <a:effectRef idx="0">
+            <a:schemeClr val="accent1"/>
+          </a:effectRef>
+          <a:fontRef idx="minor">
+            <a:schemeClr val="lt1"/>
+          </a:fontRef>
+        </p:style>
+        <p:txBody>
+          <a:bodyPr rtlCol="0" anchor="ctr"/>
+          <a:lstStyle/>
+          <a:p>
+            <a:pPr algn="ctr"/>
+            <a:r>
+              <a:rPr lang="pt-BR" b="1" dirty="0" smtClean="0">
+                <a:solidFill>
+                  <a:schemeClr val="bg1"/>
+                </a:solidFill>
+              </a:rPr>
+              <a:t>Gerenciar Dados</a:t>
+            </a:r>
+          </a:p>
+        </p:txBody>
+      </p:sp>
+      <p:sp>
+        <p:nvSpPr>
+          <p:cNvPr id="10" name="Retângulo 9"/>
+          <p:cNvSpPr/>
+          <p:nvPr/>
+        </p:nvSpPr>
+        <p:spPr>
+          <a:xfrm>
+            <a:off x="2357844" y="2316163"/>
+            <a:ext cx="1449977" cy="664595"/>
+          </a:xfrm>
+          <a:prstGeom prst="rect">
+            <a:avLst/>
+          </a:prstGeom>
+          <a:solidFill>
+            <a:srgbClr val="00B050"/>
+          </a:solidFill>
+          <a:ln>
+            <a:solidFill>
+              <a:srgbClr val="00B050"/>
+            </a:solidFill>
+          </a:ln>
+          <a:effectLst>
+            <a:outerShdw blurRad="50800" dist="38100" dir="5400000" algn="t" rotWithShape="0">
+              <a:prstClr val="black">
+                <a:alpha val="40000"/>
+              </a:prstClr>
+            </a:outerShdw>
+          </a:effectLst>
+        </p:spPr>
+        <p:style>
+          <a:lnRef idx="2">
+            <a:schemeClr val="accent1">
+              <a:shade val="50000"/>
+            </a:schemeClr>
+          </a:lnRef>
+          <a:fillRef idx="1">
+            <a:schemeClr val="accent1"/>
+          </a:fillRef>
+          <a:effectRef idx="0">
+            <a:schemeClr val="accent1"/>
+          </a:effectRef>
+          <a:fontRef idx="minor">
+            <a:schemeClr val="lt1"/>
+          </a:fontRef>
+        </p:style>
+        <p:txBody>
+          <a:bodyPr rtlCol="0" anchor="ctr"/>
+          <a:lstStyle/>
+          <a:p>
+            <a:pPr algn="ctr"/>
+            <a:r>
+              <a:rPr lang="pt-BR" b="1" dirty="0" smtClean="0">
+                <a:solidFill>
+                  <a:schemeClr val="bg1"/>
+                </a:solidFill>
+              </a:rPr>
+              <a:t>Acessibilidade</a:t>
+            </a:r>
+            <a:endParaRPr lang="pt-BR" b="1" dirty="0">
+              <a:solidFill>
+                <a:schemeClr val="bg1"/>
+              </a:solidFill>
+            </a:endParaRPr>
+          </a:p>
+        </p:txBody>
+      </p:sp>
+      <p:sp>
+        <p:nvSpPr>
+          <p:cNvPr id="11" name="Retângulo 10"/>
+          <p:cNvSpPr/>
+          <p:nvPr/>
+        </p:nvSpPr>
+        <p:spPr>
+          <a:xfrm>
+            <a:off x="940522" y="2828000"/>
+            <a:ext cx="1449977" cy="664595"/>
+          </a:xfrm>
+          <a:prstGeom prst="rect">
+            <a:avLst/>
+          </a:prstGeom>
+          <a:solidFill>
+            <a:schemeClr val="accent6">
+              <a:lumMod val="75000"/>
+            </a:schemeClr>
+          </a:solidFill>
+          <a:ln>
+            <a:solidFill>
+              <a:schemeClr val="accent6">
+                <a:lumMod val="75000"/>
+              </a:schemeClr>
+            </a:solidFill>
+          </a:ln>
+          <a:effectLst>
+            <a:outerShdw blurRad="50800" dist="38100" dir="5400000" algn="t" rotWithShape="0">
+              <a:prstClr val="black">
+                <a:alpha val="40000"/>
+              </a:prstClr>
+            </a:outerShdw>
+          </a:effectLst>
+        </p:spPr>
+        <p:style>
+          <a:lnRef idx="2">
+            <a:schemeClr val="accent1">
+              <a:shade val="50000"/>
+            </a:schemeClr>
+          </a:lnRef>
+          <a:fillRef idx="1">
+            <a:schemeClr val="accent1"/>
+          </a:fillRef>
+          <a:effectRef idx="0">
+            <a:schemeClr val="accent1"/>
+          </a:effectRef>
+          <a:fontRef idx="minor">
+            <a:schemeClr val="lt1"/>
+          </a:fontRef>
+        </p:style>
+        <p:txBody>
+          <a:bodyPr rtlCol="0" anchor="ctr"/>
+          <a:lstStyle/>
+          <a:p>
+            <a:pPr algn="ctr"/>
+            <a:r>
+              <a:rPr lang="pt-BR" b="1" dirty="0" smtClean="0">
+                <a:solidFill>
+                  <a:schemeClr val="bg1"/>
+                </a:solidFill>
+              </a:rPr>
+              <a:t>Apresentar Relatórios</a:t>
+            </a:r>
+            <a:endParaRPr lang="pt-BR" b="1" dirty="0">
+              <a:solidFill>
+                <a:schemeClr val="bg1"/>
+              </a:solidFill>
+            </a:endParaRPr>
+          </a:p>
+        </p:txBody>
+      </p:sp>
+      <p:sp>
+        <p:nvSpPr>
+          <p:cNvPr id="38" name="CaixaDeTexto 37"/>
+          <p:cNvSpPr txBox="1"/>
+          <p:nvPr/>
+        </p:nvSpPr>
+        <p:spPr>
+          <a:xfrm>
+            <a:off x="1676321" y="3859292"/>
+            <a:ext cx="1809983" cy="369332"/>
+          </a:xfrm>
+          <a:prstGeom prst="rect">
+            <a:avLst/>
+          </a:prstGeom>
+          <a:noFill/>
+        </p:spPr>
+        <p:txBody>
+          <a:bodyPr wrap="none" rtlCol="0">
+            <a:spAutoFit/>
+          </a:bodyPr>
+          <a:lstStyle/>
+          <a:p>
+            <a:r>
+              <a:rPr lang="pt-BR" b="1" dirty="0" smtClean="0"/>
+              <a:t>Cliente e Usuário</a:t>
+            </a:r>
+            <a:endParaRPr lang="pt-BR" b="1" dirty="0"/>
+          </a:p>
+        </p:txBody>
+      </p:sp>
+      <p:grpSp>
+        <p:nvGrpSpPr>
+          <p:cNvPr id="41" name="Agrupar 40"/>
+          <p:cNvGrpSpPr/>
+          <p:nvPr/>
+        </p:nvGrpSpPr>
+        <p:grpSpPr>
+          <a:xfrm>
+            <a:off x="600891" y="223967"/>
+            <a:ext cx="10907486" cy="6529530"/>
+            <a:chOff x="600891" y="223967"/>
+            <a:chExt cx="10907486" cy="6529530"/>
+          </a:xfrm>
+        </p:grpSpPr>
+        <p:grpSp>
+          <p:nvGrpSpPr>
+            <p:cNvPr id="36" name="Agrupar 35"/>
+            <p:cNvGrpSpPr/>
+            <p:nvPr/>
+          </p:nvGrpSpPr>
+          <p:grpSpPr>
+            <a:xfrm>
+              <a:off x="600891" y="223967"/>
+              <a:ext cx="10907486" cy="6529530"/>
+              <a:chOff x="600891" y="223967"/>
+              <a:chExt cx="10907486" cy="6529530"/>
+            </a:xfrm>
+          </p:grpSpPr>
+          <p:sp>
+            <p:nvSpPr>
+              <p:cNvPr id="27" name="CaixaDeTexto 26"/>
+              <p:cNvSpPr txBox="1"/>
+              <p:nvPr/>
+            </p:nvSpPr>
+            <p:spPr>
+              <a:xfrm>
+                <a:off x="903332" y="346818"/>
+                <a:ext cx="9701229" cy="646331"/>
+              </a:xfrm>
+              <a:prstGeom prst="rect">
+                <a:avLst/>
+              </a:prstGeom>
+              <a:noFill/>
+            </p:spPr>
+            <p:txBody>
+              <a:bodyPr wrap="square" rtlCol="0">
+                <a:spAutoFit/>
+              </a:bodyPr>
+              <a:lstStyle/>
+              <a:p>
+                <a:r>
+                  <a:rPr lang="pt-BR" sz="3600" dirty="0" smtClean="0">
+                    <a:solidFill>
+                      <a:srgbClr val="FF0000"/>
+                    </a:solidFill>
+                  </a:rPr>
+                  <a:t>AGP - Aplicação de Gerenciamento de Pacientes</a:t>
+                </a:r>
+                <a:endParaRPr lang="pt-BR" sz="3600" dirty="0">
+                  <a:solidFill>
+                    <a:srgbClr val="FF0000"/>
+                  </a:solidFill>
+                </a:endParaRPr>
+              </a:p>
+            </p:txBody>
+          </p:sp>
+          <p:sp>
+            <p:nvSpPr>
+              <p:cNvPr id="28" name="Retângulo 27"/>
+              <p:cNvSpPr/>
+              <p:nvPr/>
+            </p:nvSpPr>
+            <p:spPr>
+              <a:xfrm>
+                <a:off x="600891" y="223967"/>
+                <a:ext cx="10907486" cy="837961"/>
+              </a:xfrm>
+              <a:prstGeom prst="rect">
+                <a:avLst/>
+              </a:prstGeom>
+              <a:noFill/>
+              <a:ln w="57150">
+                <a:solidFill>
+                  <a:schemeClr val="tx1"/>
+                </a:solidFill>
+              </a:ln>
+            </p:spPr>
+            <p:style>
+              <a:lnRef idx="2">
+                <a:schemeClr val="accent1">
+                  <a:shade val="50000"/>
+                </a:schemeClr>
+              </a:lnRef>
+              <a:fillRef idx="1">
+                <a:schemeClr val="accent1"/>
+              </a:fillRef>
+              <a:effectRef idx="0">
+                <a:schemeClr val="accent1"/>
+              </a:effectRef>
+              <a:fontRef idx="minor">
+                <a:schemeClr val="lt1"/>
+              </a:fontRef>
+            </p:style>
+            <p:txBody>
+              <a:bodyPr rtlCol="0" anchor="ctr"/>
+              <a:lstStyle/>
+              <a:p>
+                <a:pPr algn="ctr"/>
+                <a:endParaRPr lang="pt-BR"/>
+              </a:p>
+            </p:txBody>
+          </p:sp>
+          <p:sp>
+            <p:nvSpPr>
+              <p:cNvPr id="29" name="Retângulo 28"/>
+              <p:cNvSpPr/>
+              <p:nvPr/>
+            </p:nvSpPr>
+            <p:spPr>
+              <a:xfrm>
+                <a:off x="600891" y="1238103"/>
+                <a:ext cx="10907486" cy="5515394"/>
+              </a:xfrm>
+              <a:prstGeom prst="rect">
+                <a:avLst/>
+              </a:prstGeom>
+              <a:noFill/>
+              <a:ln w="57150">
+                <a:solidFill>
+                  <a:schemeClr val="tx1"/>
+                </a:solidFill>
+              </a:ln>
+            </p:spPr>
+            <p:style>
+              <a:lnRef idx="2">
+                <a:schemeClr val="accent1">
+                  <a:shade val="50000"/>
+                </a:schemeClr>
+              </a:lnRef>
+              <a:fillRef idx="1">
+                <a:schemeClr val="accent1"/>
+              </a:fillRef>
+              <a:effectRef idx="0">
+                <a:schemeClr val="accent1"/>
+              </a:effectRef>
+              <a:fontRef idx="minor">
+                <a:schemeClr val="lt1"/>
+              </a:fontRef>
+            </p:style>
+            <p:txBody>
+              <a:bodyPr rtlCol="0" anchor="ctr"/>
+              <a:lstStyle/>
+              <a:p>
+                <a:pPr algn="ctr"/>
+                <a:endParaRPr lang="pt-BR"/>
+              </a:p>
+            </p:txBody>
+          </p:sp>
+          <p:cxnSp>
+            <p:nvCxnSpPr>
+              <p:cNvPr id="31" name="Conector reto 30"/>
+              <p:cNvCxnSpPr/>
+              <p:nvPr/>
+            </p:nvCxnSpPr>
+            <p:spPr>
+              <a:xfrm flipV="1">
+                <a:off x="836023" y="3840480"/>
+                <a:ext cx="3513908" cy="0"/>
+              </a:xfrm>
+              <a:prstGeom prst="line">
+                <a:avLst/>
+              </a:prstGeom>
+              <a:ln w="38100">
+                <a:solidFill>
+                  <a:schemeClr val="tx1"/>
+                </a:solidFill>
+              </a:ln>
+            </p:spPr>
+            <p:style>
+              <a:lnRef idx="1">
+                <a:schemeClr val="accent1"/>
+              </a:lnRef>
+              <a:fillRef idx="0">
+                <a:schemeClr val="accent1"/>
+              </a:fillRef>
+              <a:effectRef idx="0">
+                <a:schemeClr val="accent1"/>
+              </a:effectRef>
+              <a:fontRef idx="minor">
+                <a:schemeClr val="tx1"/>
+              </a:fontRef>
+            </p:style>
+          </p:cxnSp>
+          <p:cxnSp>
+            <p:nvCxnSpPr>
+              <p:cNvPr id="32" name="Conector reto 31"/>
+              <p:cNvCxnSpPr/>
+              <p:nvPr/>
+            </p:nvCxnSpPr>
+            <p:spPr>
+              <a:xfrm>
+                <a:off x="4502331" y="1515291"/>
+                <a:ext cx="0" cy="4794069"/>
+              </a:xfrm>
+              <a:prstGeom prst="line">
+                <a:avLst/>
+              </a:prstGeom>
+              <a:ln w="38100">
+                <a:solidFill>
+                  <a:schemeClr val="tx1"/>
+                </a:solidFill>
+              </a:ln>
+            </p:spPr>
+            <p:style>
+              <a:lnRef idx="1">
+                <a:schemeClr val="accent1"/>
+              </a:lnRef>
+              <a:fillRef idx="0">
+                <a:schemeClr val="accent1"/>
+              </a:fillRef>
+              <a:effectRef idx="0">
+                <a:schemeClr val="accent1"/>
+              </a:effectRef>
+              <a:fontRef idx="minor">
+                <a:schemeClr val="tx1"/>
+              </a:fontRef>
+            </p:style>
+          </p:cxnSp>
+          <p:cxnSp>
+            <p:nvCxnSpPr>
+              <p:cNvPr id="35" name="Conector reto 34"/>
+              <p:cNvCxnSpPr/>
+              <p:nvPr/>
+            </p:nvCxnSpPr>
+            <p:spPr>
+              <a:xfrm>
+                <a:off x="7894319" y="1443445"/>
+                <a:ext cx="0" cy="4794069"/>
+              </a:xfrm>
+              <a:prstGeom prst="line">
+                <a:avLst/>
+              </a:prstGeom>
+              <a:ln w="38100">
+                <a:solidFill>
+                  <a:schemeClr val="tx1"/>
+                </a:solidFill>
+              </a:ln>
+            </p:spPr>
+            <p:style>
+              <a:lnRef idx="1">
+                <a:schemeClr val="accent1"/>
+              </a:lnRef>
+              <a:fillRef idx="0">
+                <a:schemeClr val="accent1"/>
+              </a:fillRef>
+              <a:effectRef idx="0">
+                <a:schemeClr val="accent1"/>
+              </a:effectRef>
+              <a:fontRef idx="minor">
+                <a:schemeClr val="tx1"/>
+              </a:fontRef>
+            </p:style>
+          </p:cxnSp>
+        </p:grpSp>
+        <p:sp>
+          <p:nvSpPr>
+            <p:cNvPr id="37" name="CaixaDeTexto 36"/>
+            <p:cNvSpPr txBox="1"/>
+            <p:nvPr/>
+          </p:nvSpPr>
+          <p:spPr>
+            <a:xfrm>
+              <a:off x="894276" y="1212939"/>
+              <a:ext cx="3455655" cy="646331"/>
+            </a:xfrm>
+            <a:prstGeom prst="rect">
+              <a:avLst/>
+            </a:prstGeom>
+            <a:noFill/>
+          </p:spPr>
+          <p:txBody>
+            <a:bodyPr wrap="square" rtlCol="0">
+              <a:spAutoFit/>
+            </a:bodyPr>
+            <a:lstStyle/>
+            <a:p>
+              <a:r>
+                <a:rPr lang="pt-BR" b="1" dirty="0" smtClean="0"/>
+                <a:t>Problemas ,Necessidades ou Tarefas Identificadas</a:t>
+              </a:r>
+              <a:endParaRPr lang="pt-BR" b="1" dirty="0"/>
+            </a:p>
+          </p:txBody>
+        </p:sp>
+        <p:sp>
+          <p:nvSpPr>
+            <p:cNvPr id="39" name="CaixaDeTexto 38"/>
+            <p:cNvSpPr txBox="1"/>
+            <p:nvPr/>
+          </p:nvSpPr>
+          <p:spPr>
+            <a:xfrm>
+              <a:off x="5153297" y="1330625"/>
+              <a:ext cx="1712777" cy="369332"/>
+            </a:xfrm>
+            <a:prstGeom prst="rect">
+              <a:avLst/>
+            </a:prstGeom>
+            <a:noFill/>
+          </p:spPr>
+          <p:txBody>
+            <a:bodyPr wrap="none" rtlCol="0">
+              <a:spAutoFit/>
+            </a:bodyPr>
+            <a:lstStyle/>
+            <a:p>
+              <a:r>
+                <a:rPr lang="pt-BR" b="1" dirty="0" smtClean="0"/>
+                <a:t>Ideia e Soluções</a:t>
+              </a:r>
+              <a:endParaRPr lang="pt-BR" b="1" dirty="0"/>
+            </a:p>
+          </p:txBody>
+        </p:sp>
+        <p:sp>
+          <p:nvSpPr>
+            <p:cNvPr id="40" name="CaixaDeTexto 39"/>
+            <p:cNvSpPr txBox="1"/>
+            <p:nvPr/>
+          </p:nvSpPr>
+          <p:spPr>
+            <a:xfrm>
+              <a:off x="8527026" y="1218470"/>
+              <a:ext cx="2330316" cy="646331"/>
+            </a:xfrm>
+            <a:prstGeom prst="rect">
+              <a:avLst/>
+            </a:prstGeom>
+            <a:noFill/>
+          </p:spPr>
+          <p:txBody>
+            <a:bodyPr wrap="square" rtlCol="0">
+              <a:spAutoFit/>
+            </a:bodyPr>
+            <a:lstStyle/>
+            <a:p>
+              <a:pPr algn="just"/>
+              <a:r>
+                <a:rPr lang="pt-BR" b="1" dirty="0" smtClean="0"/>
+                <a:t>Benefícios para o negócio e para o time</a:t>
+              </a:r>
+              <a:endParaRPr lang="pt-BR" b="1" dirty="0"/>
+            </a:p>
+          </p:txBody>
+        </p:sp>
+      </p:grpSp>
       <p:pic>
         <p:nvPicPr>
-          <p:cNvPr id="2" name="Imagem 1"/>
+          <p:cNvPr id="33" name="Graphic 5" descr="Medical">
+            <a:extLst>
+              <a:ext uri="{FF2B5EF4-FFF2-40B4-BE49-F238E27FC236}">
+                <a16:creationId xmlns:a16="http://schemas.microsoft.com/office/drawing/2014/main" id="{9239DDF4-05BD-434C-80A2-83C8A5CCCF40}"/>
+              </a:ext>
+            </a:extLst>
+          </p:cNvPr>
           <p:cNvPicPr>
             <a:picLocks noChangeAspect="1"/>
           </p:cNvPicPr>
           <p:nvPr/>
         </p:nvPicPr>
-        <p:blipFill rotWithShape="1">
+        <p:blipFill>
           <a:blip r:embed="rId2">
             <a:extLst>
-              <a:ext uri="{28A0092B-C50C-407E-A947-70E740481C1C}">
-                <a14:useLocalDpi xmlns:a14="http://schemas.microsoft.com/office/drawing/2010/main" val="0"/>
+              <a:ext uri="{96DAC541-7B7A-43D3-8B79-37D633B846F1}">
+                <asvg:svgBlip xmlns="" xmlns:asvg="http://schemas.microsoft.com/office/drawing/2016/SVG/main" r:embed="rId8"/>
               </a:ext>
             </a:extLst>
           </a:blip>
-          <a:srcRect l="14540" t="20990" r="7757" b="594"/>
-          <a:stretch/>
+          <a:stretch>
+            <a:fillRect/>
+          </a:stretch>
         </p:blipFill>
         <p:spPr>
           <a:xfrm>
-            <a:off x="263236" y="0"/>
-            <a:ext cx="11762509" cy="6809873"/>
+            <a:off x="10267206" y="199105"/>
+            <a:ext cx="948361" cy="887683"/>
           </a:xfrm>
           <a:prstGeom prst="rect">
             <a:avLst/>
           </a:prstGeom>
         </p:spPr>
       </p:pic>
+      <p:sp>
+        <p:nvSpPr>
+          <p:cNvPr id="49" name="Retângulo 48"/>
+          <p:cNvSpPr/>
+          <p:nvPr/>
+        </p:nvSpPr>
+        <p:spPr>
+          <a:xfrm>
+            <a:off x="4764676" y="1792479"/>
+            <a:ext cx="1449977" cy="664595"/>
+          </a:xfrm>
+          <a:prstGeom prst="rect">
+            <a:avLst/>
+          </a:prstGeom>
+          <a:solidFill>
+            <a:schemeClr val="accent1"/>
+          </a:solidFill>
+          <a:ln>
+            <a:solidFill>
+              <a:schemeClr val="accent1"/>
+            </a:solidFill>
+          </a:ln>
+          <a:effectLst>
+            <a:outerShdw blurRad="50800" dist="38100" dir="5400000" algn="t" rotWithShape="0">
+              <a:prstClr val="black">
+                <a:alpha val="40000"/>
+              </a:prstClr>
+            </a:outerShdw>
+          </a:effectLst>
+        </p:spPr>
+        <p:style>
+          <a:lnRef idx="2">
+            <a:schemeClr val="accent1">
+              <a:shade val="50000"/>
+            </a:schemeClr>
+          </a:lnRef>
+          <a:fillRef idx="1">
+            <a:schemeClr val="accent1"/>
+          </a:fillRef>
+          <a:effectRef idx="0">
+            <a:schemeClr val="accent1"/>
+          </a:effectRef>
+          <a:fontRef idx="minor">
+            <a:schemeClr val="lt1"/>
+          </a:fontRef>
+        </p:style>
+        <p:txBody>
+          <a:bodyPr rtlCol="0" anchor="ctr"/>
+          <a:lstStyle/>
+          <a:p>
+            <a:pPr algn="ctr"/>
+            <a:r>
+              <a:rPr lang="pt-BR" b="1" dirty="0" smtClean="0">
+                <a:solidFill>
+                  <a:schemeClr val="bg1"/>
+                </a:solidFill>
+              </a:rPr>
+              <a:t>Banco de Dados</a:t>
+            </a:r>
+          </a:p>
+        </p:txBody>
+      </p:sp>
+      <p:sp>
+        <p:nvSpPr>
+          <p:cNvPr id="50" name="Retângulo 49"/>
+          <p:cNvSpPr/>
+          <p:nvPr/>
+        </p:nvSpPr>
+        <p:spPr>
+          <a:xfrm>
+            <a:off x="4619997" y="4596547"/>
+            <a:ext cx="1449977" cy="664595"/>
+          </a:xfrm>
+          <a:prstGeom prst="rect">
+            <a:avLst/>
+          </a:prstGeom>
+          <a:solidFill>
+            <a:srgbClr val="00B050"/>
+          </a:solidFill>
+          <a:ln>
+            <a:solidFill>
+              <a:srgbClr val="00B050"/>
+            </a:solidFill>
+          </a:ln>
+          <a:effectLst>
+            <a:outerShdw blurRad="50800" dist="38100" dir="5400000" algn="t" rotWithShape="0">
+              <a:prstClr val="black">
+                <a:alpha val="40000"/>
+              </a:prstClr>
+            </a:outerShdw>
+          </a:effectLst>
+        </p:spPr>
+        <p:style>
+          <a:lnRef idx="2">
+            <a:schemeClr val="accent1">
+              <a:shade val="50000"/>
+            </a:schemeClr>
+          </a:lnRef>
+          <a:fillRef idx="1">
+            <a:schemeClr val="accent1"/>
+          </a:fillRef>
+          <a:effectRef idx="0">
+            <a:schemeClr val="accent1"/>
+          </a:effectRef>
+          <a:fontRef idx="minor">
+            <a:schemeClr val="lt1"/>
+          </a:fontRef>
+        </p:style>
+        <p:txBody>
+          <a:bodyPr rtlCol="0" anchor="ctr"/>
+          <a:lstStyle/>
+          <a:p>
+            <a:pPr algn="ctr"/>
+            <a:r>
+              <a:rPr lang="pt-BR" b="1" dirty="0" smtClean="0">
+                <a:solidFill>
+                  <a:schemeClr val="bg1"/>
+                </a:solidFill>
+              </a:rPr>
+              <a:t>Gratuito</a:t>
+            </a:r>
+            <a:endParaRPr lang="pt-BR" b="1" dirty="0">
+              <a:solidFill>
+                <a:schemeClr val="bg1"/>
+              </a:solidFill>
+            </a:endParaRPr>
+          </a:p>
+        </p:txBody>
+      </p:sp>
+      <p:sp>
+        <p:nvSpPr>
+          <p:cNvPr id="51" name="Retângulo 50"/>
+          <p:cNvSpPr/>
+          <p:nvPr/>
+        </p:nvSpPr>
+        <p:spPr>
+          <a:xfrm>
+            <a:off x="4625724" y="3645560"/>
+            <a:ext cx="1449977" cy="664595"/>
+          </a:xfrm>
+          <a:prstGeom prst="rect">
+            <a:avLst/>
+          </a:prstGeom>
+          <a:solidFill>
+            <a:schemeClr val="accent6">
+              <a:lumMod val="75000"/>
+            </a:schemeClr>
+          </a:solidFill>
+          <a:ln>
+            <a:solidFill>
+              <a:schemeClr val="accent6">
+                <a:lumMod val="75000"/>
+              </a:schemeClr>
+            </a:solidFill>
+          </a:ln>
+          <a:effectLst>
+            <a:outerShdw blurRad="50800" dist="38100" dir="5400000" algn="t" rotWithShape="0">
+              <a:prstClr val="black">
+                <a:alpha val="40000"/>
+              </a:prstClr>
+            </a:outerShdw>
+          </a:effectLst>
+        </p:spPr>
+        <p:style>
+          <a:lnRef idx="2">
+            <a:schemeClr val="accent1">
+              <a:shade val="50000"/>
+            </a:schemeClr>
+          </a:lnRef>
+          <a:fillRef idx="1">
+            <a:schemeClr val="accent1"/>
+          </a:fillRef>
+          <a:effectRef idx="0">
+            <a:schemeClr val="accent1"/>
+          </a:effectRef>
+          <a:fontRef idx="minor">
+            <a:schemeClr val="lt1"/>
+          </a:fontRef>
+        </p:style>
+        <p:txBody>
+          <a:bodyPr rtlCol="0" anchor="ctr"/>
+          <a:lstStyle/>
+          <a:p>
+            <a:pPr algn="ctr"/>
+            <a:r>
+              <a:rPr lang="pt-BR" b="1" dirty="0" smtClean="0">
+                <a:solidFill>
+                  <a:schemeClr val="bg1"/>
+                </a:solidFill>
+              </a:rPr>
+              <a:t>Dashboard</a:t>
+            </a:r>
+            <a:endParaRPr lang="pt-BR" b="1" dirty="0">
+              <a:solidFill>
+                <a:schemeClr val="bg1"/>
+              </a:solidFill>
+            </a:endParaRPr>
+          </a:p>
+        </p:txBody>
+      </p:sp>
+      <p:sp>
+        <p:nvSpPr>
+          <p:cNvPr id="52" name="Retângulo 51"/>
+          <p:cNvSpPr/>
+          <p:nvPr/>
+        </p:nvSpPr>
+        <p:spPr>
+          <a:xfrm>
+            <a:off x="6141085" y="2178915"/>
+            <a:ext cx="1449977" cy="664595"/>
+          </a:xfrm>
+          <a:prstGeom prst="rect">
+            <a:avLst/>
+          </a:prstGeom>
+          <a:solidFill>
+            <a:schemeClr val="accent1"/>
+          </a:solidFill>
+          <a:ln>
+            <a:solidFill>
+              <a:schemeClr val="accent1"/>
+            </a:solidFill>
+          </a:ln>
+          <a:effectLst>
+            <a:outerShdw blurRad="50800" dist="38100" dir="5400000" algn="t" rotWithShape="0">
+              <a:prstClr val="black">
+                <a:alpha val="40000"/>
+              </a:prstClr>
+            </a:outerShdw>
+          </a:effectLst>
+        </p:spPr>
+        <p:style>
+          <a:lnRef idx="2">
+            <a:schemeClr val="accent1">
+              <a:shade val="50000"/>
+            </a:schemeClr>
+          </a:lnRef>
+          <a:fillRef idx="1">
+            <a:schemeClr val="accent1"/>
+          </a:fillRef>
+          <a:effectRef idx="0">
+            <a:schemeClr val="accent1"/>
+          </a:effectRef>
+          <a:fontRef idx="minor">
+            <a:schemeClr val="lt1"/>
+          </a:fontRef>
+        </p:style>
+        <p:txBody>
+          <a:bodyPr rtlCol="0" anchor="ctr"/>
+          <a:lstStyle/>
+          <a:p>
+            <a:pPr algn="ctr"/>
+            <a:r>
+              <a:rPr lang="pt-BR" b="1" dirty="0" smtClean="0">
+                <a:solidFill>
+                  <a:schemeClr val="bg1"/>
+                </a:solidFill>
+              </a:rPr>
+              <a:t>Nuvem</a:t>
+            </a:r>
+          </a:p>
+        </p:txBody>
+      </p:sp>
+      <p:sp>
+        <p:nvSpPr>
+          <p:cNvPr id="53" name="Retângulo 52"/>
+          <p:cNvSpPr/>
+          <p:nvPr/>
+        </p:nvSpPr>
+        <p:spPr>
+          <a:xfrm>
+            <a:off x="5953281" y="5026111"/>
+            <a:ext cx="1449977" cy="664595"/>
+          </a:xfrm>
+          <a:prstGeom prst="rect">
+            <a:avLst/>
+          </a:prstGeom>
+          <a:solidFill>
+            <a:srgbClr val="00B050"/>
+          </a:solidFill>
+          <a:ln>
+            <a:solidFill>
+              <a:srgbClr val="00B050"/>
+            </a:solidFill>
+          </a:ln>
+          <a:effectLst>
+            <a:outerShdw blurRad="50800" dist="38100" dir="5400000" algn="t" rotWithShape="0">
+              <a:prstClr val="black">
+                <a:alpha val="40000"/>
+              </a:prstClr>
+            </a:outerShdw>
+          </a:effectLst>
+        </p:spPr>
+        <p:style>
+          <a:lnRef idx="2">
+            <a:schemeClr val="accent1">
+              <a:shade val="50000"/>
+            </a:schemeClr>
+          </a:lnRef>
+          <a:fillRef idx="1">
+            <a:schemeClr val="accent1"/>
+          </a:fillRef>
+          <a:effectRef idx="0">
+            <a:schemeClr val="accent1"/>
+          </a:effectRef>
+          <a:fontRef idx="minor">
+            <a:schemeClr val="lt1"/>
+          </a:fontRef>
+        </p:style>
+        <p:txBody>
+          <a:bodyPr rtlCol="0" anchor="ctr"/>
+          <a:lstStyle/>
+          <a:p>
+            <a:pPr algn="ctr"/>
+            <a:r>
+              <a:rPr lang="pt-BR" b="1" dirty="0" smtClean="0">
+                <a:solidFill>
+                  <a:schemeClr val="bg1"/>
+                </a:solidFill>
+              </a:rPr>
+              <a:t>Diversas Plataformas</a:t>
+            </a:r>
+            <a:endParaRPr lang="pt-BR" b="1" dirty="0">
+              <a:solidFill>
+                <a:schemeClr val="bg1"/>
+              </a:solidFill>
+            </a:endParaRPr>
+          </a:p>
+        </p:txBody>
+      </p:sp>
+      <p:sp>
+        <p:nvSpPr>
+          <p:cNvPr id="54" name="Retângulo 53"/>
+          <p:cNvSpPr/>
+          <p:nvPr/>
+        </p:nvSpPr>
+        <p:spPr>
+          <a:xfrm>
+            <a:off x="5862736" y="4097621"/>
+            <a:ext cx="1449977" cy="664595"/>
+          </a:xfrm>
+          <a:prstGeom prst="rect">
+            <a:avLst/>
+          </a:prstGeom>
+          <a:solidFill>
+            <a:schemeClr val="accent6">
+              <a:lumMod val="75000"/>
+            </a:schemeClr>
+          </a:solidFill>
+          <a:ln>
+            <a:solidFill>
+              <a:schemeClr val="accent6">
+                <a:lumMod val="75000"/>
+              </a:schemeClr>
+            </a:solidFill>
+          </a:ln>
+          <a:effectLst>
+            <a:outerShdw blurRad="50800" dist="38100" dir="5400000" algn="t" rotWithShape="0">
+              <a:prstClr val="black">
+                <a:alpha val="40000"/>
+              </a:prstClr>
+            </a:outerShdw>
+          </a:effectLst>
+        </p:spPr>
+        <p:style>
+          <a:lnRef idx="2">
+            <a:schemeClr val="accent1">
+              <a:shade val="50000"/>
+            </a:schemeClr>
+          </a:lnRef>
+          <a:fillRef idx="1">
+            <a:schemeClr val="accent1"/>
+          </a:fillRef>
+          <a:effectRef idx="0">
+            <a:schemeClr val="accent1"/>
+          </a:effectRef>
+          <a:fontRef idx="minor">
+            <a:schemeClr val="lt1"/>
+          </a:fontRef>
+        </p:style>
+        <p:txBody>
+          <a:bodyPr rtlCol="0" anchor="ctr"/>
+          <a:lstStyle/>
+          <a:p>
+            <a:pPr algn="ctr"/>
+            <a:r>
+              <a:rPr lang="pt-BR" b="1" dirty="0" smtClean="0">
+                <a:solidFill>
+                  <a:schemeClr val="bg1"/>
+                </a:solidFill>
+              </a:rPr>
+              <a:t>Interface Interativa</a:t>
+            </a:r>
+            <a:endParaRPr lang="pt-BR" b="1" dirty="0">
+              <a:solidFill>
+                <a:schemeClr val="bg1"/>
+              </a:solidFill>
+            </a:endParaRPr>
+          </a:p>
+        </p:txBody>
+      </p:sp>
+      <p:sp>
+        <p:nvSpPr>
+          <p:cNvPr id="61" name="Retângulo 60"/>
+          <p:cNvSpPr/>
+          <p:nvPr/>
+        </p:nvSpPr>
+        <p:spPr>
+          <a:xfrm>
+            <a:off x="4762498" y="2528904"/>
+            <a:ext cx="1449977" cy="664595"/>
+          </a:xfrm>
+          <a:prstGeom prst="rect">
+            <a:avLst/>
+          </a:prstGeom>
+          <a:solidFill>
+            <a:schemeClr val="accent1"/>
+          </a:solidFill>
+          <a:ln>
+            <a:solidFill>
+              <a:schemeClr val="accent1"/>
+            </a:solidFill>
+          </a:ln>
+          <a:effectLst>
+            <a:outerShdw blurRad="50800" dist="38100" dir="5400000" algn="t" rotWithShape="0">
+              <a:prstClr val="black">
+                <a:alpha val="40000"/>
+              </a:prstClr>
+            </a:outerShdw>
+          </a:effectLst>
+        </p:spPr>
+        <p:style>
+          <a:lnRef idx="2">
+            <a:schemeClr val="accent1">
+              <a:shade val="50000"/>
+            </a:schemeClr>
+          </a:lnRef>
+          <a:fillRef idx="1">
+            <a:schemeClr val="accent1"/>
+          </a:fillRef>
+          <a:effectRef idx="0">
+            <a:schemeClr val="accent1"/>
+          </a:effectRef>
+          <a:fontRef idx="minor">
+            <a:schemeClr val="lt1"/>
+          </a:fontRef>
+        </p:style>
+        <p:txBody>
+          <a:bodyPr rtlCol="0" anchor="ctr"/>
+          <a:lstStyle/>
+          <a:p>
+            <a:pPr algn="ctr"/>
+            <a:r>
+              <a:rPr lang="pt-BR" b="1" dirty="0" smtClean="0">
+                <a:solidFill>
+                  <a:schemeClr val="bg1"/>
+                </a:solidFill>
+              </a:rPr>
+              <a:t>Backups</a:t>
+            </a:r>
+          </a:p>
+        </p:txBody>
+      </p:sp>
+      <p:sp>
+        <p:nvSpPr>
+          <p:cNvPr id="62" name="Retângulo 61"/>
+          <p:cNvSpPr/>
+          <p:nvPr/>
+        </p:nvSpPr>
+        <p:spPr>
+          <a:xfrm>
+            <a:off x="8922565" y="1900954"/>
+            <a:ext cx="1449977" cy="664595"/>
+          </a:xfrm>
+          <a:prstGeom prst="rect">
+            <a:avLst/>
+          </a:prstGeom>
+          <a:solidFill>
+            <a:schemeClr val="accent1"/>
+          </a:solidFill>
+          <a:ln>
+            <a:solidFill>
+              <a:schemeClr val="accent1"/>
+            </a:solidFill>
+          </a:ln>
+          <a:effectLst>
+            <a:outerShdw blurRad="50800" dist="38100" dir="5400000" algn="t" rotWithShape="0">
+              <a:prstClr val="black">
+                <a:alpha val="40000"/>
+              </a:prstClr>
+            </a:outerShdw>
+          </a:effectLst>
+        </p:spPr>
+        <p:style>
+          <a:lnRef idx="2">
+            <a:schemeClr val="accent1">
+              <a:shade val="50000"/>
+            </a:schemeClr>
+          </a:lnRef>
+          <a:fillRef idx="1">
+            <a:schemeClr val="accent1"/>
+          </a:fillRef>
+          <a:effectRef idx="0">
+            <a:schemeClr val="accent1"/>
+          </a:effectRef>
+          <a:fontRef idx="minor">
+            <a:schemeClr val="lt1"/>
+          </a:fontRef>
+        </p:style>
+        <p:txBody>
+          <a:bodyPr rtlCol="0" anchor="ctr"/>
+          <a:lstStyle/>
+          <a:p>
+            <a:pPr algn="ctr"/>
+            <a:r>
+              <a:rPr lang="pt-BR" b="1" dirty="0" smtClean="0">
+                <a:solidFill>
+                  <a:schemeClr val="bg1"/>
+                </a:solidFill>
+              </a:rPr>
+              <a:t>Controle </a:t>
+            </a:r>
+          </a:p>
+        </p:txBody>
+      </p:sp>
+      <p:sp>
+        <p:nvSpPr>
+          <p:cNvPr id="64" name="Retângulo 63"/>
+          <p:cNvSpPr/>
+          <p:nvPr/>
+        </p:nvSpPr>
+        <p:spPr>
+          <a:xfrm>
+            <a:off x="8922565" y="2710216"/>
+            <a:ext cx="1449977" cy="664595"/>
+          </a:xfrm>
+          <a:prstGeom prst="rect">
+            <a:avLst/>
+          </a:prstGeom>
+          <a:solidFill>
+            <a:schemeClr val="accent1"/>
+          </a:solidFill>
+          <a:ln>
+            <a:solidFill>
+              <a:schemeClr val="accent1"/>
+            </a:solidFill>
+          </a:ln>
+          <a:effectLst>
+            <a:outerShdw blurRad="50800" dist="38100" dir="5400000" algn="t" rotWithShape="0">
+              <a:prstClr val="black">
+                <a:alpha val="40000"/>
+              </a:prstClr>
+            </a:outerShdw>
+          </a:effectLst>
+        </p:spPr>
+        <p:style>
+          <a:lnRef idx="2">
+            <a:schemeClr val="accent1">
+              <a:shade val="50000"/>
+            </a:schemeClr>
+          </a:lnRef>
+          <a:fillRef idx="1">
+            <a:schemeClr val="accent1"/>
+          </a:fillRef>
+          <a:effectRef idx="0">
+            <a:schemeClr val="accent1"/>
+          </a:effectRef>
+          <a:fontRef idx="minor">
+            <a:schemeClr val="lt1"/>
+          </a:fontRef>
+        </p:style>
+        <p:txBody>
+          <a:bodyPr rtlCol="0" anchor="ctr"/>
+          <a:lstStyle/>
+          <a:p>
+            <a:pPr algn="ctr"/>
+            <a:r>
+              <a:rPr lang="pt-BR" b="1" dirty="0" smtClean="0">
+                <a:solidFill>
+                  <a:schemeClr val="bg1"/>
+                </a:solidFill>
+              </a:rPr>
+              <a:t>Fluidez de Acesso </a:t>
+            </a:r>
+          </a:p>
+        </p:txBody>
+      </p:sp>
+      <p:sp>
+        <p:nvSpPr>
+          <p:cNvPr id="65" name="Retângulo 64"/>
+          <p:cNvSpPr/>
+          <p:nvPr/>
+        </p:nvSpPr>
+        <p:spPr>
+          <a:xfrm>
+            <a:off x="8922564" y="3634991"/>
+            <a:ext cx="1449977" cy="664595"/>
+          </a:xfrm>
+          <a:prstGeom prst="rect">
+            <a:avLst/>
+          </a:prstGeom>
+          <a:solidFill>
+            <a:schemeClr val="accent6">
+              <a:lumMod val="75000"/>
+            </a:schemeClr>
+          </a:solidFill>
+          <a:ln>
+            <a:solidFill>
+              <a:schemeClr val="accent6">
+                <a:lumMod val="75000"/>
+              </a:schemeClr>
+            </a:solidFill>
+          </a:ln>
+          <a:effectLst>
+            <a:outerShdw blurRad="50800" dist="38100" dir="5400000" algn="t" rotWithShape="0">
+              <a:prstClr val="black">
+                <a:alpha val="40000"/>
+              </a:prstClr>
+            </a:outerShdw>
+          </a:effectLst>
+        </p:spPr>
+        <p:style>
+          <a:lnRef idx="2">
+            <a:schemeClr val="accent1">
+              <a:shade val="50000"/>
+            </a:schemeClr>
+          </a:lnRef>
+          <a:fillRef idx="1">
+            <a:schemeClr val="accent1"/>
+          </a:fillRef>
+          <a:effectRef idx="0">
+            <a:schemeClr val="accent1"/>
+          </a:effectRef>
+          <a:fontRef idx="minor">
+            <a:schemeClr val="lt1"/>
+          </a:fontRef>
+        </p:style>
+        <p:txBody>
+          <a:bodyPr rtlCol="0" anchor="ctr"/>
+          <a:lstStyle/>
+          <a:p>
+            <a:pPr algn="ctr"/>
+            <a:r>
+              <a:rPr lang="pt-BR" b="1" dirty="0" smtClean="0">
+                <a:solidFill>
+                  <a:schemeClr val="bg1"/>
+                </a:solidFill>
+              </a:rPr>
+              <a:t>Acesso a Informação</a:t>
+            </a:r>
+            <a:endParaRPr lang="pt-BR" b="1" dirty="0">
+              <a:solidFill>
+                <a:schemeClr val="bg1"/>
+              </a:solidFill>
+            </a:endParaRPr>
+          </a:p>
+        </p:txBody>
+      </p:sp>
+      <p:sp>
+        <p:nvSpPr>
+          <p:cNvPr id="66" name="Retângulo 65"/>
+          <p:cNvSpPr/>
+          <p:nvPr/>
+        </p:nvSpPr>
+        <p:spPr>
+          <a:xfrm>
+            <a:off x="8922564" y="4482437"/>
+            <a:ext cx="1449977" cy="664595"/>
+          </a:xfrm>
+          <a:prstGeom prst="rect">
+            <a:avLst/>
+          </a:prstGeom>
+          <a:solidFill>
+            <a:srgbClr val="00B050"/>
+          </a:solidFill>
+          <a:ln>
+            <a:solidFill>
+              <a:srgbClr val="00B050"/>
+            </a:solidFill>
+          </a:ln>
+          <a:effectLst>
+            <a:outerShdw blurRad="50800" dist="38100" dir="5400000" algn="t" rotWithShape="0">
+              <a:prstClr val="black">
+                <a:alpha val="40000"/>
+              </a:prstClr>
+            </a:outerShdw>
+          </a:effectLst>
+        </p:spPr>
+        <p:style>
+          <a:lnRef idx="2">
+            <a:schemeClr val="accent1">
+              <a:shade val="50000"/>
+            </a:schemeClr>
+          </a:lnRef>
+          <a:fillRef idx="1">
+            <a:schemeClr val="accent1"/>
+          </a:fillRef>
+          <a:effectRef idx="0">
+            <a:schemeClr val="accent1"/>
+          </a:effectRef>
+          <a:fontRef idx="minor">
+            <a:schemeClr val="lt1"/>
+          </a:fontRef>
+        </p:style>
+        <p:txBody>
+          <a:bodyPr rtlCol="0" anchor="ctr"/>
+          <a:lstStyle/>
+          <a:p>
+            <a:pPr algn="ctr"/>
+            <a:r>
+              <a:rPr lang="pt-BR" b="1" dirty="0" smtClean="0">
+                <a:solidFill>
+                  <a:schemeClr val="bg1"/>
+                </a:solidFill>
+              </a:rPr>
+              <a:t>Disponibilidade</a:t>
+            </a:r>
+            <a:endParaRPr lang="pt-BR" b="1" dirty="0">
+              <a:solidFill>
+                <a:schemeClr val="bg1"/>
+              </a:solidFill>
+            </a:endParaRPr>
+          </a:p>
+        </p:txBody>
+      </p:sp>
     </p:spTree>
     <p:extLst>
       <p:ext uri="{BB962C8B-B14F-4D97-AF65-F5344CB8AC3E}">
-        <p14:creationId xmlns:p14="http://schemas.microsoft.com/office/powerpoint/2010/main" val="2389187419"/>
+        <p14:creationId xmlns:p14="http://schemas.microsoft.com/office/powerpoint/2010/main" val="76581456"/>
       </p:ext>
     </p:extLst>
   </p:cSld>
@@ -16432,39 +17951,1316 @@
           <a:chExt cx="0" cy="0"/>
         </a:xfrm>
       </p:grpSpPr>
+      <p:sp>
+        <p:nvSpPr>
+          <p:cNvPr id="6" name="Retângulo 5"/>
+          <p:cNvSpPr/>
+          <p:nvPr/>
+        </p:nvSpPr>
+        <p:spPr>
+          <a:xfrm>
+            <a:off x="1071154" y="4429919"/>
+            <a:ext cx="1449977" cy="664595"/>
+          </a:xfrm>
+          <a:prstGeom prst="rect">
+            <a:avLst/>
+          </a:prstGeom>
+          <a:solidFill>
+            <a:srgbClr val="FFFF00"/>
+          </a:solidFill>
+          <a:ln>
+            <a:solidFill>
+              <a:srgbClr val="FFFF00"/>
+            </a:solidFill>
+          </a:ln>
+          <a:effectLst>
+            <a:outerShdw blurRad="50800" dist="38100" dir="5400000" algn="t" rotWithShape="0">
+              <a:prstClr val="black">
+                <a:alpha val="40000"/>
+              </a:prstClr>
+            </a:outerShdw>
+          </a:effectLst>
+        </p:spPr>
+        <p:style>
+          <a:lnRef idx="2">
+            <a:schemeClr val="accent1">
+              <a:shade val="50000"/>
+            </a:schemeClr>
+          </a:lnRef>
+          <a:fillRef idx="1">
+            <a:schemeClr val="accent1"/>
+          </a:fillRef>
+          <a:effectRef idx="0">
+            <a:schemeClr val="accent1"/>
+          </a:effectRef>
+          <a:fontRef idx="minor">
+            <a:schemeClr val="lt1"/>
+          </a:fontRef>
+        </p:style>
+        <p:txBody>
+          <a:bodyPr rtlCol="0" anchor="ctr"/>
+          <a:lstStyle/>
+          <a:p>
+            <a:pPr algn="ctr"/>
+            <a:r>
+              <a:rPr lang="pt-BR" b="1" dirty="0" smtClean="0">
+                <a:solidFill>
+                  <a:schemeClr val="tx1"/>
+                </a:solidFill>
+              </a:rPr>
+              <a:t>Cidadãos</a:t>
+            </a:r>
+            <a:endParaRPr lang="pt-BR" b="1" dirty="0">
+              <a:solidFill>
+                <a:schemeClr val="tx1"/>
+              </a:solidFill>
+            </a:endParaRPr>
+          </a:p>
+        </p:txBody>
+      </p:sp>
+      <p:sp>
+        <p:nvSpPr>
+          <p:cNvPr id="7" name="Retângulo 6"/>
+          <p:cNvSpPr/>
+          <p:nvPr/>
+        </p:nvSpPr>
+        <p:spPr>
+          <a:xfrm>
+            <a:off x="2248988" y="4876517"/>
+            <a:ext cx="1449977" cy="664595"/>
+          </a:xfrm>
+          <a:prstGeom prst="rect">
+            <a:avLst/>
+          </a:prstGeom>
+          <a:solidFill>
+            <a:srgbClr val="FFFF00"/>
+          </a:solidFill>
+          <a:ln>
+            <a:solidFill>
+              <a:srgbClr val="FFFF00"/>
+            </a:solidFill>
+          </a:ln>
+          <a:effectLst>
+            <a:outerShdw blurRad="50800" dist="38100" dir="5400000" algn="t" rotWithShape="0">
+              <a:prstClr val="black">
+                <a:alpha val="40000"/>
+              </a:prstClr>
+            </a:outerShdw>
+          </a:effectLst>
+        </p:spPr>
+        <p:style>
+          <a:lnRef idx="2">
+            <a:schemeClr val="accent1">
+              <a:shade val="50000"/>
+            </a:schemeClr>
+          </a:lnRef>
+          <a:fillRef idx="1">
+            <a:schemeClr val="accent1"/>
+          </a:fillRef>
+          <a:effectRef idx="0">
+            <a:schemeClr val="accent1"/>
+          </a:effectRef>
+          <a:fontRef idx="minor">
+            <a:schemeClr val="lt1"/>
+          </a:fontRef>
+        </p:style>
+        <p:txBody>
+          <a:bodyPr rtlCol="0" anchor="ctr"/>
+          <a:lstStyle/>
+          <a:p>
+            <a:pPr algn="ctr"/>
+            <a:r>
+              <a:rPr lang="pt-BR" b="1" dirty="0" smtClean="0">
+                <a:solidFill>
+                  <a:schemeClr val="tx1"/>
+                </a:solidFill>
+              </a:rPr>
+              <a:t>Profissionais de Saúde</a:t>
+            </a:r>
+            <a:endParaRPr lang="pt-BR" b="1" dirty="0">
+              <a:solidFill>
+                <a:schemeClr val="tx1"/>
+              </a:solidFill>
+            </a:endParaRPr>
+          </a:p>
+        </p:txBody>
+      </p:sp>
+      <p:sp>
+        <p:nvSpPr>
+          <p:cNvPr id="8" name="Retângulo 7"/>
+          <p:cNvSpPr/>
+          <p:nvPr/>
+        </p:nvSpPr>
+        <p:spPr>
+          <a:xfrm>
+            <a:off x="1161506" y="5476240"/>
+            <a:ext cx="1449977" cy="664595"/>
+          </a:xfrm>
+          <a:prstGeom prst="rect">
+            <a:avLst/>
+          </a:prstGeom>
+          <a:solidFill>
+            <a:srgbClr val="FFFF00"/>
+          </a:solidFill>
+          <a:ln>
+            <a:solidFill>
+              <a:srgbClr val="FFFF00"/>
+            </a:solidFill>
+          </a:ln>
+          <a:effectLst>
+            <a:outerShdw blurRad="50800" dist="38100" dir="5400000" algn="t" rotWithShape="0">
+              <a:prstClr val="black">
+                <a:alpha val="40000"/>
+              </a:prstClr>
+            </a:outerShdw>
+          </a:effectLst>
+        </p:spPr>
+        <p:style>
+          <a:lnRef idx="2">
+            <a:schemeClr val="accent1">
+              <a:shade val="50000"/>
+            </a:schemeClr>
+          </a:lnRef>
+          <a:fillRef idx="1">
+            <a:schemeClr val="accent1"/>
+          </a:fillRef>
+          <a:effectRef idx="0">
+            <a:schemeClr val="accent1"/>
+          </a:effectRef>
+          <a:fontRef idx="minor">
+            <a:schemeClr val="lt1"/>
+          </a:fontRef>
+        </p:style>
+        <p:txBody>
+          <a:bodyPr rtlCol="0" anchor="ctr"/>
+          <a:lstStyle/>
+          <a:p>
+            <a:pPr algn="ctr"/>
+            <a:r>
+              <a:rPr lang="pt-BR" sz="1600" b="1" dirty="0" smtClean="0">
+                <a:solidFill>
+                  <a:schemeClr val="tx1"/>
+                </a:solidFill>
+              </a:rPr>
+              <a:t>Equipe ADM na Área da Saúde  </a:t>
+            </a:r>
+            <a:endParaRPr lang="pt-BR" sz="1600" b="1" dirty="0">
+              <a:solidFill>
+                <a:schemeClr val="tx1"/>
+              </a:solidFill>
+            </a:endParaRPr>
+          </a:p>
+        </p:txBody>
+      </p:sp>
+      <p:sp>
+        <p:nvSpPr>
+          <p:cNvPr id="9" name="Retângulo 8"/>
+          <p:cNvSpPr/>
+          <p:nvPr/>
+        </p:nvSpPr>
+        <p:spPr>
+          <a:xfrm>
+            <a:off x="1071154" y="1835966"/>
+            <a:ext cx="1449977" cy="664595"/>
+          </a:xfrm>
+          <a:prstGeom prst="rect">
+            <a:avLst/>
+          </a:prstGeom>
+          <a:solidFill>
+            <a:schemeClr val="accent1"/>
+          </a:solidFill>
+          <a:ln>
+            <a:solidFill>
+              <a:schemeClr val="accent1"/>
+            </a:solidFill>
+          </a:ln>
+          <a:effectLst>
+            <a:outerShdw blurRad="50800" dist="38100" dir="5400000" algn="t" rotWithShape="0">
+              <a:prstClr val="black">
+                <a:alpha val="40000"/>
+              </a:prstClr>
+            </a:outerShdw>
+          </a:effectLst>
+        </p:spPr>
+        <p:style>
+          <a:lnRef idx="2">
+            <a:schemeClr val="accent1">
+              <a:shade val="50000"/>
+            </a:schemeClr>
+          </a:lnRef>
+          <a:fillRef idx="1">
+            <a:schemeClr val="accent1"/>
+          </a:fillRef>
+          <a:effectRef idx="0">
+            <a:schemeClr val="accent1"/>
+          </a:effectRef>
+          <a:fontRef idx="minor">
+            <a:schemeClr val="lt1"/>
+          </a:fontRef>
+        </p:style>
+        <p:txBody>
+          <a:bodyPr rtlCol="0" anchor="ctr"/>
+          <a:lstStyle/>
+          <a:p>
+            <a:pPr algn="ctr"/>
+            <a:r>
+              <a:rPr lang="pt-BR" sz="1600" b="1" dirty="0" smtClean="0">
+                <a:solidFill>
+                  <a:schemeClr val="bg1"/>
+                </a:solidFill>
+              </a:rPr>
+              <a:t>Enorme Gama de Dados</a:t>
+            </a:r>
+          </a:p>
+        </p:txBody>
+      </p:sp>
+      <p:sp>
+        <p:nvSpPr>
+          <p:cNvPr id="38" name="CaixaDeTexto 37"/>
+          <p:cNvSpPr txBox="1"/>
+          <p:nvPr/>
+        </p:nvSpPr>
+        <p:spPr>
+          <a:xfrm>
+            <a:off x="1676321" y="3859292"/>
+            <a:ext cx="1809983" cy="369332"/>
+          </a:xfrm>
+          <a:prstGeom prst="rect">
+            <a:avLst/>
+          </a:prstGeom>
+          <a:noFill/>
+        </p:spPr>
+        <p:txBody>
+          <a:bodyPr wrap="none" rtlCol="0">
+            <a:spAutoFit/>
+          </a:bodyPr>
+          <a:lstStyle/>
+          <a:p>
+            <a:r>
+              <a:rPr lang="pt-BR" b="1" dirty="0" smtClean="0"/>
+              <a:t>Cliente e Usuário</a:t>
+            </a:r>
+            <a:endParaRPr lang="pt-BR" b="1" dirty="0"/>
+          </a:p>
+        </p:txBody>
+      </p:sp>
+      <p:grpSp>
+        <p:nvGrpSpPr>
+          <p:cNvPr id="41" name="Agrupar 40"/>
+          <p:cNvGrpSpPr/>
+          <p:nvPr/>
+        </p:nvGrpSpPr>
+        <p:grpSpPr>
+          <a:xfrm>
+            <a:off x="600891" y="223967"/>
+            <a:ext cx="10907486" cy="6529530"/>
+            <a:chOff x="600891" y="223967"/>
+            <a:chExt cx="10907486" cy="6529530"/>
+          </a:xfrm>
+        </p:grpSpPr>
+        <p:grpSp>
+          <p:nvGrpSpPr>
+            <p:cNvPr id="36" name="Agrupar 35"/>
+            <p:cNvGrpSpPr/>
+            <p:nvPr/>
+          </p:nvGrpSpPr>
+          <p:grpSpPr>
+            <a:xfrm>
+              <a:off x="600891" y="223967"/>
+              <a:ext cx="10907486" cy="6529530"/>
+              <a:chOff x="600891" y="223967"/>
+              <a:chExt cx="10907486" cy="6529530"/>
+            </a:xfrm>
+          </p:grpSpPr>
+          <p:sp>
+            <p:nvSpPr>
+              <p:cNvPr id="27" name="CaixaDeTexto 26"/>
+              <p:cNvSpPr txBox="1"/>
+              <p:nvPr/>
+            </p:nvSpPr>
+            <p:spPr>
+              <a:xfrm>
+                <a:off x="903332" y="346818"/>
+                <a:ext cx="9701229" cy="646331"/>
+              </a:xfrm>
+              <a:prstGeom prst="rect">
+                <a:avLst/>
+              </a:prstGeom>
+              <a:noFill/>
+            </p:spPr>
+            <p:txBody>
+              <a:bodyPr wrap="square" rtlCol="0">
+                <a:spAutoFit/>
+              </a:bodyPr>
+              <a:lstStyle/>
+              <a:p>
+                <a:pPr algn="ctr"/>
+                <a:r>
+                  <a:rPr lang="pt-BR" sz="3600" dirty="0" smtClean="0">
+                    <a:solidFill>
+                      <a:srgbClr val="FF0000"/>
+                    </a:solidFill>
+                  </a:rPr>
+                  <a:t>AGP – Gerenciamento de Dados</a:t>
+                </a:r>
+                <a:endParaRPr lang="pt-BR" sz="3600" dirty="0">
+                  <a:solidFill>
+                    <a:srgbClr val="FF0000"/>
+                  </a:solidFill>
+                </a:endParaRPr>
+              </a:p>
+            </p:txBody>
+          </p:sp>
+          <p:sp>
+            <p:nvSpPr>
+              <p:cNvPr id="28" name="Retângulo 27"/>
+              <p:cNvSpPr/>
+              <p:nvPr/>
+            </p:nvSpPr>
+            <p:spPr>
+              <a:xfrm>
+                <a:off x="600891" y="223967"/>
+                <a:ext cx="10907486" cy="837961"/>
+              </a:xfrm>
+              <a:prstGeom prst="rect">
+                <a:avLst/>
+              </a:prstGeom>
+              <a:noFill/>
+              <a:ln w="57150">
+                <a:solidFill>
+                  <a:schemeClr val="tx1"/>
+                </a:solidFill>
+              </a:ln>
+            </p:spPr>
+            <p:style>
+              <a:lnRef idx="2">
+                <a:schemeClr val="accent1">
+                  <a:shade val="50000"/>
+                </a:schemeClr>
+              </a:lnRef>
+              <a:fillRef idx="1">
+                <a:schemeClr val="accent1"/>
+              </a:fillRef>
+              <a:effectRef idx="0">
+                <a:schemeClr val="accent1"/>
+              </a:effectRef>
+              <a:fontRef idx="minor">
+                <a:schemeClr val="lt1"/>
+              </a:fontRef>
+            </p:style>
+            <p:txBody>
+              <a:bodyPr rtlCol="0" anchor="ctr"/>
+              <a:lstStyle/>
+              <a:p>
+                <a:pPr algn="ctr"/>
+                <a:endParaRPr lang="pt-BR"/>
+              </a:p>
+            </p:txBody>
+          </p:sp>
+          <p:sp>
+            <p:nvSpPr>
+              <p:cNvPr id="29" name="Retângulo 28"/>
+              <p:cNvSpPr/>
+              <p:nvPr/>
+            </p:nvSpPr>
+            <p:spPr>
+              <a:xfrm>
+                <a:off x="600891" y="1238103"/>
+                <a:ext cx="10907486" cy="5515394"/>
+              </a:xfrm>
+              <a:prstGeom prst="rect">
+                <a:avLst/>
+              </a:prstGeom>
+              <a:noFill/>
+              <a:ln w="57150">
+                <a:solidFill>
+                  <a:schemeClr val="tx1"/>
+                </a:solidFill>
+              </a:ln>
+            </p:spPr>
+            <p:style>
+              <a:lnRef idx="2">
+                <a:schemeClr val="accent1">
+                  <a:shade val="50000"/>
+                </a:schemeClr>
+              </a:lnRef>
+              <a:fillRef idx="1">
+                <a:schemeClr val="accent1"/>
+              </a:fillRef>
+              <a:effectRef idx="0">
+                <a:schemeClr val="accent1"/>
+              </a:effectRef>
+              <a:fontRef idx="minor">
+                <a:schemeClr val="lt1"/>
+              </a:fontRef>
+            </p:style>
+            <p:txBody>
+              <a:bodyPr rtlCol="0" anchor="ctr"/>
+              <a:lstStyle/>
+              <a:p>
+                <a:pPr algn="ctr"/>
+                <a:endParaRPr lang="pt-BR"/>
+              </a:p>
+            </p:txBody>
+          </p:sp>
+          <p:cxnSp>
+            <p:nvCxnSpPr>
+              <p:cNvPr id="31" name="Conector reto 30"/>
+              <p:cNvCxnSpPr/>
+              <p:nvPr/>
+            </p:nvCxnSpPr>
+            <p:spPr>
+              <a:xfrm flipV="1">
+                <a:off x="836023" y="3840480"/>
+                <a:ext cx="3513908" cy="0"/>
+              </a:xfrm>
+              <a:prstGeom prst="line">
+                <a:avLst/>
+              </a:prstGeom>
+              <a:ln w="38100">
+                <a:solidFill>
+                  <a:schemeClr val="tx1"/>
+                </a:solidFill>
+              </a:ln>
+            </p:spPr>
+            <p:style>
+              <a:lnRef idx="1">
+                <a:schemeClr val="accent1"/>
+              </a:lnRef>
+              <a:fillRef idx="0">
+                <a:schemeClr val="accent1"/>
+              </a:fillRef>
+              <a:effectRef idx="0">
+                <a:schemeClr val="accent1"/>
+              </a:effectRef>
+              <a:fontRef idx="minor">
+                <a:schemeClr val="tx1"/>
+              </a:fontRef>
+            </p:style>
+          </p:cxnSp>
+          <p:cxnSp>
+            <p:nvCxnSpPr>
+              <p:cNvPr id="32" name="Conector reto 31"/>
+              <p:cNvCxnSpPr/>
+              <p:nvPr/>
+            </p:nvCxnSpPr>
+            <p:spPr>
+              <a:xfrm>
+                <a:off x="4502331" y="1515291"/>
+                <a:ext cx="0" cy="4794069"/>
+              </a:xfrm>
+              <a:prstGeom prst="line">
+                <a:avLst/>
+              </a:prstGeom>
+              <a:ln w="38100">
+                <a:solidFill>
+                  <a:schemeClr val="tx1"/>
+                </a:solidFill>
+              </a:ln>
+            </p:spPr>
+            <p:style>
+              <a:lnRef idx="1">
+                <a:schemeClr val="accent1"/>
+              </a:lnRef>
+              <a:fillRef idx="0">
+                <a:schemeClr val="accent1"/>
+              </a:fillRef>
+              <a:effectRef idx="0">
+                <a:schemeClr val="accent1"/>
+              </a:effectRef>
+              <a:fontRef idx="minor">
+                <a:schemeClr val="tx1"/>
+              </a:fontRef>
+            </p:style>
+          </p:cxnSp>
+          <p:cxnSp>
+            <p:nvCxnSpPr>
+              <p:cNvPr id="35" name="Conector reto 34"/>
+              <p:cNvCxnSpPr/>
+              <p:nvPr/>
+            </p:nvCxnSpPr>
+            <p:spPr>
+              <a:xfrm>
+                <a:off x="7894319" y="1443445"/>
+                <a:ext cx="0" cy="4794069"/>
+              </a:xfrm>
+              <a:prstGeom prst="line">
+                <a:avLst/>
+              </a:prstGeom>
+              <a:ln w="38100">
+                <a:solidFill>
+                  <a:schemeClr val="tx1"/>
+                </a:solidFill>
+              </a:ln>
+            </p:spPr>
+            <p:style>
+              <a:lnRef idx="1">
+                <a:schemeClr val="accent1"/>
+              </a:lnRef>
+              <a:fillRef idx="0">
+                <a:schemeClr val="accent1"/>
+              </a:fillRef>
+              <a:effectRef idx="0">
+                <a:schemeClr val="accent1"/>
+              </a:effectRef>
+              <a:fontRef idx="minor">
+                <a:schemeClr val="tx1"/>
+              </a:fontRef>
+            </p:style>
+          </p:cxnSp>
+        </p:grpSp>
+        <p:sp>
+          <p:nvSpPr>
+            <p:cNvPr id="37" name="CaixaDeTexto 36"/>
+            <p:cNvSpPr txBox="1"/>
+            <p:nvPr/>
+          </p:nvSpPr>
+          <p:spPr>
+            <a:xfrm>
+              <a:off x="894276" y="1212939"/>
+              <a:ext cx="3455655" cy="646331"/>
+            </a:xfrm>
+            <a:prstGeom prst="rect">
+              <a:avLst/>
+            </a:prstGeom>
+            <a:noFill/>
+          </p:spPr>
+          <p:txBody>
+            <a:bodyPr wrap="square" rtlCol="0">
+              <a:spAutoFit/>
+            </a:bodyPr>
+            <a:lstStyle/>
+            <a:p>
+              <a:r>
+                <a:rPr lang="pt-BR" b="1" dirty="0" smtClean="0"/>
+                <a:t>Problemas ,Necessidades ou Tarefas Identificadas</a:t>
+              </a:r>
+              <a:endParaRPr lang="pt-BR" b="1" dirty="0"/>
+            </a:p>
+          </p:txBody>
+        </p:sp>
+        <p:sp>
+          <p:nvSpPr>
+            <p:cNvPr id="39" name="CaixaDeTexto 38"/>
+            <p:cNvSpPr txBox="1"/>
+            <p:nvPr/>
+          </p:nvSpPr>
+          <p:spPr>
+            <a:xfrm>
+              <a:off x="5153297" y="1330625"/>
+              <a:ext cx="1712777" cy="369332"/>
+            </a:xfrm>
+            <a:prstGeom prst="rect">
+              <a:avLst/>
+            </a:prstGeom>
+            <a:noFill/>
+          </p:spPr>
+          <p:txBody>
+            <a:bodyPr wrap="none" rtlCol="0">
+              <a:spAutoFit/>
+            </a:bodyPr>
+            <a:lstStyle/>
+            <a:p>
+              <a:r>
+                <a:rPr lang="pt-BR" b="1" dirty="0" smtClean="0"/>
+                <a:t>Ideia e Soluções</a:t>
+              </a:r>
+              <a:endParaRPr lang="pt-BR" b="1" dirty="0"/>
+            </a:p>
+          </p:txBody>
+        </p:sp>
+        <p:sp>
+          <p:nvSpPr>
+            <p:cNvPr id="40" name="CaixaDeTexto 39"/>
+            <p:cNvSpPr txBox="1"/>
+            <p:nvPr/>
+          </p:nvSpPr>
+          <p:spPr>
+            <a:xfrm>
+              <a:off x="8527026" y="1218470"/>
+              <a:ext cx="2330316" cy="646331"/>
+            </a:xfrm>
+            <a:prstGeom prst="rect">
+              <a:avLst/>
+            </a:prstGeom>
+            <a:noFill/>
+          </p:spPr>
+          <p:txBody>
+            <a:bodyPr wrap="square" rtlCol="0">
+              <a:spAutoFit/>
+            </a:bodyPr>
+            <a:lstStyle/>
+            <a:p>
+              <a:pPr algn="just"/>
+              <a:r>
+                <a:rPr lang="pt-BR" b="1" dirty="0" smtClean="0"/>
+                <a:t>Benefícios para o negócio e para o time</a:t>
+              </a:r>
+              <a:endParaRPr lang="pt-BR" b="1" dirty="0"/>
+            </a:p>
+          </p:txBody>
+        </p:sp>
+      </p:grpSp>
       <p:pic>
         <p:nvPicPr>
-          <p:cNvPr id="2" name="Imagem 1"/>
+          <p:cNvPr id="33" name="Graphic 5" descr="Medical">
+            <a:extLst>
+              <a:ext uri="{FF2B5EF4-FFF2-40B4-BE49-F238E27FC236}">
+                <a16:creationId xmlns:a16="http://schemas.microsoft.com/office/drawing/2014/main" id="{9239DDF4-05BD-434C-80A2-83C8A5CCCF40}"/>
+              </a:ext>
+            </a:extLst>
+          </p:cNvPr>
           <p:cNvPicPr>
             <a:picLocks noChangeAspect="1"/>
           </p:cNvPicPr>
           <p:nvPr/>
         </p:nvPicPr>
-        <p:blipFill rotWithShape="1">
+        <p:blipFill>
           <a:blip r:embed="rId2">
             <a:extLst>
-              <a:ext uri="{28A0092B-C50C-407E-A947-70E740481C1C}">
-                <a14:useLocalDpi xmlns:a14="http://schemas.microsoft.com/office/drawing/2010/main" val="0"/>
+              <a:ext uri="{96DAC541-7B7A-43D3-8B79-37D633B846F1}">
+                <asvg:svgBlip xmlns="" xmlns:asvg="http://schemas.microsoft.com/office/drawing/2016/SVG/main" r:embed="rId8"/>
               </a:ext>
             </a:extLst>
           </a:blip>
-          <a:srcRect l="14540" t="20990" r="7757" b="594"/>
-          <a:stretch/>
+          <a:stretch>
+            <a:fillRect/>
+          </a:stretch>
         </p:blipFill>
         <p:spPr>
           <a:xfrm>
-            <a:off x="263236" y="0"/>
-            <a:ext cx="11762509" cy="6809873"/>
+            <a:off x="10267206" y="199105"/>
+            <a:ext cx="948361" cy="887683"/>
           </a:xfrm>
           <a:prstGeom prst="rect">
             <a:avLst/>
           </a:prstGeom>
         </p:spPr>
       </p:pic>
+      <p:sp>
+        <p:nvSpPr>
+          <p:cNvPr id="49" name="Retângulo 48"/>
+          <p:cNvSpPr/>
+          <p:nvPr/>
+        </p:nvSpPr>
+        <p:spPr>
+          <a:xfrm>
+            <a:off x="4764676" y="1792479"/>
+            <a:ext cx="1449977" cy="664595"/>
+          </a:xfrm>
+          <a:prstGeom prst="rect">
+            <a:avLst/>
+          </a:prstGeom>
+          <a:solidFill>
+            <a:schemeClr val="accent1"/>
+          </a:solidFill>
+          <a:ln>
+            <a:solidFill>
+              <a:schemeClr val="accent1"/>
+            </a:solidFill>
+          </a:ln>
+          <a:effectLst>
+            <a:outerShdw blurRad="50800" dist="38100" dir="5400000" algn="t" rotWithShape="0">
+              <a:prstClr val="black">
+                <a:alpha val="40000"/>
+              </a:prstClr>
+            </a:outerShdw>
+          </a:effectLst>
+        </p:spPr>
+        <p:style>
+          <a:lnRef idx="2">
+            <a:schemeClr val="accent1">
+              <a:shade val="50000"/>
+            </a:schemeClr>
+          </a:lnRef>
+          <a:fillRef idx="1">
+            <a:schemeClr val="accent1"/>
+          </a:fillRef>
+          <a:effectRef idx="0">
+            <a:schemeClr val="accent1"/>
+          </a:effectRef>
+          <a:fontRef idx="minor">
+            <a:schemeClr val="lt1"/>
+          </a:fontRef>
+        </p:style>
+        <p:txBody>
+          <a:bodyPr rtlCol="0" anchor="ctr"/>
+          <a:lstStyle/>
+          <a:p>
+            <a:pPr algn="ctr"/>
+            <a:r>
+              <a:rPr lang="pt-BR" b="1" dirty="0" smtClean="0">
+                <a:solidFill>
+                  <a:schemeClr val="bg1"/>
+                </a:solidFill>
+              </a:rPr>
+              <a:t>Banco de Dados</a:t>
+            </a:r>
+          </a:p>
+        </p:txBody>
+      </p:sp>
+      <p:sp>
+        <p:nvSpPr>
+          <p:cNvPr id="52" name="Retângulo 51"/>
+          <p:cNvSpPr/>
+          <p:nvPr/>
+        </p:nvSpPr>
+        <p:spPr>
+          <a:xfrm>
+            <a:off x="6122517" y="2325722"/>
+            <a:ext cx="1449977" cy="664595"/>
+          </a:xfrm>
+          <a:prstGeom prst="rect">
+            <a:avLst/>
+          </a:prstGeom>
+          <a:solidFill>
+            <a:schemeClr val="accent1"/>
+          </a:solidFill>
+          <a:ln>
+            <a:solidFill>
+              <a:schemeClr val="accent1"/>
+            </a:solidFill>
+          </a:ln>
+          <a:effectLst>
+            <a:outerShdw blurRad="50800" dist="38100" dir="5400000" algn="t" rotWithShape="0">
+              <a:prstClr val="black">
+                <a:alpha val="40000"/>
+              </a:prstClr>
+            </a:outerShdw>
+          </a:effectLst>
+        </p:spPr>
+        <p:style>
+          <a:lnRef idx="2">
+            <a:schemeClr val="accent1">
+              <a:shade val="50000"/>
+            </a:schemeClr>
+          </a:lnRef>
+          <a:fillRef idx="1">
+            <a:schemeClr val="accent1"/>
+          </a:fillRef>
+          <a:effectRef idx="0">
+            <a:schemeClr val="accent1"/>
+          </a:effectRef>
+          <a:fontRef idx="minor">
+            <a:schemeClr val="lt1"/>
+          </a:fontRef>
+        </p:style>
+        <p:txBody>
+          <a:bodyPr rtlCol="0" anchor="ctr"/>
+          <a:lstStyle/>
+          <a:p>
+            <a:pPr algn="ctr"/>
+            <a:r>
+              <a:rPr lang="pt-BR" b="1" dirty="0" smtClean="0">
+                <a:solidFill>
+                  <a:schemeClr val="bg1"/>
+                </a:solidFill>
+              </a:rPr>
+              <a:t>Nuvem</a:t>
+            </a:r>
+          </a:p>
+        </p:txBody>
+      </p:sp>
+      <p:sp>
+        <p:nvSpPr>
+          <p:cNvPr id="61" name="Retângulo 60"/>
+          <p:cNvSpPr/>
+          <p:nvPr/>
+        </p:nvSpPr>
+        <p:spPr>
+          <a:xfrm>
+            <a:off x="4762498" y="2704359"/>
+            <a:ext cx="1449977" cy="643903"/>
+          </a:xfrm>
+          <a:prstGeom prst="rect">
+            <a:avLst/>
+          </a:prstGeom>
+          <a:solidFill>
+            <a:schemeClr val="accent1"/>
+          </a:solidFill>
+          <a:ln>
+            <a:solidFill>
+              <a:schemeClr val="accent1"/>
+            </a:solidFill>
+          </a:ln>
+          <a:effectLst>
+            <a:outerShdw blurRad="50800" dist="38100" dir="5400000" algn="t" rotWithShape="0">
+              <a:prstClr val="black">
+                <a:alpha val="40000"/>
+              </a:prstClr>
+            </a:outerShdw>
+          </a:effectLst>
+        </p:spPr>
+        <p:style>
+          <a:lnRef idx="2">
+            <a:schemeClr val="accent1">
+              <a:shade val="50000"/>
+            </a:schemeClr>
+          </a:lnRef>
+          <a:fillRef idx="1">
+            <a:schemeClr val="accent1"/>
+          </a:fillRef>
+          <a:effectRef idx="0">
+            <a:schemeClr val="accent1"/>
+          </a:effectRef>
+          <a:fontRef idx="minor">
+            <a:schemeClr val="lt1"/>
+          </a:fontRef>
+        </p:style>
+        <p:txBody>
+          <a:bodyPr rtlCol="0" anchor="ctr"/>
+          <a:lstStyle/>
+          <a:p>
+            <a:pPr algn="ctr"/>
+            <a:r>
+              <a:rPr lang="pt-BR" b="1" dirty="0" smtClean="0">
+                <a:solidFill>
+                  <a:schemeClr val="bg1"/>
+                </a:solidFill>
+              </a:rPr>
+              <a:t>Backups</a:t>
+            </a:r>
+          </a:p>
+        </p:txBody>
+      </p:sp>
+      <p:sp>
+        <p:nvSpPr>
+          <p:cNvPr id="34" name="Retângulo 33"/>
+          <p:cNvSpPr/>
+          <p:nvPr/>
+        </p:nvSpPr>
+        <p:spPr>
+          <a:xfrm>
+            <a:off x="6167496" y="3201531"/>
+            <a:ext cx="1449977" cy="664595"/>
+          </a:xfrm>
+          <a:prstGeom prst="rect">
+            <a:avLst/>
+          </a:prstGeom>
+          <a:solidFill>
+            <a:schemeClr val="accent1"/>
+          </a:solidFill>
+          <a:ln>
+            <a:solidFill>
+              <a:schemeClr val="accent1"/>
+            </a:solidFill>
+          </a:ln>
+          <a:effectLst>
+            <a:outerShdw blurRad="50800" dist="38100" dir="5400000" algn="t" rotWithShape="0">
+              <a:prstClr val="black">
+                <a:alpha val="40000"/>
+              </a:prstClr>
+            </a:outerShdw>
+          </a:effectLst>
+        </p:spPr>
+        <p:style>
+          <a:lnRef idx="2">
+            <a:schemeClr val="accent1">
+              <a:shade val="50000"/>
+            </a:schemeClr>
+          </a:lnRef>
+          <a:fillRef idx="1">
+            <a:schemeClr val="accent1"/>
+          </a:fillRef>
+          <a:effectRef idx="0">
+            <a:schemeClr val="accent1"/>
+          </a:effectRef>
+          <a:fontRef idx="minor">
+            <a:schemeClr val="lt1"/>
+          </a:fontRef>
+        </p:style>
+        <p:txBody>
+          <a:bodyPr rtlCol="0" anchor="ctr"/>
+          <a:lstStyle/>
+          <a:p>
+            <a:pPr algn="ctr"/>
+            <a:r>
+              <a:rPr lang="pt-BR" sz="1200" b="1" dirty="0" smtClean="0">
+                <a:solidFill>
+                  <a:schemeClr val="bg1"/>
+                </a:solidFill>
+              </a:rPr>
+              <a:t>Sistema de Gerenciamento de Banco de Dados</a:t>
+            </a:r>
+          </a:p>
+        </p:txBody>
+      </p:sp>
+      <p:sp>
+        <p:nvSpPr>
+          <p:cNvPr id="42" name="Retângulo 41"/>
+          <p:cNvSpPr/>
+          <p:nvPr/>
+        </p:nvSpPr>
+        <p:spPr>
+          <a:xfrm>
+            <a:off x="4742515" y="3675040"/>
+            <a:ext cx="1449977" cy="664595"/>
+          </a:xfrm>
+          <a:prstGeom prst="rect">
+            <a:avLst/>
+          </a:prstGeom>
+          <a:solidFill>
+            <a:schemeClr val="accent1"/>
+          </a:solidFill>
+          <a:ln>
+            <a:solidFill>
+              <a:schemeClr val="accent1"/>
+            </a:solidFill>
+          </a:ln>
+          <a:effectLst>
+            <a:outerShdw blurRad="50800" dist="38100" dir="5400000" algn="t" rotWithShape="0">
+              <a:prstClr val="black">
+                <a:alpha val="40000"/>
+              </a:prstClr>
+            </a:outerShdw>
+          </a:effectLst>
+        </p:spPr>
+        <p:style>
+          <a:lnRef idx="2">
+            <a:schemeClr val="accent1">
+              <a:shade val="50000"/>
+            </a:schemeClr>
+          </a:lnRef>
+          <a:fillRef idx="1">
+            <a:schemeClr val="accent1"/>
+          </a:fillRef>
+          <a:effectRef idx="0">
+            <a:schemeClr val="accent1"/>
+          </a:effectRef>
+          <a:fontRef idx="minor">
+            <a:schemeClr val="lt1"/>
+          </a:fontRef>
+        </p:style>
+        <p:txBody>
+          <a:bodyPr rtlCol="0" anchor="ctr"/>
+          <a:lstStyle/>
+          <a:p>
+            <a:pPr algn="ctr"/>
+            <a:r>
+              <a:rPr lang="pt-BR" b="1" dirty="0" smtClean="0">
+                <a:solidFill>
+                  <a:schemeClr val="bg1"/>
+                </a:solidFill>
+              </a:rPr>
+              <a:t>Modelagem Lógica</a:t>
+            </a:r>
+          </a:p>
+        </p:txBody>
+      </p:sp>
+      <p:sp>
+        <p:nvSpPr>
+          <p:cNvPr id="43" name="Retângulo 42"/>
+          <p:cNvSpPr/>
+          <p:nvPr/>
+        </p:nvSpPr>
+        <p:spPr>
+          <a:xfrm>
+            <a:off x="9154584" y="2540283"/>
+            <a:ext cx="1449977" cy="664595"/>
+          </a:xfrm>
+          <a:prstGeom prst="rect">
+            <a:avLst/>
+          </a:prstGeom>
+          <a:solidFill>
+            <a:schemeClr val="accent1"/>
+          </a:solidFill>
+          <a:ln>
+            <a:solidFill>
+              <a:schemeClr val="accent1"/>
+            </a:solidFill>
+          </a:ln>
+          <a:effectLst>
+            <a:outerShdw blurRad="50800" dist="38100" dir="5400000" algn="t" rotWithShape="0">
+              <a:prstClr val="black">
+                <a:alpha val="40000"/>
+              </a:prstClr>
+            </a:outerShdw>
+          </a:effectLst>
+        </p:spPr>
+        <p:style>
+          <a:lnRef idx="2">
+            <a:schemeClr val="accent1">
+              <a:shade val="50000"/>
+            </a:schemeClr>
+          </a:lnRef>
+          <a:fillRef idx="1">
+            <a:schemeClr val="accent1"/>
+          </a:fillRef>
+          <a:effectRef idx="0">
+            <a:schemeClr val="accent1"/>
+          </a:effectRef>
+          <a:fontRef idx="minor">
+            <a:schemeClr val="lt1"/>
+          </a:fontRef>
+        </p:style>
+        <p:txBody>
+          <a:bodyPr rtlCol="0" anchor="ctr"/>
+          <a:lstStyle/>
+          <a:p>
+            <a:pPr algn="ctr"/>
+            <a:r>
+              <a:rPr lang="pt-BR" b="1" dirty="0" smtClean="0">
+                <a:solidFill>
+                  <a:schemeClr val="bg1"/>
+                </a:solidFill>
+              </a:rPr>
+              <a:t>Controle</a:t>
+            </a:r>
+          </a:p>
+        </p:txBody>
+      </p:sp>
+      <p:sp>
+        <p:nvSpPr>
+          <p:cNvPr id="44" name="Retângulo 43"/>
+          <p:cNvSpPr/>
+          <p:nvPr/>
+        </p:nvSpPr>
+        <p:spPr>
+          <a:xfrm>
+            <a:off x="9154584" y="3259669"/>
+            <a:ext cx="1449977" cy="664595"/>
+          </a:xfrm>
+          <a:prstGeom prst="rect">
+            <a:avLst/>
+          </a:prstGeom>
+          <a:solidFill>
+            <a:schemeClr val="accent1"/>
+          </a:solidFill>
+          <a:ln>
+            <a:solidFill>
+              <a:schemeClr val="accent1"/>
+            </a:solidFill>
+          </a:ln>
+          <a:effectLst>
+            <a:outerShdw blurRad="50800" dist="38100" dir="5400000" algn="t" rotWithShape="0">
+              <a:prstClr val="black">
+                <a:alpha val="40000"/>
+              </a:prstClr>
+            </a:outerShdw>
+          </a:effectLst>
+        </p:spPr>
+        <p:style>
+          <a:lnRef idx="2">
+            <a:schemeClr val="accent1">
+              <a:shade val="50000"/>
+            </a:schemeClr>
+          </a:lnRef>
+          <a:fillRef idx="1">
+            <a:schemeClr val="accent1"/>
+          </a:fillRef>
+          <a:effectRef idx="0">
+            <a:schemeClr val="accent1"/>
+          </a:effectRef>
+          <a:fontRef idx="minor">
+            <a:schemeClr val="lt1"/>
+          </a:fontRef>
+        </p:style>
+        <p:txBody>
+          <a:bodyPr rtlCol="0" anchor="ctr"/>
+          <a:lstStyle/>
+          <a:p>
+            <a:pPr algn="ctr"/>
+            <a:r>
+              <a:rPr lang="pt-BR" b="1" dirty="0" smtClean="0">
+                <a:solidFill>
+                  <a:schemeClr val="bg1"/>
+                </a:solidFill>
+              </a:rPr>
+              <a:t>Fluidez de Acesso</a:t>
+            </a:r>
+          </a:p>
+        </p:txBody>
+      </p:sp>
+      <p:sp>
+        <p:nvSpPr>
+          <p:cNvPr id="45" name="Retângulo 44"/>
+          <p:cNvSpPr/>
+          <p:nvPr/>
+        </p:nvSpPr>
+        <p:spPr>
+          <a:xfrm>
+            <a:off x="9154584" y="3979055"/>
+            <a:ext cx="1449977" cy="664595"/>
+          </a:xfrm>
+          <a:prstGeom prst="rect">
+            <a:avLst/>
+          </a:prstGeom>
+          <a:solidFill>
+            <a:schemeClr val="accent1"/>
+          </a:solidFill>
+          <a:ln>
+            <a:solidFill>
+              <a:schemeClr val="accent1"/>
+            </a:solidFill>
+          </a:ln>
+          <a:effectLst>
+            <a:outerShdw blurRad="50800" dist="38100" dir="5400000" algn="t" rotWithShape="0">
+              <a:prstClr val="black">
+                <a:alpha val="40000"/>
+              </a:prstClr>
+            </a:outerShdw>
+          </a:effectLst>
+        </p:spPr>
+        <p:style>
+          <a:lnRef idx="2">
+            <a:schemeClr val="accent1">
+              <a:shade val="50000"/>
+            </a:schemeClr>
+          </a:lnRef>
+          <a:fillRef idx="1">
+            <a:schemeClr val="accent1"/>
+          </a:fillRef>
+          <a:effectRef idx="0">
+            <a:schemeClr val="accent1"/>
+          </a:effectRef>
+          <a:fontRef idx="minor">
+            <a:schemeClr val="lt1"/>
+          </a:fontRef>
+        </p:style>
+        <p:txBody>
+          <a:bodyPr rtlCol="0" anchor="ctr"/>
+          <a:lstStyle/>
+          <a:p>
+            <a:pPr algn="ctr"/>
+            <a:r>
+              <a:rPr lang="pt-BR" b="1" dirty="0" smtClean="0">
+                <a:solidFill>
+                  <a:schemeClr val="bg1"/>
+                </a:solidFill>
+              </a:rPr>
+              <a:t>Dados bem Organizado</a:t>
+            </a:r>
+          </a:p>
+        </p:txBody>
+      </p:sp>
+      <p:sp>
+        <p:nvSpPr>
+          <p:cNvPr id="46" name="Retângulo 45"/>
+          <p:cNvSpPr/>
+          <p:nvPr/>
+        </p:nvSpPr>
+        <p:spPr>
+          <a:xfrm>
+            <a:off x="9154584" y="4698441"/>
+            <a:ext cx="1449977" cy="664595"/>
+          </a:xfrm>
+          <a:prstGeom prst="rect">
+            <a:avLst/>
+          </a:prstGeom>
+          <a:solidFill>
+            <a:schemeClr val="accent1"/>
+          </a:solidFill>
+          <a:ln>
+            <a:solidFill>
+              <a:schemeClr val="accent1"/>
+            </a:solidFill>
+          </a:ln>
+          <a:effectLst>
+            <a:outerShdw blurRad="50800" dist="38100" dir="5400000" algn="t" rotWithShape="0">
+              <a:prstClr val="black">
+                <a:alpha val="40000"/>
+              </a:prstClr>
+            </a:outerShdw>
+          </a:effectLst>
+        </p:spPr>
+        <p:style>
+          <a:lnRef idx="2">
+            <a:schemeClr val="accent1">
+              <a:shade val="50000"/>
+            </a:schemeClr>
+          </a:lnRef>
+          <a:fillRef idx="1">
+            <a:schemeClr val="accent1"/>
+          </a:fillRef>
+          <a:effectRef idx="0">
+            <a:schemeClr val="accent1"/>
+          </a:effectRef>
+          <a:fontRef idx="minor">
+            <a:schemeClr val="lt1"/>
+          </a:fontRef>
+        </p:style>
+        <p:txBody>
+          <a:bodyPr rtlCol="0" anchor="ctr"/>
+          <a:lstStyle/>
+          <a:p>
+            <a:pPr algn="ctr"/>
+            <a:r>
+              <a:rPr lang="pt-BR" b="1" dirty="0" smtClean="0">
+                <a:solidFill>
+                  <a:schemeClr val="bg1"/>
+                </a:solidFill>
+              </a:rPr>
+              <a:t>Fácil Manipulação</a:t>
+            </a:r>
+          </a:p>
+        </p:txBody>
+      </p:sp>
+      <p:sp>
+        <p:nvSpPr>
+          <p:cNvPr id="47" name="Retângulo 46"/>
+          <p:cNvSpPr/>
+          <p:nvPr/>
+        </p:nvSpPr>
+        <p:spPr>
+          <a:xfrm>
+            <a:off x="6204159" y="4228624"/>
+            <a:ext cx="1368335" cy="614110"/>
+          </a:xfrm>
+          <a:prstGeom prst="rect">
+            <a:avLst/>
+          </a:prstGeom>
+          <a:solidFill>
+            <a:schemeClr val="accent1"/>
+          </a:solidFill>
+          <a:ln>
+            <a:solidFill>
+              <a:schemeClr val="accent1"/>
+            </a:solidFill>
+          </a:ln>
+          <a:effectLst>
+            <a:outerShdw blurRad="50800" dist="38100" dir="5400000" algn="t" rotWithShape="0">
+              <a:prstClr val="black">
+                <a:alpha val="40000"/>
+              </a:prstClr>
+            </a:outerShdw>
+          </a:effectLst>
+        </p:spPr>
+        <p:style>
+          <a:lnRef idx="2">
+            <a:schemeClr val="accent1">
+              <a:shade val="50000"/>
+            </a:schemeClr>
+          </a:lnRef>
+          <a:fillRef idx="1">
+            <a:schemeClr val="accent1"/>
+          </a:fillRef>
+          <a:effectRef idx="0">
+            <a:schemeClr val="accent1"/>
+          </a:effectRef>
+          <a:fontRef idx="minor">
+            <a:schemeClr val="lt1"/>
+          </a:fontRef>
+        </p:style>
+        <p:txBody>
+          <a:bodyPr rtlCol="0" anchor="ctr"/>
+          <a:lstStyle/>
+          <a:p>
+            <a:pPr algn="ctr"/>
+            <a:r>
+              <a:rPr lang="pt-BR" b="1" dirty="0" smtClean="0">
+                <a:solidFill>
+                  <a:schemeClr val="bg1"/>
+                </a:solidFill>
+              </a:rPr>
+              <a:t>API</a:t>
+            </a:r>
+          </a:p>
+        </p:txBody>
+      </p:sp>
     </p:spTree>
     <p:extLst>
       <p:ext uri="{BB962C8B-B14F-4D97-AF65-F5344CB8AC3E}">
-        <p14:creationId xmlns:p14="http://schemas.microsoft.com/office/powerpoint/2010/main" val="3033505191"/>
+        <p14:creationId xmlns:p14="http://schemas.microsoft.com/office/powerpoint/2010/main" val="1376651712"/>
       </p:ext>
     </p:extLst>
   </p:cSld>
@@ -16491,39 +19287,2302 @@
           <a:chExt cx="0" cy="0"/>
         </a:xfrm>
       </p:grpSpPr>
+      <p:sp>
+        <p:nvSpPr>
+          <p:cNvPr id="6" name="Retângulo 5"/>
+          <p:cNvSpPr/>
+          <p:nvPr/>
+        </p:nvSpPr>
+        <p:spPr>
+          <a:xfrm>
+            <a:off x="1071154" y="4429919"/>
+            <a:ext cx="1449977" cy="664595"/>
+          </a:xfrm>
+          <a:prstGeom prst="rect">
+            <a:avLst/>
+          </a:prstGeom>
+          <a:solidFill>
+            <a:srgbClr val="FFFF00"/>
+          </a:solidFill>
+          <a:ln>
+            <a:solidFill>
+              <a:srgbClr val="FFFF00"/>
+            </a:solidFill>
+          </a:ln>
+          <a:effectLst>
+            <a:outerShdw blurRad="50800" dist="38100" dir="5400000" algn="t" rotWithShape="0">
+              <a:prstClr val="black">
+                <a:alpha val="40000"/>
+              </a:prstClr>
+            </a:outerShdw>
+          </a:effectLst>
+        </p:spPr>
+        <p:style>
+          <a:lnRef idx="2">
+            <a:schemeClr val="accent1">
+              <a:shade val="50000"/>
+            </a:schemeClr>
+          </a:lnRef>
+          <a:fillRef idx="1">
+            <a:schemeClr val="accent1"/>
+          </a:fillRef>
+          <a:effectRef idx="0">
+            <a:schemeClr val="accent1"/>
+          </a:effectRef>
+          <a:fontRef idx="minor">
+            <a:schemeClr val="lt1"/>
+          </a:fontRef>
+        </p:style>
+        <p:txBody>
+          <a:bodyPr rtlCol="0" anchor="ctr"/>
+          <a:lstStyle/>
+          <a:p>
+            <a:pPr algn="ctr"/>
+            <a:r>
+              <a:rPr lang="pt-BR" b="1" dirty="0" smtClean="0">
+                <a:solidFill>
+                  <a:schemeClr val="tx1"/>
+                </a:solidFill>
+              </a:rPr>
+              <a:t>Cidadãos</a:t>
+            </a:r>
+            <a:endParaRPr lang="pt-BR" b="1" dirty="0">
+              <a:solidFill>
+                <a:schemeClr val="tx1"/>
+              </a:solidFill>
+            </a:endParaRPr>
+          </a:p>
+        </p:txBody>
+      </p:sp>
+      <p:sp>
+        <p:nvSpPr>
+          <p:cNvPr id="7" name="Retângulo 6"/>
+          <p:cNvSpPr/>
+          <p:nvPr/>
+        </p:nvSpPr>
+        <p:spPr>
+          <a:xfrm>
+            <a:off x="2248988" y="4876517"/>
+            <a:ext cx="1449977" cy="664595"/>
+          </a:xfrm>
+          <a:prstGeom prst="rect">
+            <a:avLst/>
+          </a:prstGeom>
+          <a:solidFill>
+            <a:srgbClr val="FFFF00"/>
+          </a:solidFill>
+          <a:ln>
+            <a:solidFill>
+              <a:srgbClr val="FFFF00"/>
+            </a:solidFill>
+          </a:ln>
+          <a:effectLst>
+            <a:outerShdw blurRad="50800" dist="38100" dir="5400000" algn="t" rotWithShape="0">
+              <a:prstClr val="black">
+                <a:alpha val="40000"/>
+              </a:prstClr>
+            </a:outerShdw>
+          </a:effectLst>
+        </p:spPr>
+        <p:style>
+          <a:lnRef idx="2">
+            <a:schemeClr val="accent1">
+              <a:shade val="50000"/>
+            </a:schemeClr>
+          </a:lnRef>
+          <a:fillRef idx="1">
+            <a:schemeClr val="accent1"/>
+          </a:fillRef>
+          <a:effectRef idx="0">
+            <a:schemeClr val="accent1"/>
+          </a:effectRef>
+          <a:fontRef idx="minor">
+            <a:schemeClr val="lt1"/>
+          </a:fontRef>
+        </p:style>
+        <p:txBody>
+          <a:bodyPr rtlCol="0" anchor="ctr"/>
+          <a:lstStyle/>
+          <a:p>
+            <a:pPr algn="ctr"/>
+            <a:r>
+              <a:rPr lang="pt-BR" b="1" dirty="0" smtClean="0">
+                <a:solidFill>
+                  <a:schemeClr val="tx1"/>
+                </a:solidFill>
+              </a:rPr>
+              <a:t>Profissionais de Saúde</a:t>
+            </a:r>
+            <a:endParaRPr lang="pt-BR" b="1" dirty="0">
+              <a:solidFill>
+                <a:schemeClr val="tx1"/>
+              </a:solidFill>
+            </a:endParaRPr>
+          </a:p>
+        </p:txBody>
+      </p:sp>
+      <p:sp>
+        <p:nvSpPr>
+          <p:cNvPr id="8" name="Retângulo 7"/>
+          <p:cNvSpPr/>
+          <p:nvPr/>
+        </p:nvSpPr>
+        <p:spPr>
+          <a:xfrm>
+            <a:off x="1161506" y="5476240"/>
+            <a:ext cx="1449977" cy="664595"/>
+          </a:xfrm>
+          <a:prstGeom prst="rect">
+            <a:avLst/>
+          </a:prstGeom>
+          <a:solidFill>
+            <a:srgbClr val="FFFF00"/>
+          </a:solidFill>
+          <a:ln>
+            <a:solidFill>
+              <a:srgbClr val="FFFF00"/>
+            </a:solidFill>
+          </a:ln>
+          <a:effectLst>
+            <a:outerShdw blurRad="50800" dist="38100" dir="5400000" algn="t" rotWithShape="0">
+              <a:prstClr val="black">
+                <a:alpha val="40000"/>
+              </a:prstClr>
+            </a:outerShdw>
+          </a:effectLst>
+        </p:spPr>
+        <p:style>
+          <a:lnRef idx="2">
+            <a:schemeClr val="accent1">
+              <a:shade val="50000"/>
+            </a:schemeClr>
+          </a:lnRef>
+          <a:fillRef idx="1">
+            <a:schemeClr val="accent1"/>
+          </a:fillRef>
+          <a:effectRef idx="0">
+            <a:schemeClr val="accent1"/>
+          </a:effectRef>
+          <a:fontRef idx="minor">
+            <a:schemeClr val="lt1"/>
+          </a:fontRef>
+        </p:style>
+        <p:txBody>
+          <a:bodyPr rtlCol="0" anchor="ctr"/>
+          <a:lstStyle/>
+          <a:p>
+            <a:pPr algn="ctr"/>
+            <a:r>
+              <a:rPr lang="pt-BR" sz="1600" b="1" dirty="0" smtClean="0">
+                <a:solidFill>
+                  <a:schemeClr val="tx1"/>
+                </a:solidFill>
+              </a:rPr>
+              <a:t>Equipe ADM na Área da Saúde  </a:t>
+            </a:r>
+            <a:endParaRPr lang="pt-BR" sz="1600" b="1" dirty="0">
+              <a:solidFill>
+                <a:schemeClr val="tx1"/>
+              </a:solidFill>
+            </a:endParaRPr>
+          </a:p>
+        </p:txBody>
+      </p:sp>
+      <p:sp>
+        <p:nvSpPr>
+          <p:cNvPr id="10" name="Retângulo 9"/>
+          <p:cNvSpPr/>
+          <p:nvPr/>
+        </p:nvSpPr>
+        <p:spPr>
+          <a:xfrm>
+            <a:off x="1856323" y="2356464"/>
+            <a:ext cx="1449977" cy="664595"/>
+          </a:xfrm>
+          <a:prstGeom prst="rect">
+            <a:avLst/>
+          </a:prstGeom>
+          <a:solidFill>
+            <a:srgbClr val="00B050"/>
+          </a:solidFill>
+          <a:ln>
+            <a:solidFill>
+              <a:srgbClr val="00B050"/>
+            </a:solidFill>
+          </a:ln>
+          <a:effectLst>
+            <a:outerShdw blurRad="50800" dist="38100" dir="5400000" algn="t" rotWithShape="0">
+              <a:prstClr val="black">
+                <a:alpha val="40000"/>
+              </a:prstClr>
+            </a:outerShdw>
+          </a:effectLst>
+        </p:spPr>
+        <p:style>
+          <a:lnRef idx="2">
+            <a:schemeClr val="accent1">
+              <a:shade val="50000"/>
+            </a:schemeClr>
+          </a:lnRef>
+          <a:fillRef idx="1">
+            <a:schemeClr val="accent1"/>
+          </a:fillRef>
+          <a:effectRef idx="0">
+            <a:schemeClr val="accent1"/>
+          </a:effectRef>
+          <a:fontRef idx="minor">
+            <a:schemeClr val="lt1"/>
+          </a:fontRef>
+        </p:style>
+        <p:txBody>
+          <a:bodyPr rtlCol="0" anchor="ctr"/>
+          <a:lstStyle/>
+          <a:p>
+            <a:pPr algn="ctr"/>
+            <a:r>
+              <a:rPr lang="pt-BR" b="1" dirty="0" smtClean="0">
+                <a:solidFill>
+                  <a:schemeClr val="bg1"/>
+                </a:solidFill>
+              </a:rPr>
+              <a:t>Acessível</a:t>
+            </a:r>
+          </a:p>
+        </p:txBody>
+      </p:sp>
+      <p:sp>
+        <p:nvSpPr>
+          <p:cNvPr id="38" name="CaixaDeTexto 37"/>
+          <p:cNvSpPr txBox="1"/>
+          <p:nvPr/>
+        </p:nvSpPr>
+        <p:spPr>
+          <a:xfrm>
+            <a:off x="1676321" y="3859292"/>
+            <a:ext cx="1809983" cy="369332"/>
+          </a:xfrm>
+          <a:prstGeom prst="rect">
+            <a:avLst/>
+          </a:prstGeom>
+          <a:noFill/>
+        </p:spPr>
+        <p:txBody>
+          <a:bodyPr wrap="none" rtlCol="0">
+            <a:spAutoFit/>
+          </a:bodyPr>
+          <a:lstStyle/>
+          <a:p>
+            <a:r>
+              <a:rPr lang="pt-BR" b="1" dirty="0" smtClean="0"/>
+              <a:t>Cliente e Usuário</a:t>
+            </a:r>
+            <a:endParaRPr lang="pt-BR" b="1" dirty="0"/>
+          </a:p>
+        </p:txBody>
+      </p:sp>
+      <p:grpSp>
+        <p:nvGrpSpPr>
+          <p:cNvPr id="41" name="Agrupar 40"/>
+          <p:cNvGrpSpPr/>
+          <p:nvPr/>
+        </p:nvGrpSpPr>
+        <p:grpSpPr>
+          <a:xfrm>
+            <a:off x="600891" y="223967"/>
+            <a:ext cx="10907486" cy="6529530"/>
+            <a:chOff x="600891" y="223967"/>
+            <a:chExt cx="10907486" cy="6529530"/>
+          </a:xfrm>
+        </p:grpSpPr>
+        <p:grpSp>
+          <p:nvGrpSpPr>
+            <p:cNvPr id="36" name="Agrupar 35"/>
+            <p:cNvGrpSpPr/>
+            <p:nvPr/>
+          </p:nvGrpSpPr>
+          <p:grpSpPr>
+            <a:xfrm>
+              <a:off x="600891" y="223967"/>
+              <a:ext cx="10907486" cy="6529530"/>
+              <a:chOff x="600891" y="223967"/>
+              <a:chExt cx="10907486" cy="6529530"/>
+            </a:xfrm>
+          </p:grpSpPr>
+          <p:sp>
+            <p:nvSpPr>
+              <p:cNvPr id="27" name="CaixaDeTexto 26"/>
+              <p:cNvSpPr txBox="1"/>
+              <p:nvPr/>
+            </p:nvSpPr>
+            <p:spPr>
+              <a:xfrm>
+                <a:off x="903332" y="346818"/>
+                <a:ext cx="9701229" cy="646331"/>
+              </a:xfrm>
+              <a:prstGeom prst="rect">
+                <a:avLst/>
+              </a:prstGeom>
+              <a:noFill/>
+            </p:spPr>
+            <p:txBody>
+              <a:bodyPr wrap="square" rtlCol="0">
+                <a:spAutoFit/>
+              </a:bodyPr>
+              <a:lstStyle/>
+              <a:p>
+                <a:pPr algn="ctr"/>
+                <a:r>
+                  <a:rPr lang="pt-BR" sz="3600" dirty="0" smtClean="0">
+                    <a:solidFill>
+                      <a:srgbClr val="FF0000"/>
+                    </a:solidFill>
+                  </a:rPr>
+                  <a:t>AGP - Acessibilidade</a:t>
+                </a:r>
+                <a:endParaRPr lang="pt-BR" sz="3600" dirty="0">
+                  <a:solidFill>
+                    <a:srgbClr val="FF0000"/>
+                  </a:solidFill>
+                </a:endParaRPr>
+              </a:p>
+            </p:txBody>
+          </p:sp>
+          <p:sp>
+            <p:nvSpPr>
+              <p:cNvPr id="28" name="Retângulo 27"/>
+              <p:cNvSpPr/>
+              <p:nvPr/>
+            </p:nvSpPr>
+            <p:spPr>
+              <a:xfrm>
+                <a:off x="600891" y="223967"/>
+                <a:ext cx="10907486" cy="837961"/>
+              </a:xfrm>
+              <a:prstGeom prst="rect">
+                <a:avLst/>
+              </a:prstGeom>
+              <a:noFill/>
+              <a:ln w="57150">
+                <a:solidFill>
+                  <a:schemeClr val="tx1"/>
+                </a:solidFill>
+              </a:ln>
+            </p:spPr>
+            <p:style>
+              <a:lnRef idx="2">
+                <a:schemeClr val="accent1">
+                  <a:shade val="50000"/>
+                </a:schemeClr>
+              </a:lnRef>
+              <a:fillRef idx="1">
+                <a:schemeClr val="accent1"/>
+              </a:fillRef>
+              <a:effectRef idx="0">
+                <a:schemeClr val="accent1"/>
+              </a:effectRef>
+              <a:fontRef idx="minor">
+                <a:schemeClr val="lt1"/>
+              </a:fontRef>
+            </p:style>
+            <p:txBody>
+              <a:bodyPr rtlCol="0" anchor="ctr"/>
+              <a:lstStyle/>
+              <a:p>
+                <a:pPr algn="ctr"/>
+                <a:endParaRPr lang="pt-BR"/>
+              </a:p>
+            </p:txBody>
+          </p:sp>
+          <p:sp>
+            <p:nvSpPr>
+              <p:cNvPr id="29" name="Retângulo 28"/>
+              <p:cNvSpPr/>
+              <p:nvPr/>
+            </p:nvSpPr>
+            <p:spPr>
+              <a:xfrm>
+                <a:off x="600891" y="1238103"/>
+                <a:ext cx="10907486" cy="5515394"/>
+              </a:xfrm>
+              <a:prstGeom prst="rect">
+                <a:avLst/>
+              </a:prstGeom>
+              <a:noFill/>
+              <a:ln w="57150">
+                <a:solidFill>
+                  <a:schemeClr val="tx1"/>
+                </a:solidFill>
+              </a:ln>
+            </p:spPr>
+            <p:style>
+              <a:lnRef idx="2">
+                <a:schemeClr val="accent1">
+                  <a:shade val="50000"/>
+                </a:schemeClr>
+              </a:lnRef>
+              <a:fillRef idx="1">
+                <a:schemeClr val="accent1"/>
+              </a:fillRef>
+              <a:effectRef idx="0">
+                <a:schemeClr val="accent1"/>
+              </a:effectRef>
+              <a:fontRef idx="minor">
+                <a:schemeClr val="lt1"/>
+              </a:fontRef>
+            </p:style>
+            <p:txBody>
+              <a:bodyPr rtlCol="0" anchor="ctr"/>
+              <a:lstStyle/>
+              <a:p>
+                <a:pPr algn="ctr"/>
+                <a:endParaRPr lang="pt-BR"/>
+              </a:p>
+            </p:txBody>
+          </p:sp>
+          <p:cxnSp>
+            <p:nvCxnSpPr>
+              <p:cNvPr id="31" name="Conector reto 30"/>
+              <p:cNvCxnSpPr/>
+              <p:nvPr/>
+            </p:nvCxnSpPr>
+            <p:spPr>
+              <a:xfrm flipV="1">
+                <a:off x="836023" y="3840480"/>
+                <a:ext cx="3513908" cy="0"/>
+              </a:xfrm>
+              <a:prstGeom prst="line">
+                <a:avLst/>
+              </a:prstGeom>
+              <a:ln w="38100">
+                <a:solidFill>
+                  <a:schemeClr val="tx1"/>
+                </a:solidFill>
+              </a:ln>
+            </p:spPr>
+            <p:style>
+              <a:lnRef idx="1">
+                <a:schemeClr val="accent1"/>
+              </a:lnRef>
+              <a:fillRef idx="0">
+                <a:schemeClr val="accent1"/>
+              </a:fillRef>
+              <a:effectRef idx="0">
+                <a:schemeClr val="accent1"/>
+              </a:effectRef>
+              <a:fontRef idx="minor">
+                <a:schemeClr val="tx1"/>
+              </a:fontRef>
+            </p:style>
+          </p:cxnSp>
+          <p:cxnSp>
+            <p:nvCxnSpPr>
+              <p:cNvPr id="32" name="Conector reto 31"/>
+              <p:cNvCxnSpPr/>
+              <p:nvPr/>
+            </p:nvCxnSpPr>
+            <p:spPr>
+              <a:xfrm>
+                <a:off x="4502331" y="1515291"/>
+                <a:ext cx="0" cy="4794069"/>
+              </a:xfrm>
+              <a:prstGeom prst="line">
+                <a:avLst/>
+              </a:prstGeom>
+              <a:ln w="38100">
+                <a:solidFill>
+                  <a:schemeClr val="tx1"/>
+                </a:solidFill>
+              </a:ln>
+            </p:spPr>
+            <p:style>
+              <a:lnRef idx="1">
+                <a:schemeClr val="accent1"/>
+              </a:lnRef>
+              <a:fillRef idx="0">
+                <a:schemeClr val="accent1"/>
+              </a:fillRef>
+              <a:effectRef idx="0">
+                <a:schemeClr val="accent1"/>
+              </a:effectRef>
+              <a:fontRef idx="minor">
+                <a:schemeClr val="tx1"/>
+              </a:fontRef>
+            </p:style>
+          </p:cxnSp>
+          <p:cxnSp>
+            <p:nvCxnSpPr>
+              <p:cNvPr id="35" name="Conector reto 34"/>
+              <p:cNvCxnSpPr/>
+              <p:nvPr/>
+            </p:nvCxnSpPr>
+            <p:spPr>
+              <a:xfrm>
+                <a:off x="7894319" y="1443445"/>
+                <a:ext cx="0" cy="4794069"/>
+              </a:xfrm>
+              <a:prstGeom prst="line">
+                <a:avLst/>
+              </a:prstGeom>
+              <a:ln w="38100">
+                <a:solidFill>
+                  <a:schemeClr val="tx1"/>
+                </a:solidFill>
+              </a:ln>
+            </p:spPr>
+            <p:style>
+              <a:lnRef idx="1">
+                <a:schemeClr val="accent1"/>
+              </a:lnRef>
+              <a:fillRef idx="0">
+                <a:schemeClr val="accent1"/>
+              </a:fillRef>
+              <a:effectRef idx="0">
+                <a:schemeClr val="accent1"/>
+              </a:effectRef>
+              <a:fontRef idx="minor">
+                <a:schemeClr val="tx1"/>
+              </a:fontRef>
+            </p:style>
+          </p:cxnSp>
+        </p:grpSp>
+        <p:sp>
+          <p:nvSpPr>
+            <p:cNvPr id="37" name="CaixaDeTexto 36"/>
+            <p:cNvSpPr txBox="1"/>
+            <p:nvPr/>
+          </p:nvSpPr>
+          <p:spPr>
+            <a:xfrm>
+              <a:off x="894276" y="1212939"/>
+              <a:ext cx="3455655" cy="646331"/>
+            </a:xfrm>
+            <a:prstGeom prst="rect">
+              <a:avLst/>
+            </a:prstGeom>
+            <a:noFill/>
+          </p:spPr>
+          <p:txBody>
+            <a:bodyPr wrap="square" rtlCol="0">
+              <a:spAutoFit/>
+            </a:bodyPr>
+            <a:lstStyle/>
+            <a:p>
+              <a:r>
+                <a:rPr lang="pt-BR" b="1" dirty="0" smtClean="0"/>
+                <a:t>Problemas ,Necessidades ou Tarefas Identificadas</a:t>
+              </a:r>
+              <a:endParaRPr lang="pt-BR" b="1" dirty="0"/>
+            </a:p>
+          </p:txBody>
+        </p:sp>
+        <p:sp>
+          <p:nvSpPr>
+            <p:cNvPr id="39" name="CaixaDeTexto 38"/>
+            <p:cNvSpPr txBox="1"/>
+            <p:nvPr/>
+          </p:nvSpPr>
+          <p:spPr>
+            <a:xfrm>
+              <a:off x="5153297" y="1330625"/>
+              <a:ext cx="1712777" cy="369332"/>
+            </a:xfrm>
+            <a:prstGeom prst="rect">
+              <a:avLst/>
+            </a:prstGeom>
+            <a:noFill/>
+          </p:spPr>
+          <p:txBody>
+            <a:bodyPr wrap="none" rtlCol="0">
+              <a:spAutoFit/>
+            </a:bodyPr>
+            <a:lstStyle/>
+            <a:p>
+              <a:r>
+                <a:rPr lang="pt-BR" b="1" dirty="0" smtClean="0"/>
+                <a:t>Ideia e Soluções</a:t>
+              </a:r>
+              <a:endParaRPr lang="pt-BR" b="1" dirty="0"/>
+            </a:p>
+          </p:txBody>
+        </p:sp>
+        <p:sp>
+          <p:nvSpPr>
+            <p:cNvPr id="40" name="CaixaDeTexto 39"/>
+            <p:cNvSpPr txBox="1"/>
+            <p:nvPr/>
+          </p:nvSpPr>
+          <p:spPr>
+            <a:xfrm>
+              <a:off x="8527026" y="1218470"/>
+              <a:ext cx="2330316" cy="646331"/>
+            </a:xfrm>
+            <a:prstGeom prst="rect">
+              <a:avLst/>
+            </a:prstGeom>
+            <a:noFill/>
+          </p:spPr>
+          <p:txBody>
+            <a:bodyPr wrap="square" rtlCol="0">
+              <a:spAutoFit/>
+            </a:bodyPr>
+            <a:lstStyle/>
+            <a:p>
+              <a:pPr algn="just"/>
+              <a:r>
+                <a:rPr lang="pt-BR" b="1" dirty="0" smtClean="0"/>
+                <a:t>Benefícios para o negócio e para o time</a:t>
+              </a:r>
+              <a:endParaRPr lang="pt-BR" b="1" dirty="0"/>
+            </a:p>
+          </p:txBody>
+        </p:sp>
+      </p:grpSp>
       <p:pic>
         <p:nvPicPr>
-          <p:cNvPr id="2" name="Imagem 1"/>
+          <p:cNvPr id="33" name="Graphic 5" descr="Medical">
+            <a:extLst>
+              <a:ext uri="{FF2B5EF4-FFF2-40B4-BE49-F238E27FC236}">
+                <a16:creationId xmlns:a16="http://schemas.microsoft.com/office/drawing/2014/main" id="{9239DDF4-05BD-434C-80A2-83C8A5CCCF40}"/>
+              </a:ext>
+            </a:extLst>
+          </p:cNvPr>
           <p:cNvPicPr>
             <a:picLocks noChangeAspect="1"/>
           </p:cNvPicPr>
           <p:nvPr/>
         </p:nvPicPr>
-        <p:blipFill rotWithShape="1">
+        <p:blipFill>
           <a:blip r:embed="rId2">
             <a:extLst>
-              <a:ext uri="{28A0092B-C50C-407E-A947-70E740481C1C}">
-                <a14:useLocalDpi xmlns:a14="http://schemas.microsoft.com/office/drawing/2010/main" val="0"/>
+              <a:ext uri="{96DAC541-7B7A-43D3-8B79-37D633B846F1}">
+                <asvg:svgBlip xmlns="" xmlns:asvg="http://schemas.microsoft.com/office/drawing/2016/SVG/main" r:embed="rId8"/>
               </a:ext>
             </a:extLst>
           </a:blip>
-          <a:srcRect l="14540" t="20990" r="7757" b="594"/>
-          <a:stretch/>
+          <a:stretch>
+            <a:fillRect/>
+          </a:stretch>
         </p:blipFill>
         <p:spPr>
           <a:xfrm>
-            <a:off x="263236" y="0"/>
-            <a:ext cx="11762509" cy="6809873"/>
+            <a:off x="10267206" y="199105"/>
+            <a:ext cx="948361" cy="887683"/>
           </a:xfrm>
           <a:prstGeom prst="rect">
             <a:avLst/>
           </a:prstGeom>
         </p:spPr>
       </p:pic>
+      <p:sp>
+        <p:nvSpPr>
+          <p:cNvPr id="50" name="Retângulo 49"/>
+          <p:cNvSpPr/>
+          <p:nvPr/>
+        </p:nvSpPr>
+        <p:spPr>
+          <a:xfrm>
+            <a:off x="4805588" y="1911105"/>
+            <a:ext cx="1449977" cy="664595"/>
+          </a:xfrm>
+          <a:prstGeom prst="rect">
+            <a:avLst/>
+          </a:prstGeom>
+          <a:solidFill>
+            <a:srgbClr val="00B050"/>
+          </a:solidFill>
+          <a:ln>
+            <a:solidFill>
+              <a:srgbClr val="00B050"/>
+            </a:solidFill>
+          </a:ln>
+          <a:effectLst>
+            <a:outerShdw blurRad="50800" dist="38100" dir="5400000" algn="t" rotWithShape="0">
+              <a:prstClr val="black">
+                <a:alpha val="40000"/>
+              </a:prstClr>
+            </a:outerShdw>
+          </a:effectLst>
+        </p:spPr>
+        <p:style>
+          <a:lnRef idx="2">
+            <a:schemeClr val="accent1">
+              <a:shade val="50000"/>
+            </a:schemeClr>
+          </a:lnRef>
+          <a:fillRef idx="1">
+            <a:schemeClr val="accent1"/>
+          </a:fillRef>
+          <a:effectRef idx="0">
+            <a:schemeClr val="accent1"/>
+          </a:effectRef>
+          <a:fontRef idx="minor">
+            <a:schemeClr val="lt1"/>
+          </a:fontRef>
+        </p:style>
+        <p:txBody>
+          <a:bodyPr rtlCol="0" anchor="ctr"/>
+          <a:lstStyle/>
+          <a:p>
+            <a:pPr algn="ctr"/>
+            <a:r>
+              <a:rPr lang="pt-BR" b="1" dirty="0" smtClean="0">
+                <a:solidFill>
+                  <a:schemeClr val="bg1"/>
+                </a:solidFill>
+              </a:rPr>
+              <a:t>Gratuito</a:t>
+            </a:r>
+            <a:endParaRPr lang="pt-BR" b="1" dirty="0">
+              <a:solidFill>
+                <a:schemeClr val="bg1"/>
+              </a:solidFill>
+            </a:endParaRPr>
+          </a:p>
+        </p:txBody>
+      </p:sp>
+      <p:sp>
+        <p:nvSpPr>
+          <p:cNvPr id="53" name="Retângulo 52"/>
+          <p:cNvSpPr/>
+          <p:nvPr/>
+        </p:nvSpPr>
+        <p:spPr>
+          <a:xfrm>
+            <a:off x="6131814" y="2356463"/>
+            <a:ext cx="1449977" cy="664595"/>
+          </a:xfrm>
+          <a:prstGeom prst="rect">
+            <a:avLst/>
+          </a:prstGeom>
+          <a:solidFill>
+            <a:srgbClr val="00B050"/>
+          </a:solidFill>
+          <a:ln>
+            <a:solidFill>
+              <a:srgbClr val="00B050"/>
+            </a:solidFill>
+          </a:ln>
+          <a:effectLst>
+            <a:outerShdw blurRad="50800" dist="38100" dir="5400000" algn="t" rotWithShape="0">
+              <a:prstClr val="black">
+                <a:alpha val="40000"/>
+              </a:prstClr>
+            </a:outerShdw>
+          </a:effectLst>
+        </p:spPr>
+        <p:style>
+          <a:lnRef idx="2">
+            <a:schemeClr val="accent1">
+              <a:shade val="50000"/>
+            </a:schemeClr>
+          </a:lnRef>
+          <a:fillRef idx="1">
+            <a:schemeClr val="accent1"/>
+          </a:fillRef>
+          <a:effectRef idx="0">
+            <a:schemeClr val="accent1"/>
+          </a:effectRef>
+          <a:fontRef idx="minor">
+            <a:schemeClr val="lt1"/>
+          </a:fontRef>
+        </p:style>
+        <p:txBody>
+          <a:bodyPr rtlCol="0" anchor="ctr"/>
+          <a:lstStyle/>
+          <a:p>
+            <a:pPr algn="ctr"/>
+            <a:r>
+              <a:rPr lang="pt-BR" b="1" dirty="0" smtClean="0">
+                <a:solidFill>
+                  <a:schemeClr val="bg1"/>
+                </a:solidFill>
+              </a:rPr>
+              <a:t>Diversas Plataformas</a:t>
+            </a:r>
+            <a:endParaRPr lang="pt-BR" b="1" dirty="0">
+              <a:solidFill>
+                <a:schemeClr val="bg1"/>
+              </a:solidFill>
+            </a:endParaRPr>
+          </a:p>
+        </p:txBody>
+      </p:sp>
+      <p:sp>
+        <p:nvSpPr>
+          <p:cNvPr id="66" name="Retângulo 65"/>
+          <p:cNvSpPr/>
+          <p:nvPr/>
+        </p:nvSpPr>
+        <p:spPr>
+          <a:xfrm>
+            <a:off x="8808085" y="3261781"/>
+            <a:ext cx="1449977" cy="664595"/>
+          </a:xfrm>
+          <a:prstGeom prst="rect">
+            <a:avLst/>
+          </a:prstGeom>
+          <a:solidFill>
+            <a:srgbClr val="00B050"/>
+          </a:solidFill>
+          <a:ln>
+            <a:solidFill>
+              <a:srgbClr val="00B050"/>
+            </a:solidFill>
+          </a:ln>
+          <a:effectLst>
+            <a:outerShdw blurRad="50800" dist="38100" dir="5400000" algn="t" rotWithShape="0">
+              <a:prstClr val="black">
+                <a:alpha val="40000"/>
+              </a:prstClr>
+            </a:outerShdw>
+          </a:effectLst>
+        </p:spPr>
+        <p:style>
+          <a:lnRef idx="2">
+            <a:schemeClr val="accent1">
+              <a:shade val="50000"/>
+            </a:schemeClr>
+          </a:lnRef>
+          <a:fillRef idx="1">
+            <a:schemeClr val="accent1"/>
+          </a:fillRef>
+          <a:effectRef idx="0">
+            <a:schemeClr val="accent1"/>
+          </a:effectRef>
+          <a:fontRef idx="minor">
+            <a:schemeClr val="lt1"/>
+          </a:fontRef>
+        </p:style>
+        <p:txBody>
+          <a:bodyPr rtlCol="0" anchor="ctr"/>
+          <a:lstStyle/>
+          <a:p>
+            <a:pPr algn="ctr"/>
+            <a:r>
+              <a:rPr lang="pt-BR" b="1" dirty="0" smtClean="0">
+                <a:solidFill>
+                  <a:schemeClr val="bg1"/>
+                </a:solidFill>
+              </a:rPr>
+              <a:t>Fácil  Manipulação</a:t>
+            </a:r>
+            <a:endParaRPr lang="pt-BR" b="1" dirty="0">
+              <a:solidFill>
+                <a:schemeClr val="bg1"/>
+              </a:solidFill>
+            </a:endParaRPr>
+          </a:p>
+        </p:txBody>
+      </p:sp>
+      <p:sp>
+        <p:nvSpPr>
+          <p:cNvPr id="34" name="Retângulo 33"/>
+          <p:cNvSpPr/>
+          <p:nvPr/>
+        </p:nvSpPr>
+        <p:spPr>
+          <a:xfrm>
+            <a:off x="4774119" y="2864935"/>
+            <a:ext cx="1449977" cy="664595"/>
+          </a:xfrm>
+          <a:prstGeom prst="rect">
+            <a:avLst/>
+          </a:prstGeom>
+          <a:solidFill>
+            <a:srgbClr val="00B050"/>
+          </a:solidFill>
+          <a:ln>
+            <a:solidFill>
+              <a:srgbClr val="00B050"/>
+            </a:solidFill>
+          </a:ln>
+          <a:effectLst>
+            <a:outerShdw blurRad="50800" dist="38100" dir="5400000" algn="t" rotWithShape="0">
+              <a:prstClr val="black">
+                <a:alpha val="40000"/>
+              </a:prstClr>
+            </a:outerShdw>
+          </a:effectLst>
+        </p:spPr>
+        <p:style>
+          <a:lnRef idx="2">
+            <a:schemeClr val="accent1">
+              <a:shade val="50000"/>
+            </a:schemeClr>
+          </a:lnRef>
+          <a:fillRef idx="1">
+            <a:schemeClr val="accent1"/>
+          </a:fillRef>
+          <a:effectRef idx="0">
+            <a:schemeClr val="accent1"/>
+          </a:effectRef>
+          <a:fontRef idx="minor">
+            <a:schemeClr val="lt1"/>
+          </a:fontRef>
+        </p:style>
+        <p:txBody>
+          <a:bodyPr rtlCol="0" anchor="ctr"/>
+          <a:lstStyle/>
+          <a:p>
+            <a:pPr algn="ctr"/>
+            <a:r>
+              <a:rPr lang="pt-BR" b="1" dirty="0" smtClean="0">
+                <a:solidFill>
+                  <a:schemeClr val="bg1"/>
+                </a:solidFill>
+              </a:rPr>
+              <a:t>Visibilidade de Textos</a:t>
+            </a:r>
+          </a:p>
+        </p:txBody>
+      </p:sp>
+      <p:sp>
+        <p:nvSpPr>
+          <p:cNvPr id="42" name="Retângulo 41"/>
+          <p:cNvSpPr/>
+          <p:nvPr/>
+        </p:nvSpPr>
+        <p:spPr>
+          <a:xfrm>
+            <a:off x="6141086" y="3261781"/>
+            <a:ext cx="1449977" cy="664595"/>
+          </a:xfrm>
+          <a:prstGeom prst="rect">
+            <a:avLst/>
+          </a:prstGeom>
+          <a:solidFill>
+            <a:srgbClr val="00B050"/>
+          </a:solidFill>
+          <a:ln>
+            <a:solidFill>
+              <a:srgbClr val="00B050"/>
+            </a:solidFill>
+          </a:ln>
+          <a:effectLst>
+            <a:outerShdw blurRad="50800" dist="38100" dir="5400000" algn="t" rotWithShape="0">
+              <a:prstClr val="black">
+                <a:alpha val="40000"/>
+              </a:prstClr>
+            </a:outerShdw>
+          </a:effectLst>
+        </p:spPr>
+        <p:style>
+          <a:lnRef idx="2">
+            <a:schemeClr val="accent1">
+              <a:shade val="50000"/>
+            </a:schemeClr>
+          </a:lnRef>
+          <a:fillRef idx="1">
+            <a:schemeClr val="accent1"/>
+          </a:fillRef>
+          <a:effectRef idx="0">
+            <a:schemeClr val="accent1"/>
+          </a:effectRef>
+          <a:fontRef idx="minor">
+            <a:schemeClr val="lt1"/>
+          </a:fontRef>
+        </p:style>
+        <p:txBody>
+          <a:bodyPr rtlCol="0" anchor="ctr"/>
+          <a:lstStyle/>
+          <a:p>
+            <a:pPr algn="ctr"/>
+            <a:r>
+              <a:rPr lang="pt-BR" sz="1600" b="1" dirty="0" smtClean="0">
+                <a:solidFill>
+                  <a:schemeClr val="bg1"/>
+                </a:solidFill>
+              </a:rPr>
+              <a:t>Controles Grandes e Simples</a:t>
+            </a:r>
+          </a:p>
+        </p:txBody>
+      </p:sp>
+      <p:sp>
+        <p:nvSpPr>
+          <p:cNvPr id="43" name="Retângulo 42"/>
+          <p:cNvSpPr/>
+          <p:nvPr/>
+        </p:nvSpPr>
+        <p:spPr>
+          <a:xfrm>
+            <a:off x="4774118" y="3817842"/>
+            <a:ext cx="1449977" cy="664595"/>
+          </a:xfrm>
+          <a:prstGeom prst="rect">
+            <a:avLst/>
+          </a:prstGeom>
+          <a:solidFill>
+            <a:srgbClr val="00B050"/>
+          </a:solidFill>
+          <a:ln>
+            <a:solidFill>
+              <a:srgbClr val="00B050"/>
+            </a:solidFill>
+          </a:ln>
+          <a:effectLst>
+            <a:outerShdw blurRad="50800" dist="38100" dir="5400000" algn="t" rotWithShape="0">
+              <a:prstClr val="black">
+                <a:alpha val="40000"/>
+              </a:prstClr>
+            </a:outerShdw>
+          </a:effectLst>
+        </p:spPr>
+        <p:style>
+          <a:lnRef idx="2">
+            <a:schemeClr val="accent1">
+              <a:shade val="50000"/>
+            </a:schemeClr>
+          </a:lnRef>
+          <a:fillRef idx="1">
+            <a:schemeClr val="accent1"/>
+          </a:fillRef>
+          <a:effectRef idx="0">
+            <a:schemeClr val="accent1"/>
+          </a:effectRef>
+          <a:fontRef idx="minor">
+            <a:schemeClr val="lt1"/>
+          </a:fontRef>
+        </p:style>
+        <p:txBody>
+          <a:bodyPr rtlCol="0" anchor="ctr"/>
+          <a:lstStyle/>
+          <a:p>
+            <a:pPr algn="ctr"/>
+            <a:r>
+              <a:rPr lang="pt-BR" b="1" dirty="0" smtClean="0">
+                <a:solidFill>
+                  <a:schemeClr val="bg1"/>
+                </a:solidFill>
+              </a:rPr>
+              <a:t>Design </a:t>
+            </a:r>
+          </a:p>
+          <a:p>
+            <a:pPr algn="ctr"/>
+            <a:r>
+              <a:rPr lang="pt-BR" b="1" dirty="0" smtClean="0">
+                <a:solidFill>
+                  <a:schemeClr val="bg1"/>
+                </a:solidFill>
+              </a:rPr>
+              <a:t>Acessível</a:t>
+            </a:r>
+          </a:p>
+        </p:txBody>
+      </p:sp>
+      <p:sp>
+        <p:nvSpPr>
+          <p:cNvPr id="44" name="Retângulo 43"/>
+          <p:cNvSpPr/>
+          <p:nvPr/>
+        </p:nvSpPr>
+        <p:spPr>
+          <a:xfrm>
+            <a:off x="6067025" y="4315592"/>
+            <a:ext cx="1449977" cy="664595"/>
+          </a:xfrm>
+          <a:prstGeom prst="rect">
+            <a:avLst/>
+          </a:prstGeom>
+          <a:solidFill>
+            <a:srgbClr val="00B050"/>
+          </a:solidFill>
+          <a:ln>
+            <a:solidFill>
+              <a:srgbClr val="00B050"/>
+            </a:solidFill>
+          </a:ln>
+          <a:effectLst>
+            <a:outerShdw blurRad="50800" dist="38100" dir="5400000" algn="t" rotWithShape="0">
+              <a:prstClr val="black">
+                <a:alpha val="40000"/>
+              </a:prstClr>
+            </a:outerShdw>
+          </a:effectLst>
+        </p:spPr>
+        <p:style>
+          <a:lnRef idx="2">
+            <a:schemeClr val="accent1">
+              <a:shade val="50000"/>
+            </a:schemeClr>
+          </a:lnRef>
+          <a:fillRef idx="1">
+            <a:schemeClr val="accent1"/>
+          </a:fillRef>
+          <a:effectRef idx="0">
+            <a:schemeClr val="accent1"/>
+          </a:effectRef>
+          <a:fontRef idx="minor">
+            <a:schemeClr val="lt1"/>
+          </a:fontRef>
+        </p:style>
+        <p:txBody>
+          <a:bodyPr rtlCol="0" anchor="ctr"/>
+          <a:lstStyle/>
+          <a:p>
+            <a:pPr algn="ctr"/>
+            <a:r>
+              <a:rPr lang="pt-BR" sz="1600" b="1" dirty="0" smtClean="0">
+                <a:solidFill>
+                  <a:schemeClr val="bg1"/>
+                </a:solidFill>
+              </a:rPr>
+              <a:t>Automatizar Coleta de Dados</a:t>
+            </a:r>
+          </a:p>
+        </p:txBody>
+      </p:sp>
     </p:spTree>
     <p:extLst>
       <p:ext uri="{BB962C8B-B14F-4D97-AF65-F5344CB8AC3E}">
-        <p14:creationId xmlns:p14="http://schemas.microsoft.com/office/powerpoint/2010/main" val="1051437290"/>
+        <p14:creationId xmlns:p14="http://schemas.microsoft.com/office/powerpoint/2010/main" val="395746245"/>
+      </p:ext>
+    </p:extLst>
+  </p:cSld>
+  <p:clrMapOvr>
+    <a:masterClrMapping/>
+  </p:clrMapOvr>
+</p:sld>
+</file>
+
+<file path=ppt/slides/slide8.xml><?xml version="1.0" encoding="utf-8"?>
+<p:sld xmlns:a="http://schemas.openxmlformats.org/drawingml/2006/main" xmlns:r="http://schemas.openxmlformats.org/officeDocument/2006/relationships" xmlns:p="http://schemas.openxmlformats.org/presentationml/2006/main">
+  <p:cSld>
+    <p:spTree>
+      <p:nvGrpSpPr>
+        <p:cNvPr id="1" name=""/>
+        <p:cNvGrpSpPr/>
+        <p:nvPr/>
+      </p:nvGrpSpPr>
+      <p:grpSpPr>
+        <a:xfrm>
+          <a:off x="0" y="0"/>
+          <a:ext cx="0" cy="0"/>
+          <a:chOff x="0" y="0"/>
+          <a:chExt cx="0" cy="0"/>
+        </a:xfrm>
+      </p:grpSpPr>
+      <p:sp>
+        <p:nvSpPr>
+          <p:cNvPr id="6" name="Retângulo 5"/>
+          <p:cNvSpPr/>
+          <p:nvPr/>
+        </p:nvSpPr>
+        <p:spPr>
+          <a:xfrm>
+            <a:off x="1071154" y="4429919"/>
+            <a:ext cx="1449977" cy="664595"/>
+          </a:xfrm>
+          <a:prstGeom prst="rect">
+            <a:avLst/>
+          </a:prstGeom>
+          <a:solidFill>
+            <a:srgbClr val="FFFF00"/>
+          </a:solidFill>
+          <a:ln>
+            <a:solidFill>
+              <a:srgbClr val="FFFF00"/>
+            </a:solidFill>
+          </a:ln>
+          <a:effectLst>
+            <a:outerShdw blurRad="50800" dist="38100" dir="5400000" algn="t" rotWithShape="0">
+              <a:prstClr val="black">
+                <a:alpha val="40000"/>
+              </a:prstClr>
+            </a:outerShdw>
+          </a:effectLst>
+        </p:spPr>
+        <p:style>
+          <a:lnRef idx="2">
+            <a:schemeClr val="accent1">
+              <a:shade val="50000"/>
+            </a:schemeClr>
+          </a:lnRef>
+          <a:fillRef idx="1">
+            <a:schemeClr val="accent1"/>
+          </a:fillRef>
+          <a:effectRef idx="0">
+            <a:schemeClr val="accent1"/>
+          </a:effectRef>
+          <a:fontRef idx="minor">
+            <a:schemeClr val="lt1"/>
+          </a:fontRef>
+        </p:style>
+        <p:txBody>
+          <a:bodyPr rtlCol="0" anchor="ctr"/>
+          <a:lstStyle/>
+          <a:p>
+            <a:pPr algn="ctr"/>
+            <a:r>
+              <a:rPr lang="pt-BR" b="1" dirty="0" smtClean="0">
+                <a:solidFill>
+                  <a:schemeClr val="tx1"/>
+                </a:solidFill>
+              </a:rPr>
+              <a:t>Cidadãos</a:t>
+            </a:r>
+            <a:endParaRPr lang="pt-BR" b="1" dirty="0">
+              <a:solidFill>
+                <a:schemeClr val="tx1"/>
+              </a:solidFill>
+            </a:endParaRPr>
+          </a:p>
+        </p:txBody>
+      </p:sp>
+      <p:sp>
+        <p:nvSpPr>
+          <p:cNvPr id="7" name="Retângulo 6"/>
+          <p:cNvSpPr/>
+          <p:nvPr/>
+        </p:nvSpPr>
+        <p:spPr>
+          <a:xfrm>
+            <a:off x="2248988" y="4876517"/>
+            <a:ext cx="1449977" cy="664595"/>
+          </a:xfrm>
+          <a:prstGeom prst="rect">
+            <a:avLst/>
+          </a:prstGeom>
+          <a:solidFill>
+            <a:srgbClr val="FFFF00"/>
+          </a:solidFill>
+          <a:ln>
+            <a:solidFill>
+              <a:srgbClr val="FFFF00"/>
+            </a:solidFill>
+          </a:ln>
+          <a:effectLst>
+            <a:outerShdw blurRad="50800" dist="38100" dir="5400000" algn="t" rotWithShape="0">
+              <a:prstClr val="black">
+                <a:alpha val="40000"/>
+              </a:prstClr>
+            </a:outerShdw>
+          </a:effectLst>
+        </p:spPr>
+        <p:style>
+          <a:lnRef idx="2">
+            <a:schemeClr val="accent1">
+              <a:shade val="50000"/>
+            </a:schemeClr>
+          </a:lnRef>
+          <a:fillRef idx="1">
+            <a:schemeClr val="accent1"/>
+          </a:fillRef>
+          <a:effectRef idx="0">
+            <a:schemeClr val="accent1"/>
+          </a:effectRef>
+          <a:fontRef idx="minor">
+            <a:schemeClr val="lt1"/>
+          </a:fontRef>
+        </p:style>
+        <p:txBody>
+          <a:bodyPr rtlCol="0" anchor="ctr"/>
+          <a:lstStyle/>
+          <a:p>
+            <a:pPr algn="ctr"/>
+            <a:r>
+              <a:rPr lang="pt-BR" b="1" dirty="0" smtClean="0">
+                <a:solidFill>
+                  <a:schemeClr val="tx1"/>
+                </a:solidFill>
+              </a:rPr>
+              <a:t>Profissionais de Saúde</a:t>
+            </a:r>
+            <a:endParaRPr lang="pt-BR" b="1" dirty="0">
+              <a:solidFill>
+                <a:schemeClr val="tx1"/>
+              </a:solidFill>
+            </a:endParaRPr>
+          </a:p>
+        </p:txBody>
+      </p:sp>
+      <p:sp>
+        <p:nvSpPr>
+          <p:cNvPr id="8" name="Retângulo 7"/>
+          <p:cNvSpPr/>
+          <p:nvPr/>
+        </p:nvSpPr>
+        <p:spPr>
+          <a:xfrm>
+            <a:off x="1161506" y="5476240"/>
+            <a:ext cx="1449977" cy="664595"/>
+          </a:xfrm>
+          <a:prstGeom prst="rect">
+            <a:avLst/>
+          </a:prstGeom>
+          <a:solidFill>
+            <a:srgbClr val="FFFF00"/>
+          </a:solidFill>
+          <a:ln>
+            <a:solidFill>
+              <a:srgbClr val="FFFF00"/>
+            </a:solidFill>
+          </a:ln>
+          <a:effectLst>
+            <a:outerShdw blurRad="50800" dist="38100" dir="5400000" algn="t" rotWithShape="0">
+              <a:prstClr val="black">
+                <a:alpha val="40000"/>
+              </a:prstClr>
+            </a:outerShdw>
+          </a:effectLst>
+        </p:spPr>
+        <p:style>
+          <a:lnRef idx="2">
+            <a:schemeClr val="accent1">
+              <a:shade val="50000"/>
+            </a:schemeClr>
+          </a:lnRef>
+          <a:fillRef idx="1">
+            <a:schemeClr val="accent1"/>
+          </a:fillRef>
+          <a:effectRef idx="0">
+            <a:schemeClr val="accent1"/>
+          </a:effectRef>
+          <a:fontRef idx="minor">
+            <a:schemeClr val="lt1"/>
+          </a:fontRef>
+        </p:style>
+        <p:txBody>
+          <a:bodyPr rtlCol="0" anchor="ctr"/>
+          <a:lstStyle/>
+          <a:p>
+            <a:pPr algn="ctr"/>
+            <a:r>
+              <a:rPr lang="pt-BR" sz="1600" b="1" dirty="0" smtClean="0">
+                <a:solidFill>
+                  <a:schemeClr val="tx1"/>
+                </a:solidFill>
+              </a:rPr>
+              <a:t>Equipe ADM na Área da Saúde  </a:t>
+            </a:r>
+            <a:endParaRPr lang="pt-BR" sz="1600" b="1" dirty="0">
+              <a:solidFill>
+                <a:schemeClr val="tx1"/>
+              </a:solidFill>
+            </a:endParaRPr>
+          </a:p>
+        </p:txBody>
+      </p:sp>
+      <p:sp>
+        <p:nvSpPr>
+          <p:cNvPr id="11" name="Retângulo 10"/>
+          <p:cNvSpPr/>
+          <p:nvPr/>
+        </p:nvSpPr>
+        <p:spPr>
+          <a:xfrm>
+            <a:off x="1696892" y="2295797"/>
+            <a:ext cx="1449977" cy="664595"/>
+          </a:xfrm>
+          <a:prstGeom prst="rect">
+            <a:avLst/>
+          </a:prstGeom>
+          <a:solidFill>
+            <a:schemeClr val="accent6">
+              <a:lumMod val="75000"/>
+            </a:schemeClr>
+          </a:solidFill>
+          <a:ln>
+            <a:solidFill>
+              <a:schemeClr val="accent6">
+                <a:lumMod val="75000"/>
+              </a:schemeClr>
+            </a:solidFill>
+          </a:ln>
+          <a:effectLst>
+            <a:outerShdw blurRad="50800" dist="38100" dir="5400000" algn="t" rotWithShape="0">
+              <a:prstClr val="black">
+                <a:alpha val="40000"/>
+              </a:prstClr>
+            </a:outerShdw>
+          </a:effectLst>
+        </p:spPr>
+        <p:style>
+          <a:lnRef idx="2">
+            <a:schemeClr val="accent1">
+              <a:shade val="50000"/>
+            </a:schemeClr>
+          </a:lnRef>
+          <a:fillRef idx="1">
+            <a:schemeClr val="accent1"/>
+          </a:fillRef>
+          <a:effectRef idx="0">
+            <a:schemeClr val="accent1"/>
+          </a:effectRef>
+          <a:fontRef idx="minor">
+            <a:schemeClr val="lt1"/>
+          </a:fontRef>
+        </p:style>
+        <p:txBody>
+          <a:bodyPr rtlCol="0" anchor="ctr"/>
+          <a:lstStyle/>
+          <a:p>
+            <a:pPr algn="ctr"/>
+            <a:r>
+              <a:rPr lang="pt-BR" b="1" dirty="0" smtClean="0">
+                <a:solidFill>
+                  <a:schemeClr val="bg1"/>
+                </a:solidFill>
+              </a:rPr>
+              <a:t>Exibição de Relatórios</a:t>
+            </a:r>
+            <a:endParaRPr lang="pt-BR" b="1" dirty="0">
+              <a:solidFill>
+                <a:schemeClr val="bg1"/>
+              </a:solidFill>
+            </a:endParaRPr>
+          </a:p>
+        </p:txBody>
+      </p:sp>
+      <p:sp>
+        <p:nvSpPr>
+          <p:cNvPr id="38" name="CaixaDeTexto 37"/>
+          <p:cNvSpPr txBox="1"/>
+          <p:nvPr/>
+        </p:nvSpPr>
+        <p:spPr>
+          <a:xfrm>
+            <a:off x="1676321" y="3859292"/>
+            <a:ext cx="1809983" cy="369332"/>
+          </a:xfrm>
+          <a:prstGeom prst="rect">
+            <a:avLst/>
+          </a:prstGeom>
+          <a:noFill/>
+        </p:spPr>
+        <p:txBody>
+          <a:bodyPr wrap="none" rtlCol="0">
+            <a:spAutoFit/>
+          </a:bodyPr>
+          <a:lstStyle/>
+          <a:p>
+            <a:r>
+              <a:rPr lang="pt-BR" b="1" dirty="0" smtClean="0"/>
+              <a:t>Cliente e Usuário</a:t>
+            </a:r>
+            <a:endParaRPr lang="pt-BR" b="1" dirty="0"/>
+          </a:p>
+        </p:txBody>
+      </p:sp>
+      <p:grpSp>
+        <p:nvGrpSpPr>
+          <p:cNvPr id="41" name="Agrupar 40"/>
+          <p:cNvGrpSpPr/>
+          <p:nvPr/>
+        </p:nvGrpSpPr>
+        <p:grpSpPr>
+          <a:xfrm>
+            <a:off x="364487" y="220549"/>
+            <a:ext cx="10907486" cy="6529530"/>
+            <a:chOff x="600891" y="223967"/>
+            <a:chExt cx="10907486" cy="6529530"/>
+          </a:xfrm>
+        </p:grpSpPr>
+        <p:grpSp>
+          <p:nvGrpSpPr>
+            <p:cNvPr id="36" name="Agrupar 35"/>
+            <p:cNvGrpSpPr/>
+            <p:nvPr/>
+          </p:nvGrpSpPr>
+          <p:grpSpPr>
+            <a:xfrm>
+              <a:off x="600891" y="223967"/>
+              <a:ext cx="10907486" cy="6529530"/>
+              <a:chOff x="600891" y="223967"/>
+              <a:chExt cx="10907486" cy="6529530"/>
+            </a:xfrm>
+          </p:grpSpPr>
+          <p:sp>
+            <p:nvSpPr>
+              <p:cNvPr id="27" name="CaixaDeTexto 26"/>
+              <p:cNvSpPr txBox="1"/>
+              <p:nvPr/>
+            </p:nvSpPr>
+            <p:spPr>
+              <a:xfrm>
+                <a:off x="903332" y="346818"/>
+                <a:ext cx="9701229" cy="646331"/>
+              </a:xfrm>
+              <a:prstGeom prst="rect">
+                <a:avLst/>
+              </a:prstGeom>
+              <a:noFill/>
+            </p:spPr>
+            <p:txBody>
+              <a:bodyPr wrap="square" rtlCol="0">
+                <a:spAutoFit/>
+              </a:bodyPr>
+              <a:lstStyle/>
+              <a:p>
+                <a:pPr algn="ctr"/>
+                <a:r>
+                  <a:rPr lang="pt-BR" sz="3600" dirty="0" smtClean="0">
+                    <a:solidFill>
+                      <a:srgbClr val="FF0000"/>
+                    </a:solidFill>
+                  </a:rPr>
+                  <a:t>AGP – Gerenciamento de Relatórios</a:t>
+                </a:r>
+                <a:endParaRPr lang="pt-BR" sz="3600" dirty="0">
+                  <a:solidFill>
+                    <a:srgbClr val="FF0000"/>
+                  </a:solidFill>
+                </a:endParaRPr>
+              </a:p>
+            </p:txBody>
+          </p:sp>
+          <p:sp>
+            <p:nvSpPr>
+              <p:cNvPr id="28" name="Retângulo 27"/>
+              <p:cNvSpPr/>
+              <p:nvPr/>
+            </p:nvSpPr>
+            <p:spPr>
+              <a:xfrm>
+                <a:off x="600891" y="223967"/>
+                <a:ext cx="10907486" cy="837961"/>
+              </a:xfrm>
+              <a:prstGeom prst="rect">
+                <a:avLst/>
+              </a:prstGeom>
+              <a:noFill/>
+              <a:ln w="57150">
+                <a:solidFill>
+                  <a:schemeClr val="tx1"/>
+                </a:solidFill>
+              </a:ln>
+            </p:spPr>
+            <p:style>
+              <a:lnRef idx="2">
+                <a:schemeClr val="accent1">
+                  <a:shade val="50000"/>
+                </a:schemeClr>
+              </a:lnRef>
+              <a:fillRef idx="1">
+                <a:schemeClr val="accent1"/>
+              </a:fillRef>
+              <a:effectRef idx="0">
+                <a:schemeClr val="accent1"/>
+              </a:effectRef>
+              <a:fontRef idx="minor">
+                <a:schemeClr val="lt1"/>
+              </a:fontRef>
+            </p:style>
+            <p:txBody>
+              <a:bodyPr rtlCol="0" anchor="ctr"/>
+              <a:lstStyle/>
+              <a:p>
+                <a:pPr algn="ctr"/>
+                <a:endParaRPr lang="pt-BR"/>
+              </a:p>
+            </p:txBody>
+          </p:sp>
+          <p:sp>
+            <p:nvSpPr>
+              <p:cNvPr id="29" name="Retângulo 28"/>
+              <p:cNvSpPr/>
+              <p:nvPr/>
+            </p:nvSpPr>
+            <p:spPr>
+              <a:xfrm>
+                <a:off x="600891" y="1238103"/>
+                <a:ext cx="10907486" cy="5515394"/>
+              </a:xfrm>
+              <a:prstGeom prst="rect">
+                <a:avLst/>
+              </a:prstGeom>
+              <a:noFill/>
+              <a:ln w="57150">
+                <a:solidFill>
+                  <a:schemeClr val="tx1"/>
+                </a:solidFill>
+              </a:ln>
+            </p:spPr>
+            <p:style>
+              <a:lnRef idx="2">
+                <a:schemeClr val="accent1">
+                  <a:shade val="50000"/>
+                </a:schemeClr>
+              </a:lnRef>
+              <a:fillRef idx="1">
+                <a:schemeClr val="accent1"/>
+              </a:fillRef>
+              <a:effectRef idx="0">
+                <a:schemeClr val="accent1"/>
+              </a:effectRef>
+              <a:fontRef idx="minor">
+                <a:schemeClr val="lt1"/>
+              </a:fontRef>
+            </p:style>
+            <p:txBody>
+              <a:bodyPr rtlCol="0" anchor="ctr"/>
+              <a:lstStyle/>
+              <a:p>
+                <a:pPr algn="ctr"/>
+                <a:endParaRPr lang="pt-BR"/>
+              </a:p>
+            </p:txBody>
+          </p:sp>
+          <p:cxnSp>
+            <p:nvCxnSpPr>
+              <p:cNvPr id="31" name="Conector reto 30"/>
+              <p:cNvCxnSpPr/>
+              <p:nvPr/>
+            </p:nvCxnSpPr>
+            <p:spPr>
+              <a:xfrm flipV="1">
+                <a:off x="836023" y="3840480"/>
+                <a:ext cx="3513908" cy="0"/>
+              </a:xfrm>
+              <a:prstGeom prst="line">
+                <a:avLst/>
+              </a:prstGeom>
+              <a:ln w="38100">
+                <a:solidFill>
+                  <a:schemeClr val="tx1"/>
+                </a:solidFill>
+              </a:ln>
+            </p:spPr>
+            <p:style>
+              <a:lnRef idx="1">
+                <a:schemeClr val="accent1"/>
+              </a:lnRef>
+              <a:fillRef idx="0">
+                <a:schemeClr val="accent1"/>
+              </a:fillRef>
+              <a:effectRef idx="0">
+                <a:schemeClr val="accent1"/>
+              </a:effectRef>
+              <a:fontRef idx="minor">
+                <a:schemeClr val="tx1"/>
+              </a:fontRef>
+            </p:style>
+          </p:cxnSp>
+          <p:cxnSp>
+            <p:nvCxnSpPr>
+              <p:cNvPr id="32" name="Conector reto 31"/>
+              <p:cNvCxnSpPr/>
+              <p:nvPr/>
+            </p:nvCxnSpPr>
+            <p:spPr>
+              <a:xfrm>
+                <a:off x="4502331" y="1515291"/>
+                <a:ext cx="0" cy="4794069"/>
+              </a:xfrm>
+              <a:prstGeom prst="line">
+                <a:avLst/>
+              </a:prstGeom>
+              <a:ln w="38100">
+                <a:solidFill>
+                  <a:schemeClr val="tx1"/>
+                </a:solidFill>
+              </a:ln>
+            </p:spPr>
+            <p:style>
+              <a:lnRef idx="1">
+                <a:schemeClr val="accent1"/>
+              </a:lnRef>
+              <a:fillRef idx="0">
+                <a:schemeClr val="accent1"/>
+              </a:fillRef>
+              <a:effectRef idx="0">
+                <a:schemeClr val="accent1"/>
+              </a:effectRef>
+              <a:fontRef idx="minor">
+                <a:schemeClr val="tx1"/>
+              </a:fontRef>
+            </p:style>
+          </p:cxnSp>
+          <p:cxnSp>
+            <p:nvCxnSpPr>
+              <p:cNvPr id="35" name="Conector reto 34"/>
+              <p:cNvCxnSpPr/>
+              <p:nvPr/>
+            </p:nvCxnSpPr>
+            <p:spPr>
+              <a:xfrm>
+                <a:off x="7894319" y="1443445"/>
+                <a:ext cx="0" cy="4794069"/>
+              </a:xfrm>
+              <a:prstGeom prst="line">
+                <a:avLst/>
+              </a:prstGeom>
+              <a:ln w="38100">
+                <a:solidFill>
+                  <a:schemeClr val="tx1"/>
+                </a:solidFill>
+              </a:ln>
+            </p:spPr>
+            <p:style>
+              <a:lnRef idx="1">
+                <a:schemeClr val="accent1"/>
+              </a:lnRef>
+              <a:fillRef idx="0">
+                <a:schemeClr val="accent1"/>
+              </a:fillRef>
+              <a:effectRef idx="0">
+                <a:schemeClr val="accent1"/>
+              </a:effectRef>
+              <a:fontRef idx="minor">
+                <a:schemeClr val="tx1"/>
+              </a:fontRef>
+            </p:style>
+          </p:cxnSp>
+        </p:grpSp>
+        <p:sp>
+          <p:nvSpPr>
+            <p:cNvPr id="37" name="CaixaDeTexto 36"/>
+            <p:cNvSpPr txBox="1"/>
+            <p:nvPr/>
+          </p:nvSpPr>
+          <p:spPr>
+            <a:xfrm>
+              <a:off x="894276" y="1212939"/>
+              <a:ext cx="3455655" cy="646331"/>
+            </a:xfrm>
+            <a:prstGeom prst="rect">
+              <a:avLst/>
+            </a:prstGeom>
+            <a:noFill/>
+          </p:spPr>
+          <p:txBody>
+            <a:bodyPr wrap="square" rtlCol="0">
+              <a:spAutoFit/>
+            </a:bodyPr>
+            <a:lstStyle/>
+            <a:p>
+              <a:r>
+                <a:rPr lang="pt-BR" b="1" dirty="0" smtClean="0"/>
+                <a:t>Problemas ,Necessidades ou Tarefas Identificadas</a:t>
+              </a:r>
+              <a:endParaRPr lang="pt-BR" b="1" dirty="0"/>
+            </a:p>
+          </p:txBody>
+        </p:sp>
+        <p:sp>
+          <p:nvSpPr>
+            <p:cNvPr id="39" name="CaixaDeTexto 38"/>
+            <p:cNvSpPr txBox="1"/>
+            <p:nvPr/>
+          </p:nvSpPr>
+          <p:spPr>
+            <a:xfrm>
+              <a:off x="5153297" y="1330625"/>
+              <a:ext cx="1712777" cy="369332"/>
+            </a:xfrm>
+            <a:prstGeom prst="rect">
+              <a:avLst/>
+            </a:prstGeom>
+            <a:noFill/>
+          </p:spPr>
+          <p:txBody>
+            <a:bodyPr wrap="none" rtlCol="0">
+              <a:spAutoFit/>
+            </a:bodyPr>
+            <a:lstStyle/>
+            <a:p>
+              <a:r>
+                <a:rPr lang="pt-BR" b="1" dirty="0" smtClean="0"/>
+                <a:t>Ideia e Soluções</a:t>
+              </a:r>
+              <a:endParaRPr lang="pt-BR" b="1" dirty="0"/>
+            </a:p>
+          </p:txBody>
+        </p:sp>
+        <p:sp>
+          <p:nvSpPr>
+            <p:cNvPr id="40" name="CaixaDeTexto 39"/>
+            <p:cNvSpPr txBox="1"/>
+            <p:nvPr/>
+          </p:nvSpPr>
+          <p:spPr>
+            <a:xfrm>
+              <a:off x="8527026" y="1218470"/>
+              <a:ext cx="2330316" cy="646331"/>
+            </a:xfrm>
+            <a:prstGeom prst="rect">
+              <a:avLst/>
+            </a:prstGeom>
+            <a:noFill/>
+          </p:spPr>
+          <p:txBody>
+            <a:bodyPr wrap="square" rtlCol="0">
+              <a:spAutoFit/>
+            </a:bodyPr>
+            <a:lstStyle/>
+            <a:p>
+              <a:pPr algn="just"/>
+              <a:r>
+                <a:rPr lang="pt-BR" b="1" dirty="0" smtClean="0"/>
+                <a:t>Benefícios para o negócio e para o time</a:t>
+              </a:r>
+              <a:endParaRPr lang="pt-BR" b="1" dirty="0"/>
+            </a:p>
+          </p:txBody>
+        </p:sp>
+      </p:grpSp>
+      <p:pic>
+        <p:nvPicPr>
+          <p:cNvPr id="33" name="Graphic 5" descr="Medical">
+            <a:extLst>
+              <a:ext uri="{FF2B5EF4-FFF2-40B4-BE49-F238E27FC236}">
+                <a16:creationId xmlns:a16="http://schemas.microsoft.com/office/drawing/2014/main" id="{9239DDF4-05BD-434C-80A2-83C8A5CCCF40}"/>
+              </a:ext>
+            </a:extLst>
+          </p:cNvPr>
+          <p:cNvPicPr>
+            <a:picLocks noChangeAspect="1"/>
+          </p:cNvPicPr>
+          <p:nvPr/>
+        </p:nvPicPr>
+        <p:blipFill>
+          <a:blip r:embed="rId2">
+            <a:extLst>
+              <a:ext uri="{96DAC541-7B7A-43D3-8B79-37D633B846F1}">
+                <asvg:svgBlip xmlns="" xmlns:asvg="http://schemas.microsoft.com/office/drawing/2016/SVG/main" r:embed="rId8"/>
+              </a:ext>
+            </a:extLst>
+          </a:blip>
+          <a:stretch>
+            <a:fillRect/>
+          </a:stretch>
+        </p:blipFill>
+        <p:spPr>
+          <a:xfrm>
+            <a:off x="10267206" y="199105"/>
+            <a:ext cx="948361" cy="887683"/>
+          </a:xfrm>
+          <a:prstGeom prst="rect">
+            <a:avLst/>
+          </a:prstGeom>
+        </p:spPr>
+      </p:pic>
+      <p:sp>
+        <p:nvSpPr>
+          <p:cNvPr id="51" name="Retângulo 50"/>
+          <p:cNvSpPr/>
+          <p:nvPr/>
+        </p:nvSpPr>
+        <p:spPr>
+          <a:xfrm>
+            <a:off x="4748348" y="1899055"/>
+            <a:ext cx="1449977" cy="664595"/>
+          </a:xfrm>
+          <a:prstGeom prst="rect">
+            <a:avLst/>
+          </a:prstGeom>
+          <a:solidFill>
+            <a:schemeClr val="accent6">
+              <a:lumMod val="75000"/>
+            </a:schemeClr>
+          </a:solidFill>
+          <a:ln>
+            <a:solidFill>
+              <a:schemeClr val="accent6">
+                <a:lumMod val="75000"/>
+              </a:schemeClr>
+            </a:solidFill>
+          </a:ln>
+          <a:effectLst>
+            <a:outerShdw blurRad="50800" dist="38100" dir="5400000" algn="t" rotWithShape="0">
+              <a:prstClr val="black">
+                <a:alpha val="40000"/>
+              </a:prstClr>
+            </a:outerShdw>
+          </a:effectLst>
+        </p:spPr>
+        <p:style>
+          <a:lnRef idx="2">
+            <a:schemeClr val="accent1">
+              <a:shade val="50000"/>
+            </a:schemeClr>
+          </a:lnRef>
+          <a:fillRef idx="1">
+            <a:schemeClr val="accent1"/>
+          </a:fillRef>
+          <a:effectRef idx="0">
+            <a:schemeClr val="accent1"/>
+          </a:effectRef>
+          <a:fontRef idx="minor">
+            <a:schemeClr val="lt1"/>
+          </a:fontRef>
+        </p:style>
+        <p:txBody>
+          <a:bodyPr rtlCol="0" anchor="ctr"/>
+          <a:lstStyle/>
+          <a:p>
+            <a:pPr algn="ctr"/>
+            <a:r>
+              <a:rPr lang="pt-BR" b="1" dirty="0" smtClean="0">
+                <a:solidFill>
+                  <a:schemeClr val="bg1"/>
+                </a:solidFill>
+              </a:rPr>
+              <a:t>Dashboard</a:t>
+            </a:r>
+            <a:endParaRPr lang="pt-BR" b="1" dirty="0">
+              <a:solidFill>
+                <a:schemeClr val="bg1"/>
+              </a:solidFill>
+            </a:endParaRPr>
+          </a:p>
+        </p:txBody>
+      </p:sp>
+      <p:sp>
+        <p:nvSpPr>
+          <p:cNvPr id="54" name="Retângulo 53"/>
+          <p:cNvSpPr/>
+          <p:nvPr/>
+        </p:nvSpPr>
+        <p:spPr>
+          <a:xfrm>
+            <a:off x="6069974" y="2446135"/>
+            <a:ext cx="1449977" cy="664595"/>
+          </a:xfrm>
+          <a:prstGeom prst="rect">
+            <a:avLst/>
+          </a:prstGeom>
+          <a:solidFill>
+            <a:schemeClr val="accent6">
+              <a:lumMod val="75000"/>
+            </a:schemeClr>
+          </a:solidFill>
+          <a:ln>
+            <a:solidFill>
+              <a:schemeClr val="accent6">
+                <a:lumMod val="75000"/>
+              </a:schemeClr>
+            </a:solidFill>
+          </a:ln>
+          <a:effectLst>
+            <a:outerShdw blurRad="50800" dist="38100" dir="5400000" algn="t" rotWithShape="0">
+              <a:prstClr val="black">
+                <a:alpha val="40000"/>
+              </a:prstClr>
+            </a:outerShdw>
+          </a:effectLst>
+        </p:spPr>
+        <p:style>
+          <a:lnRef idx="2">
+            <a:schemeClr val="accent1">
+              <a:shade val="50000"/>
+            </a:schemeClr>
+          </a:lnRef>
+          <a:fillRef idx="1">
+            <a:schemeClr val="accent1"/>
+          </a:fillRef>
+          <a:effectRef idx="0">
+            <a:schemeClr val="accent1"/>
+          </a:effectRef>
+          <a:fontRef idx="minor">
+            <a:schemeClr val="lt1"/>
+          </a:fontRef>
+        </p:style>
+        <p:txBody>
+          <a:bodyPr rtlCol="0" anchor="ctr"/>
+          <a:lstStyle/>
+          <a:p>
+            <a:pPr algn="ctr"/>
+            <a:r>
+              <a:rPr lang="pt-BR" b="1" dirty="0" smtClean="0">
+                <a:solidFill>
+                  <a:schemeClr val="bg1"/>
+                </a:solidFill>
+              </a:rPr>
+              <a:t>Interface Interativa</a:t>
+            </a:r>
+            <a:endParaRPr lang="pt-BR" b="1" dirty="0">
+              <a:solidFill>
+                <a:schemeClr val="bg1"/>
+              </a:solidFill>
+            </a:endParaRPr>
+          </a:p>
+        </p:txBody>
+      </p:sp>
+      <p:sp>
+        <p:nvSpPr>
+          <p:cNvPr id="65" name="Retângulo 64"/>
+          <p:cNvSpPr/>
+          <p:nvPr/>
+        </p:nvSpPr>
+        <p:spPr>
+          <a:xfrm>
+            <a:off x="8772761" y="2295796"/>
+            <a:ext cx="1449977" cy="664595"/>
+          </a:xfrm>
+          <a:prstGeom prst="rect">
+            <a:avLst/>
+          </a:prstGeom>
+          <a:solidFill>
+            <a:schemeClr val="accent6">
+              <a:lumMod val="75000"/>
+            </a:schemeClr>
+          </a:solidFill>
+          <a:ln>
+            <a:solidFill>
+              <a:schemeClr val="accent6">
+                <a:lumMod val="75000"/>
+              </a:schemeClr>
+            </a:solidFill>
+          </a:ln>
+          <a:effectLst>
+            <a:outerShdw blurRad="50800" dist="38100" dir="5400000" algn="t" rotWithShape="0">
+              <a:prstClr val="black">
+                <a:alpha val="40000"/>
+              </a:prstClr>
+            </a:outerShdw>
+          </a:effectLst>
+        </p:spPr>
+        <p:style>
+          <a:lnRef idx="2">
+            <a:schemeClr val="accent1">
+              <a:shade val="50000"/>
+            </a:schemeClr>
+          </a:lnRef>
+          <a:fillRef idx="1">
+            <a:schemeClr val="accent1"/>
+          </a:fillRef>
+          <a:effectRef idx="0">
+            <a:schemeClr val="accent1"/>
+          </a:effectRef>
+          <a:fontRef idx="minor">
+            <a:schemeClr val="lt1"/>
+          </a:fontRef>
+        </p:style>
+        <p:txBody>
+          <a:bodyPr rtlCol="0" anchor="ctr"/>
+          <a:lstStyle/>
+          <a:p>
+            <a:pPr algn="ctr"/>
+            <a:r>
+              <a:rPr lang="pt-BR" b="1" dirty="0" smtClean="0">
+                <a:solidFill>
+                  <a:schemeClr val="bg1"/>
+                </a:solidFill>
+              </a:rPr>
+              <a:t>Acesso a Informação</a:t>
+            </a:r>
+            <a:endParaRPr lang="pt-BR" b="1" dirty="0">
+              <a:solidFill>
+                <a:schemeClr val="bg1"/>
+              </a:solidFill>
+            </a:endParaRPr>
+          </a:p>
+        </p:txBody>
+      </p:sp>
+      <p:sp>
+        <p:nvSpPr>
+          <p:cNvPr id="34" name="Retângulo 33"/>
+          <p:cNvSpPr/>
+          <p:nvPr/>
+        </p:nvSpPr>
+        <p:spPr>
+          <a:xfrm>
+            <a:off x="4748347" y="3023910"/>
+            <a:ext cx="1449977" cy="664595"/>
+          </a:xfrm>
+          <a:prstGeom prst="rect">
+            <a:avLst/>
+          </a:prstGeom>
+          <a:solidFill>
+            <a:schemeClr val="accent6">
+              <a:lumMod val="75000"/>
+            </a:schemeClr>
+          </a:solidFill>
+          <a:ln>
+            <a:solidFill>
+              <a:schemeClr val="accent6">
+                <a:lumMod val="75000"/>
+              </a:schemeClr>
+            </a:solidFill>
+          </a:ln>
+          <a:effectLst>
+            <a:outerShdw blurRad="50800" dist="38100" dir="5400000" algn="t" rotWithShape="0">
+              <a:prstClr val="black">
+                <a:alpha val="40000"/>
+              </a:prstClr>
+            </a:outerShdw>
+          </a:effectLst>
+        </p:spPr>
+        <p:style>
+          <a:lnRef idx="2">
+            <a:schemeClr val="accent1">
+              <a:shade val="50000"/>
+            </a:schemeClr>
+          </a:lnRef>
+          <a:fillRef idx="1">
+            <a:schemeClr val="accent1"/>
+          </a:fillRef>
+          <a:effectRef idx="0">
+            <a:schemeClr val="accent1"/>
+          </a:effectRef>
+          <a:fontRef idx="minor">
+            <a:schemeClr val="lt1"/>
+          </a:fontRef>
+        </p:style>
+        <p:txBody>
+          <a:bodyPr rtlCol="0" anchor="ctr"/>
+          <a:lstStyle/>
+          <a:p>
+            <a:pPr algn="ctr"/>
+            <a:r>
+              <a:rPr lang="pt-BR" b="1" dirty="0" smtClean="0">
+                <a:solidFill>
+                  <a:schemeClr val="bg1"/>
+                </a:solidFill>
+              </a:rPr>
+              <a:t>Notificações</a:t>
+            </a:r>
+            <a:endParaRPr lang="pt-BR" b="1" dirty="0">
+              <a:solidFill>
+                <a:schemeClr val="bg1"/>
+              </a:solidFill>
+            </a:endParaRPr>
+          </a:p>
+        </p:txBody>
+      </p:sp>
+      <p:sp>
+        <p:nvSpPr>
+          <p:cNvPr id="43" name="Retângulo 42"/>
+          <p:cNvSpPr/>
+          <p:nvPr/>
+        </p:nvSpPr>
+        <p:spPr>
+          <a:xfrm>
+            <a:off x="8763220" y="3108288"/>
+            <a:ext cx="1449977" cy="664595"/>
+          </a:xfrm>
+          <a:prstGeom prst="rect">
+            <a:avLst/>
+          </a:prstGeom>
+          <a:solidFill>
+            <a:schemeClr val="accent6">
+              <a:lumMod val="75000"/>
+            </a:schemeClr>
+          </a:solidFill>
+          <a:ln>
+            <a:solidFill>
+              <a:schemeClr val="accent6">
+                <a:lumMod val="75000"/>
+              </a:schemeClr>
+            </a:solidFill>
+          </a:ln>
+          <a:effectLst>
+            <a:outerShdw blurRad="50800" dist="38100" dir="5400000" algn="t" rotWithShape="0">
+              <a:prstClr val="black">
+                <a:alpha val="40000"/>
+              </a:prstClr>
+            </a:outerShdw>
+          </a:effectLst>
+        </p:spPr>
+        <p:style>
+          <a:lnRef idx="2">
+            <a:schemeClr val="accent1">
+              <a:shade val="50000"/>
+            </a:schemeClr>
+          </a:lnRef>
+          <a:fillRef idx="1">
+            <a:schemeClr val="accent1"/>
+          </a:fillRef>
+          <a:effectRef idx="0">
+            <a:schemeClr val="accent1"/>
+          </a:effectRef>
+          <a:fontRef idx="minor">
+            <a:schemeClr val="lt1"/>
+          </a:fontRef>
+        </p:style>
+        <p:txBody>
+          <a:bodyPr rtlCol="0" anchor="ctr"/>
+          <a:lstStyle/>
+          <a:p>
+            <a:pPr algn="ctr"/>
+            <a:r>
+              <a:rPr lang="pt-BR" b="1" dirty="0" smtClean="0">
+                <a:solidFill>
+                  <a:schemeClr val="bg1"/>
+                </a:solidFill>
+              </a:rPr>
+              <a:t>Status</a:t>
+            </a:r>
+          </a:p>
+        </p:txBody>
+      </p:sp>
+      <p:sp>
+        <p:nvSpPr>
+          <p:cNvPr id="45" name="Retângulo 44"/>
+          <p:cNvSpPr/>
+          <p:nvPr/>
+        </p:nvSpPr>
+        <p:spPr>
+          <a:xfrm>
+            <a:off x="6055537" y="3691701"/>
+            <a:ext cx="1449977" cy="664595"/>
+          </a:xfrm>
+          <a:prstGeom prst="rect">
+            <a:avLst/>
+          </a:prstGeom>
+          <a:solidFill>
+            <a:schemeClr val="accent6">
+              <a:lumMod val="75000"/>
+            </a:schemeClr>
+          </a:solidFill>
+          <a:ln>
+            <a:solidFill>
+              <a:schemeClr val="accent6">
+                <a:lumMod val="75000"/>
+              </a:schemeClr>
+            </a:solidFill>
+          </a:ln>
+          <a:effectLst>
+            <a:outerShdw blurRad="50800" dist="38100" dir="5400000" algn="t" rotWithShape="0">
+              <a:prstClr val="black">
+                <a:alpha val="40000"/>
+              </a:prstClr>
+            </a:outerShdw>
+          </a:effectLst>
+        </p:spPr>
+        <p:style>
+          <a:lnRef idx="2">
+            <a:schemeClr val="accent1">
+              <a:shade val="50000"/>
+            </a:schemeClr>
+          </a:lnRef>
+          <a:fillRef idx="1">
+            <a:schemeClr val="accent1"/>
+          </a:fillRef>
+          <a:effectRef idx="0">
+            <a:schemeClr val="accent1"/>
+          </a:effectRef>
+          <a:fontRef idx="minor">
+            <a:schemeClr val="lt1"/>
+          </a:fontRef>
+        </p:style>
+        <p:txBody>
+          <a:bodyPr rtlCol="0" anchor="ctr"/>
+          <a:lstStyle/>
+          <a:p>
+            <a:pPr algn="ctr"/>
+            <a:r>
+              <a:rPr lang="pt-BR" sz="1600" b="1" dirty="0" smtClean="0">
+                <a:solidFill>
+                  <a:schemeClr val="bg1"/>
+                </a:solidFill>
+              </a:rPr>
+              <a:t>Dados em Tempo Reais</a:t>
+            </a:r>
+            <a:endParaRPr lang="pt-BR" sz="1600" b="1" dirty="0">
+              <a:solidFill>
+                <a:schemeClr val="bg1"/>
+              </a:solidFill>
+            </a:endParaRPr>
+          </a:p>
+        </p:txBody>
+      </p:sp>
+    </p:spTree>
+    <p:extLst>
+      <p:ext uri="{BB962C8B-B14F-4D97-AF65-F5344CB8AC3E}">
+        <p14:creationId xmlns:p14="http://schemas.microsoft.com/office/powerpoint/2010/main" val="1398424377"/>
       </p:ext>
     </p:extLst>
   </p:cSld>

--- a/2020_2 Analise de Sistema/Aulas/2020_08_19 Etapas de Aplicação/Ativ(ADS).pptx
+++ b/2020_2 Analise de Sistema/Aulas/2020_08_19 Etapas de Aplicação/Ativ(ADS).pptx
@@ -14,6 +14,8 @@
     <p:sldId id="267" r:id="rId8"/>
     <p:sldId id="268" r:id="rId9"/>
     <p:sldId id="269" r:id="rId10"/>
+    <p:sldId id="270" r:id="rId11"/>
+    <p:sldId id="271" r:id="rId12"/>
   </p:sldIdLst>
   <p:sldSz cx="12192000" cy="6858000"/>
   <p:notesSz cx="6858000" cy="9144000"/>
@@ -905,24 +907,8 @@
             </a:lnSpc>
           </a:pPr>
           <a:r>
-            <a:rPr lang="en-US"/>
-            <a:t>Dados Pessoais dos </a:t>
-          </a:r>
-          <a:r>
-            <a:rPr lang="en-US" err="1"/>
-            <a:t>Pacientes</a:t>
-          </a:r>
-          <a:r>
-            <a:rPr lang="en-US"/>
-            <a:t> (Nome, CPF, RG, </a:t>
-          </a:r>
-          <a:r>
-            <a:rPr lang="en-US" err="1"/>
-            <a:t>Endereço</a:t>
-          </a:r>
-          <a:r>
-            <a:rPr lang="en-US"/>
-            <a:t>..)</a:t>
+            <a:rPr lang="en-US" dirty="0"/>
+            <a:t>Dados Pessoais dos Pacientes (Nome, CPF, RG, Endereço..)</a:t>
           </a:r>
         </a:p>
       </dgm:t>
@@ -962,16 +948,8 @@
             </a:lnSpc>
           </a:pPr>
           <a:r>
-            <a:rPr lang="en-US"/>
-            <a:t>Dados Pessoais dos </a:t>
-          </a:r>
-          <a:r>
-            <a:rPr lang="en-US" err="1"/>
-            <a:t>Funcionários</a:t>
-          </a:r>
-          <a:r>
-            <a:rPr lang="en-US"/>
-            <a:t> (Nome, CPF, RG, Cargo...)</a:t>
+            <a:rPr lang="en-US" dirty="0"/>
+            <a:t>Dados Pessoais dos Funcionários (Nome, CPF, RG, Cargo...)</a:t>
           </a:r>
         </a:p>
       </dgm:t>
@@ -1011,24 +989,8 @@
             </a:lnSpc>
           </a:pPr>
           <a:r>
-            <a:rPr lang="en-US"/>
-            <a:t>Agenda dos </a:t>
-          </a:r>
-          <a:r>
-            <a:rPr lang="en-US" err="1"/>
-            <a:t>Pacientes</a:t>
-          </a:r>
-          <a:r>
-            <a:rPr lang="en-US"/>
-            <a:t> (Data e </a:t>
-          </a:r>
-          <a:r>
-            <a:rPr lang="en-US" err="1"/>
-            <a:t>Horário</a:t>
-          </a:r>
-          <a:r>
-            <a:rPr lang="en-US"/>
-            <a:t>)</a:t>
+            <a:rPr lang="en-US" dirty="0"/>
+            <a:t>Agenda dos Pacientes (Data e Horário)</a:t>
           </a:r>
         </a:p>
       </dgm:t>
@@ -1068,16 +1030,8 @@
             </a:lnSpc>
           </a:pPr>
           <a:r>
-            <a:rPr lang="en-US" err="1"/>
-            <a:t>Triagem</a:t>
-          </a:r>
-          <a:r>
-            <a:rPr lang="en-US"/>
-            <a:t> </a:t>
-          </a:r>
-          <a:r>
-            <a:rPr lang="en-US" err="1"/>
-            <a:t>Emergencial</a:t>
+            <a:rPr lang="en-US" dirty="0"/>
+            <a:t>Triagem Emergencial</a:t>
           </a:r>
         </a:p>
       </dgm:t>
@@ -1477,24 +1431,8 @@
             </a:spcAft>
           </a:pPr>
           <a:r>
-            <a:rPr lang="en-US" sz="1500" kern="1200"/>
-            <a:t>Dados Pessoais dos </a:t>
-          </a:r>
-          <a:r>
-            <a:rPr lang="en-US" sz="1500" kern="1200" err="1"/>
-            <a:t>Pacientes</a:t>
-          </a:r>
-          <a:r>
-            <a:rPr lang="en-US" sz="1500" kern="1200"/>
-            <a:t> (Nome, CPF, RG, </a:t>
-          </a:r>
-          <a:r>
-            <a:rPr lang="en-US" sz="1500" kern="1200" err="1"/>
-            <a:t>Endereço</a:t>
-          </a:r>
-          <a:r>
-            <a:rPr lang="en-US" sz="1500" kern="1200"/>
-            <a:t>..)</a:t>
+            <a:rPr lang="en-US" sz="1500" kern="1200" dirty="0"/>
+            <a:t>Dados Pessoais dos Pacientes (Nome, CPF, RG, Endereço..)</a:t>
           </a:r>
         </a:p>
       </dsp:txBody>
@@ -1608,16 +1546,8 @@
             </a:spcAft>
           </a:pPr>
           <a:r>
-            <a:rPr lang="en-US" sz="1500" kern="1200"/>
-            <a:t>Dados Pessoais dos </a:t>
-          </a:r>
-          <a:r>
-            <a:rPr lang="en-US" sz="1500" kern="1200" err="1"/>
-            <a:t>Funcionários</a:t>
-          </a:r>
-          <a:r>
-            <a:rPr lang="en-US" sz="1500" kern="1200"/>
-            <a:t> (Nome, CPF, RG, Cargo...)</a:t>
+            <a:rPr lang="en-US" sz="1500" kern="1200" dirty="0"/>
+            <a:t>Dados Pessoais dos Funcionários (Nome, CPF, RG, Cargo...)</a:t>
           </a:r>
         </a:p>
       </dsp:txBody>
@@ -1728,24 +1658,8 @@
             </a:spcAft>
           </a:pPr>
           <a:r>
-            <a:rPr lang="en-US" sz="1500" kern="1200"/>
-            <a:t>Agenda dos </a:t>
-          </a:r>
-          <a:r>
-            <a:rPr lang="en-US" sz="1500" kern="1200" err="1"/>
-            <a:t>Pacientes</a:t>
-          </a:r>
-          <a:r>
-            <a:rPr lang="en-US" sz="1500" kern="1200"/>
-            <a:t> (Data e </a:t>
-          </a:r>
-          <a:r>
-            <a:rPr lang="en-US" sz="1500" kern="1200" err="1"/>
-            <a:t>Horário</a:t>
-          </a:r>
-          <a:r>
-            <a:rPr lang="en-US" sz="1500" kern="1200"/>
-            <a:t>)</a:t>
+            <a:rPr lang="en-US" sz="1500" kern="1200" dirty="0"/>
+            <a:t>Agenda dos Pacientes (Data e Horário)</a:t>
           </a:r>
         </a:p>
       </dsp:txBody>
@@ -1856,16 +1770,8 @@
             </a:spcAft>
           </a:pPr>
           <a:r>
-            <a:rPr lang="en-US" sz="1500" kern="1200" err="1"/>
-            <a:t>Triagem</a:t>
-          </a:r>
-          <a:r>
-            <a:rPr lang="en-US" sz="1500" kern="1200"/>
-            <a:t> </a:t>
-          </a:r>
-          <a:r>
-            <a:rPr lang="en-US" sz="1500" kern="1200" err="1"/>
-            <a:t>Emergencial</a:t>
+            <a:rPr lang="en-US" sz="1500" kern="1200" dirty="0"/>
+            <a:t>Triagem Emergencial</a:t>
           </a:r>
         </a:p>
       </dsp:txBody>
@@ -3603,9 +3509,9 @@
             <a:fld id="{B61BEF0D-F0BB-DE4B-95CE-6DB70DBA9567}" type="datetimeFigureOut">
               <a:rPr lang="en-US" dirty="0"/>
               <a:pPr/>
-              <a:t>8/30/2020</a:t>
+              <a:t>8/31/2020</a:t>
             </a:fld>
-            <a:endParaRPr lang="en-US"/>
+            <a:endParaRPr lang="en-US" dirty="0"/>
           </a:p>
         </p:txBody>
       </p:sp>
@@ -3629,7 +3535,7 @@
           <a:bodyPr/>
           <a:lstStyle/>
           <a:p>
-            <a:endParaRPr lang="en-US"/>
+            <a:endParaRPr lang="en-US" dirty="0"/>
           </a:p>
         </p:txBody>
       </p:sp>
@@ -3653,7 +3559,7 @@
               <a:pPr/>
               <a:t>‹nº›</a:t>
             </a:fld>
-            <a:endParaRPr lang="en-US"/>
+            <a:endParaRPr lang="en-US" dirty="0"/>
           </a:p>
         </p:txBody>
       </p:sp>
@@ -3807,7 +3713,7 @@
             </a:lvl9pPr>
           </a:lstStyle>
           <a:p>
-            <a:endParaRPr lang="en-US"/>
+            <a:endParaRPr lang="en-US" dirty="0"/>
           </a:p>
         </p:txBody>
       </p:sp>
@@ -3896,9 +3802,9 @@
             <a:fld id="{B61BEF0D-F0BB-DE4B-95CE-6DB70DBA9567}" type="datetimeFigureOut">
               <a:rPr lang="en-US" dirty="0"/>
               <a:pPr/>
-              <a:t>8/30/2020</a:t>
+              <a:t>8/31/2020</a:t>
             </a:fld>
-            <a:endParaRPr lang="en-US"/>
+            <a:endParaRPr lang="en-US" dirty="0"/>
           </a:p>
         </p:txBody>
       </p:sp>
@@ -3917,7 +3823,7 @@
           <a:bodyPr/>
           <a:lstStyle/>
           <a:p>
-            <a:endParaRPr lang="en-US"/>
+            <a:endParaRPr lang="en-US" dirty="0"/>
           </a:p>
         </p:txBody>
       </p:sp>
@@ -3941,7 +3847,7 @@
               <a:pPr/>
               <a:t>‹nº›</a:t>
             </a:fld>
-            <a:endParaRPr lang="en-US"/>
+            <a:endParaRPr lang="en-US" dirty="0"/>
           </a:p>
         </p:txBody>
       </p:sp>
@@ -4145,9 +4051,9 @@
             <a:fld id="{B61BEF0D-F0BB-DE4B-95CE-6DB70DBA9567}" type="datetimeFigureOut">
               <a:rPr lang="en-US" dirty="0"/>
               <a:pPr/>
-              <a:t>8/30/2020</a:t>
+              <a:t>8/31/2020</a:t>
             </a:fld>
-            <a:endParaRPr lang="en-US"/>
+            <a:endParaRPr lang="en-US" dirty="0"/>
           </a:p>
         </p:txBody>
       </p:sp>
@@ -4166,7 +4072,7 @@
           <a:bodyPr/>
           <a:lstStyle/>
           <a:p>
-            <a:endParaRPr lang="en-US"/>
+            <a:endParaRPr lang="en-US" dirty="0"/>
           </a:p>
         </p:txBody>
       </p:sp>
@@ -4190,7 +4096,7 @@
               <a:pPr/>
               <a:t>‹nº›</a:t>
             </a:fld>
-            <a:endParaRPr lang="en-US"/>
+            <a:endParaRPr lang="en-US" dirty="0"/>
           </a:p>
         </p:txBody>
       </p:sp>
@@ -4329,7 +4235,7 @@
           <a:p>
             <a:pPr lvl="0"/>
             <a:r>
-              <a:rPr lang="en-US" sz="8000">
+              <a:rPr lang="en-US" sz="8000" dirty="0">
                 <a:solidFill>
                   <a:schemeClr val="tx1"/>
                 </a:solidFill>
@@ -4445,7 +4351,7 @@
           <a:p>
             <a:pPr lvl="0" algn="r"/>
             <a:r>
-              <a:rPr lang="en-US" sz="8000">
+              <a:rPr lang="en-US" sz="8000" dirty="0">
                 <a:solidFill>
                   <a:schemeClr val="tx1"/>
                 </a:solidFill>
@@ -4686,9 +4592,9 @@
             <a:fld id="{B61BEF0D-F0BB-DE4B-95CE-6DB70DBA9567}" type="datetimeFigureOut">
               <a:rPr lang="en-US" dirty="0"/>
               <a:pPr/>
-              <a:t>8/30/2020</a:t>
+              <a:t>8/31/2020</a:t>
             </a:fld>
-            <a:endParaRPr lang="en-US"/>
+            <a:endParaRPr lang="en-US" dirty="0"/>
           </a:p>
         </p:txBody>
       </p:sp>
@@ -4707,7 +4613,7 @@
           <a:bodyPr/>
           <a:lstStyle/>
           <a:p>
-            <a:endParaRPr lang="en-US"/>
+            <a:endParaRPr lang="en-US" dirty="0"/>
           </a:p>
         </p:txBody>
       </p:sp>
@@ -4731,7 +4637,7 @@
               <a:pPr/>
               <a:t>‹nº›</a:t>
             </a:fld>
-            <a:endParaRPr lang="en-US"/>
+            <a:endParaRPr lang="en-US" dirty="0"/>
           </a:p>
         </p:txBody>
       </p:sp>
@@ -4935,9 +4841,9 @@
             <a:fld id="{B61BEF0D-F0BB-DE4B-95CE-6DB70DBA9567}" type="datetimeFigureOut">
               <a:rPr lang="en-US" dirty="0"/>
               <a:pPr/>
-              <a:t>8/30/2020</a:t>
+              <a:t>8/31/2020</a:t>
             </a:fld>
-            <a:endParaRPr lang="en-US"/>
+            <a:endParaRPr lang="en-US" dirty="0"/>
           </a:p>
         </p:txBody>
       </p:sp>
@@ -4956,7 +4862,7 @@
           <a:bodyPr/>
           <a:lstStyle/>
           <a:p>
-            <a:endParaRPr lang="en-US"/>
+            <a:endParaRPr lang="en-US" dirty="0"/>
           </a:p>
         </p:txBody>
       </p:sp>
@@ -4980,7 +4886,7 @@
               <a:pPr/>
               <a:t>‹nº›</a:t>
             </a:fld>
-            <a:endParaRPr lang="en-US"/>
+            <a:endParaRPr lang="en-US" dirty="0"/>
           </a:p>
         </p:txBody>
       </p:sp>
@@ -5119,7 +5025,7 @@
           <a:p>
             <a:pPr lvl="0"/>
             <a:r>
-              <a:rPr lang="en-US" sz="8000">
+              <a:rPr lang="en-US" sz="8000" dirty="0">
                 <a:solidFill>
                   <a:schemeClr val="tx1"/>
                 </a:solidFill>
@@ -5235,7 +5141,7 @@
           <a:p>
             <a:pPr lvl="0" algn="r"/>
             <a:r>
-              <a:rPr lang="en-US" sz="8000">
+              <a:rPr lang="en-US" sz="8000" dirty="0">
                 <a:solidFill>
                   <a:schemeClr val="tx1"/>
                 </a:solidFill>
@@ -5468,9 +5374,9 @@
             <a:fld id="{B61BEF0D-F0BB-DE4B-95CE-6DB70DBA9567}" type="datetimeFigureOut">
               <a:rPr lang="en-US" dirty="0"/>
               <a:pPr/>
-              <a:t>8/30/2020</a:t>
+              <a:t>8/31/2020</a:t>
             </a:fld>
-            <a:endParaRPr lang="en-US"/>
+            <a:endParaRPr lang="en-US" dirty="0"/>
           </a:p>
         </p:txBody>
       </p:sp>
@@ -5489,7 +5395,7 @@
           <a:bodyPr/>
           <a:lstStyle/>
           <a:p>
-            <a:endParaRPr lang="en-US"/>
+            <a:endParaRPr lang="en-US" dirty="0"/>
           </a:p>
         </p:txBody>
       </p:sp>
@@ -5513,7 +5419,7 @@
               <a:pPr/>
               <a:t>‹nº›</a:t>
             </a:fld>
-            <a:endParaRPr lang="en-US"/>
+            <a:endParaRPr lang="en-US" dirty="0"/>
           </a:p>
         </p:txBody>
       </p:sp>
@@ -5766,9 +5672,9 @@
             <a:fld id="{B61BEF0D-F0BB-DE4B-95CE-6DB70DBA9567}" type="datetimeFigureOut">
               <a:rPr lang="en-US" dirty="0"/>
               <a:pPr/>
-              <a:t>8/30/2020</a:t>
+              <a:t>8/31/2020</a:t>
             </a:fld>
-            <a:endParaRPr lang="en-US"/>
+            <a:endParaRPr lang="en-US" dirty="0"/>
           </a:p>
         </p:txBody>
       </p:sp>
@@ -5787,7 +5693,7 @@
           <a:bodyPr/>
           <a:lstStyle/>
           <a:p>
-            <a:endParaRPr lang="en-US"/>
+            <a:endParaRPr lang="en-US" dirty="0"/>
           </a:p>
         </p:txBody>
       </p:sp>
@@ -5811,7 +5717,7 @@
               <a:pPr/>
               <a:t>‹nº›</a:t>
             </a:fld>
-            <a:endParaRPr lang="en-US"/>
+            <a:endParaRPr lang="en-US" dirty="0"/>
           </a:p>
         </p:txBody>
       </p:sp>
@@ -5940,9 +5846,9 @@
             <a:fld id="{B61BEF0D-F0BB-DE4B-95CE-6DB70DBA9567}" type="datetimeFigureOut">
               <a:rPr lang="en-US" dirty="0"/>
               <a:pPr/>
-              <a:t>8/30/2020</a:t>
+              <a:t>8/31/2020</a:t>
             </a:fld>
-            <a:endParaRPr lang="en-US"/>
+            <a:endParaRPr lang="en-US" dirty="0"/>
           </a:p>
         </p:txBody>
       </p:sp>
@@ -5961,7 +5867,7 @@
           <a:bodyPr/>
           <a:lstStyle/>
           <a:p>
-            <a:endParaRPr lang="en-US"/>
+            <a:endParaRPr lang="en-US" dirty="0"/>
           </a:p>
         </p:txBody>
       </p:sp>
@@ -5985,7 +5891,7 @@
               <a:pPr/>
               <a:t>‹nº›</a:t>
             </a:fld>
-            <a:endParaRPr lang="en-US"/>
+            <a:endParaRPr lang="en-US" dirty="0"/>
           </a:p>
         </p:txBody>
       </p:sp>
@@ -6120,9 +6026,9 @@
             <a:fld id="{B61BEF0D-F0BB-DE4B-95CE-6DB70DBA9567}" type="datetimeFigureOut">
               <a:rPr lang="en-US" dirty="0"/>
               <a:pPr/>
-              <a:t>8/30/2020</a:t>
+              <a:t>8/31/2020</a:t>
             </a:fld>
-            <a:endParaRPr lang="en-US"/>
+            <a:endParaRPr lang="en-US" dirty="0"/>
           </a:p>
         </p:txBody>
       </p:sp>
@@ -6141,7 +6047,7 @@
           <a:bodyPr/>
           <a:lstStyle/>
           <a:p>
-            <a:endParaRPr lang="en-US"/>
+            <a:endParaRPr lang="en-US" dirty="0"/>
           </a:p>
         </p:txBody>
       </p:sp>
@@ -6165,7 +6071,7 @@
               <a:pPr/>
               <a:t>‹nº›</a:t>
             </a:fld>
-            <a:endParaRPr lang="en-US"/>
+            <a:endParaRPr lang="en-US" dirty="0"/>
           </a:p>
         </p:txBody>
       </p:sp>
@@ -6362,9 +6268,9 @@
             <a:fld id="{1D8BD707-D9CF-40AE-B4C6-C98DA3205C09}" type="datetimeFigureOut">
               <a:rPr lang="en-US" smtClean="0"/>
               <a:pPr/>
-              <a:t>8/30/2020</a:t>
+              <a:t>8/31/2020</a:t>
             </a:fld>
-            <a:endParaRPr lang="en-US"/>
+            <a:endParaRPr lang="en-US" dirty="0"/>
           </a:p>
         </p:txBody>
       </p:sp>
@@ -6383,7 +6289,7 @@
           <a:bodyPr/>
           <a:lstStyle/>
           <a:p>
-            <a:endParaRPr lang="en-US"/>
+            <a:endParaRPr lang="en-US" dirty="0"/>
           </a:p>
         </p:txBody>
       </p:sp>
@@ -6407,7 +6313,7 @@
               <a:pPr/>
               <a:t>‹nº›</a:t>
             </a:fld>
-            <a:endParaRPr lang="en-US"/>
+            <a:endParaRPr lang="en-US" dirty="0"/>
           </a:p>
         </p:txBody>
       </p:sp>
@@ -6527,9 +6433,9 @@
             <a:fld id="{1D8BD707-D9CF-40AE-B4C6-C98DA3205C09}" type="datetimeFigureOut">
               <a:rPr lang="en-US" smtClean="0"/>
               <a:pPr/>
-              <a:t>8/30/2020</a:t>
+              <a:t>8/31/2020</a:t>
             </a:fld>
-            <a:endParaRPr lang="en-US"/>
+            <a:endParaRPr lang="en-US" dirty="0"/>
           </a:p>
         </p:txBody>
       </p:sp>
@@ -6548,7 +6454,7 @@
           <a:bodyPr/>
           <a:lstStyle/>
           <a:p>
-            <a:endParaRPr lang="en-US"/>
+            <a:endParaRPr lang="en-US" dirty="0"/>
           </a:p>
         </p:txBody>
       </p:sp>
@@ -6572,7 +6478,7 @@
               <a:pPr/>
               <a:t>‹nº›</a:t>
             </a:fld>
-            <a:endParaRPr lang="en-US"/>
+            <a:endParaRPr lang="en-US" dirty="0"/>
           </a:p>
         </p:txBody>
       </p:sp>
@@ -6692,9 +6598,9 @@
             <a:fld id="{B61BEF0D-F0BB-DE4B-95CE-6DB70DBA9567}" type="datetimeFigureOut">
               <a:rPr lang="en-US" dirty="0"/>
               <a:pPr/>
-              <a:t>8/30/2020</a:t>
+              <a:t>8/31/2020</a:t>
             </a:fld>
-            <a:endParaRPr lang="en-US"/>
+            <a:endParaRPr lang="en-US" dirty="0"/>
           </a:p>
         </p:txBody>
       </p:sp>
@@ -6713,7 +6619,7 @@
           <a:bodyPr/>
           <a:lstStyle/>
           <a:p>
-            <a:endParaRPr lang="en-US"/>
+            <a:endParaRPr lang="en-US" dirty="0"/>
           </a:p>
         </p:txBody>
       </p:sp>
@@ -6742,7 +6648,7 @@
               <a:pPr/>
               <a:t>‹nº›</a:t>
             </a:fld>
-            <a:endParaRPr lang="en-US"/>
+            <a:endParaRPr lang="en-US" dirty="0"/>
           </a:p>
         </p:txBody>
       </p:sp>
@@ -6944,9 +6850,9 @@
             <a:fld id="{1D8BD707-D9CF-40AE-B4C6-C98DA3205C09}" type="datetimeFigureOut">
               <a:rPr lang="en-US" smtClean="0"/>
               <a:pPr/>
-              <a:t>8/30/2020</a:t>
+              <a:t>8/31/2020</a:t>
             </a:fld>
-            <a:endParaRPr lang="en-US"/>
+            <a:endParaRPr lang="en-US" dirty="0"/>
           </a:p>
         </p:txBody>
       </p:sp>
@@ -6965,7 +6871,7 @@
           <a:bodyPr/>
           <a:lstStyle/>
           <a:p>
-            <a:endParaRPr lang="en-US"/>
+            <a:endParaRPr lang="en-US" dirty="0"/>
           </a:p>
         </p:txBody>
       </p:sp>
@@ -6989,7 +6895,7 @@
               <a:pPr/>
               <a:t>‹nº›</a:t>
             </a:fld>
-            <a:endParaRPr lang="en-US"/>
+            <a:endParaRPr lang="en-US" dirty="0"/>
           </a:p>
         </p:txBody>
       </p:sp>
@@ -7226,9 +7132,9 @@
             <a:fld id="{1D8BD707-D9CF-40AE-B4C6-C98DA3205C09}" type="datetimeFigureOut">
               <a:rPr lang="en-US" smtClean="0"/>
               <a:pPr/>
-              <a:t>8/30/2020</a:t>
+              <a:t>8/31/2020</a:t>
             </a:fld>
-            <a:endParaRPr lang="en-US"/>
+            <a:endParaRPr lang="en-US" dirty="0"/>
           </a:p>
         </p:txBody>
       </p:sp>
@@ -7247,7 +7153,7 @@
           <a:bodyPr/>
           <a:lstStyle/>
           <a:p>
-            <a:endParaRPr lang="en-US"/>
+            <a:endParaRPr lang="en-US" dirty="0"/>
           </a:p>
         </p:txBody>
       </p:sp>
@@ -7271,7 +7177,7 @@
               <a:pPr/>
               <a:t>‹nº›</a:t>
             </a:fld>
-            <a:endParaRPr lang="en-US"/>
+            <a:endParaRPr lang="en-US" dirty="0"/>
           </a:p>
         </p:txBody>
       </p:sp>
@@ -7642,9 +7548,9 @@
             <a:fld id="{1D8BD707-D9CF-40AE-B4C6-C98DA3205C09}" type="datetimeFigureOut">
               <a:rPr lang="en-US" smtClean="0"/>
               <a:pPr/>
-              <a:t>8/30/2020</a:t>
+              <a:t>8/31/2020</a:t>
             </a:fld>
-            <a:endParaRPr lang="en-US"/>
+            <a:endParaRPr lang="en-US" dirty="0"/>
           </a:p>
         </p:txBody>
       </p:sp>
@@ -7663,7 +7569,7 @@
           <a:bodyPr/>
           <a:lstStyle/>
           <a:p>
-            <a:endParaRPr lang="en-US"/>
+            <a:endParaRPr lang="en-US" dirty="0"/>
           </a:p>
         </p:txBody>
       </p:sp>
@@ -7687,7 +7593,7 @@
               <a:pPr/>
               <a:t>‹nº›</a:t>
             </a:fld>
-            <a:endParaRPr lang="en-US"/>
+            <a:endParaRPr lang="en-US" dirty="0"/>
           </a:p>
         </p:txBody>
       </p:sp>
@@ -7756,9 +7662,9 @@
             <a:fld id="{1D8BD707-D9CF-40AE-B4C6-C98DA3205C09}" type="datetimeFigureOut">
               <a:rPr lang="en-US" smtClean="0"/>
               <a:pPr/>
-              <a:t>8/30/2020</a:t>
+              <a:t>8/31/2020</a:t>
             </a:fld>
-            <a:endParaRPr lang="en-US"/>
+            <a:endParaRPr lang="en-US" dirty="0"/>
           </a:p>
         </p:txBody>
       </p:sp>
@@ -7777,7 +7683,7 @@
           <a:bodyPr/>
           <a:lstStyle/>
           <a:p>
-            <a:endParaRPr lang="en-US"/>
+            <a:endParaRPr lang="en-US" dirty="0"/>
           </a:p>
         </p:txBody>
       </p:sp>
@@ -7801,7 +7707,7 @@
               <a:pPr/>
               <a:t>‹nº›</a:t>
             </a:fld>
-            <a:endParaRPr lang="en-US"/>
+            <a:endParaRPr lang="en-US" dirty="0"/>
           </a:p>
         </p:txBody>
       </p:sp>
@@ -7848,9 +7754,9 @@
             <a:fld id="{1D8BD707-D9CF-40AE-B4C6-C98DA3205C09}" type="datetimeFigureOut">
               <a:rPr lang="en-US" smtClean="0"/>
               <a:pPr/>
-              <a:t>8/30/2020</a:t>
+              <a:t>8/31/2020</a:t>
             </a:fld>
-            <a:endParaRPr lang="en-US"/>
+            <a:endParaRPr lang="en-US" dirty="0"/>
           </a:p>
         </p:txBody>
       </p:sp>
@@ -7869,7 +7775,7 @@
           <a:bodyPr/>
           <a:lstStyle/>
           <a:p>
-            <a:endParaRPr lang="en-US"/>
+            <a:endParaRPr lang="en-US" dirty="0"/>
           </a:p>
         </p:txBody>
       </p:sp>
@@ -7893,7 +7799,7 @@
               <a:pPr/>
               <a:t>‹nº›</a:t>
             </a:fld>
-            <a:endParaRPr lang="en-US"/>
+            <a:endParaRPr lang="en-US" dirty="0"/>
           </a:p>
         </p:txBody>
       </p:sp>
@@ -8120,9 +8026,9 @@
             <a:fld id="{1D8BD707-D9CF-40AE-B4C6-C98DA3205C09}" type="datetimeFigureOut">
               <a:rPr lang="en-US" smtClean="0"/>
               <a:pPr/>
-              <a:t>8/30/2020</a:t>
+              <a:t>8/31/2020</a:t>
             </a:fld>
-            <a:endParaRPr lang="en-US"/>
+            <a:endParaRPr lang="en-US" dirty="0"/>
           </a:p>
         </p:txBody>
       </p:sp>
@@ -8141,7 +8047,7 @@
           <a:bodyPr/>
           <a:lstStyle/>
           <a:p>
-            <a:endParaRPr lang="en-US"/>
+            <a:endParaRPr lang="en-US" dirty="0"/>
           </a:p>
         </p:txBody>
       </p:sp>
@@ -8165,7 +8071,7 @@
               <a:pPr/>
               <a:t>‹nº›</a:t>
             </a:fld>
-            <a:endParaRPr lang="en-US"/>
+            <a:endParaRPr lang="en-US" dirty="0"/>
           </a:p>
         </p:txBody>
       </p:sp>
@@ -8282,7 +8188,7 @@
             </a:lvl9pPr>
           </a:lstStyle>
           <a:p>
-            <a:endParaRPr lang="en-US"/>
+            <a:endParaRPr lang="en-US" dirty="0"/>
           </a:p>
         </p:txBody>
       </p:sp>
@@ -8369,9 +8275,9 @@
             <a:fld id="{1D8BD707-D9CF-40AE-B4C6-C98DA3205C09}" type="datetimeFigureOut">
               <a:rPr lang="en-US" smtClean="0"/>
               <a:pPr/>
-              <a:t>8/30/2020</a:t>
+              <a:t>8/31/2020</a:t>
             </a:fld>
-            <a:endParaRPr lang="en-US"/>
+            <a:endParaRPr lang="en-US" dirty="0"/>
           </a:p>
         </p:txBody>
       </p:sp>
@@ -8390,7 +8296,7 @@
           <a:bodyPr/>
           <a:lstStyle/>
           <a:p>
-            <a:endParaRPr lang="en-US"/>
+            <a:endParaRPr lang="en-US" dirty="0"/>
           </a:p>
         </p:txBody>
       </p:sp>
@@ -8414,7 +8320,7 @@
               <a:pPr/>
               <a:t>‹nº›</a:t>
             </a:fld>
-            <a:endParaRPr lang="en-US"/>
+            <a:endParaRPr lang="en-US" dirty="0"/>
           </a:p>
         </p:txBody>
       </p:sp>
@@ -8534,9 +8440,9 @@
             <a:fld id="{1D8BD707-D9CF-40AE-B4C6-C98DA3205C09}" type="datetimeFigureOut">
               <a:rPr lang="en-US" smtClean="0"/>
               <a:pPr/>
-              <a:t>8/30/2020</a:t>
+              <a:t>8/31/2020</a:t>
             </a:fld>
-            <a:endParaRPr lang="en-US"/>
+            <a:endParaRPr lang="en-US" dirty="0"/>
           </a:p>
         </p:txBody>
       </p:sp>
@@ -8555,7 +8461,7 @@
           <a:bodyPr/>
           <a:lstStyle/>
           <a:p>
-            <a:endParaRPr lang="en-US"/>
+            <a:endParaRPr lang="en-US" dirty="0"/>
           </a:p>
         </p:txBody>
       </p:sp>
@@ -8579,7 +8485,7 @@
               <a:pPr/>
               <a:t>‹nº›</a:t>
             </a:fld>
-            <a:endParaRPr lang="en-US"/>
+            <a:endParaRPr lang="en-US" dirty="0"/>
           </a:p>
         </p:txBody>
       </p:sp>
@@ -8709,9 +8615,9 @@
             <a:fld id="{1D8BD707-D9CF-40AE-B4C6-C98DA3205C09}" type="datetimeFigureOut">
               <a:rPr lang="en-US" smtClean="0"/>
               <a:pPr/>
-              <a:t>8/30/2020</a:t>
+              <a:t>8/31/2020</a:t>
             </a:fld>
-            <a:endParaRPr lang="en-US"/>
+            <a:endParaRPr lang="en-US" dirty="0"/>
           </a:p>
         </p:txBody>
       </p:sp>
@@ -8730,7 +8636,7 @@
           <a:bodyPr/>
           <a:lstStyle/>
           <a:p>
-            <a:endParaRPr lang="en-US"/>
+            <a:endParaRPr lang="en-US" dirty="0"/>
           </a:p>
         </p:txBody>
       </p:sp>
@@ -8754,7 +8660,7 @@
               <a:pPr/>
               <a:t>‹nº›</a:t>
             </a:fld>
-            <a:endParaRPr lang="en-US"/>
+            <a:endParaRPr lang="en-US" dirty="0"/>
           </a:p>
         </p:txBody>
       </p:sp>
@@ -8951,9 +8857,9 @@
             <a:fld id="{B61BEF0D-F0BB-DE4B-95CE-6DB70DBA9567}" type="datetimeFigureOut">
               <a:rPr lang="en-US" dirty="0"/>
               <a:pPr/>
-              <a:t>8/30/2020</a:t>
+              <a:t>8/31/2020</a:t>
             </a:fld>
-            <a:endParaRPr lang="en-US"/>
+            <a:endParaRPr lang="en-US" dirty="0"/>
           </a:p>
         </p:txBody>
       </p:sp>
@@ -8972,7 +8878,7 @@
           <a:bodyPr/>
           <a:lstStyle/>
           <a:p>
-            <a:endParaRPr lang="en-US"/>
+            <a:endParaRPr lang="en-US" dirty="0"/>
           </a:p>
         </p:txBody>
       </p:sp>
@@ -8996,7 +8902,7 @@
               <a:pPr/>
               <a:t>‹nº›</a:t>
             </a:fld>
-            <a:endParaRPr lang="en-US"/>
+            <a:endParaRPr lang="en-US" dirty="0"/>
           </a:p>
         </p:txBody>
       </p:sp>
@@ -9247,9 +9153,9 @@
             <a:fld id="{B61BEF0D-F0BB-DE4B-95CE-6DB70DBA9567}" type="datetimeFigureOut">
               <a:rPr lang="en-US" dirty="0"/>
               <a:pPr/>
-              <a:t>8/30/2020</a:t>
+              <a:t>8/31/2020</a:t>
             </a:fld>
-            <a:endParaRPr lang="en-US"/>
+            <a:endParaRPr lang="en-US" dirty="0"/>
           </a:p>
         </p:txBody>
       </p:sp>
@@ -9268,7 +9174,7 @@
           <a:bodyPr/>
           <a:lstStyle/>
           <a:p>
-            <a:endParaRPr lang="en-US"/>
+            <a:endParaRPr lang="en-US" dirty="0"/>
           </a:p>
         </p:txBody>
       </p:sp>
@@ -9292,7 +9198,7 @@
               <a:pPr/>
               <a:t>‹nº›</a:t>
             </a:fld>
-            <a:endParaRPr lang="en-US"/>
+            <a:endParaRPr lang="en-US" dirty="0"/>
           </a:p>
         </p:txBody>
       </p:sp>
@@ -9688,9 +9594,9 @@
             <a:fld id="{B61BEF0D-F0BB-DE4B-95CE-6DB70DBA9567}" type="datetimeFigureOut">
               <a:rPr lang="en-US" dirty="0"/>
               <a:pPr/>
-              <a:t>8/30/2020</a:t>
+              <a:t>8/31/2020</a:t>
             </a:fld>
-            <a:endParaRPr lang="en-US"/>
+            <a:endParaRPr lang="en-US" dirty="0"/>
           </a:p>
         </p:txBody>
       </p:sp>
@@ -9709,7 +9615,7 @@
           <a:bodyPr/>
           <a:lstStyle/>
           <a:p>
-            <a:endParaRPr lang="en-US"/>
+            <a:endParaRPr lang="en-US" dirty="0"/>
           </a:p>
         </p:txBody>
       </p:sp>
@@ -9733,7 +9639,7 @@
               <a:pPr/>
               <a:t>‹nº›</a:t>
             </a:fld>
-            <a:endParaRPr lang="en-US"/>
+            <a:endParaRPr lang="en-US" dirty="0"/>
           </a:p>
         </p:txBody>
       </p:sp>
@@ -9807,9 +9713,9 @@
             <a:fld id="{B61BEF0D-F0BB-DE4B-95CE-6DB70DBA9567}" type="datetimeFigureOut">
               <a:rPr lang="en-US" dirty="0"/>
               <a:pPr/>
-              <a:t>8/30/2020</a:t>
+              <a:t>8/31/2020</a:t>
             </a:fld>
-            <a:endParaRPr lang="en-US"/>
+            <a:endParaRPr lang="en-US" dirty="0"/>
           </a:p>
         </p:txBody>
       </p:sp>
@@ -9828,7 +9734,7 @@
           <a:bodyPr/>
           <a:lstStyle/>
           <a:p>
-            <a:endParaRPr lang="en-US"/>
+            <a:endParaRPr lang="en-US" dirty="0"/>
           </a:p>
         </p:txBody>
       </p:sp>
@@ -9852,7 +9758,7 @@
               <a:pPr/>
               <a:t>‹nº›</a:t>
             </a:fld>
-            <a:endParaRPr lang="en-US"/>
+            <a:endParaRPr lang="en-US" dirty="0"/>
           </a:p>
         </p:txBody>
       </p:sp>
@@ -9904,9 +9810,9 @@
             <a:fld id="{B61BEF0D-F0BB-DE4B-95CE-6DB70DBA9567}" type="datetimeFigureOut">
               <a:rPr lang="en-US" dirty="0"/>
               <a:pPr/>
-              <a:t>8/30/2020</a:t>
+              <a:t>8/31/2020</a:t>
             </a:fld>
-            <a:endParaRPr lang="en-US"/>
+            <a:endParaRPr lang="en-US" dirty="0"/>
           </a:p>
         </p:txBody>
       </p:sp>
@@ -9925,7 +9831,7 @@
           <a:bodyPr/>
           <a:lstStyle/>
           <a:p>
-            <a:endParaRPr lang="en-US"/>
+            <a:endParaRPr lang="en-US" dirty="0"/>
           </a:p>
         </p:txBody>
       </p:sp>
@@ -9949,7 +9855,7 @@
               <a:pPr/>
               <a:t>‹nº›</a:t>
             </a:fld>
-            <a:endParaRPr lang="en-US"/>
+            <a:endParaRPr lang="en-US" dirty="0"/>
           </a:p>
         </p:txBody>
       </p:sp>
@@ -10187,9 +10093,9 @@
             <a:fld id="{B61BEF0D-F0BB-DE4B-95CE-6DB70DBA9567}" type="datetimeFigureOut">
               <a:rPr lang="en-US" dirty="0"/>
               <a:pPr/>
-              <a:t>8/30/2020</a:t>
+              <a:t>8/31/2020</a:t>
             </a:fld>
-            <a:endParaRPr lang="en-US"/>
+            <a:endParaRPr lang="en-US" dirty="0"/>
           </a:p>
         </p:txBody>
       </p:sp>
@@ -10208,7 +10114,7 @@
           <a:bodyPr/>
           <a:lstStyle/>
           <a:p>
-            <a:endParaRPr lang="en-US"/>
+            <a:endParaRPr lang="en-US" dirty="0"/>
           </a:p>
         </p:txBody>
       </p:sp>
@@ -10232,7 +10138,7 @@
               <a:pPr/>
               <a:t>‹nº›</a:t>
             </a:fld>
-            <a:endParaRPr lang="en-US"/>
+            <a:endParaRPr lang="en-US" dirty="0"/>
           </a:p>
         </p:txBody>
       </p:sp>
@@ -10386,7 +10292,7 @@
             </a:lvl9pPr>
           </a:lstStyle>
           <a:p>
-            <a:endParaRPr lang="en-US"/>
+            <a:endParaRPr lang="en-US" dirty="0"/>
           </a:p>
         </p:txBody>
       </p:sp>
@@ -10475,9 +10381,9 @@
             <a:fld id="{B61BEF0D-F0BB-DE4B-95CE-6DB70DBA9567}" type="datetimeFigureOut">
               <a:rPr lang="en-US" dirty="0"/>
               <a:pPr/>
-              <a:t>8/30/2020</a:t>
+              <a:t>8/31/2020</a:t>
             </a:fld>
-            <a:endParaRPr lang="en-US"/>
+            <a:endParaRPr lang="en-US" dirty="0"/>
           </a:p>
         </p:txBody>
       </p:sp>
@@ -10496,7 +10402,7 @@
           <a:bodyPr/>
           <a:lstStyle/>
           <a:p>
-            <a:endParaRPr lang="en-US"/>
+            <a:endParaRPr lang="en-US" dirty="0"/>
           </a:p>
         </p:txBody>
       </p:sp>
@@ -10520,7 +10426,7 @@
               <a:pPr/>
               <a:t>‹nº›</a:t>
             </a:fld>
-            <a:endParaRPr lang="en-US"/>
+            <a:endParaRPr lang="en-US" dirty="0"/>
           </a:p>
         </p:txBody>
       </p:sp>
@@ -11005,9 +10911,9 @@
             <a:fld id="{B61BEF0D-F0BB-DE4B-95CE-6DB70DBA9567}" type="datetimeFigureOut">
               <a:rPr lang="en-US" dirty="0"/>
               <a:pPr/>
-              <a:t>8/30/2020</a:t>
+              <a:t>8/31/2020</a:t>
             </a:fld>
-            <a:endParaRPr lang="en-US"/>
+            <a:endParaRPr lang="en-US" dirty="0"/>
           </a:p>
         </p:txBody>
       </p:sp>
@@ -11044,7 +10950,7 @@
             </a:lvl1pPr>
           </a:lstStyle>
           <a:p>
-            <a:endParaRPr lang="en-US"/>
+            <a:endParaRPr lang="en-US" dirty="0"/>
           </a:p>
         </p:txBody>
       </p:sp>
@@ -11086,7 +10992,7 @@
               <a:pPr/>
               <a:t>‹nº›</a:t>
             </a:fld>
-            <a:endParaRPr lang="en-US"/>
+            <a:endParaRPr lang="en-US" dirty="0"/>
           </a:p>
         </p:txBody>
       </p:sp>
@@ -11671,9 +11577,9 @@
             <a:fld id="{1D8BD707-D9CF-40AE-B4C6-C98DA3205C09}" type="datetimeFigureOut">
               <a:rPr lang="en-US" smtClean="0"/>
               <a:pPr/>
-              <a:t>8/30/2020</a:t>
+              <a:t>8/31/2020</a:t>
             </a:fld>
-            <a:endParaRPr lang="en-US"/>
+            <a:endParaRPr lang="en-US" dirty="0"/>
           </a:p>
         </p:txBody>
       </p:sp>
@@ -11710,7 +11616,7 @@
             </a:lvl1pPr>
           </a:lstStyle>
           <a:p>
-            <a:endParaRPr lang="en-US"/>
+            <a:endParaRPr lang="en-US" dirty="0"/>
           </a:p>
         </p:txBody>
       </p:sp>
@@ -11752,7 +11658,7 @@
               <a:pPr/>
               <a:t>‹nº›</a:t>
             </a:fld>
-            <a:endParaRPr lang="en-US"/>
+            <a:endParaRPr lang="en-US" dirty="0"/>
           </a:p>
         </p:txBody>
       </p:sp>
@@ -12526,7 +12432,7 @@
           <a:lstStyle/>
           <a:p>
             <a:pPr algn="ctr"/>
-            <a:endParaRPr lang="en-US"/>
+            <a:endParaRPr lang="en-US" dirty="0"/>
           </a:p>
         </p:txBody>
       </p:sp>
@@ -12774,7 +12680,7 @@
           <a:lstStyle/>
           <a:p>
             <a:pPr algn="ctr"/>
-            <a:endParaRPr lang="en-US"/>
+            <a:endParaRPr lang="en-US" dirty="0"/>
           </a:p>
         </p:txBody>
       </p:sp>
@@ -13017,7 +12923,7 @@
           <a:lstStyle/>
           <a:p>
             <a:pPr algn="ctr"/>
-            <a:endParaRPr lang="en-US"/>
+            <a:endParaRPr lang="en-US" dirty="0"/>
           </a:p>
         </p:txBody>
       </p:sp>
@@ -13053,7 +12959,7 @@
               <a:buNone/>
             </a:pPr>
             <a:r>
-              <a:rPr lang="en-US" sz="2800"/>
+              <a:rPr lang="en-US" sz="2800" dirty="0"/>
               <a:t>Anderson Sartorio</a:t>
             </a:r>
           </a:p>
@@ -13062,7 +12968,7 @@
               <a:buNone/>
             </a:pPr>
             <a:r>
-              <a:rPr lang="en-US" sz="2800"/>
+              <a:rPr lang="en-US" sz="2800" dirty="0"/>
               <a:t>Marcelo Bonora</a:t>
             </a:r>
           </a:p>
@@ -13110,7 +13016,7 @@
           <a:lstStyle/>
           <a:p>
             <a:pPr algn="ctr"/>
-            <a:endParaRPr lang="en-US"/>
+            <a:endParaRPr lang="en-US" dirty="0"/>
           </a:p>
         </p:txBody>
       </p:sp>
@@ -13162,7 +13068,7 @@
           <a:lstStyle/>
           <a:p>
             <a:pPr algn="ctr"/>
-            <a:endParaRPr lang="en-US"/>
+            <a:endParaRPr lang="en-US" dirty="0"/>
           </a:p>
         </p:txBody>
       </p:sp>
@@ -13261,7 +13167,7 @@
           <a:lstStyle/>
           <a:p>
             <a:pPr algn="ctr"/>
-            <a:endParaRPr lang="pt-BR"/>
+            <a:endParaRPr lang="pt-BR" dirty="0"/>
           </a:p>
         </p:txBody>
       </p:sp>
@@ -13323,6 +13229,5211 @@
       </p:transition>
     </mc:Fallback>
   </mc:AlternateContent>
+</p:sld>
+</file>
+
+<file path=ppt/slides/slide10.xml><?xml version="1.0" encoding="utf-8"?>
+<p:sld xmlns:a="http://schemas.openxmlformats.org/drawingml/2006/main" xmlns:r="http://schemas.openxmlformats.org/officeDocument/2006/relationships" xmlns:p="http://schemas.openxmlformats.org/presentationml/2006/main">
+  <p:cSld>
+    <p:bg>
+      <p:bgPr>
+        <a:solidFill>
+          <a:schemeClr val="tx1">
+            <a:lumMod val="85000"/>
+            <a:lumOff val="15000"/>
+          </a:schemeClr>
+        </a:solidFill>
+        <a:effectLst/>
+      </p:bgPr>
+    </p:bg>
+    <p:spTree>
+      <p:nvGrpSpPr>
+        <p:cNvPr id="1" name=""/>
+        <p:cNvGrpSpPr/>
+        <p:nvPr/>
+      </p:nvGrpSpPr>
+      <p:grpSpPr>
+        <a:xfrm>
+          <a:off x="0" y="0"/>
+          <a:ext cx="0" cy="0"/>
+          <a:chOff x="0" y="0"/>
+          <a:chExt cx="0" cy="0"/>
+        </a:xfrm>
+      </p:grpSpPr>
+      <p:graphicFrame>
+        <p:nvGraphicFramePr>
+          <p:cNvPr id="4" name="Tabela 3"/>
+          <p:cNvGraphicFramePr>
+            <a:graphicFrameLocks noGrp="1"/>
+          </p:cNvGraphicFramePr>
+          <p:nvPr>
+            <p:extLst>
+              <p:ext uri="{D42A27DB-BD31-4B8C-83A1-F6EECF244321}">
+                <p14:modId xmlns:p14="http://schemas.microsoft.com/office/powerpoint/2010/main" val="366126427"/>
+              </p:ext>
+            </p:extLst>
+          </p:nvPr>
+        </p:nvGraphicFramePr>
+        <p:xfrm>
+          <a:off x="928469" y="1195906"/>
+          <a:ext cx="10536699" cy="5331506"/>
+        </p:xfrm>
+        <a:graphic>
+          <a:graphicData uri="http://schemas.openxmlformats.org/drawingml/2006/table">
+            <a:tbl>
+              <a:tblPr>
+                <a:tableStyleId>{5940675A-B579-460E-94D1-54222C63F5DA}</a:tableStyleId>
+              </a:tblPr>
+              <a:tblGrid>
+                <a:gridCol w="391007">
+                  <a:extLst>
+                    <a:ext uri="{9D8B030D-6E8A-4147-A177-3AD203B41FA5}">
+                      <a16:colId xmlns:a16="http://schemas.microsoft.com/office/drawing/2014/main" val="20000"/>
+                    </a:ext>
+                  </a:extLst>
+                </a:gridCol>
+                <a:gridCol w="6070998">
+                  <a:extLst>
+                    <a:ext uri="{9D8B030D-6E8A-4147-A177-3AD203B41FA5}">
+                      <a16:colId xmlns:a16="http://schemas.microsoft.com/office/drawing/2014/main" val="20001"/>
+                    </a:ext>
+                  </a:extLst>
+                </a:gridCol>
+                <a:gridCol w="1580427">
+                  <a:extLst>
+                    <a:ext uri="{9D8B030D-6E8A-4147-A177-3AD203B41FA5}">
+                      <a16:colId xmlns:a16="http://schemas.microsoft.com/office/drawing/2014/main" val="20002"/>
+                    </a:ext>
+                  </a:extLst>
+                </a:gridCol>
+                <a:gridCol w="1379307">
+                  <a:extLst>
+                    <a:ext uri="{9D8B030D-6E8A-4147-A177-3AD203B41FA5}">
+                      <a16:colId xmlns:a16="http://schemas.microsoft.com/office/drawing/2014/main" val="20004"/>
+                    </a:ext>
+                  </a:extLst>
+                </a:gridCol>
+                <a:gridCol w="1114960">
+                  <a:extLst>
+                    <a:ext uri="{9D8B030D-6E8A-4147-A177-3AD203B41FA5}">
+                      <a16:colId xmlns:a16="http://schemas.microsoft.com/office/drawing/2014/main" val="20005"/>
+                    </a:ext>
+                  </a:extLst>
+                </a:gridCol>
+              </a:tblGrid>
+              <a:tr h="1979230">
+                <a:tc>
+                  <a:txBody>
+                    <a:bodyPr/>
+                    <a:lstStyle/>
+                    <a:p>
+                      <a:pPr algn="ctr" fontAlgn="b"/>
+                      <a:r>
+                        <a:rPr lang="pt-BR" sz="2000" u="none" strike="noStrike" dirty="0">
+                          <a:solidFill>
+                            <a:srgbClr val="F94335"/>
+                          </a:solidFill>
+                          <a:latin typeface="Bahnschrift SemiBold SemiConden" panose="020B0502040204020203" pitchFamily="34" charset="0"/>
+                        </a:rPr>
+                        <a:t>ID</a:t>
+                      </a:r>
+                      <a:endParaRPr lang="pt-BR" sz="2000" b="1" i="0" u="none" strike="noStrike" dirty="0">
+                        <a:solidFill>
+                          <a:srgbClr val="F94335"/>
+                        </a:solidFill>
+                        <a:latin typeface="Bahnschrift SemiBold SemiConden" panose="020B0502040204020203" pitchFamily="34" charset="0"/>
+                        <a:cs typeface="Arial" pitchFamily="34" charset="0"/>
+                      </a:endParaRPr>
+                    </a:p>
+                  </a:txBody>
+                  <a:tcPr marL="5795" marR="5795" marT="5795" marB="27814" anchor="ctr">
+                    <a:lnL w="12700" cmpd="sng">
+                      <a:noFill/>
+                    </a:lnL>
+                    <a:lnR w="12700" cap="flat" cmpd="sng" algn="ctr">
+                      <a:solidFill>
+                        <a:schemeClr val="bg1"/>
+                      </a:solidFill>
+                      <a:prstDash val="solid"/>
+                      <a:round/>
+                      <a:headEnd type="none" w="med" len="med"/>
+                      <a:tailEnd type="none" w="med" len="med"/>
+                    </a:lnR>
+                    <a:lnT w="12700" cmpd="sng">
+                      <a:noFill/>
+                    </a:lnT>
+                    <a:lnB w="12700" cap="flat" cmpd="sng" algn="ctr">
+                      <a:solidFill>
+                        <a:schemeClr val="bg1"/>
+                      </a:solidFill>
+                      <a:prstDash val="solid"/>
+                      <a:round/>
+                      <a:headEnd type="none" w="med" len="med"/>
+                      <a:tailEnd type="none" w="med" len="med"/>
+                    </a:lnB>
+                    <a:lnTlToBr w="12700" cmpd="sng">
+                      <a:noFill/>
+                      <a:prstDash val="solid"/>
+                    </a:lnTlToBr>
+                    <a:lnBlToTr w="12700" cmpd="sng">
+                      <a:noFill/>
+                      <a:prstDash val="solid"/>
+                    </a:lnBlToTr>
+                  </a:tcPr>
+                </a:tc>
+                <a:tc>
+                  <a:txBody>
+                    <a:bodyPr/>
+                    <a:lstStyle/>
+                    <a:p>
+                      <a:pPr algn="ctr" fontAlgn="b"/>
+                      <a:r>
+                        <a:rPr lang="pt-BR" sz="2000" u="none" strike="noStrike" dirty="0">
+                          <a:solidFill>
+                            <a:srgbClr val="F94335"/>
+                          </a:solidFill>
+                          <a:latin typeface="Bahnschrift SemiBold SemiConden" panose="020B0502040204020203" pitchFamily="34" charset="0"/>
+                        </a:rPr>
+                        <a:t>Requisito</a:t>
+                      </a:r>
+                      <a:endParaRPr lang="pt-BR" sz="2000" b="0" i="0" u="none" strike="noStrike" dirty="0">
+                        <a:solidFill>
+                          <a:srgbClr val="F94335"/>
+                        </a:solidFill>
+                        <a:latin typeface="Bahnschrift SemiBold SemiConden" panose="020B0502040204020203" pitchFamily="34" charset="0"/>
+                        <a:cs typeface="Arial" pitchFamily="34" charset="0"/>
+                      </a:endParaRPr>
+                    </a:p>
+                  </a:txBody>
+                  <a:tcPr marL="5795" marR="5795" marT="5795" marB="27814" anchor="ctr">
+                    <a:lnL w="12700" cap="flat" cmpd="sng" algn="ctr">
+                      <a:solidFill>
+                        <a:schemeClr val="bg1"/>
+                      </a:solidFill>
+                      <a:prstDash val="solid"/>
+                      <a:round/>
+                      <a:headEnd type="none" w="med" len="med"/>
+                      <a:tailEnd type="none" w="med" len="med"/>
+                    </a:lnL>
+                    <a:lnR w="12700" cap="flat" cmpd="sng" algn="ctr">
+                      <a:solidFill>
+                        <a:schemeClr val="bg1"/>
+                      </a:solidFill>
+                      <a:prstDash val="solid"/>
+                      <a:round/>
+                      <a:headEnd type="none" w="med" len="med"/>
+                      <a:tailEnd type="none" w="med" len="med"/>
+                    </a:lnR>
+                    <a:lnT w="12700" cmpd="sng">
+                      <a:noFill/>
+                    </a:lnT>
+                    <a:lnB w="12700" cap="flat" cmpd="sng" algn="ctr">
+                      <a:solidFill>
+                        <a:schemeClr val="bg1"/>
+                      </a:solidFill>
+                      <a:prstDash val="solid"/>
+                      <a:round/>
+                      <a:headEnd type="none" w="med" len="med"/>
+                      <a:tailEnd type="none" w="med" len="med"/>
+                    </a:lnB>
+                    <a:lnTlToBr w="12700" cmpd="sng">
+                      <a:noFill/>
+                      <a:prstDash val="solid"/>
+                    </a:lnTlToBr>
+                    <a:lnBlToTr w="12700" cmpd="sng">
+                      <a:noFill/>
+                      <a:prstDash val="solid"/>
+                    </a:lnBlToTr>
+                  </a:tcPr>
+                </a:tc>
+                <a:tc>
+                  <a:txBody>
+                    <a:bodyPr/>
+                    <a:lstStyle/>
+                    <a:p>
+                      <a:pPr algn="ctr" fontAlgn="b"/>
+                      <a:r>
+                        <a:rPr lang="pt-BR" sz="2000" u="none" strike="noStrike" baseline="0" dirty="0">
+                          <a:solidFill>
+                            <a:srgbClr val="F94335"/>
+                          </a:solidFill>
+                          <a:latin typeface="Bahnschrift SemiBold SemiConden" panose="020B0502040204020203" pitchFamily="34" charset="0"/>
+                        </a:rPr>
+                        <a:t>  </a:t>
+                      </a:r>
+                      <a:r>
+                        <a:rPr lang="pt-BR" sz="2000" u="none" strike="noStrike" dirty="0">
+                          <a:solidFill>
+                            <a:srgbClr val="F94335"/>
+                          </a:solidFill>
+                          <a:latin typeface="Bahnschrift SemiBold SemiConden" panose="020B0502040204020203" pitchFamily="34" charset="0"/>
+                        </a:rPr>
+                        <a:t>Classificação</a:t>
+                      </a:r>
+                      <a:endParaRPr lang="pt-BR" sz="2000" b="0" i="0" u="none" strike="noStrike" dirty="0">
+                        <a:solidFill>
+                          <a:srgbClr val="F94335"/>
+                        </a:solidFill>
+                        <a:latin typeface="Bahnschrift SemiBold SemiConden" panose="020B0502040204020203" pitchFamily="34" charset="0"/>
+                        <a:cs typeface="Arial" pitchFamily="34" charset="0"/>
+                      </a:endParaRPr>
+                    </a:p>
+                  </a:txBody>
+                  <a:tcPr marL="5795" marR="5795" marT="5795" marB="27814" anchor="ctr">
+                    <a:lnL w="12700" cap="flat" cmpd="sng" algn="ctr">
+                      <a:solidFill>
+                        <a:schemeClr val="bg1"/>
+                      </a:solidFill>
+                      <a:prstDash val="solid"/>
+                      <a:round/>
+                      <a:headEnd type="none" w="med" len="med"/>
+                      <a:tailEnd type="none" w="med" len="med"/>
+                    </a:lnL>
+                    <a:lnR w="12700" cap="flat" cmpd="sng" algn="ctr">
+                      <a:solidFill>
+                        <a:schemeClr val="bg1"/>
+                      </a:solidFill>
+                      <a:prstDash val="solid"/>
+                      <a:round/>
+                      <a:headEnd type="none" w="med" len="med"/>
+                      <a:tailEnd type="none" w="med" len="med"/>
+                    </a:lnR>
+                    <a:lnT w="12700" cmpd="sng">
+                      <a:noFill/>
+                    </a:lnT>
+                    <a:lnB w="12700" cap="flat" cmpd="sng" algn="ctr">
+                      <a:solidFill>
+                        <a:schemeClr val="bg1"/>
+                      </a:solidFill>
+                      <a:prstDash val="solid"/>
+                      <a:round/>
+                      <a:headEnd type="none" w="med" len="med"/>
+                      <a:tailEnd type="none" w="med" len="med"/>
+                    </a:lnB>
+                    <a:lnTlToBr w="12700" cmpd="sng">
+                      <a:noFill/>
+                      <a:prstDash val="solid"/>
+                    </a:lnTlToBr>
+                    <a:lnBlToTr w="12700" cmpd="sng">
+                      <a:noFill/>
+                      <a:prstDash val="solid"/>
+                    </a:lnBlToTr>
+                  </a:tcPr>
+                </a:tc>
+                <a:tc>
+                  <a:txBody>
+                    <a:bodyPr/>
+                    <a:lstStyle/>
+                    <a:p>
+                      <a:pPr algn="ctr" fontAlgn="b"/>
+                      <a:r>
+                        <a:rPr lang="pt-BR" sz="2000" u="none" strike="noStrike" dirty="0">
+                          <a:solidFill>
+                            <a:srgbClr val="F94335"/>
+                          </a:solidFill>
+                          <a:latin typeface="Bahnschrift SemiBold SemiConden" panose="020B0502040204020203" pitchFamily="34" charset="0"/>
+                        </a:rPr>
+                        <a:t>     Tamanho</a:t>
+                      </a:r>
+                    </a:p>
+                    <a:p>
+                      <a:pPr algn="ctr" fontAlgn="b"/>
+                      <a:r>
+                        <a:rPr lang="pt-BR" sz="2000" u="none" strike="noStrike" dirty="0">
+                          <a:solidFill>
+                            <a:srgbClr val="F94335"/>
+                          </a:solidFill>
+                          <a:latin typeface="Bahnschrift SemiBold SemiConden" panose="020B0502040204020203" pitchFamily="34" charset="0"/>
+                        </a:rPr>
+                        <a:t>/</a:t>
+                      </a:r>
+                    </a:p>
+                    <a:p>
+                      <a:pPr algn="ctr" fontAlgn="b"/>
+                      <a:r>
+                        <a:rPr lang="pt-BR" sz="2000" u="none" strike="noStrike" dirty="0">
+                          <a:solidFill>
+                            <a:srgbClr val="F94335"/>
+                          </a:solidFill>
+                          <a:latin typeface="Bahnschrift SemiBold SemiConden" panose="020B0502040204020203" pitchFamily="34" charset="0"/>
+                        </a:rPr>
+                        <a:t>Dificuldade</a:t>
+                      </a:r>
+                      <a:endParaRPr lang="pt-BR" sz="2000" b="0" i="0" u="none" strike="noStrike" dirty="0">
+                        <a:solidFill>
+                          <a:srgbClr val="F94335"/>
+                        </a:solidFill>
+                        <a:latin typeface="Bahnschrift SemiBold SemiConden" panose="020B0502040204020203" pitchFamily="34" charset="0"/>
+                        <a:cs typeface="Arial" pitchFamily="34" charset="0"/>
+                      </a:endParaRPr>
+                    </a:p>
+                  </a:txBody>
+                  <a:tcPr marL="5795" marR="5795" marT="5795" marB="27814" anchor="ctr">
+                    <a:lnL w="12700" cap="flat" cmpd="sng" algn="ctr">
+                      <a:solidFill>
+                        <a:schemeClr val="bg1"/>
+                      </a:solidFill>
+                      <a:prstDash val="solid"/>
+                      <a:round/>
+                      <a:headEnd type="none" w="med" len="med"/>
+                      <a:tailEnd type="none" w="med" len="med"/>
+                    </a:lnL>
+                    <a:lnR w="12700" cap="flat" cmpd="sng" algn="ctr">
+                      <a:solidFill>
+                        <a:schemeClr val="bg1"/>
+                      </a:solidFill>
+                      <a:prstDash val="solid"/>
+                      <a:round/>
+                      <a:headEnd type="none" w="med" len="med"/>
+                      <a:tailEnd type="none" w="med" len="med"/>
+                    </a:lnR>
+                    <a:lnT w="12700" cmpd="sng">
+                      <a:noFill/>
+                    </a:lnT>
+                    <a:lnB w="12700" cap="flat" cmpd="sng" algn="ctr">
+                      <a:solidFill>
+                        <a:schemeClr val="bg1"/>
+                      </a:solidFill>
+                      <a:prstDash val="solid"/>
+                      <a:round/>
+                      <a:headEnd type="none" w="med" len="med"/>
+                      <a:tailEnd type="none" w="med" len="med"/>
+                    </a:lnB>
+                    <a:lnTlToBr w="12700" cmpd="sng">
+                      <a:noFill/>
+                      <a:prstDash val="solid"/>
+                    </a:lnTlToBr>
+                    <a:lnBlToTr w="12700" cmpd="sng">
+                      <a:noFill/>
+                      <a:prstDash val="solid"/>
+                    </a:lnBlToTr>
+                  </a:tcPr>
+                </a:tc>
+                <a:tc>
+                  <a:txBody>
+                    <a:bodyPr/>
+                    <a:lstStyle/>
+                    <a:p>
+                      <a:pPr algn="ctr" fontAlgn="b"/>
+                      <a:r>
+                        <a:rPr lang="pt-BR" sz="2000" u="none" strike="noStrike" dirty="0">
+                          <a:solidFill>
+                            <a:srgbClr val="F94335"/>
+                          </a:solidFill>
+                          <a:latin typeface="Bahnschrift SemiBold SemiConden" panose="020B0502040204020203" pitchFamily="34" charset="0"/>
+                        </a:rPr>
+                        <a:t>Ordem</a:t>
+                      </a:r>
+                      <a:r>
+                        <a:rPr lang="pt-BR" sz="2000" u="none" strike="noStrike" baseline="0" dirty="0">
+                          <a:solidFill>
+                            <a:srgbClr val="F94335"/>
+                          </a:solidFill>
+                          <a:latin typeface="Bahnschrift SemiBold SemiConden" panose="020B0502040204020203" pitchFamily="34" charset="0"/>
+                        </a:rPr>
+                        <a:t> </a:t>
+                      </a:r>
+                      <a:r>
+                        <a:rPr lang="pt-BR" sz="2000" u="none" strike="noStrike" dirty="0">
+                          <a:solidFill>
+                            <a:srgbClr val="F94335"/>
+                          </a:solidFill>
+                          <a:latin typeface="Bahnschrift SemiBold SemiConden" panose="020B0502040204020203" pitchFamily="34" charset="0"/>
+                        </a:rPr>
+                        <a:t>de</a:t>
+                      </a:r>
+                      <a:r>
+                        <a:rPr lang="pt-BR" sz="2000" u="none" strike="noStrike" baseline="0" dirty="0">
+                          <a:solidFill>
+                            <a:srgbClr val="F94335"/>
+                          </a:solidFill>
+                          <a:latin typeface="Bahnschrift SemiBold SemiConden" panose="020B0502040204020203" pitchFamily="34" charset="0"/>
+                        </a:rPr>
+                        <a:t> </a:t>
+                      </a:r>
+                      <a:r>
+                        <a:rPr lang="pt-BR" sz="2000" u="none" strike="noStrike" dirty="0">
+                          <a:solidFill>
+                            <a:srgbClr val="F94335"/>
+                          </a:solidFill>
+                          <a:latin typeface="Bahnschrift SemiBold SemiConden" panose="020B0502040204020203" pitchFamily="34" charset="0"/>
+                        </a:rPr>
+                        <a:t>execução</a:t>
+                      </a:r>
+                      <a:endParaRPr lang="pt-BR" sz="2000" b="0" i="0" u="none" strike="noStrike" dirty="0">
+                        <a:solidFill>
+                          <a:srgbClr val="F94335"/>
+                        </a:solidFill>
+                        <a:latin typeface="Bahnschrift SemiBold SemiConden" panose="020B0502040204020203" pitchFamily="34" charset="0"/>
+                        <a:cs typeface="Arial" pitchFamily="34" charset="0"/>
+                      </a:endParaRPr>
+                    </a:p>
+                  </a:txBody>
+                  <a:tcPr marL="5795" marR="5795" marT="5795" marB="27814" anchor="ctr">
+                    <a:lnL w="12700" cap="flat" cmpd="sng" algn="ctr">
+                      <a:solidFill>
+                        <a:schemeClr val="bg1"/>
+                      </a:solidFill>
+                      <a:prstDash val="solid"/>
+                      <a:round/>
+                      <a:headEnd type="none" w="med" len="med"/>
+                      <a:tailEnd type="none" w="med" len="med"/>
+                    </a:lnL>
+                    <a:lnR w="12700" cap="flat" cmpd="sng" algn="ctr">
+                      <a:solidFill>
+                        <a:schemeClr val="bg1"/>
+                      </a:solidFill>
+                      <a:prstDash val="solid"/>
+                      <a:round/>
+                      <a:headEnd type="none" w="med" len="med"/>
+                      <a:tailEnd type="none" w="med" len="med"/>
+                    </a:lnR>
+                    <a:lnT w="12700" cmpd="sng">
+                      <a:noFill/>
+                    </a:lnT>
+                    <a:lnB w="12700" cap="flat" cmpd="sng" algn="ctr">
+                      <a:solidFill>
+                        <a:schemeClr val="bg1"/>
+                      </a:solidFill>
+                      <a:prstDash val="solid"/>
+                      <a:round/>
+                      <a:headEnd type="none" w="med" len="med"/>
+                      <a:tailEnd type="none" w="med" len="med"/>
+                    </a:lnB>
+                    <a:lnTlToBr w="12700" cmpd="sng">
+                      <a:noFill/>
+                      <a:prstDash val="solid"/>
+                    </a:lnTlToBr>
+                    <a:lnBlToTr w="12700" cmpd="sng">
+                      <a:noFill/>
+                      <a:prstDash val="solid"/>
+                    </a:lnBlToTr>
+                  </a:tcPr>
+                </a:tc>
+                <a:extLst>
+                  <a:ext uri="{0D108BD9-81ED-4DB2-BD59-A6C34878D82A}">
+                    <a16:rowId xmlns:a16="http://schemas.microsoft.com/office/drawing/2014/main" val="10000"/>
+                  </a:ext>
+                </a:extLst>
+              </a:tr>
+              <a:tr h="256080">
+                <a:tc>
+                  <a:txBody>
+                    <a:bodyPr/>
+                    <a:lstStyle/>
+                    <a:p>
+                      <a:pPr algn="ctr" fontAlgn="b"/>
+                      <a:r>
+                        <a:rPr lang="pt-BR" sz="1100" u="none" strike="noStrike" dirty="0">
+                          <a:solidFill>
+                            <a:srgbClr val="F94335"/>
+                          </a:solidFill>
+                          <a:latin typeface="Bahnschrift SemiBold SemiConden" panose="020B0502040204020203" pitchFamily="34" charset="0"/>
+                        </a:rPr>
+                        <a:t>1</a:t>
+                      </a:r>
+                      <a:endParaRPr lang="pt-BR" sz="1100" b="1" i="0" u="none" strike="noStrike" dirty="0">
+                        <a:solidFill>
+                          <a:srgbClr val="F94335"/>
+                        </a:solidFill>
+                        <a:latin typeface="Bahnschrift SemiBold SemiConden" panose="020B0502040204020203" pitchFamily="34" charset="0"/>
+                        <a:cs typeface="Arial" pitchFamily="34" charset="0"/>
+                      </a:endParaRPr>
+                    </a:p>
+                  </a:txBody>
+                  <a:tcPr marL="5795" marR="5795" marT="5795" marB="27814" anchor="b">
+                    <a:lnL w="12700" cmpd="sng">
+                      <a:noFill/>
+                    </a:lnL>
+                    <a:lnR w="12700" cap="flat" cmpd="sng" algn="ctr">
+                      <a:solidFill>
+                        <a:schemeClr val="bg1"/>
+                      </a:solidFill>
+                      <a:prstDash val="solid"/>
+                      <a:round/>
+                      <a:headEnd type="none" w="med" len="med"/>
+                      <a:tailEnd type="none" w="med" len="med"/>
+                    </a:lnR>
+                    <a:lnT w="12700" cap="flat" cmpd="sng" algn="ctr">
+                      <a:solidFill>
+                        <a:schemeClr val="bg1"/>
+                      </a:solidFill>
+                      <a:prstDash val="solid"/>
+                      <a:round/>
+                      <a:headEnd type="none" w="med" len="med"/>
+                      <a:tailEnd type="none" w="med" len="med"/>
+                    </a:lnT>
+                    <a:lnB w="12700" cap="flat" cmpd="sng" algn="ctr">
+                      <a:solidFill>
+                        <a:schemeClr val="bg1"/>
+                      </a:solidFill>
+                      <a:prstDash val="solid"/>
+                      <a:round/>
+                      <a:headEnd type="none" w="med" len="med"/>
+                      <a:tailEnd type="none" w="med" len="med"/>
+                    </a:lnB>
+                    <a:lnTlToBr w="12700" cmpd="sng">
+                      <a:noFill/>
+                      <a:prstDash val="solid"/>
+                    </a:lnTlToBr>
+                    <a:lnBlToTr w="12700" cmpd="sng">
+                      <a:noFill/>
+                      <a:prstDash val="solid"/>
+                    </a:lnBlToTr>
+                  </a:tcPr>
+                </a:tc>
+                <a:tc>
+                  <a:txBody>
+                    <a:bodyPr/>
+                    <a:lstStyle/>
+                    <a:p>
+                      <a:pPr algn="ctr" fontAlgn="b"/>
+                      <a:r>
+                        <a:rPr lang="pt-BR" sz="1100" b="0" i="0" u="none" strike="noStrike" dirty="0" smtClean="0">
+                          <a:solidFill>
+                            <a:srgbClr val="F94335"/>
+                          </a:solidFill>
+                          <a:latin typeface="Bahnschrift SemiBold SemiConden" panose="020B0502040204020203" pitchFamily="34" charset="0"/>
+                          <a:cs typeface="+mn-cs"/>
+                        </a:rPr>
+                        <a:t>Realização</a:t>
+                      </a:r>
+                      <a:r>
+                        <a:rPr lang="pt-BR" sz="1100" b="0" i="0" u="none" strike="noStrike" baseline="0" dirty="0" smtClean="0">
+                          <a:solidFill>
+                            <a:srgbClr val="F94335"/>
+                          </a:solidFill>
+                          <a:latin typeface="Bahnschrift SemiBold SemiConden" panose="020B0502040204020203" pitchFamily="34" charset="0"/>
+                          <a:cs typeface="+mn-cs"/>
+                        </a:rPr>
+                        <a:t> de cadastro</a:t>
+                      </a:r>
+                      <a:endParaRPr lang="pt-BR" sz="1100" b="0" i="0" u="none" strike="noStrike" dirty="0">
+                        <a:solidFill>
+                          <a:srgbClr val="F94335"/>
+                        </a:solidFill>
+                        <a:latin typeface="Bahnschrift SemiBold SemiConden" panose="020B0502040204020203" pitchFamily="34" charset="0"/>
+                        <a:cs typeface="Arial" pitchFamily="34" charset="0"/>
+                      </a:endParaRPr>
+                    </a:p>
+                  </a:txBody>
+                  <a:tcPr marL="5795" marR="5795" marT="5795" marB="27814" anchor="b">
+                    <a:lnL w="12700" cap="flat" cmpd="sng" algn="ctr">
+                      <a:solidFill>
+                        <a:schemeClr val="bg1"/>
+                      </a:solidFill>
+                      <a:prstDash val="solid"/>
+                      <a:round/>
+                      <a:headEnd type="none" w="med" len="med"/>
+                      <a:tailEnd type="none" w="med" len="med"/>
+                    </a:lnL>
+                    <a:lnR w="12700" cap="flat" cmpd="sng" algn="ctr">
+                      <a:solidFill>
+                        <a:schemeClr val="bg1"/>
+                      </a:solidFill>
+                      <a:prstDash val="solid"/>
+                      <a:round/>
+                      <a:headEnd type="none" w="med" len="med"/>
+                      <a:tailEnd type="none" w="med" len="med"/>
+                    </a:lnR>
+                    <a:lnT w="12700" cap="flat" cmpd="sng" algn="ctr">
+                      <a:solidFill>
+                        <a:schemeClr val="bg1"/>
+                      </a:solidFill>
+                      <a:prstDash val="solid"/>
+                      <a:round/>
+                      <a:headEnd type="none" w="med" len="med"/>
+                      <a:tailEnd type="none" w="med" len="med"/>
+                    </a:lnT>
+                    <a:lnB w="12700" cap="flat" cmpd="sng" algn="ctr">
+                      <a:solidFill>
+                        <a:schemeClr val="bg1"/>
+                      </a:solidFill>
+                      <a:prstDash val="solid"/>
+                      <a:round/>
+                      <a:headEnd type="none" w="med" len="med"/>
+                      <a:tailEnd type="none" w="med" len="med"/>
+                    </a:lnB>
+                    <a:lnTlToBr w="12700" cmpd="sng">
+                      <a:noFill/>
+                      <a:prstDash val="solid"/>
+                    </a:lnTlToBr>
+                    <a:lnBlToTr w="12700" cmpd="sng">
+                      <a:noFill/>
+                      <a:prstDash val="solid"/>
+                    </a:lnBlToTr>
+                  </a:tcPr>
+                </a:tc>
+                <a:tc>
+                  <a:txBody>
+                    <a:bodyPr/>
+                    <a:lstStyle/>
+                    <a:p>
+                      <a:pPr algn="ctr" fontAlgn="b"/>
+                      <a:r>
+                        <a:rPr lang="pt-BR" sz="1100" u="none" strike="noStrike" dirty="0">
+                          <a:solidFill>
+                            <a:srgbClr val="F94335"/>
+                          </a:solidFill>
+                          <a:latin typeface="Bahnschrift SemiBold SemiConden" panose="020B0502040204020203" pitchFamily="34" charset="0"/>
+                        </a:rPr>
+                        <a:t>Essencial</a:t>
+                      </a:r>
+                      <a:endParaRPr lang="pt-BR" sz="1100" b="0" i="0" u="none" strike="noStrike" dirty="0">
+                        <a:solidFill>
+                          <a:srgbClr val="F94335"/>
+                        </a:solidFill>
+                        <a:latin typeface="Bahnschrift SemiBold SemiConden" panose="020B0502040204020203" pitchFamily="34" charset="0"/>
+                        <a:cs typeface="Arial" pitchFamily="34" charset="0"/>
+                      </a:endParaRPr>
+                    </a:p>
+                  </a:txBody>
+                  <a:tcPr marL="5795" marR="5795" marT="5795" marB="27814" anchor="b">
+                    <a:lnL w="12700" cap="flat" cmpd="sng" algn="ctr">
+                      <a:solidFill>
+                        <a:schemeClr val="bg1"/>
+                      </a:solidFill>
+                      <a:prstDash val="solid"/>
+                      <a:round/>
+                      <a:headEnd type="none" w="med" len="med"/>
+                      <a:tailEnd type="none" w="med" len="med"/>
+                    </a:lnL>
+                    <a:lnR w="12700" cap="flat" cmpd="sng" algn="ctr">
+                      <a:solidFill>
+                        <a:schemeClr val="bg1"/>
+                      </a:solidFill>
+                      <a:prstDash val="solid"/>
+                      <a:round/>
+                      <a:headEnd type="none" w="med" len="med"/>
+                      <a:tailEnd type="none" w="med" len="med"/>
+                    </a:lnR>
+                    <a:lnT w="12700" cap="flat" cmpd="sng" algn="ctr">
+                      <a:solidFill>
+                        <a:schemeClr val="bg1"/>
+                      </a:solidFill>
+                      <a:prstDash val="solid"/>
+                      <a:round/>
+                      <a:headEnd type="none" w="med" len="med"/>
+                      <a:tailEnd type="none" w="med" len="med"/>
+                    </a:lnT>
+                    <a:lnB w="12700" cap="flat" cmpd="sng" algn="ctr">
+                      <a:solidFill>
+                        <a:schemeClr val="bg1"/>
+                      </a:solidFill>
+                      <a:prstDash val="solid"/>
+                      <a:round/>
+                      <a:headEnd type="none" w="med" len="med"/>
+                      <a:tailEnd type="none" w="med" len="med"/>
+                    </a:lnB>
+                    <a:lnTlToBr w="12700" cmpd="sng">
+                      <a:noFill/>
+                      <a:prstDash val="solid"/>
+                    </a:lnTlToBr>
+                    <a:lnBlToTr w="12700" cmpd="sng">
+                      <a:noFill/>
+                      <a:prstDash val="solid"/>
+                    </a:lnBlToTr>
+                  </a:tcPr>
+                </a:tc>
+                <a:tc>
+                  <a:txBody>
+                    <a:bodyPr/>
+                    <a:lstStyle/>
+                    <a:p>
+                      <a:pPr algn="ctr" fontAlgn="b"/>
+                      <a:r>
+                        <a:rPr lang="pt-BR" sz="1100" u="none" strike="noStrike" dirty="0">
+                          <a:solidFill>
+                            <a:srgbClr val="F94335"/>
+                          </a:solidFill>
+                          <a:latin typeface="Bahnschrift SemiBold SemiConden" panose="020B0502040204020203" pitchFamily="34" charset="0"/>
+                        </a:rPr>
+                        <a:t>8</a:t>
+                      </a:r>
+                      <a:endParaRPr lang="pt-BR" sz="1100" b="0" i="0" u="none" strike="noStrike" dirty="0">
+                        <a:solidFill>
+                          <a:srgbClr val="F94335"/>
+                        </a:solidFill>
+                        <a:latin typeface="Bahnschrift SemiBold SemiConden" panose="020B0502040204020203" pitchFamily="34" charset="0"/>
+                        <a:cs typeface="Arial" pitchFamily="34" charset="0"/>
+                      </a:endParaRPr>
+                    </a:p>
+                  </a:txBody>
+                  <a:tcPr marL="5795" marR="5795" marT="5795" marB="27814" anchor="b">
+                    <a:lnL w="12700" cap="flat" cmpd="sng" algn="ctr">
+                      <a:solidFill>
+                        <a:schemeClr val="bg1"/>
+                      </a:solidFill>
+                      <a:prstDash val="solid"/>
+                      <a:round/>
+                      <a:headEnd type="none" w="med" len="med"/>
+                      <a:tailEnd type="none" w="med" len="med"/>
+                    </a:lnL>
+                    <a:lnR w="12700" cap="flat" cmpd="sng" algn="ctr">
+                      <a:solidFill>
+                        <a:schemeClr val="bg1"/>
+                      </a:solidFill>
+                      <a:prstDash val="solid"/>
+                      <a:round/>
+                      <a:headEnd type="none" w="med" len="med"/>
+                      <a:tailEnd type="none" w="med" len="med"/>
+                    </a:lnR>
+                    <a:lnT w="12700" cap="flat" cmpd="sng" algn="ctr">
+                      <a:solidFill>
+                        <a:schemeClr val="bg1"/>
+                      </a:solidFill>
+                      <a:prstDash val="solid"/>
+                      <a:round/>
+                      <a:headEnd type="none" w="med" len="med"/>
+                      <a:tailEnd type="none" w="med" len="med"/>
+                    </a:lnT>
+                    <a:lnB w="12700" cap="flat" cmpd="sng" algn="ctr">
+                      <a:solidFill>
+                        <a:schemeClr val="bg1"/>
+                      </a:solidFill>
+                      <a:prstDash val="solid"/>
+                      <a:round/>
+                      <a:headEnd type="none" w="med" len="med"/>
+                      <a:tailEnd type="none" w="med" len="med"/>
+                    </a:lnB>
+                    <a:lnTlToBr w="12700" cmpd="sng">
+                      <a:noFill/>
+                      <a:prstDash val="solid"/>
+                    </a:lnTlToBr>
+                    <a:lnBlToTr w="12700" cmpd="sng">
+                      <a:noFill/>
+                      <a:prstDash val="solid"/>
+                    </a:lnBlToTr>
+                  </a:tcPr>
+                </a:tc>
+                <a:tc>
+                  <a:txBody>
+                    <a:bodyPr/>
+                    <a:lstStyle/>
+                    <a:p>
+                      <a:pPr algn="ctr" fontAlgn="b"/>
+                      <a:endParaRPr lang="pt-BR" sz="1100" b="0" i="0" u="none" strike="noStrike" dirty="0">
+                        <a:solidFill>
+                          <a:srgbClr val="F94335"/>
+                        </a:solidFill>
+                        <a:latin typeface="Bahnschrift SemiBold SemiConden" panose="020B0502040204020203" pitchFamily="34" charset="0"/>
+                        <a:cs typeface="Arial" pitchFamily="34" charset="0"/>
+                      </a:endParaRPr>
+                    </a:p>
+                  </a:txBody>
+                  <a:tcPr marL="5795" marR="5795" marT="5795" marB="27814" anchor="b">
+                    <a:lnL w="12700" cap="flat" cmpd="sng" algn="ctr">
+                      <a:solidFill>
+                        <a:schemeClr val="bg1"/>
+                      </a:solidFill>
+                      <a:prstDash val="solid"/>
+                      <a:round/>
+                      <a:headEnd type="none" w="med" len="med"/>
+                      <a:tailEnd type="none" w="med" len="med"/>
+                    </a:lnL>
+                    <a:lnR w="12700" cap="flat" cmpd="sng" algn="ctr">
+                      <a:solidFill>
+                        <a:schemeClr val="bg1"/>
+                      </a:solidFill>
+                      <a:prstDash val="solid"/>
+                      <a:round/>
+                      <a:headEnd type="none" w="med" len="med"/>
+                      <a:tailEnd type="none" w="med" len="med"/>
+                    </a:lnR>
+                    <a:lnT w="12700" cap="flat" cmpd="sng" algn="ctr">
+                      <a:solidFill>
+                        <a:schemeClr val="bg1"/>
+                      </a:solidFill>
+                      <a:prstDash val="solid"/>
+                      <a:round/>
+                      <a:headEnd type="none" w="med" len="med"/>
+                      <a:tailEnd type="none" w="med" len="med"/>
+                    </a:lnT>
+                    <a:lnB w="12700" cap="flat" cmpd="sng" algn="ctr">
+                      <a:solidFill>
+                        <a:schemeClr val="bg1"/>
+                      </a:solidFill>
+                      <a:prstDash val="solid"/>
+                      <a:round/>
+                      <a:headEnd type="none" w="med" len="med"/>
+                      <a:tailEnd type="none" w="med" len="med"/>
+                    </a:lnB>
+                    <a:lnTlToBr w="12700" cmpd="sng">
+                      <a:noFill/>
+                      <a:prstDash val="solid"/>
+                    </a:lnTlToBr>
+                    <a:lnBlToTr w="12700" cmpd="sng">
+                      <a:noFill/>
+                      <a:prstDash val="solid"/>
+                    </a:lnBlToTr>
+                  </a:tcPr>
+                </a:tc>
+                <a:extLst>
+                  <a:ext uri="{0D108BD9-81ED-4DB2-BD59-A6C34878D82A}">
+                    <a16:rowId xmlns:a16="http://schemas.microsoft.com/office/drawing/2014/main" val="10001"/>
+                  </a:ext>
+                </a:extLst>
+              </a:tr>
+              <a:tr h="256080">
+                <a:tc>
+                  <a:txBody>
+                    <a:bodyPr/>
+                    <a:lstStyle/>
+                    <a:p>
+                      <a:pPr algn="ctr" fontAlgn="b"/>
+                      <a:r>
+                        <a:rPr lang="pt-BR" sz="1100" u="none" strike="noStrike" dirty="0">
+                          <a:solidFill>
+                            <a:srgbClr val="F94335"/>
+                          </a:solidFill>
+                          <a:latin typeface="Bahnschrift SemiBold SemiConden" panose="020B0502040204020203" pitchFamily="34" charset="0"/>
+                        </a:rPr>
+                        <a:t>2</a:t>
+                      </a:r>
+                      <a:endParaRPr lang="pt-BR" sz="1100" b="1" i="0" u="none" strike="noStrike" dirty="0">
+                        <a:solidFill>
+                          <a:srgbClr val="F94335"/>
+                        </a:solidFill>
+                        <a:latin typeface="Bahnschrift SemiBold SemiConden" panose="020B0502040204020203" pitchFamily="34" charset="0"/>
+                        <a:cs typeface="Arial" pitchFamily="34" charset="0"/>
+                      </a:endParaRPr>
+                    </a:p>
+                  </a:txBody>
+                  <a:tcPr marL="5795" marR="5795" marT="5795" marB="27814" anchor="b">
+                    <a:lnL w="12700" cmpd="sng">
+                      <a:noFill/>
+                    </a:lnL>
+                    <a:lnR w="12700" cap="flat" cmpd="sng" algn="ctr">
+                      <a:solidFill>
+                        <a:schemeClr val="bg1"/>
+                      </a:solidFill>
+                      <a:prstDash val="solid"/>
+                      <a:round/>
+                      <a:headEnd type="none" w="med" len="med"/>
+                      <a:tailEnd type="none" w="med" len="med"/>
+                    </a:lnR>
+                    <a:lnT w="12700" cap="flat" cmpd="sng" algn="ctr">
+                      <a:solidFill>
+                        <a:schemeClr val="bg1"/>
+                      </a:solidFill>
+                      <a:prstDash val="solid"/>
+                      <a:round/>
+                      <a:headEnd type="none" w="med" len="med"/>
+                      <a:tailEnd type="none" w="med" len="med"/>
+                    </a:lnT>
+                    <a:lnB w="12700" cap="flat" cmpd="sng" algn="ctr">
+                      <a:solidFill>
+                        <a:schemeClr val="bg1"/>
+                      </a:solidFill>
+                      <a:prstDash val="solid"/>
+                      <a:round/>
+                      <a:headEnd type="none" w="med" len="med"/>
+                      <a:tailEnd type="none" w="med" len="med"/>
+                    </a:lnB>
+                    <a:lnTlToBr w="12700" cmpd="sng">
+                      <a:noFill/>
+                      <a:prstDash val="solid"/>
+                    </a:lnTlToBr>
+                    <a:lnBlToTr w="12700" cmpd="sng">
+                      <a:noFill/>
+                      <a:prstDash val="solid"/>
+                    </a:lnBlToTr>
+                  </a:tcPr>
+                </a:tc>
+                <a:tc>
+                  <a:txBody>
+                    <a:bodyPr/>
+                    <a:lstStyle/>
+                    <a:p>
+                      <a:pPr algn="ctr" fontAlgn="b"/>
+                      <a:r>
+                        <a:rPr lang="pt-BR" sz="1100" b="0" i="0" u="none" strike="noStrike" dirty="0" smtClean="0">
+                          <a:solidFill>
+                            <a:srgbClr val="F94335"/>
+                          </a:solidFill>
+                          <a:latin typeface="Bahnschrift SemiBold SemiConden" panose="020B0502040204020203" pitchFamily="34" charset="0"/>
+                          <a:cs typeface="Arial" pitchFamily="34" charset="0"/>
+                        </a:rPr>
+                        <a:t>Interface</a:t>
+                      </a:r>
+                      <a:r>
+                        <a:rPr lang="pt-BR" sz="1100" b="0" i="0" u="none" strike="noStrike" baseline="0" dirty="0" smtClean="0">
+                          <a:solidFill>
+                            <a:srgbClr val="F94335"/>
+                          </a:solidFill>
+                          <a:latin typeface="Bahnschrift SemiBold SemiConden" panose="020B0502040204020203" pitchFamily="34" charset="0"/>
+                          <a:cs typeface="Arial" pitchFamily="34" charset="0"/>
+                        </a:rPr>
+                        <a:t> simples  e intuitiva</a:t>
+                      </a:r>
+                      <a:endParaRPr lang="pt-BR" sz="1100" b="0" i="0" u="none" strike="noStrike" dirty="0">
+                        <a:solidFill>
+                          <a:srgbClr val="F94335"/>
+                        </a:solidFill>
+                        <a:latin typeface="Bahnschrift SemiBold SemiConden" panose="020B0502040204020203" pitchFamily="34" charset="0"/>
+                        <a:cs typeface="Arial" pitchFamily="34" charset="0"/>
+                      </a:endParaRPr>
+                    </a:p>
+                  </a:txBody>
+                  <a:tcPr marL="5795" marR="5795" marT="5795" marB="27814" anchor="b">
+                    <a:lnL w="12700" cap="flat" cmpd="sng" algn="ctr">
+                      <a:solidFill>
+                        <a:schemeClr val="bg1"/>
+                      </a:solidFill>
+                      <a:prstDash val="solid"/>
+                      <a:round/>
+                      <a:headEnd type="none" w="med" len="med"/>
+                      <a:tailEnd type="none" w="med" len="med"/>
+                    </a:lnL>
+                    <a:lnR w="12700" cap="flat" cmpd="sng" algn="ctr">
+                      <a:solidFill>
+                        <a:schemeClr val="bg1"/>
+                      </a:solidFill>
+                      <a:prstDash val="solid"/>
+                      <a:round/>
+                      <a:headEnd type="none" w="med" len="med"/>
+                      <a:tailEnd type="none" w="med" len="med"/>
+                    </a:lnR>
+                    <a:lnT w="12700" cap="flat" cmpd="sng" algn="ctr">
+                      <a:solidFill>
+                        <a:schemeClr val="bg1"/>
+                      </a:solidFill>
+                      <a:prstDash val="solid"/>
+                      <a:round/>
+                      <a:headEnd type="none" w="med" len="med"/>
+                      <a:tailEnd type="none" w="med" len="med"/>
+                    </a:lnT>
+                    <a:lnB w="12700" cap="flat" cmpd="sng" algn="ctr">
+                      <a:solidFill>
+                        <a:schemeClr val="bg1"/>
+                      </a:solidFill>
+                      <a:prstDash val="solid"/>
+                      <a:round/>
+                      <a:headEnd type="none" w="med" len="med"/>
+                      <a:tailEnd type="none" w="med" len="med"/>
+                    </a:lnB>
+                    <a:lnTlToBr w="12700" cmpd="sng">
+                      <a:noFill/>
+                      <a:prstDash val="solid"/>
+                    </a:lnTlToBr>
+                    <a:lnBlToTr w="12700" cmpd="sng">
+                      <a:noFill/>
+                      <a:prstDash val="solid"/>
+                    </a:lnBlToTr>
+                  </a:tcPr>
+                </a:tc>
+                <a:tc>
+                  <a:txBody>
+                    <a:bodyPr/>
+                    <a:lstStyle/>
+                    <a:p>
+                      <a:pPr algn="ctr" fontAlgn="b"/>
+                      <a:r>
+                        <a:rPr lang="pt-BR" sz="1100" u="none" strike="noStrike" dirty="0">
+                          <a:solidFill>
+                            <a:srgbClr val="F94335"/>
+                          </a:solidFill>
+                          <a:latin typeface="Bahnschrift SemiBold SemiConden" panose="020B0502040204020203" pitchFamily="34" charset="0"/>
+                        </a:rPr>
+                        <a:t>Importante</a:t>
+                      </a:r>
+                      <a:endParaRPr lang="pt-BR" sz="1100" b="0" i="0" u="none" strike="noStrike" dirty="0">
+                        <a:solidFill>
+                          <a:srgbClr val="F94335"/>
+                        </a:solidFill>
+                        <a:latin typeface="Bahnschrift SemiBold SemiConden" panose="020B0502040204020203" pitchFamily="34" charset="0"/>
+                        <a:cs typeface="Arial" pitchFamily="34" charset="0"/>
+                      </a:endParaRPr>
+                    </a:p>
+                  </a:txBody>
+                  <a:tcPr marL="5795" marR="5795" marT="5795" marB="27814" anchor="b">
+                    <a:lnL w="12700" cap="flat" cmpd="sng" algn="ctr">
+                      <a:solidFill>
+                        <a:schemeClr val="bg1"/>
+                      </a:solidFill>
+                      <a:prstDash val="solid"/>
+                      <a:round/>
+                      <a:headEnd type="none" w="med" len="med"/>
+                      <a:tailEnd type="none" w="med" len="med"/>
+                    </a:lnL>
+                    <a:lnR w="12700" cap="flat" cmpd="sng" algn="ctr">
+                      <a:solidFill>
+                        <a:schemeClr val="bg1"/>
+                      </a:solidFill>
+                      <a:prstDash val="solid"/>
+                      <a:round/>
+                      <a:headEnd type="none" w="med" len="med"/>
+                      <a:tailEnd type="none" w="med" len="med"/>
+                    </a:lnR>
+                    <a:lnT w="12700" cap="flat" cmpd="sng" algn="ctr">
+                      <a:solidFill>
+                        <a:schemeClr val="bg1"/>
+                      </a:solidFill>
+                      <a:prstDash val="solid"/>
+                      <a:round/>
+                      <a:headEnd type="none" w="med" len="med"/>
+                      <a:tailEnd type="none" w="med" len="med"/>
+                    </a:lnT>
+                    <a:lnB w="12700" cap="flat" cmpd="sng" algn="ctr">
+                      <a:solidFill>
+                        <a:schemeClr val="bg1"/>
+                      </a:solidFill>
+                      <a:prstDash val="solid"/>
+                      <a:round/>
+                      <a:headEnd type="none" w="med" len="med"/>
+                      <a:tailEnd type="none" w="med" len="med"/>
+                    </a:lnB>
+                    <a:lnTlToBr w="12700" cmpd="sng">
+                      <a:noFill/>
+                      <a:prstDash val="solid"/>
+                    </a:lnTlToBr>
+                    <a:lnBlToTr w="12700" cmpd="sng">
+                      <a:noFill/>
+                      <a:prstDash val="solid"/>
+                    </a:lnBlToTr>
+                  </a:tcPr>
+                </a:tc>
+                <a:tc>
+                  <a:txBody>
+                    <a:bodyPr/>
+                    <a:lstStyle/>
+                    <a:p>
+                      <a:pPr algn="ctr" fontAlgn="b"/>
+                      <a:r>
+                        <a:rPr lang="pt-BR" sz="1100" u="none" strike="noStrike" dirty="0">
+                          <a:solidFill>
+                            <a:srgbClr val="F94335"/>
+                          </a:solidFill>
+                          <a:latin typeface="Bahnschrift SemiBold SemiConden" panose="020B0502040204020203" pitchFamily="34" charset="0"/>
+                        </a:rPr>
+                        <a:t>5</a:t>
+                      </a:r>
+                      <a:endParaRPr lang="pt-BR" sz="1100" b="0" i="0" u="none" strike="noStrike" dirty="0">
+                        <a:solidFill>
+                          <a:srgbClr val="F94335"/>
+                        </a:solidFill>
+                        <a:latin typeface="Bahnschrift SemiBold SemiConden" panose="020B0502040204020203" pitchFamily="34" charset="0"/>
+                        <a:cs typeface="Arial" pitchFamily="34" charset="0"/>
+                      </a:endParaRPr>
+                    </a:p>
+                  </a:txBody>
+                  <a:tcPr marL="5795" marR="5795" marT="5795" marB="27814" anchor="b">
+                    <a:lnL w="12700" cap="flat" cmpd="sng" algn="ctr">
+                      <a:solidFill>
+                        <a:schemeClr val="bg1"/>
+                      </a:solidFill>
+                      <a:prstDash val="solid"/>
+                      <a:round/>
+                      <a:headEnd type="none" w="med" len="med"/>
+                      <a:tailEnd type="none" w="med" len="med"/>
+                    </a:lnL>
+                    <a:lnR w="12700" cap="flat" cmpd="sng" algn="ctr">
+                      <a:solidFill>
+                        <a:schemeClr val="bg1"/>
+                      </a:solidFill>
+                      <a:prstDash val="solid"/>
+                      <a:round/>
+                      <a:headEnd type="none" w="med" len="med"/>
+                      <a:tailEnd type="none" w="med" len="med"/>
+                    </a:lnR>
+                    <a:lnT w="12700" cap="flat" cmpd="sng" algn="ctr">
+                      <a:solidFill>
+                        <a:schemeClr val="bg1"/>
+                      </a:solidFill>
+                      <a:prstDash val="solid"/>
+                      <a:round/>
+                      <a:headEnd type="none" w="med" len="med"/>
+                      <a:tailEnd type="none" w="med" len="med"/>
+                    </a:lnT>
+                    <a:lnB w="12700" cap="flat" cmpd="sng" algn="ctr">
+                      <a:solidFill>
+                        <a:schemeClr val="bg1"/>
+                      </a:solidFill>
+                      <a:prstDash val="solid"/>
+                      <a:round/>
+                      <a:headEnd type="none" w="med" len="med"/>
+                      <a:tailEnd type="none" w="med" len="med"/>
+                    </a:lnB>
+                    <a:lnTlToBr w="12700" cmpd="sng">
+                      <a:noFill/>
+                      <a:prstDash val="solid"/>
+                    </a:lnTlToBr>
+                    <a:lnBlToTr w="12700" cmpd="sng">
+                      <a:noFill/>
+                      <a:prstDash val="solid"/>
+                    </a:lnBlToTr>
+                  </a:tcPr>
+                </a:tc>
+                <a:tc>
+                  <a:txBody>
+                    <a:bodyPr/>
+                    <a:lstStyle/>
+                    <a:p>
+                      <a:pPr algn="ctr" fontAlgn="b"/>
+                      <a:endParaRPr lang="pt-BR" sz="1100" b="0" i="0" u="none" strike="noStrike" dirty="0">
+                        <a:solidFill>
+                          <a:srgbClr val="F94335"/>
+                        </a:solidFill>
+                        <a:latin typeface="Bahnschrift SemiBold SemiConden" panose="020B0502040204020203" pitchFamily="34" charset="0"/>
+                        <a:cs typeface="Arial" pitchFamily="34" charset="0"/>
+                      </a:endParaRPr>
+                    </a:p>
+                  </a:txBody>
+                  <a:tcPr marL="5795" marR="5795" marT="5795" marB="27814" anchor="b">
+                    <a:lnL w="12700" cap="flat" cmpd="sng" algn="ctr">
+                      <a:solidFill>
+                        <a:schemeClr val="bg1"/>
+                      </a:solidFill>
+                      <a:prstDash val="solid"/>
+                      <a:round/>
+                      <a:headEnd type="none" w="med" len="med"/>
+                      <a:tailEnd type="none" w="med" len="med"/>
+                    </a:lnL>
+                    <a:lnR w="12700" cap="flat" cmpd="sng" algn="ctr">
+                      <a:solidFill>
+                        <a:schemeClr val="bg1"/>
+                      </a:solidFill>
+                      <a:prstDash val="solid"/>
+                      <a:round/>
+                      <a:headEnd type="none" w="med" len="med"/>
+                      <a:tailEnd type="none" w="med" len="med"/>
+                    </a:lnR>
+                    <a:lnT w="12700" cap="flat" cmpd="sng" algn="ctr">
+                      <a:solidFill>
+                        <a:schemeClr val="bg1"/>
+                      </a:solidFill>
+                      <a:prstDash val="solid"/>
+                      <a:round/>
+                      <a:headEnd type="none" w="med" len="med"/>
+                      <a:tailEnd type="none" w="med" len="med"/>
+                    </a:lnT>
+                    <a:lnB w="12700" cap="flat" cmpd="sng" algn="ctr">
+                      <a:solidFill>
+                        <a:schemeClr val="bg1"/>
+                      </a:solidFill>
+                      <a:prstDash val="solid"/>
+                      <a:round/>
+                      <a:headEnd type="none" w="med" len="med"/>
+                      <a:tailEnd type="none" w="med" len="med"/>
+                    </a:lnB>
+                    <a:lnTlToBr w="12700" cmpd="sng">
+                      <a:noFill/>
+                      <a:prstDash val="solid"/>
+                    </a:lnTlToBr>
+                    <a:lnBlToTr w="12700" cmpd="sng">
+                      <a:noFill/>
+                      <a:prstDash val="solid"/>
+                    </a:lnBlToTr>
+                  </a:tcPr>
+                </a:tc>
+                <a:extLst>
+                  <a:ext uri="{0D108BD9-81ED-4DB2-BD59-A6C34878D82A}">
+                    <a16:rowId xmlns:a16="http://schemas.microsoft.com/office/drawing/2014/main" val="10002"/>
+                  </a:ext>
+                </a:extLst>
+              </a:tr>
+              <a:tr h="256080">
+                <a:tc>
+                  <a:txBody>
+                    <a:bodyPr/>
+                    <a:lstStyle/>
+                    <a:p>
+                      <a:pPr algn="ctr" fontAlgn="b"/>
+                      <a:r>
+                        <a:rPr lang="pt-BR" sz="1100" u="none" strike="noStrike" dirty="0">
+                          <a:solidFill>
+                            <a:srgbClr val="F94335"/>
+                          </a:solidFill>
+                          <a:latin typeface="Bahnschrift SemiBold SemiConden" panose="020B0502040204020203" pitchFamily="34" charset="0"/>
+                        </a:rPr>
+                        <a:t>3</a:t>
+                      </a:r>
+                      <a:endParaRPr lang="pt-BR" sz="1100" b="1" i="0" u="none" strike="noStrike" dirty="0">
+                        <a:solidFill>
+                          <a:srgbClr val="F94335"/>
+                        </a:solidFill>
+                        <a:latin typeface="Bahnschrift SemiBold SemiConden" panose="020B0502040204020203" pitchFamily="34" charset="0"/>
+                        <a:cs typeface="Arial" pitchFamily="34" charset="0"/>
+                      </a:endParaRPr>
+                    </a:p>
+                  </a:txBody>
+                  <a:tcPr marL="5795" marR="5795" marT="5795" marB="27814" anchor="b">
+                    <a:lnL w="12700" cmpd="sng">
+                      <a:noFill/>
+                    </a:lnL>
+                    <a:lnR w="12700" cap="flat" cmpd="sng" algn="ctr">
+                      <a:solidFill>
+                        <a:schemeClr val="bg1"/>
+                      </a:solidFill>
+                      <a:prstDash val="solid"/>
+                      <a:round/>
+                      <a:headEnd type="none" w="med" len="med"/>
+                      <a:tailEnd type="none" w="med" len="med"/>
+                    </a:lnR>
+                    <a:lnT w="12700" cap="flat" cmpd="sng" algn="ctr">
+                      <a:solidFill>
+                        <a:schemeClr val="bg1"/>
+                      </a:solidFill>
+                      <a:prstDash val="solid"/>
+                      <a:round/>
+                      <a:headEnd type="none" w="med" len="med"/>
+                      <a:tailEnd type="none" w="med" len="med"/>
+                    </a:lnT>
+                    <a:lnB w="12700" cap="flat" cmpd="sng" algn="ctr">
+                      <a:solidFill>
+                        <a:schemeClr val="bg1"/>
+                      </a:solidFill>
+                      <a:prstDash val="solid"/>
+                      <a:round/>
+                      <a:headEnd type="none" w="med" len="med"/>
+                      <a:tailEnd type="none" w="med" len="med"/>
+                    </a:lnB>
+                    <a:lnTlToBr w="12700" cmpd="sng">
+                      <a:noFill/>
+                      <a:prstDash val="solid"/>
+                    </a:lnTlToBr>
+                    <a:lnBlToTr w="12700" cmpd="sng">
+                      <a:noFill/>
+                      <a:prstDash val="solid"/>
+                    </a:lnBlToTr>
+                  </a:tcPr>
+                </a:tc>
+                <a:tc>
+                  <a:txBody>
+                    <a:bodyPr/>
+                    <a:lstStyle/>
+                    <a:p>
+                      <a:pPr algn="ctr" fontAlgn="b"/>
+                      <a:r>
+                        <a:rPr lang="pt-BR" sz="1100" b="0" i="0" u="none" strike="noStrike" dirty="0" smtClean="0">
+                          <a:solidFill>
+                            <a:srgbClr val="F94335"/>
+                          </a:solidFill>
+                          <a:latin typeface="Bahnschrift SemiBold SemiConden" panose="020B0502040204020203" pitchFamily="34" charset="0"/>
+                          <a:cs typeface="Arial" pitchFamily="34" charset="0"/>
+                        </a:rPr>
+                        <a:t>Seja</a:t>
+                      </a:r>
+                      <a:r>
+                        <a:rPr lang="pt-BR" sz="1100" b="0" i="0" u="none" strike="noStrike" baseline="0" dirty="0" smtClean="0">
+                          <a:solidFill>
+                            <a:srgbClr val="F94335"/>
+                          </a:solidFill>
+                          <a:latin typeface="Bahnschrift SemiBold SemiConden" panose="020B0502040204020203" pitchFamily="34" charset="0"/>
+                          <a:cs typeface="Arial" pitchFamily="34" charset="0"/>
+                        </a:rPr>
+                        <a:t> pensado pra acessibilidade para todos</a:t>
+                      </a:r>
+                      <a:endParaRPr lang="pt-BR" sz="1100" b="0" i="0" u="none" strike="noStrike" dirty="0">
+                        <a:solidFill>
+                          <a:srgbClr val="F94335"/>
+                        </a:solidFill>
+                        <a:latin typeface="Bahnschrift SemiBold SemiConden" panose="020B0502040204020203" pitchFamily="34" charset="0"/>
+                        <a:cs typeface="Arial" pitchFamily="34" charset="0"/>
+                      </a:endParaRPr>
+                    </a:p>
+                  </a:txBody>
+                  <a:tcPr marL="5795" marR="5795" marT="5795" marB="27814" anchor="b">
+                    <a:lnL w="12700" cap="flat" cmpd="sng" algn="ctr">
+                      <a:solidFill>
+                        <a:schemeClr val="bg1"/>
+                      </a:solidFill>
+                      <a:prstDash val="solid"/>
+                      <a:round/>
+                      <a:headEnd type="none" w="med" len="med"/>
+                      <a:tailEnd type="none" w="med" len="med"/>
+                    </a:lnL>
+                    <a:lnR w="12700" cap="flat" cmpd="sng" algn="ctr">
+                      <a:solidFill>
+                        <a:schemeClr val="bg1"/>
+                      </a:solidFill>
+                      <a:prstDash val="solid"/>
+                      <a:round/>
+                      <a:headEnd type="none" w="med" len="med"/>
+                      <a:tailEnd type="none" w="med" len="med"/>
+                    </a:lnR>
+                    <a:lnT w="12700" cap="flat" cmpd="sng" algn="ctr">
+                      <a:solidFill>
+                        <a:schemeClr val="bg1"/>
+                      </a:solidFill>
+                      <a:prstDash val="solid"/>
+                      <a:round/>
+                      <a:headEnd type="none" w="med" len="med"/>
+                      <a:tailEnd type="none" w="med" len="med"/>
+                    </a:lnT>
+                    <a:lnB w="12700" cap="flat" cmpd="sng" algn="ctr">
+                      <a:solidFill>
+                        <a:schemeClr val="bg1"/>
+                      </a:solidFill>
+                      <a:prstDash val="solid"/>
+                      <a:round/>
+                      <a:headEnd type="none" w="med" len="med"/>
+                      <a:tailEnd type="none" w="med" len="med"/>
+                    </a:lnB>
+                    <a:lnTlToBr w="12700" cmpd="sng">
+                      <a:noFill/>
+                      <a:prstDash val="solid"/>
+                    </a:lnTlToBr>
+                    <a:lnBlToTr w="12700" cmpd="sng">
+                      <a:noFill/>
+                      <a:prstDash val="solid"/>
+                    </a:lnBlToTr>
+                  </a:tcPr>
+                </a:tc>
+                <a:tc>
+                  <a:txBody>
+                    <a:bodyPr/>
+                    <a:lstStyle/>
+                    <a:p>
+                      <a:pPr algn="ctr" fontAlgn="b"/>
+                      <a:r>
+                        <a:rPr lang="pt-BR" sz="1100" u="none" strike="noStrike" dirty="0">
+                          <a:solidFill>
+                            <a:srgbClr val="F94335"/>
+                          </a:solidFill>
+                          <a:latin typeface="Bahnschrift SemiBold SemiConden" panose="020B0502040204020203" pitchFamily="34" charset="0"/>
+                        </a:rPr>
+                        <a:t>Essencial</a:t>
+                      </a:r>
+                      <a:endParaRPr lang="pt-BR" sz="1100" b="0" i="0" u="none" strike="noStrike" dirty="0">
+                        <a:solidFill>
+                          <a:srgbClr val="F94335"/>
+                        </a:solidFill>
+                        <a:latin typeface="Bahnschrift SemiBold SemiConden" panose="020B0502040204020203" pitchFamily="34" charset="0"/>
+                        <a:cs typeface="Arial" pitchFamily="34" charset="0"/>
+                      </a:endParaRPr>
+                    </a:p>
+                  </a:txBody>
+                  <a:tcPr marL="5795" marR="5795" marT="5795" marB="27814" anchor="b">
+                    <a:lnL w="12700" cap="flat" cmpd="sng" algn="ctr">
+                      <a:solidFill>
+                        <a:schemeClr val="bg1"/>
+                      </a:solidFill>
+                      <a:prstDash val="solid"/>
+                      <a:round/>
+                      <a:headEnd type="none" w="med" len="med"/>
+                      <a:tailEnd type="none" w="med" len="med"/>
+                    </a:lnL>
+                    <a:lnR w="12700" cap="flat" cmpd="sng" algn="ctr">
+                      <a:solidFill>
+                        <a:schemeClr val="bg1"/>
+                      </a:solidFill>
+                      <a:prstDash val="solid"/>
+                      <a:round/>
+                      <a:headEnd type="none" w="med" len="med"/>
+                      <a:tailEnd type="none" w="med" len="med"/>
+                    </a:lnR>
+                    <a:lnT w="12700" cap="flat" cmpd="sng" algn="ctr">
+                      <a:solidFill>
+                        <a:schemeClr val="bg1"/>
+                      </a:solidFill>
+                      <a:prstDash val="solid"/>
+                      <a:round/>
+                      <a:headEnd type="none" w="med" len="med"/>
+                      <a:tailEnd type="none" w="med" len="med"/>
+                    </a:lnT>
+                    <a:lnB w="12700" cap="flat" cmpd="sng" algn="ctr">
+                      <a:solidFill>
+                        <a:schemeClr val="bg1"/>
+                      </a:solidFill>
+                      <a:prstDash val="solid"/>
+                      <a:round/>
+                      <a:headEnd type="none" w="med" len="med"/>
+                      <a:tailEnd type="none" w="med" len="med"/>
+                    </a:lnB>
+                    <a:lnTlToBr w="12700" cmpd="sng">
+                      <a:noFill/>
+                      <a:prstDash val="solid"/>
+                    </a:lnTlToBr>
+                    <a:lnBlToTr w="12700" cmpd="sng">
+                      <a:noFill/>
+                      <a:prstDash val="solid"/>
+                    </a:lnBlToTr>
+                  </a:tcPr>
+                </a:tc>
+                <a:tc>
+                  <a:txBody>
+                    <a:bodyPr/>
+                    <a:lstStyle/>
+                    <a:p>
+                      <a:pPr algn="ctr" fontAlgn="b"/>
+                      <a:r>
+                        <a:rPr lang="pt-BR" sz="1100" u="none" strike="noStrike" dirty="0">
+                          <a:solidFill>
+                            <a:srgbClr val="F94335"/>
+                          </a:solidFill>
+                          <a:latin typeface="Bahnschrift SemiBold SemiConden" panose="020B0502040204020203" pitchFamily="34" charset="0"/>
+                        </a:rPr>
+                        <a:t>5</a:t>
+                      </a:r>
+                      <a:endParaRPr lang="pt-BR" sz="1100" b="0" i="0" u="none" strike="noStrike" dirty="0">
+                        <a:solidFill>
+                          <a:srgbClr val="F94335"/>
+                        </a:solidFill>
+                        <a:latin typeface="Bahnschrift SemiBold SemiConden" panose="020B0502040204020203" pitchFamily="34" charset="0"/>
+                        <a:cs typeface="Arial" pitchFamily="34" charset="0"/>
+                      </a:endParaRPr>
+                    </a:p>
+                  </a:txBody>
+                  <a:tcPr marL="5795" marR="5795" marT="5795" marB="27814" anchor="b">
+                    <a:lnL w="12700" cap="flat" cmpd="sng" algn="ctr">
+                      <a:solidFill>
+                        <a:schemeClr val="bg1"/>
+                      </a:solidFill>
+                      <a:prstDash val="solid"/>
+                      <a:round/>
+                      <a:headEnd type="none" w="med" len="med"/>
+                      <a:tailEnd type="none" w="med" len="med"/>
+                    </a:lnL>
+                    <a:lnR w="12700" cap="flat" cmpd="sng" algn="ctr">
+                      <a:solidFill>
+                        <a:schemeClr val="bg1"/>
+                      </a:solidFill>
+                      <a:prstDash val="solid"/>
+                      <a:round/>
+                      <a:headEnd type="none" w="med" len="med"/>
+                      <a:tailEnd type="none" w="med" len="med"/>
+                    </a:lnR>
+                    <a:lnT w="12700" cap="flat" cmpd="sng" algn="ctr">
+                      <a:solidFill>
+                        <a:schemeClr val="bg1"/>
+                      </a:solidFill>
+                      <a:prstDash val="solid"/>
+                      <a:round/>
+                      <a:headEnd type="none" w="med" len="med"/>
+                      <a:tailEnd type="none" w="med" len="med"/>
+                    </a:lnT>
+                    <a:lnB w="12700" cap="flat" cmpd="sng" algn="ctr">
+                      <a:solidFill>
+                        <a:schemeClr val="bg1"/>
+                      </a:solidFill>
+                      <a:prstDash val="solid"/>
+                      <a:round/>
+                      <a:headEnd type="none" w="med" len="med"/>
+                      <a:tailEnd type="none" w="med" len="med"/>
+                    </a:lnB>
+                    <a:lnTlToBr w="12700" cmpd="sng">
+                      <a:noFill/>
+                      <a:prstDash val="solid"/>
+                    </a:lnTlToBr>
+                    <a:lnBlToTr w="12700" cmpd="sng">
+                      <a:noFill/>
+                      <a:prstDash val="solid"/>
+                    </a:lnBlToTr>
+                  </a:tcPr>
+                </a:tc>
+                <a:tc>
+                  <a:txBody>
+                    <a:bodyPr/>
+                    <a:lstStyle/>
+                    <a:p>
+                      <a:pPr algn="ctr" fontAlgn="b"/>
+                      <a:endParaRPr lang="pt-BR" sz="1100" b="0" i="0" u="none" strike="noStrike" dirty="0">
+                        <a:solidFill>
+                          <a:srgbClr val="F94335"/>
+                        </a:solidFill>
+                        <a:latin typeface="Bahnschrift SemiBold SemiConden" panose="020B0502040204020203" pitchFamily="34" charset="0"/>
+                        <a:cs typeface="Arial" pitchFamily="34" charset="0"/>
+                      </a:endParaRPr>
+                    </a:p>
+                  </a:txBody>
+                  <a:tcPr marL="5795" marR="5795" marT="5795" marB="27814" anchor="b">
+                    <a:lnL w="12700" cap="flat" cmpd="sng" algn="ctr">
+                      <a:solidFill>
+                        <a:schemeClr val="bg1"/>
+                      </a:solidFill>
+                      <a:prstDash val="solid"/>
+                      <a:round/>
+                      <a:headEnd type="none" w="med" len="med"/>
+                      <a:tailEnd type="none" w="med" len="med"/>
+                    </a:lnL>
+                    <a:lnR w="12700" cap="flat" cmpd="sng" algn="ctr">
+                      <a:solidFill>
+                        <a:schemeClr val="bg1"/>
+                      </a:solidFill>
+                      <a:prstDash val="solid"/>
+                      <a:round/>
+                      <a:headEnd type="none" w="med" len="med"/>
+                      <a:tailEnd type="none" w="med" len="med"/>
+                    </a:lnR>
+                    <a:lnT w="12700" cap="flat" cmpd="sng" algn="ctr">
+                      <a:solidFill>
+                        <a:schemeClr val="bg1"/>
+                      </a:solidFill>
+                      <a:prstDash val="solid"/>
+                      <a:round/>
+                      <a:headEnd type="none" w="med" len="med"/>
+                      <a:tailEnd type="none" w="med" len="med"/>
+                    </a:lnT>
+                    <a:lnB w="12700" cap="flat" cmpd="sng" algn="ctr">
+                      <a:solidFill>
+                        <a:schemeClr val="bg1"/>
+                      </a:solidFill>
+                      <a:prstDash val="solid"/>
+                      <a:round/>
+                      <a:headEnd type="none" w="med" len="med"/>
+                      <a:tailEnd type="none" w="med" len="med"/>
+                    </a:lnB>
+                    <a:lnTlToBr w="12700" cmpd="sng">
+                      <a:noFill/>
+                      <a:prstDash val="solid"/>
+                    </a:lnTlToBr>
+                    <a:lnBlToTr w="12700" cmpd="sng">
+                      <a:noFill/>
+                      <a:prstDash val="solid"/>
+                    </a:lnBlToTr>
+                  </a:tcPr>
+                </a:tc>
+                <a:extLst>
+                  <a:ext uri="{0D108BD9-81ED-4DB2-BD59-A6C34878D82A}">
+                    <a16:rowId xmlns:a16="http://schemas.microsoft.com/office/drawing/2014/main" val="10003"/>
+                  </a:ext>
+                </a:extLst>
+              </a:tr>
+              <a:tr h="256080">
+                <a:tc>
+                  <a:txBody>
+                    <a:bodyPr/>
+                    <a:lstStyle/>
+                    <a:p>
+                      <a:pPr algn="ctr" fontAlgn="b"/>
+                      <a:r>
+                        <a:rPr lang="pt-BR" sz="1100" u="none" strike="noStrike" dirty="0">
+                          <a:solidFill>
+                            <a:srgbClr val="F94335"/>
+                          </a:solidFill>
+                          <a:latin typeface="Bahnschrift SemiBold SemiConden" panose="020B0502040204020203" pitchFamily="34" charset="0"/>
+                        </a:rPr>
+                        <a:t>4</a:t>
+                      </a:r>
+                      <a:endParaRPr lang="pt-BR" sz="1100" b="1" i="0" u="none" strike="noStrike" dirty="0">
+                        <a:solidFill>
+                          <a:srgbClr val="F94335"/>
+                        </a:solidFill>
+                        <a:latin typeface="Bahnschrift SemiBold SemiConden" panose="020B0502040204020203" pitchFamily="34" charset="0"/>
+                        <a:cs typeface="Arial" pitchFamily="34" charset="0"/>
+                      </a:endParaRPr>
+                    </a:p>
+                  </a:txBody>
+                  <a:tcPr marL="5795" marR="5795" marT="5795" marB="27814" anchor="b">
+                    <a:lnL w="12700" cmpd="sng">
+                      <a:noFill/>
+                    </a:lnL>
+                    <a:lnR w="12700" cap="flat" cmpd="sng" algn="ctr">
+                      <a:solidFill>
+                        <a:schemeClr val="bg1"/>
+                      </a:solidFill>
+                      <a:prstDash val="solid"/>
+                      <a:round/>
+                      <a:headEnd type="none" w="med" len="med"/>
+                      <a:tailEnd type="none" w="med" len="med"/>
+                    </a:lnR>
+                    <a:lnT w="12700" cap="flat" cmpd="sng" algn="ctr">
+                      <a:solidFill>
+                        <a:schemeClr val="bg1"/>
+                      </a:solidFill>
+                      <a:prstDash val="solid"/>
+                      <a:round/>
+                      <a:headEnd type="none" w="med" len="med"/>
+                      <a:tailEnd type="none" w="med" len="med"/>
+                    </a:lnT>
+                    <a:lnB w="12700" cap="flat" cmpd="sng" algn="ctr">
+                      <a:solidFill>
+                        <a:schemeClr val="bg1"/>
+                      </a:solidFill>
+                      <a:prstDash val="solid"/>
+                      <a:round/>
+                      <a:headEnd type="none" w="med" len="med"/>
+                      <a:tailEnd type="none" w="med" len="med"/>
+                    </a:lnB>
+                    <a:lnTlToBr w="12700" cmpd="sng">
+                      <a:noFill/>
+                      <a:prstDash val="solid"/>
+                    </a:lnTlToBr>
+                    <a:lnBlToTr w="12700" cmpd="sng">
+                      <a:noFill/>
+                      <a:prstDash val="solid"/>
+                    </a:lnBlToTr>
+                  </a:tcPr>
+                </a:tc>
+                <a:tc>
+                  <a:txBody>
+                    <a:bodyPr/>
+                    <a:lstStyle/>
+                    <a:p>
+                      <a:pPr marL="0" marR="0" lvl="0" indent="0" algn="ctr" defTabSz="914400" rtl="0" eaLnBrk="1" fontAlgn="b" latinLnBrk="0" hangingPunct="1">
+                        <a:lnSpc>
+                          <a:spcPct val="100000"/>
+                        </a:lnSpc>
+                        <a:spcBef>
+                          <a:spcPts val="0"/>
+                        </a:spcBef>
+                        <a:spcAft>
+                          <a:spcPts val="0"/>
+                        </a:spcAft>
+                        <a:buClrTx/>
+                        <a:buSzTx/>
+                        <a:buFontTx/>
+                        <a:buNone/>
+                        <a:tabLst/>
+                        <a:defRPr/>
+                      </a:pPr>
+                      <a:r>
+                        <a:rPr lang="pt-BR" sz="1100" u="none" strike="noStrike" dirty="0">
+                          <a:solidFill>
+                            <a:srgbClr val="F94335"/>
+                          </a:solidFill>
+                          <a:latin typeface="Bahnschrift SemiBold SemiConden" panose="020B0502040204020203" pitchFamily="34" charset="0"/>
+                        </a:rPr>
+                        <a:t>Ter um banco de dados</a:t>
+                      </a:r>
+                      <a:endParaRPr lang="pt-BR" sz="1100" b="0" i="0" u="none" strike="noStrike" dirty="0">
+                        <a:solidFill>
+                          <a:srgbClr val="F94335"/>
+                        </a:solidFill>
+                        <a:latin typeface="Bahnschrift SemiBold SemiConden" panose="020B0502040204020203" pitchFamily="34" charset="0"/>
+                        <a:cs typeface="Arial" pitchFamily="34" charset="0"/>
+                      </a:endParaRPr>
+                    </a:p>
+                  </a:txBody>
+                  <a:tcPr marL="5795" marR="5795" marT="5795" marB="27814" anchor="b">
+                    <a:lnL w="12700" cap="flat" cmpd="sng" algn="ctr">
+                      <a:solidFill>
+                        <a:schemeClr val="bg1"/>
+                      </a:solidFill>
+                      <a:prstDash val="solid"/>
+                      <a:round/>
+                      <a:headEnd type="none" w="med" len="med"/>
+                      <a:tailEnd type="none" w="med" len="med"/>
+                    </a:lnL>
+                    <a:lnR w="12700" cap="flat" cmpd="sng" algn="ctr">
+                      <a:solidFill>
+                        <a:schemeClr val="bg1"/>
+                      </a:solidFill>
+                      <a:prstDash val="solid"/>
+                      <a:round/>
+                      <a:headEnd type="none" w="med" len="med"/>
+                      <a:tailEnd type="none" w="med" len="med"/>
+                    </a:lnR>
+                    <a:lnT w="12700" cap="flat" cmpd="sng" algn="ctr">
+                      <a:solidFill>
+                        <a:schemeClr val="bg1"/>
+                      </a:solidFill>
+                      <a:prstDash val="solid"/>
+                      <a:round/>
+                      <a:headEnd type="none" w="med" len="med"/>
+                      <a:tailEnd type="none" w="med" len="med"/>
+                    </a:lnT>
+                    <a:lnB w="12700" cap="flat" cmpd="sng" algn="ctr">
+                      <a:solidFill>
+                        <a:schemeClr val="bg1"/>
+                      </a:solidFill>
+                      <a:prstDash val="solid"/>
+                      <a:round/>
+                      <a:headEnd type="none" w="med" len="med"/>
+                      <a:tailEnd type="none" w="med" len="med"/>
+                    </a:lnB>
+                    <a:lnTlToBr w="12700" cmpd="sng">
+                      <a:noFill/>
+                      <a:prstDash val="solid"/>
+                    </a:lnTlToBr>
+                    <a:lnBlToTr w="12700" cmpd="sng">
+                      <a:noFill/>
+                      <a:prstDash val="solid"/>
+                    </a:lnBlToTr>
+                  </a:tcPr>
+                </a:tc>
+                <a:tc>
+                  <a:txBody>
+                    <a:bodyPr/>
+                    <a:lstStyle/>
+                    <a:p>
+                      <a:pPr algn="ctr" fontAlgn="b"/>
+                      <a:r>
+                        <a:rPr lang="pt-BR" sz="1100" u="none" strike="noStrike" dirty="0">
+                          <a:solidFill>
+                            <a:srgbClr val="F94335"/>
+                          </a:solidFill>
+                          <a:latin typeface="Bahnschrift SemiBold SemiConden" panose="020B0502040204020203" pitchFamily="34" charset="0"/>
+                        </a:rPr>
+                        <a:t>Essencial</a:t>
+                      </a:r>
+                      <a:endParaRPr lang="pt-BR" sz="1100" b="0" i="0" u="none" strike="noStrike" dirty="0">
+                        <a:solidFill>
+                          <a:srgbClr val="F94335"/>
+                        </a:solidFill>
+                        <a:latin typeface="Bahnschrift SemiBold SemiConden" panose="020B0502040204020203" pitchFamily="34" charset="0"/>
+                        <a:cs typeface="Arial" pitchFamily="34" charset="0"/>
+                      </a:endParaRPr>
+                    </a:p>
+                  </a:txBody>
+                  <a:tcPr marL="5795" marR="5795" marT="5795" marB="27814" anchor="b">
+                    <a:lnL w="12700" cap="flat" cmpd="sng" algn="ctr">
+                      <a:solidFill>
+                        <a:schemeClr val="bg1"/>
+                      </a:solidFill>
+                      <a:prstDash val="solid"/>
+                      <a:round/>
+                      <a:headEnd type="none" w="med" len="med"/>
+                      <a:tailEnd type="none" w="med" len="med"/>
+                    </a:lnL>
+                    <a:lnR w="12700" cap="flat" cmpd="sng" algn="ctr">
+                      <a:solidFill>
+                        <a:schemeClr val="bg1"/>
+                      </a:solidFill>
+                      <a:prstDash val="solid"/>
+                      <a:round/>
+                      <a:headEnd type="none" w="med" len="med"/>
+                      <a:tailEnd type="none" w="med" len="med"/>
+                    </a:lnR>
+                    <a:lnT w="12700" cap="flat" cmpd="sng" algn="ctr">
+                      <a:solidFill>
+                        <a:schemeClr val="bg1"/>
+                      </a:solidFill>
+                      <a:prstDash val="solid"/>
+                      <a:round/>
+                      <a:headEnd type="none" w="med" len="med"/>
+                      <a:tailEnd type="none" w="med" len="med"/>
+                    </a:lnT>
+                    <a:lnB w="12700" cap="flat" cmpd="sng" algn="ctr">
+                      <a:solidFill>
+                        <a:schemeClr val="bg1"/>
+                      </a:solidFill>
+                      <a:prstDash val="solid"/>
+                      <a:round/>
+                      <a:headEnd type="none" w="med" len="med"/>
+                      <a:tailEnd type="none" w="med" len="med"/>
+                    </a:lnB>
+                    <a:lnTlToBr w="12700" cmpd="sng">
+                      <a:noFill/>
+                      <a:prstDash val="solid"/>
+                    </a:lnTlToBr>
+                    <a:lnBlToTr w="12700" cmpd="sng">
+                      <a:noFill/>
+                      <a:prstDash val="solid"/>
+                    </a:lnBlToTr>
+                  </a:tcPr>
+                </a:tc>
+                <a:tc>
+                  <a:txBody>
+                    <a:bodyPr/>
+                    <a:lstStyle/>
+                    <a:p>
+                      <a:pPr algn="ctr" fontAlgn="b"/>
+                      <a:r>
+                        <a:rPr lang="pt-BR" sz="1100" u="none" strike="noStrike" dirty="0">
+                          <a:solidFill>
+                            <a:srgbClr val="F94335"/>
+                          </a:solidFill>
+                          <a:latin typeface="Bahnschrift SemiBold SemiConden" panose="020B0502040204020203" pitchFamily="34" charset="0"/>
+                        </a:rPr>
+                        <a:t>5</a:t>
+                      </a:r>
+                      <a:endParaRPr lang="pt-BR" sz="1100" b="0" i="0" u="none" strike="noStrike" dirty="0">
+                        <a:solidFill>
+                          <a:srgbClr val="F94335"/>
+                        </a:solidFill>
+                        <a:latin typeface="Bahnschrift SemiBold SemiConden" panose="020B0502040204020203" pitchFamily="34" charset="0"/>
+                        <a:cs typeface="Arial" pitchFamily="34" charset="0"/>
+                      </a:endParaRPr>
+                    </a:p>
+                  </a:txBody>
+                  <a:tcPr marL="5795" marR="5795" marT="5795" marB="27814" anchor="b">
+                    <a:lnL w="12700" cap="flat" cmpd="sng" algn="ctr">
+                      <a:solidFill>
+                        <a:schemeClr val="bg1"/>
+                      </a:solidFill>
+                      <a:prstDash val="solid"/>
+                      <a:round/>
+                      <a:headEnd type="none" w="med" len="med"/>
+                      <a:tailEnd type="none" w="med" len="med"/>
+                    </a:lnL>
+                    <a:lnR w="12700" cap="flat" cmpd="sng" algn="ctr">
+                      <a:solidFill>
+                        <a:schemeClr val="bg1"/>
+                      </a:solidFill>
+                      <a:prstDash val="solid"/>
+                      <a:round/>
+                      <a:headEnd type="none" w="med" len="med"/>
+                      <a:tailEnd type="none" w="med" len="med"/>
+                    </a:lnR>
+                    <a:lnT w="12700" cap="flat" cmpd="sng" algn="ctr">
+                      <a:solidFill>
+                        <a:schemeClr val="bg1"/>
+                      </a:solidFill>
+                      <a:prstDash val="solid"/>
+                      <a:round/>
+                      <a:headEnd type="none" w="med" len="med"/>
+                      <a:tailEnd type="none" w="med" len="med"/>
+                    </a:lnT>
+                    <a:lnB w="12700" cap="flat" cmpd="sng" algn="ctr">
+                      <a:solidFill>
+                        <a:schemeClr val="bg1"/>
+                      </a:solidFill>
+                      <a:prstDash val="solid"/>
+                      <a:round/>
+                      <a:headEnd type="none" w="med" len="med"/>
+                      <a:tailEnd type="none" w="med" len="med"/>
+                    </a:lnB>
+                    <a:lnTlToBr w="12700" cmpd="sng">
+                      <a:noFill/>
+                      <a:prstDash val="solid"/>
+                    </a:lnTlToBr>
+                    <a:lnBlToTr w="12700" cmpd="sng">
+                      <a:noFill/>
+                      <a:prstDash val="solid"/>
+                    </a:lnBlToTr>
+                  </a:tcPr>
+                </a:tc>
+                <a:tc>
+                  <a:txBody>
+                    <a:bodyPr/>
+                    <a:lstStyle/>
+                    <a:p>
+                      <a:pPr algn="ctr" fontAlgn="b"/>
+                      <a:endParaRPr lang="pt-BR" sz="1100" b="0" i="0" u="none" strike="noStrike" dirty="0">
+                        <a:solidFill>
+                          <a:srgbClr val="F94335"/>
+                        </a:solidFill>
+                        <a:latin typeface="Bahnschrift SemiBold SemiConden" panose="020B0502040204020203" pitchFamily="34" charset="0"/>
+                        <a:cs typeface="Arial" pitchFamily="34" charset="0"/>
+                      </a:endParaRPr>
+                    </a:p>
+                  </a:txBody>
+                  <a:tcPr marL="5795" marR="5795" marT="5795" marB="27814" anchor="b">
+                    <a:lnL w="12700" cap="flat" cmpd="sng" algn="ctr">
+                      <a:solidFill>
+                        <a:schemeClr val="bg1"/>
+                      </a:solidFill>
+                      <a:prstDash val="solid"/>
+                      <a:round/>
+                      <a:headEnd type="none" w="med" len="med"/>
+                      <a:tailEnd type="none" w="med" len="med"/>
+                    </a:lnL>
+                    <a:lnR w="12700" cap="flat" cmpd="sng" algn="ctr">
+                      <a:solidFill>
+                        <a:schemeClr val="bg1"/>
+                      </a:solidFill>
+                      <a:prstDash val="solid"/>
+                      <a:round/>
+                      <a:headEnd type="none" w="med" len="med"/>
+                      <a:tailEnd type="none" w="med" len="med"/>
+                    </a:lnR>
+                    <a:lnT w="12700" cap="flat" cmpd="sng" algn="ctr">
+                      <a:solidFill>
+                        <a:schemeClr val="bg1"/>
+                      </a:solidFill>
+                      <a:prstDash val="solid"/>
+                      <a:round/>
+                      <a:headEnd type="none" w="med" len="med"/>
+                      <a:tailEnd type="none" w="med" len="med"/>
+                    </a:lnT>
+                    <a:lnB w="12700" cap="flat" cmpd="sng" algn="ctr">
+                      <a:solidFill>
+                        <a:schemeClr val="bg1"/>
+                      </a:solidFill>
+                      <a:prstDash val="solid"/>
+                      <a:round/>
+                      <a:headEnd type="none" w="med" len="med"/>
+                      <a:tailEnd type="none" w="med" len="med"/>
+                    </a:lnB>
+                    <a:lnTlToBr w="12700" cmpd="sng">
+                      <a:noFill/>
+                      <a:prstDash val="solid"/>
+                    </a:lnTlToBr>
+                    <a:lnBlToTr w="12700" cmpd="sng">
+                      <a:noFill/>
+                      <a:prstDash val="solid"/>
+                    </a:lnBlToTr>
+                  </a:tcPr>
+                </a:tc>
+                <a:extLst>
+                  <a:ext uri="{0D108BD9-81ED-4DB2-BD59-A6C34878D82A}">
+                    <a16:rowId xmlns:a16="http://schemas.microsoft.com/office/drawing/2014/main" val="10004"/>
+                  </a:ext>
+                </a:extLst>
+              </a:tr>
+              <a:tr h="256080">
+                <a:tc>
+                  <a:txBody>
+                    <a:bodyPr/>
+                    <a:lstStyle/>
+                    <a:p>
+                      <a:pPr algn="ctr" fontAlgn="b"/>
+                      <a:r>
+                        <a:rPr lang="pt-BR" sz="1100" u="none" strike="noStrike" dirty="0">
+                          <a:solidFill>
+                            <a:srgbClr val="F94335"/>
+                          </a:solidFill>
+                          <a:latin typeface="Bahnschrift SemiBold SemiConden" panose="020B0502040204020203" pitchFamily="34" charset="0"/>
+                        </a:rPr>
+                        <a:t>5</a:t>
+                      </a:r>
+                      <a:endParaRPr lang="pt-BR" sz="1100" b="1" i="0" u="none" strike="noStrike" dirty="0">
+                        <a:solidFill>
+                          <a:srgbClr val="F94335"/>
+                        </a:solidFill>
+                        <a:latin typeface="Bahnschrift SemiBold SemiConden" panose="020B0502040204020203" pitchFamily="34" charset="0"/>
+                        <a:cs typeface="Arial" pitchFamily="34" charset="0"/>
+                      </a:endParaRPr>
+                    </a:p>
+                  </a:txBody>
+                  <a:tcPr marL="5795" marR="5795" marT="5795" marB="27814" anchor="b">
+                    <a:lnL w="12700" cmpd="sng">
+                      <a:noFill/>
+                    </a:lnL>
+                    <a:lnR w="12700" cap="flat" cmpd="sng" algn="ctr">
+                      <a:solidFill>
+                        <a:schemeClr val="bg1"/>
+                      </a:solidFill>
+                      <a:prstDash val="solid"/>
+                      <a:round/>
+                      <a:headEnd type="none" w="med" len="med"/>
+                      <a:tailEnd type="none" w="med" len="med"/>
+                    </a:lnR>
+                    <a:lnT w="12700" cap="flat" cmpd="sng" algn="ctr">
+                      <a:solidFill>
+                        <a:schemeClr val="bg1"/>
+                      </a:solidFill>
+                      <a:prstDash val="solid"/>
+                      <a:round/>
+                      <a:headEnd type="none" w="med" len="med"/>
+                      <a:tailEnd type="none" w="med" len="med"/>
+                    </a:lnT>
+                    <a:lnB w="12700" cap="flat" cmpd="sng" algn="ctr">
+                      <a:solidFill>
+                        <a:schemeClr val="bg1"/>
+                      </a:solidFill>
+                      <a:prstDash val="solid"/>
+                      <a:round/>
+                      <a:headEnd type="none" w="med" len="med"/>
+                      <a:tailEnd type="none" w="med" len="med"/>
+                    </a:lnB>
+                    <a:lnTlToBr w="12700" cmpd="sng">
+                      <a:noFill/>
+                      <a:prstDash val="solid"/>
+                    </a:lnTlToBr>
+                    <a:lnBlToTr w="12700" cmpd="sng">
+                      <a:noFill/>
+                      <a:prstDash val="solid"/>
+                    </a:lnBlToTr>
+                  </a:tcPr>
+                </a:tc>
+                <a:tc>
+                  <a:txBody>
+                    <a:bodyPr/>
+                    <a:lstStyle/>
+                    <a:p>
+                      <a:pPr algn="ctr" fontAlgn="b"/>
+                      <a:r>
+                        <a:rPr lang="pt-BR" sz="1100" u="none" strike="noStrike" dirty="0">
+                          <a:solidFill>
+                            <a:srgbClr val="F94335"/>
+                          </a:solidFill>
+                          <a:latin typeface="Bahnschrift SemiBold SemiConden" panose="020B0502040204020203" pitchFamily="34" charset="0"/>
+                        </a:rPr>
+                        <a:t>Validação dos dados de cadastrados</a:t>
+                      </a:r>
+                      <a:endParaRPr lang="pt-BR" sz="1100" b="0" i="0" u="none" strike="noStrike" dirty="0">
+                        <a:solidFill>
+                          <a:srgbClr val="F94335"/>
+                        </a:solidFill>
+                        <a:latin typeface="Bahnschrift SemiBold SemiConden" panose="020B0502040204020203" pitchFamily="34" charset="0"/>
+                        <a:cs typeface="Arial" pitchFamily="34" charset="0"/>
+                      </a:endParaRPr>
+                    </a:p>
+                  </a:txBody>
+                  <a:tcPr marL="5795" marR="5795" marT="5795" marB="27814" anchor="b">
+                    <a:lnL w="12700" cap="flat" cmpd="sng" algn="ctr">
+                      <a:solidFill>
+                        <a:schemeClr val="bg1"/>
+                      </a:solidFill>
+                      <a:prstDash val="solid"/>
+                      <a:round/>
+                      <a:headEnd type="none" w="med" len="med"/>
+                      <a:tailEnd type="none" w="med" len="med"/>
+                    </a:lnL>
+                    <a:lnR w="12700" cap="flat" cmpd="sng" algn="ctr">
+                      <a:solidFill>
+                        <a:schemeClr val="bg1"/>
+                      </a:solidFill>
+                      <a:prstDash val="solid"/>
+                      <a:round/>
+                      <a:headEnd type="none" w="med" len="med"/>
+                      <a:tailEnd type="none" w="med" len="med"/>
+                    </a:lnR>
+                    <a:lnT w="12700" cap="flat" cmpd="sng" algn="ctr">
+                      <a:solidFill>
+                        <a:schemeClr val="bg1"/>
+                      </a:solidFill>
+                      <a:prstDash val="solid"/>
+                      <a:round/>
+                      <a:headEnd type="none" w="med" len="med"/>
+                      <a:tailEnd type="none" w="med" len="med"/>
+                    </a:lnT>
+                    <a:lnB w="12700" cap="flat" cmpd="sng" algn="ctr">
+                      <a:solidFill>
+                        <a:schemeClr val="bg1"/>
+                      </a:solidFill>
+                      <a:prstDash val="solid"/>
+                      <a:round/>
+                      <a:headEnd type="none" w="med" len="med"/>
+                      <a:tailEnd type="none" w="med" len="med"/>
+                    </a:lnB>
+                    <a:lnTlToBr w="12700" cmpd="sng">
+                      <a:noFill/>
+                      <a:prstDash val="solid"/>
+                    </a:lnTlToBr>
+                    <a:lnBlToTr w="12700" cmpd="sng">
+                      <a:noFill/>
+                      <a:prstDash val="solid"/>
+                    </a:lnBlToTr>
+                  </a:tcPr>
+                </a:tc>
+                <a:tc>
+                  <a:txBody>
+                    <a:bodyPr/>
+                    <a:lstStyle/>
+                    <a:p>
+                      <a:pPr algn="ctr" fontAlgn="b"/>
+                      <a:r>
+                        <a:rPr lang="pt-BR" sz="1100" u="none" strike="noStrike" dirty="0">
+                          <a:solidFill>
+                            <a:srgbClr val="F94335"/>
+                          </a:solidFill>
+                          <a:latin typeface="Bahnschrift SemiBold SemiConden" panose="020B0502040204020203" pitchFamily="34" charset="0"/>
+                        </a:rPr>
+                        <a:t>Importante</a:t>
+                      </a:r>
+                      <a:endParaRPr lang="pt-BR" sz="1100" b="0" i="0" u="none" strike="noStrike" dirty="0">
+                        <a:solidFill>
+                          <a:srgbClr val="F94335"/>
+                        </a:solidFill>
+                        <a:latin typeface="Bahnschrift SemiBold SemiConden" panose="020B0502040204020203" pitchFamily="34" charset="0"/>
+                        <a:cs typeface="Arial" pitchFamily="34" charset="0"/>
+                      </a:endParaRPr>
+                    </a:p>
+                  </a:txBody>
+                  <a:tcPr marL="5795" marR="5795" marT="5795" marB="27814" anchor="b">
+                    <a:lnL w="12700" cap="flat" cmpd="sng" algn="ctr">
+                      <a:solidFill>
+                        <a:schemeClr val="bg1"/>
+                      </a:solidFill>
+                      <a:prstDash val="solid"/>
+                      <a:round/>
+                      <a:headEnd type="none" w="med" len="med"/>
+                      <a:tailEnd type="none" w="med" len="med"/>
+                    </a:lnL>
+                    <a:lnR w="12700" cap="flat" cmpd="sng" algn="ctr">
+                      <a:solidFill>
+                        <a:schemeClr val="bg1"/>
+                      </a:solidFill>
+                      <a:prstDash val="solid"/>
+                      <a:round/>
+                      <a:headEnd type="none" w="med" len="med"/>
+                      <a:tailEnd type="none" w="med" len="med"/>
+                    </a:lnR>
+                    <a:lnT w="12700" cap="flat" cmpd="sng" algn="ctr">
+                      <a:solidFill>
+                        <a:schemeClr val="bg1"/>
+                      </a:solidFill>
+                      <a:prstDash val="solid"/>
+                      <a:round/>
+                      <a:headEnd type="none" w="med" len="med"/>
+                      <a:tailEnd type="none" w="med" len="med"/>
+                    </a:lnT>
+                    <a:lnB w="12700" cap="flat" cmpd="sng" algn="ctr">
+                      <a:solidFill>
+                        <a:schemeClr val="bg1"/>
+                      </a:solidFill>
+                      <a:prstDash val="solid"/>
+                      <a:round/>
+                      <a:headEnd type="none" w="med" len="med"/>
+                      <a:tailEnd type="none" w="med" len="med"/>
+                    </a:lnB>
+                    <a:lnTlToBr w="12700" cmpd="sng">
+                      <a:noFill/>
+                      <a:prstDash val="solid"/>
+                    </a:lnTlToBr>
+                    <a:lnBlToTr w="12700" cmpd="sng">
+                      <a:noFill/>
+                      <a:prstDash val="solid"/>
+                    </a:lnBlToTr>
+                  </a:tcPr>
+                </a:tc>
+                <a:tc>
+                  <a:txBody>
+                    <a:bodyPr/>
+                    <a:lstStyle/>
+                    <a:p>
+                      <a:pPr algn="ctr" fontAlgn="b"/>
+                      <a:r>
+                        <a:rPr lang="pt-BR" sz="1100" b="0" i="0" u="none" strike="noStrike" dirty="0">
+                          <a:solidFill>
+                            <a:srgbClr val="F94335"/>
+                          </a:solidFill>
+                          <a:latin typeface="Bahnschrift SemiBold SemiConden" panose="020B0502040204020203" pitchFamily="34" charset="0"/>
+                          <a:cs typeface="Arial" pitchFamily="34" charset="0"/>
+                        </a:rPr>
+                        <a:t>13</a:t>
+                      </a:r>
+                    </a:p>
+                  </a:txBody>
+                  <a:tcPr marL="5795" marR="5795" marT="5795" marB="27814" anchor="b">
+                    <a:lnL w="12700" cap="flat" cmpd="sng" algn="ctr">
+                      <a:solidFill>
+                        <a:schemeClr val="bg1"/>
+                      </a:solidFill>
+                      <a:prstDash val="solid"/>
+                      <a:round/>
+                      <a:headEnd type="none" w="med" len="med"/>
+                      <a:tailEnd type="none" w="med" len="med"/>
+                    </a:lnL>
+                    <a:lnR w="12700" cap="flat" cmpd="sng" algn="ctr">
+                      <a:solidFill>
+                        <a:schemeClr val="bg1"/>
+                      </a:solidFill>
+                      <a:prstDash val="solid"/>
+                      <a:round/>
+                      <a:headEnd type="none" w="med" len="med"/>
+                      <a:tailEnd type="none" w="med" len="med"/>
+                    </a:lnR>
+                    <a:lnT w="12700" cap="flat" cmpd="sng" algn="ctr">
+                      <a:solidFill>
+                        <a:schemeClr val="bg1"/>
+                      </a:solidFill>
+                      <a:prstDash val="solid"/>
+                      <a:round/>
+                      <a:headEnd type="none" w="med" len="med"/>
+                      <a:tailEnd type="none" w="med" len="med"/>
+                    </a:lnT>
+                    <a:lnB w="12700" cap="flat" cmpd="sng" algn="ctr">
+                      <a:solidFill>
+                        <a:schemeClr val="bg1"/>
+                      </a:solidFill>
+                      <a:prstDash val="solid"/>
+                      <a:round/>
+                      <a:headEnd type="none" w="med" len="med"/>
+                      <a:tailEnd type="none" w="med" len="med"/>
+                    </a:lnB>
+                    <a:lnTlToBr w="12700" cmpd="sng">
+                      <a:noFill/>
+                      <a:prstDash val="solid"/>
+                    </a:lnTlToBr>
+                    <a:lnBlToTr w="12700" cmpd="sng">
+                      <a:noFill/>
+                      <a:prstDash val="solid"/>
+                    </a:lnBlToTr>
+                  </a:tcPr>
+                </a:tc>
+                <a:tc>
+                  <a:txBody>
+                    <a:bodyPr/>
+                    <a:lstStyle/>
+                    <a:p>
+                      <a:pPr algn="ctr" fontAlgn="b"/>
+                      <a:endParaRPr lang="pt-BR" sz="1100" b="0" i="0" u="none" strike="noStrike" dirty="0">
+                        <a:solidFill>
+                          <a:srgbClr val="F94335"/>
+                        </a:solidFill>
+                        <a:latin typeface="Bahnschrift SemiBold SemiConden" panose="020B0502040204020203" pitchFamily="34" charset="0"/>
+                        <a:cs typeface="Arial" pitchFamily="34" charset="0"/>
+                      </a:endParaRPr>
+                    </a:p>
+                  </a:txBody>
+                  <a:tcPr marL="5795" marR="5795" marT="5795" marB="27814" anchor="b">
+                    <a:lnL w="12700" cap="flat" cmpd="sng" algn="ctr">
+                      <a:solidFill>
+                        <a:schemeClr val="bg1"/>
+                      </a:solidFill>
+                      <a:prstDash val="solid"/>
+                      <a:round/>
+                      <a:headEnd type="none" w="med" len="med"/>
+                      <a:tailEnd type="none" w="med" len="med"/>
+                    </a:lnL>
+                    <a:lnR w="12700" cap="flat" cmpd="sng" algn="ctr">
+                      <a:solidFill>
+                        <a:schemeClr val="bg1"/>
+                      </a:solidFill>
+                      <a:prstDash val="solid"/>
+                      <a:round/>
+                      <a:headEnd type="none" w="med" len="med"/>
+                      <a:tailEnd type="none" w="med" len="med"/>
+                    </a:lnR>
+                    <a:lnT w="12700" cap="flat" cmpd="sng" algn="ctr">
+                      <a:solidFill>
+                        <a:schemeClr val="bg1"/>
+                      </a:solidFill>
+                      <a:prstDash val="solid"/>
+                      <a:round/>
+                      <a:headEnd type="none" w="med" len="med"/>
+                      <a:tailEnd type="none" w="med" len="med"/>
+                    </a:lnT>
+                    <a:lnB w="12700" cap="flat" cmpd="sng" algn="ctr">
+                      <a:solidFill>
+                        <a:schemeClr val="bg1"/>
+                      </a:solidFill>
+                      <a:prstDash val="solid"/>
+                      <a:round/>
+                      <a:headEnd type="none" w="med" len="med"/>
+                      <a:tailEnd type="none" w="med" len="med"/>
+                    </a:lnB>
+                    <a:lnTlToBr w="12700" cmpd="sng">
+                      <a:noFill/>
+                      <a:prstDash val="solid"/>
+                    </a:lnTlToBr>
+                    <a:lnBlToTr w="12700" cmpd="sng">
+                      <a:noFill/>
+                      <a:prstDash val="solid"/>
+                    </a:lnBlToTr>
+                  </a:tcPr>
+                </a:tc>
+                <a:extLst>
+                  <a:ext uri="{0D108BD9-81ED-4DB2-BD59-A6C34878D82A}">
+                    <a16:rowId xmlns:a16="http://schemas.microsoft.com/office/drawing/2014/main" val="10005"/>
+                  </a:ext>
+                </a:extLst>
+              </a:tr>
+              <a:tr h="256080">
+                <a:tc>
+                  <a:txBody>
+                    <a:bodyPr/>
+                    <a:lstStyle/>
+                    <a:p>
+                      <a:pPr algn="ctr" fontAlgn="b"/>
+                      <a:r>
+                        <a:rPr lang="pt-BR" sz="1100" b="1" i="0" u="none" strike="noStrike" dirty="0">
+                          <a:solidFill>
+                            <a:srgbClr val="F94335"/>
+                          </a:solidFill>
+                          <a:latin typeface="Bahnschrift SemiBold SemiConden" panose="020B0502040204020203" pitchFamily="34" charset="0"/>
+                          <a:cs typeface="Arial" pitchFamily="34" charset="0"/>
+                        </a:rPr>
+                        <a:t>6</a:t>
+                      </a:r>
+                    </a:p>
+                  </a:txBody>
+                  <a:tcPr marL="5795" marR="5795" marT="5795" marB="27814" anchor="b">
+                    <a:lnL w="12700" cmpd="sng">
+                      <a:noFill/>
+                    </a:lnL>
+                    <a:lnR w="12700" cap="flat" cmpd="sng" algn="ctr">
+                      <a:solidFill>
+                        <a:schemeClr val="bg1"/>
+                      </a:solidFill>
+                      <a:prstDash val="solid"/>
+                      <a:round/>
+                      <a:headEnd type="none" w="med" len="med"/>
+                      <a:tailEnd type="none" w="med" len="med"/>
+                    </a:lnR>
+                    <a:lnT w="12700" cap="flat" cmpd="sng" algn="ctr">
+                      <a:solidFill>
+                        <a:schemeClr val="bg1"/>
+                      </a:solidFill>
+                      <a:prstDash val="solid"/>
+                      <a:round/>
+                      <a:headEnd type="none" w="med" len="med"/>
+                      <a:tailEnd type="none" w="med" len="med"/>
+                    </a:lnT>
+                    <a:lnB w="12700" cap="flat" cmpd="sng" algn="ctr">
+                      <a:solidFill>
+                        <a:schemeClr val="bg1"/>
+                      </a:solidFill>
+                      <a:prstDash val="solid"/>
+                      <a:round/>
+                      <a:headEnd type="none" w="med" len="med"/>
+                      <a:tailEnd type="none" w="med" len="med"/>
+                    </a:lnB>
+                    <a:lnTlToBr w="12700" cmpd="sng">
+                      <a:noFill/>
+                      <a:prstDash val="solid"/>
+                    </a:lnTlToBr>
+                    <a:lnBlToTr w="12700" cmpd="sng">
+                      <a:noFill/>
+                      <a:prstDash val="solid"/>
+                    </a:lnBlToTr>
+                  </a:tcPr>
+                </a:tc>
+                <a:tc>
+                  <a:txBody>
+                    <a:bodyPr/>
+                    <a:lstStyle/>
+                    <a:p>
+                      <a:pPr algn="ctr" fontAlgn="b"/>
+                      <a:r>
+                        <a:rPr lang="pt-BR" sz="1100" u="none" strike="noStrike" dirty="0">
+                          <a:solidFill>
+                            <a:srgbClr val="F94335"/>
+                          </a:solidFill>
+                          <a:latin typeface="Bahnschrift SemiBold SemiConden" panose="020B0502040204020203" pitchFamily="34" charset="0"/>
+                        </a:rPr>
+                        <a:t>Interface de Dados </a:t>
+                      </a:r>
+                      <a:r>
+                        <a:rPr lang="pt-BR" sz="1100" u="none" strike="noStrike" dirty="0" smtClean="0">
+                          <a:solidFill>
+                            <a:srgbClr val="F94335"/>
+                          </a:solidFill>
+                          <a:latin typeface="Bahnschrift SemiBold SemiConden" panose="020B0502040204020203" pitchFamily="34" charset="0"/>
+                        </a:rPr>
+                        <a:t> </a:t>
+                      </a:r>
+                      <a:r>
+                        <a:rPr lang="pt-BR" sz="1100" u="none" strike="noStrike" dirty="0">
+                          <a:solidFill>
+                            <a:srgbClr val="F94335"/>
+                          </a:solidFill>
+                          <a:latin typeface="Bahnschrift SemiBold SemiConden" panose="020B0502040204020203" pitchFamily="34" charset="0"/>
+                        </a:rPr>
+                        <a:t>para consulta para o usuário</a:t>
+                      </a:r>
+                      <a:endParaRPr lang="pt-BR" sz="1100" b="0" i="0" u="none" strike="noStrike" dirty="0">
+                        <a:solidFill>
+                          <a:srgbClr val="F94335"/>
+                        </a:solidFill>
+                        <a:latin typeface="Bahnschrift SemiBold SemiConden" panose="020B0502040204020203" pitchFamily="34" charset="0"/>
+                        <a:cs typeface="Arial" pitchFamily="34" charset="0"/>
+                      </a:endParaRPr>
+                    </a:p>
+                  </a:txBody>
+                  <a:tcPr marL="5795" marR="5795" marT="5795" marB="27814" anchor="b">
+                    <a:lnL w="12700" cap="flat" cmpd="sng" algn="ctr">
+                      <a:solidFill>
+                        <a:schemeClr val="bg1"/>
+                      </a:solidFill>
+                      <a:prstDash val="solid"/>
+                      <a:round/>
+                      <a:headEnd type="none" w="med" len="med"/>
+                      <a:tailEnd type="none" w="med" len="med"/>
+                    </a:lnL>
+                    <a:lnR w="12700" cap="flat" cmpd="sng" algn="ctr">
+                      <a:solidFill>
+                        <a:schemeClr val="bg1"/>
+                      </a:solidFill>
+                      <a:prstDash val="solid"/>
+                      <a:round/>
+                      <a:headEnd type="none" w="med" len="med"/>
+                      <a:tailEnd type="none" w="med" len="med"/>
+                    </a:lnR>
+                    <a:lnT w="12700" cap="flat" cmpd="sng" algn="ctr">
+                      <a:solidFill>
+                        <a:schemeClr val="bg1"/>
+                      </a:solidFill>
+                      <a:prstDash val="solid"/>
+                      <a:round/>
+                      <a:headEnd type="none" w="med" len="med"/>
+                      <a:tailEnd type="none" w="med" len="med"/>
+                    </a:lnT>
+                    <a:lnB w="12700" cap="flat" cmpd="sng" algn="ctr">
+                      <a:solidFill>
+                        <a:schemeClr val="bg1"/>
+                      </a:solidFill>
+                      <a:prstDash val="solid"/>
+                      <a:round/>
+                      <a:headEnd type="none" w="med" len="med"/>
+                      <a:tailEnd type="none" w="med" len="med"/>
+                    </a:lnB>
+                    <a:lnTlToBr w="12700" cmpd="sng">
+                      <a:noFill/>
+                      <a:prstDash val="solid"/>
+                    </a:lnTlToBr>
+                    <a:lnBlToTr w="12700" cmpd="sng">
+                      <a:noFill/>
+                      <a:prstDash val="solid"/>
+                    </a:lnBlToTr>
+                  </a:tcPr>
+                </a:tc>
+                <a:tc>
+                  <a:txBody>
+                    <a:bodyPr/>
+                    <a:lstStyle/>
+                    <a:p>
+                      <a:pPr algn="ctr" fontAlgn="b"/>
+                      <a:r>
+                        <a:rPr lang="pt-BR" sz="1100" u="none" strike="noStrike" dirty="0">
+                          <a:solidFill>
+                            <a:srgbClr val="F94335"/>
+                          </a:solidFill>
+                          <a:latin typeface="Bahnschrift SemiBold SemiConden" panose="020B0502040204020203" pitchFamily="34" charset="0"/>
+                        </a:rPr>
+                        <a:t>Essencial</a:t>
+                      </a:r>
+                      <a:endParaRPr lang="pt-BR" sz="1100" b="0" i="0" u="none" strike="noStrike" dirty="0">
+                        <a:solidFill>
+                          <a:srgbClr val="F94335"/>
+                        </a:solidFill>
+                        <a:latin typeface="Bahnschrift SemiBold SemiConden" panose="020B0502040204020203" pitchFamily="34" charset="0"/>
+                        <a:cs typeface="Arial" pitchFamily="34" charset="0"/>
+                      </a:endParaRPr>
+                    </a:p>
+                  </a:txBody>
+                  <a:tcPr marL="5795" marR="5795" marT="5795" marB="27814" anchor="b">
+                    <a:lnL w="12700" cap="flat" cmpd="sng" algn="ctr">
+                      <a:solidFill>
+                        <a:schemeClr val="bg1"/>
+                      </a:solidFill>
+                      <a:prstDash val="solid"/>
+                      <a:round/>
+                      <a:headEnd type="none" w="med" len="med"/>
+                      <a:tailEnd type="none" w="med" len="med"/>
+                    </a:lnL>
+                    <a:lnR w="12700" cap="flat" cmpd="sng" algn="ctr">
+                      <a:solidFill>
+                        <a:schemeClr val="bg1"/>
+                      </a:solidFill>
+                      <a:prstDash val="solid"/>
+                      <a:round/>
+                      <a:headEnd type="none" w="med" len="med"/>
+                      <a:tailEnd type="none" w="med" len="med"/>
+                    </a:lnR>
+                    <a:lnT w="12700" cap="flat" cmpd="sng" algn="ctr">
+                      <a:solidFill>
+                        <a:schemeClr val="bg1"/>
+                      </a:solidFill>
+                      <a:prstDash val="solid"/>
+                      <a:round/>
+                      <a:headEnd type="none" w="med" len="med"/>
+                      <a:tailEnd type="none" w="med" len="med"/>
+                    </a:lnT>
+                    <a:lnB w="12700" cap="flat" cmpd="sng" algn="ctr">
+                      <a:solidFill>
+                        <a:schemeClr val="bg1"/>
+                      </a:solidFill>
+                      <a:prstDash val="solid"/>
+                      <a:round/>
+                      <a:headEnd type="none" w="med" len="med"/>
+                      <a:tailEnd type="none" w="med" len="med"/>
+                    </a:lnB>
+                    <a:lnTlToBr w="12700" cmpd="sng">
+                      <a:noFill/>
+                      <a:prstDash val="solid"/>
+                    </a:lnTlToBr>
+                    <a:lnBlToTr w="12700" cmpd="sng">
+                      <a:noFill/>
+                      <a:prstDash val="solid"/>
+                    </a:lnBlToTr>
+                  </a:tcPr>
+                </a:tc>
+                <a:tc>
+                  <a:txBody>
+                    <a:bodyPr/>
+                    <a:lstStyle/>
+                    <a:p>
+                      <a:pPr algn="ctr" fontAlgn="b"/>
+                      <a:r>
+                        <a:rPr lang="pt-BR" sz="1100" u="none" strike="noStrike" dirty="0">
+                          <a:solidFill>
+                            <a:srgbClr val="F94335"/>
+                          </a:solidFill>
+                          <a:latin typeface="Bahnschrift SemiBold SemiConden" panose="020B0502040204020203" pitchFamily="34" charset="0"/>
+                        </a:rPr>
+                        <a:t>13</a:t>
+                      </a:r>
+                      <a:endParaRPr lang="pt-BR" sz="1100" b="0" i="0" u="none" strike="noStrike" dirty="0">
+                        <a:solidFill>
+                          <a:srgbClr val="F94335"/>
+                        </a:solidFill>
+                        <a:latin typeface="Bahnschrift SemiBold SemiConden" panose="020B0502040204020203" pitchFamily="34" charset="0"/>
+                        <a:cs typeface="Arial" pitchFamily="34" charset="0"/>
+                      </a:endParaRPr>
+                    </a:p>
+                  </a:txBody>
+                  <a:tcPr marL="5795" marR="5795" marT="5795" marB="27814" anchor="b">
+                    <a:lnL w="12700" cap="flat" cmpd="sng" algn="ctr">
+                      <a:solidFill>
+                        <a:schemeClr val="bg1"/>
+                      </a:solidFill>
+                      <a:prstDash val="solid"/>
+                      <a:round/>
+                      <a:headEnd type="none" w="med" len="med"/>
+                      <a:tailEnd type="none" w="med" len="med"/>
+                    </a:lnL>
+                    <a:lnR w="12700" cap="flat" cmpd="sng" algn="ctr">
+                      <a:solidFill>
+                        <a:schemeClr val="bg1"/>
+                      </a:solidFill>
+                      <a:prstDash val="solid"/>
+                      <a:round/>
+                      <a:headEnd type="none" w="med" len="med"/>
+                      <a:tailEnd type="none" w="med" len="med"/>
+                    </a:lnR>
+                    <a:lnT w="12700" cap="flat" cmpd="sng" algn="ctr">
+                      <a:solidFill>
+                        <a:schemeClr val="bg1"/>
+                      </a:solidFill>
+                      <a:prstDash val="solid"/>
+                      <a:round/>
+                      <a:headEnd type="none" w="med" len="med"/>
+                      <a:tailEnd type="none" w="med" len="med"/>
+                    </a:lnT>
+                    <a:lnB w="12700" cap="flat" cmpd="sng" algn="ctr">
+                      <a:solidFill>
+                        <a:schemeClr val="bg1"/>
+                      </a:solidFill>
+                      <a:prstDash val="solid"/>
+                      <a:round/>
+                      <a:headEnd type="none" w="med" len="med"/>
+                      <a:tailEnd type="none" w="med" len="med"/>
+                    </a:lnB>
+                    <a:lnTlToBr w="12700" cmpd="sng">
+                      <a:noFill/>
+                      <a:prstDash val="solid"/>
+                    </a:lnTlToBr>
+                    <a:lnBlToTr w="12700" cmpd="sng">
+                      <a:noFill/>
+                      <a:prstDash val="solid"/>
+                    </a:lnBlToTr>
+                  </a:tcPr>
+                </a:tc>
+                <a:tc>
+                  <a:txBody>
+                    <a:bodyPr/>
+                    <a:lstStyle/>
+                    <a:p>
+                      <a:pPr algn="ctr" fontAlgn="b"/>
+                      <a:endParaRPr lang="pt-BR" sz="1100" b="0" i="0" u="none" strike="noStrike" dirty="0">
+                        <a:solidFill>
+                          <a:srgbClr val="F94335"/>
+                        </a:solidFill>
+                        <a:latin typeface="Bahnschrift SemiBold SemiConden" panose="020B0502040204020203" pitchFamily="34" charset="0"/>
+                        <a:cs typeface="Arial" pitchFamily="34" charset="0"/>
+                      </a:endParaRPr>
+                    </a:p>
+                  </a:txBody>
+                  <a:tcPr marL="5795" marR="5795" marT="5795" marB="27814" anchor="b">
+                    <a:lnL w="12700" cap="flat" cmpd="sng" algn="ctr">
+                      <a:solidFill>
+                        <a:schemeClr val="bg1"/>
+                      </a:solidFill>
+                      <a:prstDash val="solid"/>
+                      <a:round/>
+                      <a:headEnd type="none" w="med" len="med"/>
+                      <a:tailEnd type="none" w="med" len="med"/>
+                    </a:lnL>
+                    <a:lnR w="12700" cap="flat" cmpd="sng" algn="ctr">
+                      <a:solidFill>
+                        <a:schemeClr val="bg1"/>
+                      </a:solidFill>
+                      <a:prstDash val="solid"/>
+                      <a:round/>
+                      <a:headEnd type="none" w="med" len="med"/>
+                      <a:tailEnd type="none" w="med" len="med"/>
+                    </a:lnR>
+                    <a:lnT w="12700" cap="flat" cmpd="sng" algn="ctr">
+                      <a:solidFill>
+                        <a:schemeClr val="bg1"/>
+                      </a:solidFill>
+                      <a:prstDash val="solid"/>
+                      <a:round/>
+                      <a:headEnd type="none" w="med" len="med"/>
+                      <a:tailEnd type="none" w="med" len="med"/>
+                    </a:lnT>
+                    <a:lnB w="12700" cap="flat" cmpd="sng" algn="ctr">
+                      <a:solidFill>
+                        <a:schemeClr val="bg1"/>
+                      </a:solidFill>
+                      <a:prstDash val="solid"/>
+                      <a:round/>
+                      <a:headEnd type="none" w="med" len="med"/>
+                      <a:tailEnd type="none" w="med" len="med"/>
+                    </a:lnB>
+                    <a:lnTlToBr w="12700" cmpd="sng">
+                      <a:noFill/>
+                      <a:prstDash val="solid"/>
+                    </a:lnTlToBr>
+                    <a:lnBlToTr w="12700" cmpd="sng">
+                      <a:noFill/>
+                      <a:prstDash val="solid"/>
+                    </a:lnBlToTr>
+                  </a:tcPr>
+                </a:tc>
+                <a:extLst>
+                  <a:ext uri="{0D108BD9-81ED-4DB2-BD59-A6C34878D82A}">
+                    <a16:rowId xmlns:a16="http://schemas.microsoft.com/office/drawing/2014/main" val="10007"/>
+                  </a:ext>
+                </a:extLst>
+              </a:tr>
+              <a:tr h="279671">
+                <a:tc>
+                  <a:txBody>
+                    <a:bodyPr/>
+                    <a:lstStyle/>
+                    <a:p>
+                      <a:pPr algn="ctr" fontAlgn="b"/>
+                      <a:r>
+                        <a:rPr lang="pt-BR" sz="1100" b="1" i="0" u="none" strike="noStrike" dirty="0">
+                          <a:solidFill>
+                            <a:srgbClr val="F94335"/>
+                          </a:solidFill>
+                          <a:latin typeface="Bahnschrift SemiBold SemiConden" panose="020B0502040204020203" pitchFamily="34" charset="0"/>
+                          <a:cs typeface="Arial" pitchFamily="34" charset="0"/>
+                        </a:rPr>
+                        <a:t>7</a:t>
+                      </a:r>
+                    </a:p>
+                  </a:txBody>
+                  <a:tcPr marL="5795" marR="5795" marT="5795" marB="27814" anchor="b">
+                    <a:lnL w="12700" cmpd="sng">
+                      <a:noFill/>
+                    </a:lnL>
+                    <a:lnR w="12700" cap="flat" cmpd="sng" algn="ctr">
+                      <a:solidFill>
+                        <a:schemeClr val="bg1"/>
+                      </a:solidFill>
+                      <a:prstDash val="solid"/>
+                      <a:round/>
+                      <a:headEnd type="none" w="med" len="med"/>
+                      <a:tailEnd type="none" w="med" len="med"/>
+                    </a:lnR>
+                    <a:lnT w="12700" cap="flat" cmpd="sng" algn="ctr">
+                      <a:solidFill>
+                        <a:schemeClr val="bg1"/>
+                      </a:solidFill>
+                      <a:prstDash val="solid"/>
+                      <a:round/>
+                      <a:headEnd type="none" w="med" len="med"/>
+                      <a:tailEnd type="none" w="med" len="med"/>
+                    </a:lnT>
+                    <a:lnB w="12700" cap="flat" cmpd="sng" algn="ctr">
+                      <a:solidFill>
+                        <a:schemeClr val="bg1"/>
+                      </a:solidFill>
+                      <a:prstDash val="solid"/>
+                      <a:round/>
+                      <a:headEnd type="none" w="med" len="med"/>
+                      <a:tailEnd type="none" w="med" len="med"/>
+                    </a:lnB>
+                    <a:lnTlToBr w="12700" cmpd="sng">
+                      <a:noFill/>
+                      <a:prstDash val="solid"/>
+                    </a:lnTlToBr>
+                    <a:lnBlToTr w="12700" cmpd="sng">
+                      <a:noFill/>
+                      <a:prstDash val="solid"/>
+                    </a:lnBlToTr>
+                  </a:tcPr>
+                </a:tc>
+                <a:tc>
+                  <a:txBody>
+                    <a:bodyPr/>
+                    <a:lstStyle/>
+                    <a:p>
+                      <a:pPr algn="ctr" fontAlgn="b"/>
+                      <a:r>
+                        <a:rPr lang="pt-BR" sz="1100" b="0" i="0" u="none" strike="noStrike" dirty="0" smtClean="0">
+                          <a:solidFill>
+                            <a:srgbClr val="F94335"/>
+                          </a:solidFill>
+                          <a:latin typeface="Bahnschrift SemiBold SemiConden" panose="020B0502040204020203" pitchFamily="34" charset="0"/>
+                          <a:cs typeface="Arial" pitchFamily="34" charset="0"/>
+                        </a:rPr>
+                        <a:t>Notificações </a:t>
+                      </a:r>
+                      <a:endParaRPr lang="pt-BR" sz="1100" b="0" i="0" u="none" strike="noStrike" dirty="0">
+                        <a:solidFill>
+                          <a:srgbClr val="F94335"/>
+                        </a:solidFill>
+                        <a:latin typeface="Bahnschrift SemiBold SemiConden" panose="020B0502040204020203" pitchFamily="34" charset="0"/>
+                        <a:cs typeface="Arial" pitchFamily="34" charset="0"/>
+                      </a:endParaRPr>
+                    </a:p>
+                  </a:txBody>
+                  <a:tcPr marL="5795" marR="5795" marT="5795" marB="27814" anchor="b">
+                    <a:lnL w="12700" cap="flat" cmpd="sng" algn="ctr">
+                      <a:solidFill>
+                        <a:schemeClr val="bg1"/>
+                      </a:solidFill>
+                      <a:prstDash val="solid"/>
+                      <a:round/>
+                      <a:headEnd type="none" w="med" len="med"/>
+                      <a:tailEnd type="none" w="med" len="med"/>
+                    </a:lnL>
+                    <a:lnR w="12700" cap="flat" cmpd="sng" algn="ctr">
+                      <a:solidFill>
+                        <a:schemeClr val="bg1"/>
+                      </a:solidFill>
+                      <a:prstDash val="solid"/>
+                      <a:round/>
+                      <a:headEnd type="none" w="med" len="med"/>
+                      <a:tailEnd type="none" w="med" len="med"/>
+                    </a:lnR>
+                    <a:lnT w="12700" cap="flat" cmpd="sng" algn="ctr">
+                      <a:solidFill>
+                        <a:schemeClr val="bg1"/>
+                      </a:solidFill>
+                      <a:prstDash val="solid"/>
+                      <a:round/>
+                      <a:headEnd type="none" w="med" len="med"/>
+                      <a:tailEnd type="none" w="med" len="med"/>
+                    </a:lnT>
+                    <a:lnB w="12700" cap="flat" cmpd="sng" algn="ctr">
+                      <a:solidFill>
+                        <a:schemeClr val="bg1"/>
+                      </a:solidFill>
+                      <a:prstDash val="solid"/>
+                      <a:round/>
+                      <a:headEnd type="none" w="med" len="med"/>
+                      <a:tailEnd type="none" w="med" len="med"/>
+                    </a:lnB>
+                    <a:lnTlToBr w="12700" cmpd="sng">
+                      <a:noFill/>
+                      <a:prstDash val="solid"/>
+                    </a:lnTlToBr>
+                    <a:lnBlToTr w="12700" cmpd="sng">
+                      <a:noFill/>
+                      <a:prstDash val="solid"/>
+                    </a:lnBlToTr>
+                  </a:tcPr>
+                </a:tc>
+                <a:tc>
+                  <a:txBody>
+                    <a:bodyPr/>
+                    <a:lstStyle/>
+                    <a:p>
+                      <a:pPr algn="ctr" fontAlgn="b"/>
+                      <a:r>
+                        <a:rPr lang="pt-BR" sz="1100" u="none" strike="noStrike" dirty="0">
+                          <a:solidFill>
+                            <a:srgbClr val="F94335"/>
+                          </a:solidFill>
+                          <a:latin typeface="Bahnschrift SemiBold SemiConden" panose="020B0502040204020203" pitchFamily="34" charset="0"/>
+                        </a:rPr>
+                        <a:t>Essencial</a:t>
+                      </a:r>
+                      <a:endParaRPr lang="pt-BR" sz="1100" b="0" i="0" u="none" strike="noStrike" dirty="0">
+                        <a:solidFill>
+                          <a:srgbClr val="F94335"/>
+                        </a:solidFill>
+                        <a:latin typeface="Bahnschrift SemiBold SemiConden" panose="020B0502040204020203" pitchFamily="34" charset="0"/>
+                        <a:cs typeface="Arial" pitchFamily="34" charset="0"/>
+                      </a:endParaRPr>
+                    </a:p>
+                  </a:txBody>
+                  <a:tcPr marL="5795" marR="5795" marT="5795" marB="27814" anchor="b">
+                    <a:lnL w="12700" cap="flat" cmpd="sng" algn="ctr">
+                      <a:solidFill>
+                        <a:schemeClr val="bg1"/>
+                      </a:solidFill>
+                      <a:prstDash val="solid"/>
+                      <a:round/>
+                      <a:headEnd type="none" w="med" len="med"/>
+                      <a:tailEnd type="none" w="med" len="med"/>
+                    </a:lnL>
+                    <a:lnR w="12700" cap="flat" cmpd="sng" algn="ctr">
+                      <a:solidFill>
+                        <a:schemeClr val="bg1"/>
+                      </a:solidFill>
+                      <a:prstDash val="solid"/>
+                      <a:round/>
+                      <a:headEnd type="none" w="med" len="med"/>
+                      <a:tailEnd type="none" w="med" len="med"/>
+                    </a:lnR>
+                    <a:lnT w="12700" cap="flat" cmpd="sng" algn="ctr">
+                      <a:solidFill>
+                        <a:schemeClr val="bg1"/>
+                      </a:solidFill>
+                      <a:prstDash val="solid"/>
+                      <a:round/>
+                      <a:headEnd type="none" w="med" len="med"/>
+                      <a:tailEnd type="none" w="med" len="med"/>
+                    </a:lnT>
+                    <a:lnB w="12700" cap="flat" cmpd="sng" algn="ctr">
+                      <a:solidFill>
+                        <a:schemeClr val="bg1"/>
+                      </a:solidFill>
+                      <a:prstDash val="solid"/>
+                      <a:round/>
+                      <a:headEnd type="none" w="med" len="med"/>
+                      <a:tailEnd type="none" w="med" len="med"/>
+                    </a:lnB>
+                    <a:lnTlToBr w="12700" cmpd="sng">
+                      <a:noFill/>
+                      <a:prstDash val="solid"/>
+                    </a:lnTlToBr>
+                    <a:lnBlToTr w="12700" cmpd="sng">
+                      <a:noFill/>
+                      <a:prstDash val="solid"/>
+                    </a:lnBlToTr>
+                  </a:tcPr>
+                </a:tc>
+                <a:tc>
+                  <a:txBody>
+                    <a:bodyPr/>
+                    <a:lstStyle/>
+                    <a:p>
+                      <a:pPr algn="ctr" fontAlgn="b"/>
+                      <a:r>
+                        <a:rPr lang="pt-BR" sz="1100" b="0" i="0" u="none" strike="noStrike" dirty="0">
+                          <a:solidFill>
+                            <a:srgbClr val="F94335"/>
+                          </a:solidFill>
+                          <a:latin typeface="Bahnschrift SemiBold SemiConden" panose="020B0502040204020203" pitchFamily="34" charset="0"/>
+                          <a:cs typeface="Arial" pitchFamily="34" charset="0"/>
+                        </a:rPr>
+                        <a:t>8</a:t>
+                      </a:r>
+                    </a:p>
+                  </a:txBody>
+                  <a:tcPr marL="5795" marR="5795" marT="5795" marB="27814" anchor="b">
+                    <a:lnL w="12700" cap="flat" cmpd="sng" algn="ctr">
+                      <a:solidFill>
+                        <a:schemeClr val="bg1"/>
+                      </a:solidFill>
+                      <a:prstDash val="solid"/>
+                      <a:round/>
+                      <a:headEnd type="none" w="med" len="med"/>
+                      <a:tailEnd type="none" w="med" len="med"/>
+                    </a:lnL>
+                    <a:lnR w="12700" cap="flat" cmpd="sng" algn="ctr">
+                      <a:solidFill>
+                        <a:schemeClr val="bg1"/>
+                      </a:solidFill>
+                      <a:prstDash val="solid"/>
+                      <a:round/>
+                      <a:headEnd type="none" w="med" len="med"/>
+                      <a:tailEnd type="none" w="med" len="med"/>
+                    </a:lnR>
+                    <a:lnT w="12700" cap="flat" cmpd="sng" algn="ctr">
+                      <a:solidFill>
+                        <a:schemeClr val="bg1"/>
+                      </a:solidFill>
+                      <a:prstDash val="solid"/>
+                      <a:round/>
+                      <a:headEnd type="none" w="med" len="med"/>
+                      <a:tailEnd type="none" w="med" len="med"/>
+                    </a:lnT>
+                    <a:lnB w="12700" cap="flat" cmpd="sng" algn="ctr">
+                      <a:solidFill>
+                        <a:schemeClr val="bg1"/>
+                      </a:solidFill>
+                      <a:prstDash val="solid"/>
+                      <a:round/>
+                      <a:headEnd type="none" w="med" len="med"/>
+                      <a:tailEnd type="none" w="med" len="med"/>
+                    </a:lnB>
+                    <a:lnTlToBr w="12700" cmpd="sng">
+                      <a:noFill/>
+                      <a:prstDash val="solid"/>
+                    </a:lnTlToBr>
+                    <a:lnBlToTr w="12700" cmpd="sng">
+                      <a:noFill/>
+                      <a:prstDash val="solid"/>
+                    </a:lnBlToTr>
+                  </a:tcPr>
+                </a:tc>
+                <a:tc>
+                  <a:txBody>
+                    <a:bodyPr/>
+                    <a:lstStyle/>
+                    <a:p>
+                      <a:pPr algn="ctr" fontAlgn="b"/>
+                      <a:endParaRPr lang="pt-BR" sz="1100" b="0" i="0" u="none" strike="noStrike" dirty="0">
+                        <a:solidFill>
+                          <a:srgbClr val="F94335"/>
+                        </a:solidFill>
+                        <a:latin typeface="Bahnschrift SemiBold SemiConden" panose="020B0502040204020203" pitchFamily="34" charset="0"/>
+                        <a:cs typeface="Arial" pitchFamily="34" charset="0"/>
+                      </a:endParaRPr>
+                    </a:p>
+                  </a:txBody>
+                  <a:tcPr marL="5795" marR="5795" marT="5795" marB="27814" anchor="b">
+                    <a:lnL w="12700" cap="flat" cmpd="sng" algn="ctr">
+                      <a:solidFill>
+                        <a:schemeClr val="bg1"/>
+                      </a:solidFill>
+                      <a:prstDash val="solid"/>
+                      <a:round/>
+                      <a:headEnd type="none" w="med" len="med"/>
+                      <a:tailEnd type="none" w="med" len="med"/>
+                    </a:lnL>
+                    <a:lnR w="12700" cap="flat" cmpd="sng" algn="ctr">
+                      <a:solidFill>
+                        <a:schemeClr val="bg1"/>
+                      </a:solidFill>
+                      <a:prstDash val="solid"/>
+                      <a:round/>
+                      <a:headEnd type="none" w="med" len="med"/>
+                      <a:tailEnd type="none" w="med" len="med"/>
+                    </a:lnR>
+                    <a:lnT w="12700" cap="flat" cmpd="sng" algn="ctr">
+                      <a:solidFill>
+                        <a:schemeClr val="bg1"/>
+                      </a:solidFill>
+                      <a:prstDash val="solid"/>
+                      <a:round/>
+                      <a:headEnd type="none" w="med" len="med"/>
+                      <a:tailEnd type="none" w="med" len="med"/>
+                    </a:lnT>
+                    <a:lnB w="12700" cap="flat" cmpd="sng" algn="ctr">
+                      <a:solidFill>
+                        <a:schemeClr val="bg1"/>
+                      </a:solidFill>
+                      <a:prstDash val="solid"/>
+                      <a:round/>
+                      <a:headEnd type="none" w="med" len="med"/>
+                      <a:tailEnd type="none" w="med" len="med"/>
+                    </a:lnB>
+                    <a:lnTlToBr w="12700" cmpd="sng">
+                      <a:noFill/>
+                      <a:prstDash val="solid"/>
+                    </a:lnTlToBr>
+                    <a:lnBlToTr w="12700" cmpd="sng">
+                      <a:noFill/>
+                      <a:prstDash val="solid"/>
+                    </a:lnBlToTr>
+                  </a:tcPr>
+                </a:tc>
+                <a:extLst>
+                  <a:ext uri="{0D108BD9-81ED-4DB2-BD59-A6C34878D82A}">
+                    <a16:rowId xmlns:a16="http://schemas.microsoft.com/office/drawing/2014/main" val="10009"/>
+                  </a:ext>
+                </a:extLst>
+              </a:tr>
+              <a:tr h="256080">
+                <a:tc>
+                  <a:txBody>
+                    <a:bodyPr/>
+                    <a:lstStyle/>
+                    <a:p>
+                      <a:pPr algn="ctr" fontAlgn="b"/>
+                      <a:r>
+                        <a:rPr lang="pt-BR" sz="1100" b="1" i="0" u="none" strike="noStrike" dirty="0">
+                          <a:solidFill>
+                            <a:srgbClr val="F94335"/>
+                          </a:solidFill>
+                          <a:latin typeface="Bahnschrift SemiBold SemiConden" panose="020B0502040204020203" pitchFamily="34" charset="0"/>
+                          <a:cs typeface="Arial" pitchFamily="34" charset="0"/>
+                        </a:rPr>
+                        <a:t>8</a:t>
+                      </a:r>
+                    </a:p>
+                  </a:txBody>
+                  <a:tcPr marL="5795" marR="5795" marT="5795" marB="27814" anchor="b">
+                    <a:lnL w="12700" cmpd="sng">
+                      <a:noFill/>
+                    </a:lnL>
+                    <a:lnR w="12700" cap="flat" cmpd="sng" algn="ctr">
+                      <a:solidFill>
+                        <a:schemeClr val="bg1"/>
+                      </a:solidFill>
+                      <a:prstDash val="solid"/>
+                      <a:round/>
+                      <a:headEnd type="none" w="med" len="med"/>
+                      <a:tailEnd type="none" w="med" len="med"/>
+                    </a:lnR>
+                    <a:lnT w="12700" cap="flat" cmpd="sng" algn="ctr">
+                      <a:solidFill>
+                        <a:schemeClr val="bg1"/>
+                      </a:solidFill>
+                      <a:prstDash val="solid"/>
+                      <a:round/>
+                      <a:headEnd type="none" w="med" len="med"/>
+                      <a:tailEnd type="none" w="med" len="med"/>
+                    </a:lnT>
+                    <a:lnB w="12700" cap="flat" cmpd="sng" algn="ctr">
+                      <a:solidFill>
+                        <a:schemeClr val="bg1"/>
+                      </a:solidFill>
+                      <a:prstDash val="solid"/>
+                      <a:round/>
+                      <a:headEnd type="none" w="med" len="med"/>
+                      <a:tailEnd type="none" w="med" len="med"/>
+                    </a:lnB>
+                    <a:lnTlToBr w="12700" cmpd="sng">
+                      <a:noFill/>
+                      <a:prstDash val="solid"/>
+                    </a:lnTlToBr>
+                    <a:lnBlToTr w="12700" cmpd="sng">
+                      <a:noFill/>
+                      <a:prstDash val="solid"/>
+                    </a:lnBlToTr>
+                  </a:tcPr>
+                </a:tc>
+                <a:tc>
+                  <a:txBody>
+                    <a:bodyPr/>
+                    <a:lstStyle/>
+                    <a:p>
+                      <a:pPr algn="ctr" fontAlgn="b"/>
+                      <a:r>
+                        <a:rPr lang="pt-BR" sz="1100" b="0" i="0" u="none" strike="noStrike" dirty="0" smtClean="0">
+                          <a:solidFill>
+                            <a:srgbClr val="F94335"/>
+                          </a:solidFill>
+                          <a:latin typeface="Bahnschrift SemiBold SemiConden" panose="020B0502040204020203" pitchFamily="34" charset="0"/>
+                          <a:cs typeface="Arial" pitchFamily="34" charset="0"/>
+                        </a:rPr>
+                        <a:t>Exibição</a:t>
+                      </a:r>
+                      <a:r>
+                        <a:rPr lang="pt-BR" sz="1100" b="0" i="0" u="none" strike="noStrike" baseline="0" dirty="0" smtClean="0">
+                          <a:solidFill>
+                            <a:srgbClr val="F94335"/>
+                          </a:solidFill>
+                          <a:latin typeface="Bahnschrift SemiBold SemiConden" panose="020B0502040204020203" pitchFamily="34" charset="0"/>
+                          <a:cs typeface="Arial" pitchFamily="34" charset="0"/>
+                        </a:rPr>
+                        <a:t> de Status de Unidades de Saúde Cadastrados</a:t>
+                      </a:r>
+                      <a:endParaRPr lang="pt-BR" sz="1100" b="0" i="0" u="none" strike="noStrike" dirty="0">
+                        <a:solidFill>
+                          <a:srgbClr val="F94335"/>
+                        </a:solidFill>
+                        <a:latin typeface="Bahnschrift SemiBold SemiConden" panose="020B0502040204020203" pitchFamily="34" charset="0"/>
+                        <a:cs typeface="Arial" pitchFamily="34" charset="0"/>
+                      </a:endParaRPr>
+                    </a:p>
+                  </a:txBody>
+                  <a:tcPr marL="5795" marR="5795" marT="5795" marB="27814" anchor="b">
+                    <a:lnL w="12700" cap="flat" cmpd="sng" algn="ctr">
+                      <a:solidFill>
+                        <a:schemeClr val="bg1"/>
+                      </a:solidFill>
+                      <a:prstDash val="solid"/>
+                      <a:round/>
+                      <a:headEnd type="none" w="med" len="med"/>
+                      <a:tailEnd type="none" w="med" len="med"/>
+                    </a:lnL>
+                    <a:lnR w="12700" cap="flat" cmpd="sng" algn="ctr">
+                      <a:solidFill>
+                        <a:schemeClr val="bg1"/>
+                      </a:solidFill>
+                      <a:prstDash val="solid"/>
+                      <a:round/>
+                      <a:headEnd type="none" w="med" len="med"/>
+                      <a:tailEnd type="none" w="med" len="med"/>
+                    </a:lnR>
+                    <a:lnT w="12700" cap="flat" cmpd="sng" algn="ctr">
+                      <a:solidFill>
+                        <a:schemeClr val="bg1"/>
+                      </a:solidFill>
+                      <a:prstDash val="solid"/>
+                      <a:round/>
+                      <a:headEnd type="none" w="med" len="med"/>
+                      <a:tailEnd type="none" w="med" len="med"/>
+                    </a:lnT>
+                    <a:lnB w="12700" cap="flat" cmpd="sng" algn="ctr">
+                      <a:solidFill>
+                        <a:schemeClr val="bg1"/>
+                      </a:solidFill>
+                      <a:prstDash val="solid"/>
+                      <a:round/>
+                      <a:headEnd type="none" w="med" len="med"/>
+                      <a:tailEnd type="none" w="med" len="med"/>
+                    </a:lnB>
+                    <a:lnTlToBr w="12700" cmpd="sng">
+                      <a:noFill/>
+                      <a:prstDash val="solid"/>
+                    </a:lnTlToBr>
+                    <a:lnBlToTr w="12700" cmpd="sng">
+                      <a:noFill/>
+                      <a:prstDash val="solid"/>
+                    </a:lnBlToTr>
+                  </a:tcPr>
+                </a:tc>
+                <a:tc>
+                  <a:txBody>
+                    <a:bodyPr/>
+                    <a:lstStyle/>
+                    <a:p>
+                      <a:pPr algn="ctr" fontAlgn="b"/>
+                      <a:r>
+                        <a:rPr lang="pt-BR" sz="1100" u="none" strike="noStrike" dirty="0">
+                          <a:solidFill>
+                            <a:srgbClr val="F94335"/>
+                          </a:solidFill>
+                          <a:latin typeface="Bahnschrift SemiBold SemiConden" panose="020B0502040204020203" pitchFamily="34" charset="0"/>
+                        </a:rPr>
+                        <a:t>Essencial</a:t>
+                      </a:r>
+                      <a:endParaRPr lang="pt-BR" sz="1100" b="0" i="0" u="none" strike="noStrike" dirty="0">
+                        <a:solidFill>
+                          <a:srgbClr val="F94335"/>
+                        </a:solidFill>
+                        <a:latin typeface="Bahnschrift SemiBold SemiConden" panose="020B0502040204020203" pitchFamily="34" charset="0"/>
+                        <a:cs typeface="Arial" pitchFamily="34" charset="0"/>
+                      </a:endParaRPr>
+                    </a:p>
+                  </a:txBody>
+                  <a:tcPr marL="5795" marR="5795" marT="5795" marB="27814" anchor="b">
+                    <a:lnL w="12700" cap="flat" cmpd="sng" algn="ctr">
+                      <a:solidFill>
+                        <a:schemeClr val="bg1"/>
+                      </a:solidFill>
+                      <a:prstDash val="solid"/>
+                      <a:round/>
+                      <a:headEnd type="none" w="med" len="med"/>
+                      <a:tailEnd type="none" w="med" len="med"/>
+                    </a:lnL>
+                    <a:lnR w="12700" cap="flat" cmpd="sng" algn="ctr">
+                      <a:solidFill>
+                        <a:schemeClr val="bg1"/>
+                      </a:solidFill>
+                      <a:prstDash val="solid"/>
+                      <a:round/>
+                      <a:headEnd type="none" w="med" len="med"/>
+                      <a:tailEnd type="none" w="med" len="med"/>
+                    </a:lnR>
+                    <a:lnT w="12700" cap="flat" cmpd="sng" algn="ctr">
+                      <a:solidFill>
+                        <a:schemeClr val="bg1"/>
+                      </a:solidFill>
+                      <a:prstDash val="solid"/>
+                      <a:round/>
+                      <a:headEnd type="none" w="med" len="med"/>
+                      <a:tailEnd type="none" w="med" len="med"/>
+                    </a:lnT>
+                    <a:lnB w="12700" cap="flat" cmpd="sng" algn="ctr">
+                      <a:solidFill>
+                        <a:schemeClr val="bg1"/>
+                      </a:solidFill>
+                      <a:prstDash val="solid"/>
+                      <a:round/>
+                      <a:headEnd type="none" w="med" len="med"/>
+                      <a:tailEnd type="none" w="med" len="med"/>
+                    </a:lnB>
+                    <a:lnTlToBr w="12700" cmpd="sng">
+                      <a:noFill/>
+                      <a:prstDash val="solid"/>
+                    </a:lnTlToBr>
+                    <a:lnBlToTr w="12700" cmpd="sng">
+                      <a:noFill/>
+                      <a:prstDash val="solid"/>
+                    </a:lnBlToTr>
+                  </a:tcPr>
+                </a:tc>
+                <a:tc>
+                  <a:txBody>
+                    <a:bodyPr/>
+                    <a:lstStyle/>
+                    <a:p>
+                      <a:pPr algn="ctr" fontAlgn="b"/>
+                      <a:r>
+                        <a:rPr lang="pt-BR" sz="1100" u="none" strike="noStrike" dirty="0">
+                          <a:solidFill>
+                            <a:srgbClr val="F94335"/>
+                          </a:solidFill>
+                          <a:latin typeface="Bahnschrift SemiBold SemiConden" panose="020B0502040204020203" pitchFamily="34" charset="0"/>
+                        </a:rPr>
+                        <a:t>13</a:t>
+                      </a:r>
+                      <a:endParaRPr lang="pt-BR" sz="1100" b="0" i="0" u="none" strike="noStrike" dirty="0">
+                        <a:solidFill>
+                          <a:srgbClr val="F94335"/>
+                        </a:solidFill>
+                        <a:latin typeface="Bahnschrift SemiBold SemiConden" panose="020B0502040204020203" pitchFamily="34" charset="0"/>
+                        <a:cs typeface="Arial" pitchFamily="34" charset="0"/>
+                      </a:endParaRPr>
+                    </a:p>
+                  </a:txBody>
+                  <a:tcPr marL="5795" marR="5795" marT="5795" marB="27814" anchor="b">
+                    <a:lnL w="12700" cap="flat" cmpd="sng" algn="ctr">
+                      <a:solidFill>
+                        <a:schemeClr val="bg1"/>
+                      </a:solidFill>
+                      <a:prstDash val="solid"/>
+                      <a:round/>
+                      <a:headEnd type="none" w="med" len="med"/>
+                      <a:tailEnd type="none" w="med" len="med"/>
+                    </a:lnL>
+                    <a:lnR w="12700" cap="flat" cmpd="sng" algn="ctr">
+                      <a:solidFill>
+                        <a:schemeClr val="bg1"/>
+                      </a:solidFill>
+                      <a:prstDash val="solid"/>
+                      <a:round/>
+                      <a:headEnd type="none" w="med" len="med"/>
+                      <a:tailEnd type="none" w="med" len="med"/>
+                    </a:lnR>
+                    <a:lnT w="12700" cap="flat" cmpd="sng" algn="ctr">
+                      <a:solidFill>
+                        <a:schemeClr val="bg1"/>
+                      </a:solidFill>
+                      <a:prstDash val="solid"/>
+                      <a:round/>
+                      <a:headEnd type="none" w="med" len="med"/>
+                      <a:tailEnd type="none" w="med" len="med"/>
+                    </a:lnT>
+                    <a:lnB w="12700" cap="flat" cmpd="sng" algn="ctr">
+                      <a:solidFill>
+                        <a:schemeClr val="bg1"/>
+                      </a:solidFill>
+                      <a:prstDash val="solid"/>
+                      <a:round/>
+                      <a:headEnd type="none" w="med" len="med"/>
+                      <a:tailEnd type="none" w="med" len="med"/>
+                    </a:lnB>
+                    <a:lnTlToBr w="12700" cmpd="sng">
+                      <a:noFill/>
+                      <a:prstDash val="solid"/>
+                    </a:lnTlToBr>
+                    <a:lnBlToTr w="12700" cmpd="sng">
+                      <a:noFill/>
+                      <a:prstDash val="solid"/>
+                    </a:lnBlToTr>
+                  </a:tcPr>
+                </a:tc>
+                <a:tc>
+                  <a:txBody>
+                    <a:bodyPr/>
+                    <a:lstStyle/>
+                    <a:p>
+                      <a:pPr algn="ctr" fontAlgn="b"/>
+                      <a:endParaRPr lang="pt-BR" sz="1100" b="0" i="0" u="none" strike="noStrike" dirty="0">
+                        <a:solidFill>
+                          <a:srgbClr val="F94335"/>
+                        </a:solidFill>
+                        <a:latin typeface="Bahnschrift SemiBold SemiConden" panose="020B0502040204020203" pitchFamily="34" charset="0"/>
+                        <a:cs typeface="Arial" pitchFamily="34" charset="0"/>
+                      </a:endParaRPr>
+                    </a:p>
+                  </a:txBody>
+                  <a:tcPr marL="5795" marR="5795" marT="5795" marB="27814" anchor="b">
+                    <a:lnL w="12700" cap="flat" cmpd="sng" algn="ctr">
+                      <a:solidFill>
+                        <a:schemeClr val="bg1"/>
+                      </a:solidFill>
+                      <a:prstDash val="solid"/>
+                      <a:round/>
+                      <a:headEnd type="none" w="med" len="med"/>
+                      <a:tailEnd type="none" w="med" len="med"/>
+                    </a:lnL>
+                    <a:lnR w="12700" cap="flat" cmpd="sng" algn="ctr">
+                      <a:solidFill>
+                        <a:schemeClr val="bg1"/>
+                      </a:solidFill>
+                      <a:prstDash val="solid"/>
+                      <a:round/>
+                      <a:headEnd type="none" w="med" len="med"/>
+                      <a:tailEnd type="none" w="med" len="med"/>
+                    </a:lnR>
+                    <a:lnT w="12700" cap="flat" cmpd="sng" algn="ctr">
+                      <a:solidFill>
+                        <a:schemeClr val="bg1"/>
+                      </a:solidFill>
+                      <a:prstDash val="solid"/>
+                      <a:round/>
+                      <a:headEnd type="none" w="med" len="med"/>
+                      <a:tailEnd type="none" w="med" len="med"/>
+                    </a:lnT>
+                    <a:lnB w="12700" cap="flat" cmpd="sng" algn="ctr">
+                      <a:solidFill>
+                        <a:schemeClr val="bg1"/>
+                      </a:solidFill>
+                      <a:prstDash val="solid"/>
+                      <a:round/>
+                      <a:headEnd type="none" w="med" len="med"/>
+                      <a:tailEnd type="none" w="med" len="med"/>
+                    </a:lnB>
+                    <a:lnTlToBr w="12700" cmpd="sng">
+                      <a:noFill/>
+                      <a:prstDash val="solid"/>
+                    </a:lnTlToBr>
+                    <a:lnBlToTr w="12700" cmpd="sng">
+                      <a:noFill/>
+                      <a:prstDash val="solid"/>
+                    </a:lnBlToTr>
+                  </a:tcPr>
+                </a:tc>
+                <a:extLst>
+                  <a:ext uri="{0D108BD9-81ED-4DB2-BD59-A6C34878D82A}">
+                    <a16:rowId xmlns:a16="http://schemas.microsoft.com/office/drawing/2014/main" val="10010"/>
+                  </a:ext>
+                </a:extLst>
+              </a:tr>
+              <a:tr h="255725">
+                <a:tc>
+                  <a:txBody>
+                    <a:bodyPr/>
+                    <a:lstStyle/>
+                    <a:p>
+                      <a:pPr algn="ctr" fontAlgn="b"/>
+                      <a:r>
+                        <a:rPr lang="pt-BR" sz="1100" b="1" i="0" u="none" strike="noStrike" dirty="0">
+                          <a:solidFill>
+                            <a:srgbClr val="F94335"/>
+                          </a:solidFill>
+                          <a:latin typeface="Bahnschrift SemiBold SemiConden" panose="020B0502040204020203" pitchFamily="34" charset="0"/>
+                          <a:cs typeface="Arial" pitchFamily="34" charset="0"/>
+                        </a:rPr>
+                        <a:t>9</a:t>
+                      </a:r>
+                    </a:p>
+                  </a:txBody>
+                  <a:tcPr marL="5795" marR="5795" marT="5795" marB="27814" anchor="b">
+                    <a:lnL w="12700" cmpd="sng">
+                      <a:noFill/>
+                    </a:lnL>
+                    <a:lnR w="12700" cap="flat" cmpd="sng" algn="ctr">
+                      <a:solidFill>
+                        <a:schemeClr val="bg1"/>
+                      </a:solidFill>
+                      <a:prstDash val="solid"/>
+                      <a:round/>
+                      <a:headEnd type="none" w="med" len="med"/>
+                      <a:tailEnd type="none" w="med" len="med"/>
+                    </a:lnR>
+                    <a:lnT w="12700" cap="flat" cmpd="sng" algn="ctr">
+                      <a:solidFill>
+                        <a:schemeClr val="bg1"/>
+                      </a:solidFill>
+                      <a:prstDash val="solid"/>
+                      <a:round/>
+                      <a:headEnd type="none" w="med" len="med"/>
+                      <a:tailEnd type="none" w="med" len="med"/>
+                    </a:lnT>
+                    <a:lnB w="12700" cap="flat" cmpd="sng" algn="ctr">
+                      <a:solidFill>
+                        <a:schemeClr val="bg1"/>
+                      </a:solidFill>
+                      <a:prstDash val="solid"/>
+                      <a:round/>
+                      <a:headEnd type="none" w="med" len="med"/>
+                      <a:tailEnd type="none" w="med" len="med"/>
+                    </a:lnB>
+                    <a:lnTlToBr w="12700" cmpd="sng">
+                      <a:noFill/>
+                      <a:prstDash val="solid"/>
+                    </a:lnTlToBr>
+                    <a:lnBlToTr w="12700" cmpd="sng">
+                      <a:noFill/>
+                      <a:prstDash val="solid"/>
+                    </a:lnBlToTr>
+                  </a:tcPr>
+                </a:tc>
+                <a:tc>
+                  <a:txBody>
+                    <a:bodyPr/>
+                    <a:lstStyle/>
+                    <a:p>
+                      <a:pPr algn="ctr" fontAlgn="b"/>
+                      <a:r>
+                        <a:rPr lang="pt-BR" sz="1100" b="0" i="0" u="none" strike="noStrike" dirty="0" smtClean="0">
+                          <a:solidFill>
+                            <a:srgbClr val="F94335"/>
+                          </a:solidFill>
+                          <a:latin typeface="Bahnschrift SemiBold SemiConden" panose="020B0502040204020203" pitchFamily="34" charset="0"/>
+                          <a:cs typeface="Arial" pitchFamily="34" charset="0"/>
+                        </a:rPr>
+                        <a:t>Disponibilidade</a:t>
+                      </a:r>
+                      <a:r>
+                        <a:rPr lang="pt-BR" sz="1100" b="0" i="0" u="none" strike="noStrike" baseline="0" dirty="0" smtClean="0">
+                          <a:solidFill>
+                            <a:srgbClr val="F94335"/>
+                          </a:solidFill>
+                          <a:latin typeface="Bahnschrift SemiBold SemiConden" panose="020B0502040204020203" pitchFamily="34" charset="0"/>
+                          <a:cs typeface="Arial" pitchFamily="34" charset="0"/>
+                        </a:rPr>
+                        <a:t> para diversas plataformas</a:t>
+                      </a:r>
+                      <a:endParaRPr lang="pt-BR" sz="1100" b="0" i="0" u="none" strike="noStrike" dirty="0">
+                        <a:solidFill>
+                          <a:srgbClr val="F94335"/>
+                        </a:solidFill>
+                        <a:latin typeface="Bahnschrift SemiBold SemiConden" panose="020B0502040204020203" pitchFamily="34" charset="0"/>
+                        <a:cs typeface="Arial" pitchFamily="34" charset="0"/>
+                      </a:endParaRPr>
+                    </a:p>
+                  </a:txBody>
+                  <a:tcPr marL="5795" marR="5795" marT="5795" marB="27814" anchor="b">
+                    <a:lnL w="12700" cap="flat" cmpd="sng" algn="ctr">
+                      <a:solidFill>
+                        <a:schemeClr val="bg1"/>
+                      </a:solidFill>
+                      <a:prstDash val="solid"/>
+                      <a:round/>
+                      <a:headEnd type="none" w="med" len="med"/>
+                      <a:tailEnd type="none" w="med" len="med"/>
+                    </a:lnL>
+                    <a:lnR w="12700" cap="flat" cmpd="sng" algn="ctr">
+                      <a:solidFill>
+                        <a:schemeClr val="bg1"/>
+                      </a:solidFill>
+                      <a:prstDash val="solid"/>
+                      <a:round/>
+                      <a:headEnd type="none" w="med" len="med"/>
+                      <a:tailEnd type="none" w="med" len="med"/>
+                    </a:lnR>
+                    <a:lnT w="12700" cap="flat" cmpd="sng" algn="ctr">
+                      <a:solidFill>
+                        <a:schemeClr val="bg1"/>
+                      </a:solidFill>
+                      <a:prstDash val="solid"/>
+                      <a:round/>
+                      <a:headEnd type="none" w="med" len="med"/>
+                      <a:tailEnd type="none" w="med" len="med"/>
+                    </a:lnT>
+                    <a:lnB w="12700" cap="flat" cmpd="sng" algn="ctr">
+                      <a:solidFill>
+                        <a:schemeClr val="bg1"/>
+                      </a:solidFill>
+                      <a:prstDash val="solid"/>
+                      <a:round/>
+                      <a:headEnd type="none" w="med" len="med"/>
+                      <a:tailEnd type="none" w="med" len="med"/>
+                    </a:lnB>
+                    <a:lnTlToBr w="12700" cmpd="sng">
+                      <a:noFill/>
+                      <a:prstDash val="solid"/>
+                    </a:lnTlToBr>
+                    <a:lnBlToTr w="12700" cmpd="sng">
+                      <a:noFill/>
+                      <a:prstDash val="solid"/>
+                    </a:lnBlToTr>
+                  </a:tcPr>
+                </a:tc>
+                <a:tc>
+                  <a:txBody>
+                    <a:bodyPr/>
+                    <a:lstStyle/>
+                    <a:p>
+                      <a:pPr algn="ctr" fontAlgn="b"/>
+                      <a:r>
+                        <a:rPr lang="pt-BR" sz="1100" u="none" strike="noStrike" dirty="0">
+                          <a:solidFill>
+                            <a:srgbClr val="F94335"/>
+                          </a:solidFill>
+                          <a:latin typeface="Bahnschrift SemiBold SemiConden" panose="020B0502040204020203" pitchFamily="34" charset="0"/>
+                        </a:rPr>
+                        <a:t>Importante</a:t>
+                      </a:r>
+                      <a:endParaRPr lang="pt-BR" sz="1100" b="0" i="0" u="none" strike="noStrike" dirty="0">
+                        <a:solidFill>
+                          <a:srgbClr val="F94335"/>
+                        </a:solidFill>
+                        <a:latin typeface="Bahnschrift SemiBold SemiConden" panose="020B0502040204020203" pitchFamily="34" charset="0"/>
+                        <a:cs typeface="Arial" pitchFamily="34" charset="0"/>
+                      </a:endParaRPr>
+                    </a:p>
+                  </a:txBody>
+                  <a:tcPr marL="5795" marR="5795" marT="5795" marB="27814" anchor="b">
+                    <a:lnL w="12700" cap="flat" cmpd="sng" algn="ctr">
+                      <a:solidFill>
+                        <a:schemeClr val="bg1"/>
+                      </a:solidFill>
+                      <a:prstDash val="solid"/>
+                      <a:round/>
+                      <a:headEnd type="none" w="med" len="med"/>
+                      <a:tailEnd type="none" w="med" len="med"/>
+                    </a:lnL>
+                    <a:lnR w="12700" cap="flat" cmpd="sng" algn="ctr">
+                      <a:solidFill>
+                        <a:schemeClr val="bg1"/>
+                      </a:solidFill>
+                      <a:prstDash val="solid"/>
+                      <a:round/>
+                      <a:headEnd type="none" w="med" len="med"/>
+                      <a:tailEnd type="none" w="med" len="med"/>
+                    </a:lnR>
+                    <a:lnT w="12700" cap="flat" cmpd="sng" algn="ctr">
+                      <a:solidFill>
+                        <a:schemeClr val="bg1"/>
+                      </a:solidFill>
+                      <a:prstDash val="solid"/>
+                      <a:round/>
+                      <a:headEnd type="none" w="med" len="med"/>
+                      <a:tailEnd type="none" w="med" len="med"/>
+                    </a:lnT>
+                    <a:lnB w="12700" cap="flat" cmpd="sng" algn="ctr">
+                      <a:solidFill>
+                        <a:schemeClr val="bg1"/>
+                      </a:solidFill>
+                      <a:prstDash val="solid"/>
+                      <a:round/>
+                      <a:headEnd type="none" w="med" len="med"/>
+                      <a:tailEnd type="none" w="med" len="med"/>
+                    </a:lnB>
+                    <a:lnTlToBr w="12700" cmpd="sng">
+                      <a:noFill/>
+                      <a:prstDash val="solid"/>
+                    </a:lnTlToBr>
+                    <a:lnBlToTr w="12700" cmpd="sng">
+                      <a:noFill/>
+                      <a:prstDash val="solid"/>
+                    </a:lnBlToTr>
+                  </a:tcPr>
+                </a:tc>
+                <a:tc>
+                  <a:txBody>
+                    <a:bodyPr/>
+                    <a:lstStyle/>
+                    <a:p>
+                      <a:pPr algn="ctr" fontAlgn="b"/>
+                      <a:r>
+                        <a:rPr lang="pt-BR" sz="1100" u="none" strike="noStrike" dirty="0">
+                          <a:solidFill>
+                            <a:srgbClr val="F94335"/>
+                          </a:solidFill>
+                          <a:latin typeface="Bahnschrift SemiBold SemiConden" panose="020B0502040204020203" pitchFamily="34" charset="0"/>
+                        </a:rPr>
+                        <a:t>8</a:t>
+                      </a:r>
+                      <a:endParaRPr lang="pt-BR" sz="1100" b="0" i="0" u="none" strike="noStrike" dirty="0">
+                        <a:solidFill>
+                          <a:srgbClr val="F94335"/>
+                        </a:solidFill>
+                        <a:latin typeface="Bahnschrift SemiBold SemiConden" panose="020B0502040204020203" pitchFamily="34" charset="0"/>
+                        <a:cs typeface="Arial" pitchFamily="34" charset="0"/>
+                      </a:endParaRPr>
+                    </a:p>
+                  </a:txBody>
+                  <a:tcPr marL="5795" marR="5795" marT="5795" marB="27814" anchor="b">
+                    <a:lnL w="12700" cap="flat" cmpd="sng" algn="ctr">
+                      <a:solidFill>
+                        <a:schemeClr val="bg1"/>
+                      </a:solidFill>
+                      <a:prstDash val="solid"/>
+                      <a:round/>
+                      <a:headEnd type="none" w="med" len="med"/>
+                      <a:tailEnd type="none" w="med" len="med"/>
+                    </a:lnL>
+                    <a:lnR w="12700" cap="flat" cmpd="sng" algn="ctr">
+                      <a:solidFill>
+                        <a:schemeClr val="bg1"/>
+                      </a:solidFill>
+                      <a:prstDash val="solid"/>
+                      <a:round/>
+                      <a:headEnd type="none" w="med" len="med"/>
+                      <a:tailEnd type="none" w="med" len="med"/>
+                    </a:lnR>
+                    <a:lnT w="12700" cap="flat" cmpd="sng" algn="ctr">
+                      <a:solidFill>
+                        <a:schemeClr val="bg1"/>
+                      </a:solidFill>
+                      <a:prstDash val="solid"/>
+                      <a:round/>
+                      <a:headEnd type="none" w="med" len="med"/>
+                      <a:tailEnd type="none" w="med" len="med"/>
+                    </a:lnT>
+                    <a:lnB w="12700" cap="flat" cmpd="sng" algn="ctr">
+                      <a:solidFill>
+                        <a:schemeClr val="bg1"/>
+                      </a:solidFill>
+                      <a:prstDash val="solid"/>
+                      <a:round/>
+                      <a:headEnd type="none" w="med" len="med"/>
+                      <a:tailEnd type="none" w="med" len="med"/>
+                    </a:lnB>
+                    <a:lnTlToBr w="12700" cmpd="sng">
+                      <a:noFill/>
+                      <a:prstDash val="solid"/>
+                    </a:lnTlToBr>
+                    <a:lnBlToTr w="12700" cmpd="sng">
+                      <a:noFill/>
+                      <a:prstDash val="solid"/>
+                    </a:lnBlToTr>
+                  </a:tcPr>
+                </a:tc>
+                <a:tc>
+                  <a:txBody>
+                    <a:bodyPr/>
+                    <a:lstStyle/>
+                    <a:p>
+                      <a:pPr algn="ctr" fontAlgn="b"/>
+                      <a:endParaRPr lang="pt-BR" sz="1100" b="0" i="0" u="none" strike="noStrike" dirty="0">
+                        <a:solidFill>
+                          <a:srgbClr val="F94335"/>
+                        </a:solidFill>
+                        <a:latin typeface="Bahnschrift SemiBold SemiConden" panose="020B0502040204020203" pitchFamily="34" charset="0"/>
+                        <a:cs typeface="Arial" pitchFamily="34" charset="0"/>
+                      </a:endParaRPr>
+                    </a:p>
+                  </a:txBody>
+                  <a:tcPr marL="5795" marR="5795" marT="5795" marB="27814" anchor="b">
+                    <a:lnL w="12700" cap="flat" cmpd="sng" algn="ctr">
+                      <a:solidFill>
+                        <a:schemeClr val="bg1"/>
+                      </a:solidFill>
+                      <a:prstDash val="solid"/>
+                      <a:round/>
+                      <a:headEnd type="none" w="med" len="med"/>
+                      <a:tailEnd type="none" w="med" len="med"/>
+                    </a:lnL>
+                    <a:lnR w="12700" cap="flat" cmpd="sng" algn="ctr">
+                      <a:solidFill>
+                        <a:schemeClr val="bg1"/>
+                      </a:solidFill>
+                      <a:prstDash val="solid"/>
+                      <a:round/>
+                      <a:headEnd type="none" w="med" len="med"/>
+                      <a:tailEnd type="none" w="med" len="med"/>
+                    </a:lnR>
+                    <a:lnT w="12700" cap="flat" cmpd="sng" algn="ctr">
+                      <a:solidFill>
+                        <a:schemeClr val="bg1"/>
+                      </a:solidFill>
+                      <a:prstDash val="solid"/>
+                      <a:round/>
+                      <a:headEnd type="none" w="med" len="med"/>
+                      <a:tailEnd type="none" w="med" len="med"/>
+                    </a:lnT>
+                    <a:lnB w="12700" cap="flat" cmpd="sng" algn="ctr">
+                      <a:solidFill>
+                        <a:schemeClr val="bg1"/>
+                      </a:solidFill>
+                      <a:prstDash val="solid"/>
+                      <a:round/>
+                      <a:headEnd type="none" w="med" len="med"/>
+                      <a:tailEnd type="none" w="med" len="med"/>
+                    </a:lnB>
+                    <a:lnTlToBr w="12700" cmpd="sng">
+                      <a:noFill/>
+                      <a:prstDash val="solid"/>
+                    </a:lnTlToBr>
+                    <a:lnBlToTr w="12700" cmpd="sng">
+                      <a:noFill/>
+                      <a:prstDash val="solid"/>
+                    </a:lnBlToTr>
+                  </a:tcPr>
+                </a:tc>
+                <a:extLst>
+                  <a:ext uri="{0D108BD9-81ED-4DB2-BD59-A6C34878D82A}">
+                    <a16:rowId xmlns:a16="http://schemas.microsoft.com/office/drawing/2014/main" val="10011"/>
+                  </a:ext>
+                </a:extLst>
+              </a:tr>
+              <a:tr h="256080">
+                <a:tc>
+                  <a:txBody>
+                    <a:bodyPr/>
+                    <a:lstStyle/>
+                    <a:p>
+                      <a:pPr algn="ctr" fontAlgn="b"/>
+                      <a:r>
+                        <a:rPr lang="pt-BR" sz="1100" u="none" strike="noStrike" dirty="0">
+                          <a:solidFill>
+                            <a:srgbClr val="F94335"/>
+                          </a:solidFill>
+                          <a:latin typeface="Bahnschrift SemiBold SemiConden" panose="020B0502040204020203" pitchFamily="34" charset="0"/>
+                        </a:rPr>
+                        <a:t>10</a:t>
+                      </a:r>
+                      <a:endParaRPr lang="pt-BR" sz="1100" b="1" i="0" u="none" strike="noStrike" dirty="0">
+                        <a:solidFill>
+                          <a:srgbClr val="F94335"/>
+                        </a:solidFill>
+                        <a:latin typeface="Bahnschrift SemiBold SemiConden" panose="020B0502040204020203" pitchFamily="34" charset="0"/>
+                        <a:cs typeface="Arial" pitchFamily="34" charset="0"/>
+                      </a:endParaRPr>
+                    </a:p>
+                  </a:txBody>
+                  <a:tcPr marL="5795" marR="5795" marT="5795" marB="27814" anchor="b">
+                    <a:lnL w="12700" cmpd="sng">
+                      <a:noFill/>
+                    </a:lnL>
+                    <a:lnR w="12700" cap="flat" cmpd="sng" algn="ctr">
+                      <a:solidFill>
+                        <a:schemeClr val="bg1"/>
+                      </a:solidFill>
+                      <a:prstDash val="solid"/>
+                      <a:round/>
+                      <a:headEnd type="none" w="med" len="med"/>
+                      <a:tailEnd type="none" w="med" len="med"/>
+                    </a:lnR>
+                    <a:lnT w="12700" cap="flat" cmpd="sng" algn="ctr">
+                      <a:solidFill>
+                        <a:schemeClr val="bg1"/>
+                      </a:solidFill>
+                      <a:prstDash val="solid"/>
+                      <a:round/>
+                      <a:headEnd type="none" w="med" len="med"/>
+                      <a:tailEnd type="none" w="med" len="med"/>
+                    </a:lnT>
+                    <a:lnB w="12700" cap="flat" cmpd="sng" algn="ctr">
+                      <a:solidFill>
+                        <a:schemeClr val="bg1"/>
+                      </a:solidFill>
+                      <a:prstDash val="solid"/>
+                      <a:round/>
+                      <a:headEnd type="none" w="med" len="med"/>
+                      <a:tailEnd type="none" w="med" len="med"/>
+                    </a:lnB>
+                    <a:lnTlToBr w="12700" cmpd="sng">
+                      <a:noFill/>
+                      <a:prstDash val="solid"/>
+                    </a:lnTlToBr>
+                    <a:lnBlToTr w="12700" cmpd="sng">
+                      <a:noFill/>
+                      <a:prstDash val="solid"/>
+                    </a:lnBlToTr>
+                  </a:tcPr>
+                </a:tc>
+                <a:tc>
+                  <a:txBody>
+                    <a:bodyPr/>
+                    <a:lstStyle/>
+                    <a:p>
+                      <a:pPr algn="ctr" fontAlgn="b"/>
+                      <a:r>
+                        <a:rPr lang="pt-BR" sz="1100" b="0" i="0" u="none" strike="noStrike" dirty="0" smtClean="0">
+                          <a:solidFill>
+                            <a:srgbClr val="F94335"/>
+                          </a:solidFill>
+                          <a:latin typeface="Bahnschrift SemiBold SemiConden" panose="020B0502040204020203" pitchFamily="34" charset="0"/>
+                          <a:cs typeface="Arial" pitchFamily="34" charset="0"/>
+                        </a:rPr>
+                        <a:t>Agenda do</a:t>
+                      </a:r>
+                      <a:r>
+                        <a:rPr lang="pt-BR" sz="1100" b="0" i="0" u="none" strike="noStrike" baseline="0" dirty="0" smtClean="0">
+                          <a:solidFill>
+                            <a:srgbClr val="F94335"/>
+                          </a:solidFill>
+                          <a:latin typeface="Bahnschrift SemiBold SemiConden" panose="020B0502040204020203" pitchFamily="34" charset="0"/>
+                          <a:cs typeface="Arial" pitchFamily="34" charset="0"/>
+                        </a:rPr>
+                        <a:t> paciente</a:t>
+                      </a:r>
+                      <a:endParaRPr lang="pt-BR" sz="1100" b="0" i="0" u="none" strike="noStrike" dirty="0">
+                        <a:solidFill>
+                          <a:srgbClr val="F94335"/>
+                        </a:solidFill>
+                        <a:latin typeface="Bahnschrift SemiBold SemiConden" panose="020B0502040204020203" pitchFamily="34" charset="0"/>
+                        <a:cs typeface="Arial" pitchFamily="34" charset="0"/>
+                      </a:endParaRPr>
+                    </a:p>
+                  </a:txBody>
+                  <a:tcPr marL="5795" marR="5795" marT="5795" marB="27814" anchor="b">
+                    <a:lnL w="12700" cap="flat" cmpd="sng" algn="ctr">
+                      <a:solidFill>
+                        <a:schemeClr val="bg1"/>
+                      </a:solidFill>
+                      <a:prstDash val="solid"/>
+                      <a:round/>
+                      <a:headEnd type="none" w="med" len="med"/>
+                      <a:tailEnd type="none" w="med" len="med"/>
+                    </a:lnL>
+                    <a:lnR w="12700" cap="flat" cmpd="sng" algn="ctr">
+                      <a:solidFill>
+                        <a:schemeClr val="bg1"/>
+                      </a:solidFill>
+                      <a:prstDash val="solid"/>
+                      <a:round/>
+                      <a:headEnd type="none" w="med" len="med"/>
+                      <a:tailEnd type="none" w="med" len="med"/>
+                    </a:lnR>
+                    <a:lnT w="12700" cap="flat" cmpd="sng" algn="ctr">
+                      <a:solidFill>
+                        <a:schemeClr val="bg1"/>
+                      </a:solidFill>
+                      <a:prstDash val="solid"/>
+                      <a:round/>
+                      <a:headEnd type="none" w="med" len="med"/>
+                      <a:tailEnd type="none" w="med" len="med"/>
+                    </a:lnT>
+                    <a:lnB w="12700" cap="flat" cmpd="sng" algn="ctr">
+                      <a:solidFill>
+                        <a:schemeClr val="bg1"/>
+                      </a:solidFill>
+                      <a:prstDash val="solid"/>
+                      <a:round/>
+                      <a:headEnd type="none" w="med" len="med"/>
+                      <a:tailEnd type="none" w="med" len="med"/>
+                    </a:lnB>
+                    <a:lnTlToBr w="12700" cmpd="sng">
+                      <a:noFill/>
+                      <a:prstDash val="solid"/>
+                    </a:lnTlToBr>
+                    <a:lnBlToTr w="12700" cmpd="sng">
+                      <a:noFill/>
+                      <a:prstDash val="solid"/>
+                    </a:lnBlToTr>
+                  </a:tcPr>
+                </a:tc>
+                <a:tc>
+                  <a:txBody>
+                    <a:bodyPr/>
+                    <a:lstStyle/>
+                    <a:p>
+                      <a:pPr algn="ctr" fontAlgn="b"/>
+                      <a:r>
+                        <a:rPr lang="pt-BR" sz="1100" u="none" strike="noStrike" dirty="0">
+                          <a:solidFill>
+                            <a:srgbClr val="F94335"/>
+                          </a:solidFill>
+                          <a:latin typeface="Bahnschrift SemiBold SemiConden" panose="020B0502040204020203" pitchFamily="34" charset="0"/>
+                        </a:rPr>
+                        <a:t>Importante</a:t>
+                      </a:r>
+                      <a:endParaRPr lang="pt-BR" sz="1100" b="0" i="0" u="none" strike="noStrike" dirty="0">
+                        <a:solidFill>
+                          <a:srgbClr val="F94335"/>
+                        </a:solidFill>
+                        <a:latin typeface="Bahnschrift SemiBold SemiConden" panose="020B0502040204020203" pitchFamily="34" charset="0"/>
+                        <a:cs typeface="Arial" pitchFamily="34" charset="0"/>
+                      </a:endParaRPr>
+                    </a:p>
+                  </a:txBody>
+                  <a:tcPr marL="5795" marR="5795" marT="5795" marB="27814" anchor="b">
+                    <a:lnL w="12700" cap="flat" cmpd="sng" algn="ctr">
+                      <a:solidFill>
+                        <a:schemeClr val="bg1"/>
+                      </a:solidFill>
+                      <a:prstDash val="solid"/>
+                      <a:round/>
+                      <a:headEnd type="none" w="med" len="med"/>
+                      <a:tailEnd type="none" w="med" len="med"/>
+                    </a:lnL>
+                    <a:lnR w="12700" cap="flat" cmpd="sng" algn="ctr">
+                      <a:solidFill>
+                        <a:schemeClr val="bg1"/>
+                      </a:solidFill>
+                      <a:prstDash val="solid"/>
+                      <a:round/>
+                      <a:headEnd type="none" w="med" len="med"/>
+                      <a:tailEnd type="none" w="med" len="med"/>
+                    </a:lnR>
+                    <a:lnT w="12700" cap="flat" cmpd="sng" algn="ctr">
+                      <a:solidFill>
+                        <a:schemeClr val="bg1"/>
+                      </a:solidFill>
+                      <a:prstDash val="solid"/>
+                      <a:round/>
+                      <a:headEnd type="none" w="med" len="med"/>
+                      <a:tailEnd type="none" w="med" len="med"/>
+                    </a:lnT>
+                    <a:lnB w="12700" cap="flat" cmpd="sng" algn="ctr">
+                      <a:solidFill>
+                        <a:schemeClr val="bg1"/>
+                      </a:solidFill>
+                      <a:prstDash val="solid"/>
+                      <a:round/>
+                      <a:headEnd type="none" w="med" len="med"/>
+                      <a:tailEnd type="none" w="med" len="med"/>
+                    </a:lnB>
+                    <a:lnTlToBr w="12700" cmpd="sng">
+                      <a:noFill/>
+                      <a:prstDash val="solid"/>
+                    </a:lnTlToBr>
+                    <a:lnBlToTr w="12700" cmpd="sng">
+                      <a:noFill/>
+                      <a:prstDash val="solid"/>
+                    </a:lnBlToTr>
+                  </a:tcPr>
+                </a:tc>
+                <a:tc>
+                  <a:txBody>
+                    <a:bodyPr/>
+                    <a:lstStyle/>
+                    <a:p>
+                      <a:pPr algn="ctr" fontAlgn="b"/>
+                      <a:r>
+                        <a:rPr lang="pt-BR" sz="1100" b="0" i="0" u="none" strike="noStrike" dirty="0">
+                          <a:solidFill>
+                            <a:srgbClr val="F94335"/>
+                          </a:solidFill>
+                          <a:latin typeface="Bahnschrift SemiBold SemiConden" panose="020B0502040204020203" pitchFamily="34" charset="0"/>
+                          <a:cs typeface="Arial" pitchFamily="34" charset="0"/>
+                        </a:rPr>
+                        <a:t>8</a:t>
+                      </a:r>
+                    </a:p>
+                  </a:txBody>
+                  <a:tcPr marL="5795" marR="5795" marT="5795" marB="27814" anchor="b">
+                    <a:lnL w="12700" cap="flat" cmpd="sng" algn="ctr">
+                      <a:solidFill>
+                        <a:schemeClr val="bg1"/>
+                      </a:solidFill>
+                      <a:prstDash val="solid"/>
+                      <a:round/>
+                      <a:headEnd type="none" w="med" len="med"/>
+                      <a:tailEnd type="none" w="med" len="med"/>
+                    </a:lnL>
+                    <a:lnR w="12700" cap="flat" cmpd="sng" algn="ctr">
+                      <a:solidFill>
+                        <a:schemeClr val="bg1"/>
+                      </a:solidFill>
+                      <a:prstDash val="solid"/>
+                      <a:round/>
+                      <a:headEnd type="none" w="med" len="med"/>
+                      <a:tailEnd type="none" w="med" len="med"/>
+                    </a:lnR>
+                    <a:lnT w="12700" cap="flat" cmpd="sng" algn="ctr">
+                      <a:solidFill>
+                        <a:schemeClr val="bg1"/>
+                      </a:solidFill>
+                      <a:prstDash val="solid"/>
+                      <a:round/>
+                      <a:headEnd type="none" w="med" len="med"/>
+                      <a:tailEnd type="none" w="med" len="med"/>
+                    </a:lnT>
+                    <a:lnB w="12700" cap="flat" cmpd="sng" algn="ctr">
+                      <a:solidFill>
+                        <a:schemeClr val="bg1"/>
+                      </a:solidFill>
+                      <a:prstDash val="solid"/>
+                      <a:round/>
+                      <a:headEnd type="none" w="med" len="med"/>
+                      <a:tailEnd type="none" w="med" len="med"/>
+                    </a:lnB>
+                    <a:lnTlToBr w="12700" cmpd="sng">
+                      <a:noFill/>
+                      <a:prstDash val="solid"/>
+                    </a:lnTlToBr>
+                    <a:lnBlToTr w="12700" cmpd="sng">
+                      <a:noFill/>
+                      <a:prstDash val="solid"/>
+                    </a:lnBlToTr>
+                  </a:tcPr>
+                </a:tc>
+                <a:tc>
+                  <a:txBody>
+                    <a:bodyPr/>
+                    <a:lstStyle/>
+                    <a:p>
+                      <a:pPr algn="ctr" fontAlgn="b"/>
+                      <a:endParaRPr lang="pt-BR" sz="1100" b="0" i="0" u="none" strike="noStrike" dirty="0">
+                        <a:solidFill>
+                          <a:srgbClr val="F94335"/>
+                        </a:solidFill>
+                        <a:latin typeface="Bahnschrift SemiBold SemiConden" panose="020B0502040204020203" pitchFamily="34" charset="0"/>
+                        <a:cs typeface="Arial" pitchFamily="34" charset="0"/>
+                      </a:endParaRPr>
+                    </a:p>
+                  </a:txBody>
+                  <a:tcPr marL="5795" marR="5795" marT="5795" marB="27814" anchor="b">
+                    <a:lnL w="12700" cap="flat" cmpd="sng" algn="ctr">
+                      <a:solidFill>
+                        <a:schemeClr val="bg1"/>
+                      </a:solidFill>
+                      <a:prstDash val="solid"/>
+                      <a:round/>
+                      <a:headEnd type="none" w="med" len="med"/>
+                      <a:tailEnd type="none" w="med" len="med"/>
+                    </a:lnL>
+                    <a:lnR w="12700" cap="flat" cmpd="sng" algn="ctr">
+                      <a:solidFill>
+                        <a:schemeClr val="bg1"/>
+                      </a:solidFill>
+                      <a:prstDash val="solid"/>
+                      <a:round/>
+                      <a:headEnd type="none" w="med" len="med"/>
+                      <a:tailEnd type="none" w="med" len="med"/>
+                    </a:lnR>
+                    <a:lnT w="12700" cap="flat" cmpd="sng" algn="ctr">
+                      <a:solidFill>
+                        <a:schemeClr val="bg1"/>
+                      </a:solidFill>
+                      <a:prstDash val="solid"/>
+                      <a:round/>
+                      <a:headEnd type="none" w="med" len="med"/>
+                      <a:tailEnd type="none" w="med" len="med"/>
+                    </a:lnT>
+                    <a:lnB w="12700" cap="flat" cmpd="sng" algn="ctr">
+                      <a:solidFill>
+                        <a:schemeClr val="bg1"/>
+                      </a:solidFill>
+                      <a:prstDash val="solid"/>
+                      <a:round/>
+                      <a:headEnd type="none" w="med" len="med"/>
+                      <a:tailEnd type="none" w="med" len="med"/>
+                    </a:lnB>
+                    <a:lnTlToBr w="12700" cmpd="sng">
+                      <a:noFill/>
+                      <a:prstDash val="solid"/>
+                    </a:lnTlToBr>
+                    <a:lnBlToTr w="12700" cmpd="sng">
+                      <a:noFill/>
+                      <a:prstDash val="solid"/>
+                    </a:lnBlToTr>
+                  </a:tcPr>
+                </a:tc>
+                <a:extLst>
+                  <a:ext uri="{0D108BD9-81ED-4DB2-BD59-A6C34878D82A}">
+                    <a16:rowId xmlns:a16="http://schemas.microsoft.com/office/drawing/2014/main" val="10012"/>
+                  </a:ext>
+                </a:extLst>
+              </a:tr>
+              <a:tr h="256080">
+                <a:tc>
+                  <a:txBody>
+                    <a:bodyPr/>
+                    <a:lstStyle/>
+                    <a:p>
+                      <a:pPr algn="ctr" fontAlgn="b"/>
+                      <a:r>
+                        <a:rPr lang="pt-BR" sz="1100" u="none" strike="noStrike" dirty="0">
+                          <a:solidFill>
+                            <a:srgbClr val="F94335"/>
+                          </a:solidFill>
+                          <a:latin typeface="Bahnschrift SemiBold SemiConden" panose="020B0502040204020203" pitchFamily="34" charset="0"/>
+                        </a:rPr>
+                        <a:t>11</a:t>
+                      </a:r>
+                      <a:endParaRPr lang="pt-BR" sz="1100" b="1" i="0" u="none" strike="noStrike" dirty="0">
+                        <a:solidFill>
+                          <a:srgbClr val="F94335"/>
+                        </a:solidFill>
+                        <a:latin typeface="Bahnschrift SemiBold SemiConden" panose="020B0502040204020203" pitchFamily="34" charset="0"/>
+                        <a:cs typeface="Arial" pitchFamily="34" charset="0"/>
+                      </a:endParaRPr>
+                    </a:p>
+                  </a:txBody>
+                  <a:tcPr marL="5795" marR="5795" marT="5795" marB="27814" anchor="b">
+                    <a:lnL w="12700" cmpd="sng">
+                      <a:noFill/>
+                    </a:lnL>
+                    <a:lnR w="12700" cap="flat" cmpd="sng" algn="ctr">
+                      <a:solidFill>
+                        <a:schemeClr val="bg1"/>
+                      </a:solidFill>
+                      <a:prstDash val="solid"/>
+                      <a:round/>
+                      <a:headEnd type="none" w="med" len="med"/>
+                      <a:tailEnd type="none" w="med" len="med"/>
+                    </a:lnR>
+                    <a:lnT w="12700" cap="flat" cmpd="sng" algn="ctr">
+                      <a:solidFill>
+                        <a:schemeClr val="bg1"/>
+                      </a:solidFill>
+                      <a:prstDash val="solid"/>
+                      <a:round/>
+                      <a:headEnd type="none" w="med" len="med"/>
+                      <a:tailEnd type="none" w="med" len="med"/>
+                    </a:lnT>
+                    <a:lnB w="12700" cap="flat" cmpd="sng" algn="ctr">
+                      <a:solidFill>
+                        <a:schemeClr val="bg1"/>
+                      </a:solidFill>
+                      <a:prstDash val="solid"/>
+                      <a:round/>
+                      <a:headEnd type="none" w="med" len="med"/>
+                      <a:tailEnd type="none" w="med" len="med"/>
+                    </a:lnB>
+                    <a:lnTlToBr w="12700" cmpd="sng">
+                      <a:noFill/>
+                      <a:prstDash val="solid"/>
+                    </a:lnTlToBr>
+                    <a:lnBlToTr w="12700" cmpd="sng">
+                      <a:noFill/>
+                      <a:prstDash val="solid"/>
+                    </a:lnBlToTr>
+                  </a:tcPr>
+                </a:tc>
+                <a:tc>
+                  <a:txBody>
+                    <a:bodyPr/>
+                    <a:lstStyle/>
+                    <a:p>
+                      <a:pPr marL="0" marR="0" lvl="0" indent="0" algn="ctr" defTabSz="914400" rtl="0" eaLnBrk="1" fontAlgn="b" latinLnBrk="0" hangingPunct="1">
+                        <a:lnSpc>
+                          <a:spcPct val="100000"/>
+                        </a:lnSpc>
+                        <a:spcBef>
+                          <a:spcPts val="0"/>
+                        </a:spcBef>
+                        <a:spcAft>
+                          <a:spcPts val="0"/>
+                        </a:spcAft>
+                        <a:buClrTx/>
+                        <a:buSzTx/>
+                        <a:buFontTx/>
+                        <a:buNone/>
+                        <a:tabLst/>
+                        <a:defRPr/>
+                      </a:pPr>
+                      <a:r>
+                        <a:rPr lang="pt-BR" sz="1100" b="0" i="0" u="none" strike="noStrike" dirty="0" smtClean="0">
+                          <a:solidFill>
+                            <a:srgbClr val="F94335"/>
+                          </a:solidFill>
+                          <a:latin typeface="Bahnschrift SemiBold SemiConden" panose="020B0502040204020203" pitchFamily="34" charset="0"/>
+                          <a:cs typeface="Arial" pitchFamily="34" charset="0"/>
+                        </a:rPr>
+                        <a:t>Ficha</a:t>
+                      </a:r>
+                      <a:r>
+                        <a:rPr lang="pt-BR" sz="1100" b="0" i="0" u="none" strike="noStrike" baseline="0" dirty="0" smtClean="0">
+                          <a:solidFill>
+                            <a:srgbClr val="F94335"/>
+                          </a:solidFill>
+                          <a:latin typeface="Bahnschrift SemiBold SemiConden" panose="020B0502040204020203" pitchFamily="34" charset="0"/>
+                          <a:cs typeface="Arial" pitchFamily="34" charset="0"/>
+                        </a:rPr>
+                        <a:t> de pacientes</a:t>
+                      </a:r>
+                      <a:endParaRPr lang="pt-BR" sz="1100" b="0" i="0" u="none" strike="noStrike" dirty="0">
+                        <a:solidFill>
+                          <a:srgbClr val="F94335"/>
+                        </a:solidFill>
+                        <a:latin typeface="Bahnschrift SemiBold SemiConden" panose="020B0502040204020203" pitchFamily="34" charset="0"/>
+                        <a:cs typeface="Arial" pitchFamily="34" charset="0"/>
+                      </a:endParaRPr>
+                    </a:p>
+                  </a:txBody>
+                  <a:tcPr marL="5795" marR="5795" marT="5795" marB="27814" anchor="b">
+                    <a:lnL w="12700" cap="flat" cmpd="sng" algn="ctr">
+                      <a:solidFill>
+                        <a:schemeClr val="bg1"/>
+                      </a:solidFill>
+                      <a:prstDash val="solid"/>
+                      <a:round/>
+                      <a:headEnd type="none" w="med" len="med"/>
+                      <a:tailEnd type="none" w="med" len="med"/>
+                    </a:lnL>
+                    <a:lnR w="12700" cap="flat" cmpd="sng" algn="ctr">
+                      <a:solidFill>
+                        <a:schemeClr val="bg1"/>
+                      </a:solidFill>
+                      <a:prstDash val="solid"/>
+                      <a:round/>
+                      <a:headEnd type="none" w="med" len="med"/>
+                      <a:tailEnd type="none" w="med" len="med"/>
+                    </a:lnR>
+                    <a:lnT w="12700" cap="flat" cmpd="sng" algn="ctr">
+                      <a:solidFill>
+                        <a:schemeClr val="bg1"/>
+                      </a:solidFill>
+                      <a:prstDash val="solid"/>
+                      <a:round/>
+                      <a:headEnd type="none" w="med" len="med"/>
+                      <a:tailEnd type="none" w="med" len="med"/>
+                    </a:lnT>
+                    <a:lnB w="12700" cap="flat" cmpd="sng" algn="ctr">
+                      <a:solidFill>
+                        <a:schemeClr val="bg1"/>
+                      </a:solidFill>
+                      <a:prstDash val="solid"/>
+                      <a:round/>
+                      <a:headEnd type="none" w="med" len="med"/>
+                      <a:tailEnd type="none" w="med" len="med"/>
+                    </a:lnB>
+                    <a:lnTlToBr w="12700" cmpd="sng">
+                      <a:noFill/>
+                      <a:prstDash val="solid"/>
+                    </a:lnTlToBr>
+                    <a:lnBlToTr w="12700" cmpd="sng">
+                      <a:noFill/>
+                      <a:prstDash val="solid"/>
+                    </a:lnBlToTr>
+                  </a:tcPr>
+                </a:tc>
+                <a:tc>
+                  <a:txBody>
+                    <a:bodyPr/>
+                    <a:lstStyle/>
+                    <a:p>
+                      <a:pPr algn="ctr" fontAlgn="b"/>
+                      <a:r>
+                        <a:rPr lang="pt-BR" sz="1100" u="none" strike="noStrike" dirty="0">
+                          <a:solidFill>
+                            <a:srgbClr val="F94335"/>
+                          </a:solidFill>
+                          <a:latin typeface="Bahnschrift SemiBold SemiConden" panose="020B0502040204020203" pitchFamily="34" charset="0"/>
+                        </a:rPr>
+                        <a:t>Essencial</a:t>
+                      </a:r>
+                      <a:endParaRPr lang="pt-BR" sz="1100" b="0" i="0" u="none" strike="noStrike" dirty="0">
+                        <a:solidFill>
+                          <a:srgbClr val="F94335"/>
+                        </a:solidFill>
+                        <a:latin typeface="Bahnschrift SemiBold SemiConden" panose="020B0502040204020203" pitchFamily="34" charset="0"/>
+                        <a:cs typeface="Arial" pitchFamily="34" charset="0"/>
+                      </a:endParaRPr>
+                    </a:p>
+                  </a:txBody>
+                  <a:tcPr marL="5795" marR="5795" marT="5795" marB="27814" anchor="b">
+                    <a:lnL w="12700" cap="flat" cmpd="sng" algn="ctr">
+                      <a:solidFill>
+                        <a:schemeClr val="bg1"/>
+                      </a:solidFill>
+                      <a:prstDash val="solid"/>
+                      <a:round/>
+                      <a:headEnd type="none" w="med" len="med"/>
+                      <a:tailEnd type="none" w="med" len="med"/>
+                    </a:lnL>
+                    <a:lnR w="12700" cap="flat" cmpd="sng" algn="ctr">
+                      <a:solidFill>
+                        <a:schemeClr val="bg1"/>
+                      </a:solidFill>
+                      <a:prstDash val="solid"/>
+                      <a:round/>
+                      <a:headEnd type="none" w="med" len="med"/>
+                      <a:tailEnd type="none" w="med" len="med"/>
+                    </a:lnR>
+                    <a:lnT w="12700" cap="flat" cmpd="sng" algn="ctr">
+                      <a:solidFill>
+                        <a:schemeClr val="bg1"/>
+                      </a:solidFill>
+                      <a:prstDash val="solid"/>
+                      <a:round/>
+                      <a:headEnd type="none" w="med" len="med"/>
+                      <a:tailEnd type="none" w="med" len="med"/>
+                    </a:lnT>
+                    <a:lnB w="12700" cap="flat" cmpd="sng" algn="ctr">
+                      <a:solidFill>
+                        <a:schemeClr val="bg1"/>
+                      </a:solidFill>
+                      <a:prstDash val="solid"/>
+                      <a:round/>
+                      <a:headEnd type="none" w="med" len="med"/>
+                      <a:tailEnd type="none" w="med" len="med"/>
+                    </a:lnB>
+                    <a:lnTlToBr w="12700" cmpd="sng">
+                      <a:noFill/>
+                      <a:prstDash val="solid"/>
+                    </a:lnTlToBr>
+                    <a:lnBlToTr w="12700" cmpd="sng">
+                      <a:noFill/>
+                      <a:prstDash val="solid"/>
+                    </a:lnBlToTr>
+                  </a:tcPr>
+                </a:tc>
+                <a:tc>
+                  <a:txBody>
+                    <a:bodyPr/>
+                    <a:lstStyle/>
+                    <a:p>
+                      <a:pPr algn="ctr" fontAlgn="b"/>
+                      <a:r>
+                        <a:rPr lang="pt-BR" sz="1100" b="0" i="0" u="none" strike="noStrike" dirty="0">
+                          <a:solidFill>
+                            <a:srgbClr val="F94335"/>
+                          </a:solidFill>
+                          <a:latin typeface="Bahnschrift SemiBold SemiConden" panose="020B0502040204020203" pitchFamily="34" charset="0"/>
+                          <a:cs typeface="Arial" pitchFamily="34" charset="0"/>
+                        </a:rPr>
+                        <a:t>8</a:t>
+                      </a:r>
+                    </a:p>
+                  </a:txBody>
+                  <a:tcPr marL="5795" marR="5795" marT="5795" marB="27814" anchor="b">
+                    <a:lnL w="12700" cap="flat" cmpd="sng" algn="ctr">
+                      <a:solidFill>
+                        <a:schemeClr val="bg1"/>
+                      </a:solidFill>
+                      <a:prstDash val="solid"/>
+                      <a:round/>
+                      <a:headEnd type="none" w="med" len="med"/>
+                      <a:tailEnd type="none" w="med" len="med"/>
+                    </a:lnL>
+                    <a:lnR w="12700" cap="flat" cmpd="sng" algn="ctr">
+                      <a:solidFill>
+                        <a:schemeClr val="bg1"/>
+                      </a:solidFill>
+                      <a:prstDash val="solid"/>
+                      <a:round/>
+                      <a:headEnd type="none" w="med" len="med"/>
+                      <a:tailEnd type="none" w="med" len="med"/>
+                    </a:lnR>
+                    <a:lnT w="12700" cap="flat" cmpd="sng" algn="ctr">
+                      <a:solidFill>
+                        <a:schemeClr val="bg1"/>
+                      </a:solidFill>
+                      <a:prstDash val="solid"/>
+                      <a:round/>
+                      <a:headEnd type="none" w="med" len="med"/>
+                      <a:tailEnd type="none" w="med" len="med"/>
+                    </a:lnT>
+                    <a:lnB w="12700" cap="flat" cmpd="sng" algn="ctr">
+                      <a:solidFill>
+                        <a:schemeClr val="bg1"/>
+                      </a:solidFill>
+                      <a:prstDash val="solid"/>
+                      <a:round/>
+                      <a:headEnd type="none" w="med" len="med"/>
+                      <a:tailEnd type="none" w="med" len="med"/>
+                    </a:lnB>
+                    <a:lnTlToBr w="12700" cmpd="sng">
+                      <a:noFill/>
+                      <a:prstDash val="solid"/>
+                    </a:lnTlToBr>
+                    <a:lnBlToTr w="12700" cmpd="sng">
+                      <a:noFill/>
+                      <a:prstDash val="solid"/>
+                    </a:lnBlToTr>
+                  </a:tcPr>
+                </a:tc>
+                <a:tc>
+                  <a:txBody>
+                    <a:bodyPr/>
+                    <a:lstStyle/>
+                    <a:p>
+                      <a:pPr algn="ctr" fontAlgn="b"/>
+                      <a:endParaRPr lang="pt-BR" sz="1100" b="0" i="0" u="none" strike="noStrike" dirty="0">
+                        <a:solidFill>
+                          <a:srgbClr val="F94335"/>
+                        </a:solidFill>
+                        <a:latin typeface="Bahnschrift SemiBold SemiConden" panose="020B0502040204020203" pitchFamily="34" charset="0"/>
+                        <a:cs typeface="Arial" pitchFamily="34" charset="0"/>
+                      </a:endParaRPr>
+                    </a:p>
+                  </a:txBody>
+                  <a:tcPr marL="5795" marR="5795" marT="5795" marB="27814" anchor="b">
+                    <a:lnL w="12700" cap="flat" cmpd="sng" algn="ctr">
+                      <a:solidFill>
+                        <a:schemeClr val="bg1"/>
+                      </a:solidFill>
+                      <a:prstDash val="solid"/>
+                      <a:round/>
+                      <a:headEnd type="none" w="med" len="med"/>
+                      <a:tailEnd type="none" w="med" len="med"/>
+                    </a:lnL>
+                    <a:lnR w="12700" cap="flat" cmpd="sng" algn="ctr">
+                      <a:solidFill>
+                        <a:schemeClr val="bg1"/>
+                      </a:solidFill>
+                      <a:prstDash val="solid"/>
+                      <a:round/>
+                      <a:headEnd type="none" w="med" len="med"/>
+                      <a:tailEnd type="none" w="med" len="med"/>
+                    </a:lnR>
+                    <a:lnT w="12700" cap="flat" cmpd="sng" algn="ctr">
+                      <a:solidFill>
+                        <a:schemeClr val="bg1"/>
+                      </a:solidFill>
+                      <a:prstDash val="solid"/>
+                      <a:round/>
+                      <a:headEnd type="none" w="med" len="med"/>
+                      <a:tailEnd type="none" w="med" len="med"/>
+                    </a:lnT>
+                    <a:lnB w="12700" cap="flat" cmpd="sng" algn="ctr">
+                      <a:solidFill>
+                        <a:schemeClr val="bg1"/>
+                      </a:solidFill>
+                      <a:prstDash val="solid"/>
+                      <a:round/>
+                      <a:headEnd type="none" w="med" len="med"/>
+                      <a:tailEnd type="none" w="med" len="med"/>
+                    </a:lnB>
+                    <a:lnTlToBr w="12700" cmpd="sng">
+                      <a:noFill/>
+                      <a:prstDash val="solid"/>
+                    </a:lnTlToBr>
+                    <a:lnBlToTr w="12700" cmpd="sng">
+                      <a:noFill/>
+                      <a:prstDash val="solid"/>
+                    </a:lnBlToTr>
+                  </a:tcPr>
+                </a:tc>
+                <a:extLst>
+                  <a:ext uri="{0D108BD9-81ED-4DB2-BD59-A6C34878D82A}">
+                    <a16:rowId xmlns:a16="http://schemas.microsoft.com/office/drawing/2014/main" val="10013"/>
+                  </a:ext>
+                </a:extLst>
+              </a:tr>
+              <a:tr h="256080">
+                <a:tc>
+                  <a:txBody>
+                    <a:bodyPr/>
+                    <a:lstStyle/>
+                    <a:p>
+                      <a:pPr algn="ctr" fontAlgn="b"/>
+                      <a:r>
+                        <a:rPr lang="pt-BR" sz="1100" u="none" strike="noStrike" dirty="0">
+                          <a:solidFill>
+                            <a:srgbClr val="F94335"/>
+                          </a:solidFill>
+                          <a:latin typeface="Bahnschrift SemiBold SemiConden" panose="020B0502040204020203" pitchFamily="34" charset="0"/>
+                        </a:rPr>
+                        <a:t>12</a:t>
+                      </a:r>
+                      <a:endParaRPr lang="pt-BR" sz="1100" b="1" i="0" u="none" strike="noStrike" dirty="0">
+                        <a:solidFill>
+                          <a:srgbClr val="F94335"/>
+                        </a:solidFill>
+                        <a:latin typeface="Bahnschrift SemiBold SemiConden" panose="020B0502040204020203" pitchFamily="34" charset="0"/>
+                        <a:cs typeface="Arial" pitchFamily="34" charset="0"/>
+                      </a:endParaRPr>
+                    </a:p>
+                  </a:txBody>
+                  <a:tcPr marL="5795" marR="5795" marT="5795" marB="27814" anchor="b">
+                    <a:lnL w="12700" cmpd="sng">
+                      <a:noFill/>
+                    </a:lnL>
+                    <a:lnR w="12700" cap="flat" cmpd="sng" algn="ctr">
+                      <a:solidFill>
+                        <a:schemeClr val="bg1"/>
+                      </a:solidFill>
+                      <a:prstDash val="solid"/>
+                      <a:round/>
+                      <a:headEnd type="none" w="med" len="med"/>
+                      <a:tailEnd type="none" w="med" len="med"/>
+                    </a:lnR>
+                    <a:lnT w="12700" cap="flat" cmpd="sng" algn="ctr">
+                      <a:solidFill>
+                        <a:schemeClr val="bg1"/>
+                      </a:solidFill>
+                      <a:prstDash val="solid"/>
+                      <a:round/>
+                      <a:headEnd type="none" w="med" len="med"/>
+                      <a:tailEnd type="none" w="med" len="med"/>
+                    </a:lnT>
+                    <a:lnB w="12700" cap="flat" cmpd="sng" algn="ctr">
+                      <a:solidFill>
+                        <a:schemeClr val="bg1"/>
+                      </a:solidFill>
+                      <a:prstDash val="solid"/>
+                      <a:round/>
+                      <a:headEnd type="none" w="med" len="med"/>
+                      <a:tailEnd type="none" w="med" len="med"/>
+                    </a:lnB>
+                    <a:lnTlToBr w="12700" cmpd="sng">
+                      <a:noFill/>
+                      <a:prstDash val="solid"/>
+                    </a:lnTlToBr>
+                    <a:lnBlToTr w="12700" cmpd="sng">
+                      <a:noFill/>
+                      <a:prstDash val="solid"/>
+                    </a:lnBlToTr>
+                  </a:tcPr>
+                </a:tc>
+                <a:tc>
+                  <a:txBody>
+                    <a:bodyPr/>
+                    <a:lstStyle/>
+                    <a:p>
+                      <a:pPr marL="0" marR="0" lvl="0" indent="0" algn="ctr" defTabSz="914400" rtl="0" eaLnBrk="1" fontAlgn="b" latinLnBrk="0" hangingPunct="1">
+                        <a:lnSpc>
+                          <a:spcPct val="100000"/>
+                        </a:lnSpc>
+                        <a:spcBef>
+                          <a:spcPts val="0"/>
+                        </a:spcBef>
+                        <a:spcAft>
+                          <a:spcPts val="0"/>
+                        </a:spcAft>
+                        <a:buClrTx/>
+                        <a:buSzTx/>
+                        <a:buFontTx/>
+                        <a:buNone/>
+                        <a:tabLst/>
+                        <a:defRPr/>
+                      </a:pPr>
+                      <a:r>
+                        <a:rPr lang="pt-BR" sz="1100" b="0" i="0" u="none" strike="noStrike" dirty="0" smtClean="0">
+                          <a:solidFill>
+                            <a:srgbClr val="F94335"/>
+                          </a:solidFill>
+                          <a:latin typeface="Bahnschrift SemiBold SemiConden" panose="020B0502040204020203" pitchFamily="34" charset="0"/>
+                          <a:cs typeface="Arial" pitchFamily="34" charset="0"/>
+                        </a:rPr>
+                        <a:t>Status de Remédios</a:t>
+                      </a:r>
+                      <a:r>
+                        <a:rPr lang="pt-BR" sz="1100" b="0" i="0" u="none" strike="noStrike" baseline="0" dirty="0" smtClean="0">
+                          <a:solidFill>
+                            <a:srgbClr val="F94335"/>
+                          </a:solidFill>
+                          <a:latin typeface="Bahnschrift SemiBold SemiConden" panose="020B0502040204020203" pitchFamily="34" charset="0"/>
+                          <a:cs typeface="Arial" pitchFamily="34" charset="0"/>
+                        </a:rPr>
+                        <a:t> </a:t>
+                      </a:r>
+                      <a:endParaRPr lang="pt-BR" sz="1100" b="0" i="0" u="none" strike="noStrike" dirty="0">
+                        <a:solidFill>
+                          <a:srgbClr val="F94335"/>
+                        </a:solidFill>
+                        <a:latin typeface="Bahnschrift SemiBold SemiConden" panose="020B0502040204020203" pitchFamily="34" charset="0"/>
+                        <a:cs typeface="Arial" pitchFamily="34" charset="0"/>
+                      </a:endParaRPr>
+                    </a:p>
+                  </a:txBody>
+                  <a:tcPr marL="5795" marR="5795" marT="5795" marB="27814" anchor="b">
+                    <a:lnL w="12700" cap="flat" cmpd="sng" algn="ctr">
+                      <a:solidFill>
+                        <a:schemeClr val="bg1"/>
+                      </a:solidFill>
+                      <a:prstDash val="solid"/>
+                      <a:round/>
+                      <a:headEnd type="none" w="med" len="med"/>
+                      <a:tailEnd type="none" w="med" len="med"/>
+                    </a:lnL>
+                    <a:lnR w="12700" cap="flat" cmpd="sng" algn="ctr">
+                      <a:solidFill>
+                        <a:schemeClr val="bg1"/>
+                      </a:solidFill>
+                      <a:prstDash val="solid"/>
+                      <a:round/>
+                      <a:headEnd type="none" w="med" len="med"/>
+                      <a:tailEnd type="none" w="med" len="med"/>
+                    </a:lnR>
+                    <a:lnT w="12700" cap="flat" cmpd="sng" algn="ctr">
+                      <a:solidFill>
+                        <a:schemeClr val="bg1"/>
+                      </a:solidFill>
+                      <a:prstDash val="solid"/>
+                      <a:round/>
+                      <a:headEnd type="none" w="med" len="med"/>
+                      <a:tailEnd type="none" w="med" len="med"/>
+                    </a:lnT>
+                    <a:lnB w="12700" cap="flat" cmpd="sng" algn="ctr">
+                      <a:solidFill>
+                        <a:schemeClr val="bg1"/>
+                      </a:solidFill>
+                      <a:prstDash val="solid"/>
+                      <a:round/>
+                      <a:headEnd type="none" w="med" len="med"/>
+                      <a:tailEnd type="none" w="med" len="med"/>
+                    </a:lnB>
+                    <a:lnTlToBr w="12700" cmpd="sng">
+                      <a:noFill/>
+                      <a:prstDash val="solid"/>
+                    </a:lnTlToBr>
+                    <a:lnBlToTr w="12700" cmpd="sng">
+                      <a:noFill/>
+                      <a:prstDash val="solid"/>
+                    </a:lnBlToTr>
+                  </a:tcPr>
+                </a:tc>
+                <a:tc>
+                  <a:txBody>
+                    <a:bodyPr/>
+                    <a:lstStyle/>
+                    <a:p>
+                      <a:pPr algn="ctr" fontAlgn="b"/>
+                      <a:r>
+                        <a:rPr lang="pt-BR" sz="1100" u="none" strike="noStrike" dirty="0">
+                          <a:solidFill>
+                            <a:srgbClr val="F94335"/>
+                          </a:solidFill>
+                          <a:latin typeface="Bahnschrift SemiBold SemiConden" panose="020B0502040204020203" pitchFamily="34" charset="0"/>
+                        </a:rPr>
+                        <a:t>Essencial</a:t>
+                      </a:r>
+                      <a:endParaRPr lang="pt-BR" sz="1100" b="0" i="0" u="none" strike="noStrike" dirty="0">
+                        <a:solidFill>
+                          <a:srgbClr val="F94335"/>
+                        </a:solidFill>
+                        <a:latin typeface="Bahnschrift SemiBold SemiConden" panose="020B0502040204020203" pitchFamily="34" charset="0"/>
+                        <a:cs typeface="Arial" pitchFamily="34" charset="0"/>
+                      </a:endParaRPr>
+                    </a:p>
+                  </a:txBody>
+                  <a:tcPr marL="5795" marR="5795" marT="5795" marB="27814" anchor="b">
+                    <a:lnL w="12700" cap="flat" cmpd="sng" algn="ctr">
+                      <a:solidFill>
+                        <a:schemeClr val="bg1"/>
+                      </a:solidFill>
+                      <a:prstDash val="solid"/>
+                      <a:round/>
+                      <a:headEnd type="none" w="med" len="med"/>
+                      <a:tailEnd type="none" w="med" len="med"/>
+                    </a:lnL>
+                    <a:lnR w="12700" cap="flat" cmpd="sng" algn="ctr">
+                      <a:solidFill>
+                        <a:schemeClr val="bg1"/>
+                      </a:solidFill>
+                      <a:prstDash val="solid"/>
+                      <a:round/>
+                      <a:headEnd type="none" w="med" len="med"/>
+                      <a:tailEnd type="none" w="med" len="med"/>
+                    </a:lnR>
+                    <a:lnT w="12700" cap="flat" cmpd="sng" algn="ctr">
+                      <a:solidFill>
+                        <a:schemeClr val="bg1"/>
+                      </a:solidFill>
+                      <a:prstDash val="solid"/>
+                      <a:round/>
+                      <a:headEnd type="none" w="med" len="med"/>
+                      <a:tailEnd type="none" w="med" len="med"/>
+                    </a:lnT>
+                    <a:lnB w="12700" cap="flat" cmpd="sng" algn="ctr">
+                      <a:solidFill>
+                        <a:schemeClr val="bg1"/>
+                      </a:solidFill>
+                      <a:prstDash val="solid"/>
+                      <a:round/>
+                      <a:headEnd type="none" w="med" len="med"/>
+                      <a:tailEnd type="none" w="med" len="med"/>
+                    </a:lnB>
+                    <a:lnTlToBr w="12700" cmpd="sng">
+                      <a:noFill/>
+                      <a:prstDash val="solid"/>
+                    </a:lnTlToBr>
+                    <a:lnBlToTr w="12700" cmpd="sng">
+                      <a:noFill/>
+                      <a:prstDash val="solid"/>
+                    </a:lnBlToTr>
+                  </a:tcPr>
+                </a:tc>
+                <a:tc>
+                  <a:txBody>
+                    <a:bodyPr/>
+                    <a:lstStyle/>
+                    <a:p>
+                      <a:pPr algn="ctr" fontAlgn="b"/>
+                      <a:r>
+                        <a:rPr lang="pt-BR" sz="1100" b="0" i="0" u="none" strike="noStrike" dirty="0">
+                          <a:solidFill>
+                            <a:srgbClr val="F94335"/>
+                          </a:solidFill>
+                          <a:latin typeface="Bahnschrift SemiBold SemiConden" panose="020B0502040204020203" pitchFamily="34" charset="0"/>
+                          <a:cs typeface="Arial" pitchFamily="34" charset="0"/>
+                        </a:rPr>
+                        <a:t>8</a:t>
+                      </a:r>
+                    </a:p>
+                  </a:txBody>
+                  <a:tcPr marL="5795" marR="5795" marT="5795" marB="27814" anchor="b">
+                    <a:lnL w="12700" cap="flat" cmpd="sng" algn="ctr">
+                      <a:solidFill>
+                        <a:schemeClr val="bg1"/>
+                      </a:solidFill>
+                      <a:prstDash val="solid"/>
+                      <a:round/>
+                      <a:headEnd type="none" w="med" len="med"/>
+                      <a:tailEnd type="none" w="med" len="med"/>
+                    </a:lnL>
+                    <a:lnR w="12700" cap="flat" cmpd="sng" algn="ctr">
+                      <a:solidFill>
+                        <a:schemeClr val="bg1"/>
+                      </a:solidFill>
+                      <a:prstDash val="solid"/>
+                      <a:round/>
+                      <a:headEnd type="none" w="med" len="med"/>
+                      <a:tailEnd type="none" w="med" len="med"/>
+                    </a:lnR>
+                    <a:lnT w="12700" cap="flat" cmpd="sng" algn="ctr">
+                      <a:solidFill>
+                        <a:schemeClr val="bg1"/>
+                      </a:solidFill>
+                      <a:prstDash val="solid"/>
+                      <a:round/>
+                      <a:headEnd type="none" w="med" len="med"/>
+                      <a:tailEnd type="none" w="med" len="med"/>
+                    </a:lnT>
+                    <a:lnB w="12700" cap="flat" cmpd="sng" algn="ctr">
+                      <a:solidFill>
+                        <a:schemeClr val="bg1"/>
+                      </a:solidFill>
+                      <a:prstDash val="solid"/>
+                      <a:round/>
+                      <a:headEnd type="none" w="med" len="med"/>
+                      <a:tailEnd type="none" w="med" len="med"/>
+                    </a:lnB>
+                    <a:lnTlToBr w="12700" cmpd="sng">
+                      <a:noFill/>
+                      <a:prstDash val="solid"/>
+                    </a:lnTlToBr>
+                    <a:lnBlToTr w="12700" cmpd="sng">
+                      <a:noFill/>
+                      <a:prstDash val="solid"/>
+                    </a:lnBlToTr>
+                  </a:tcPr>
+                </a:tc>
+                <a:tc>
+                  <a:txBody>
+                    <a:bodyPr/>
+                    <a:lstStyle/>
+                    <a:p>
+                      <a:pPr algn="ctr" fontAlgn="b"/>
+                      <a:endParaRPr lang="pt-BR" sz="1100" b="0" i="0" u="none" strike="noStrike" dirty="0">
+                        <a:solidFill>
+                          <a:srgbClr val="F94335"/>
+                        </a:solidFill>
+                        <a:latin typeface="Bahnschrift SemiBold SemiConden" panose="020B0502040204020203" pitchFamily="34" charset="0"/>
+                        <a:cs typeface="Arial" pitchFamily="34" charset="0"/>
+                      </a:endParaRPr>
+                    </a:p>
+                  </a:txBody>
+                  <a:tcPr marL="5795" marR="5795" marT="5795" marB="27814" anchor="b">
+                    <a:lnL w="12700" cap="flat" cmpd="sng" algn="ctr">
+                      <a:solidFill>
+                        <a:schemeClr val="bg1"/>
+                      </a:solidFill>
+                      <a:prstDash val="solid"/>
+                      <a:round/>
+                      <a:headEnd type="none" w="med" len="med"/>
+                      <a:tailEnd type="none" w="med" len="med"/>
+                    </a:lnL>
+                    <a:lnR w="12700" cap="flat" cmpd="sng" algn="ctr">
+                      <a:solidFill>
+                        <a:schemeClr val="bg1"/>
+                      </a:solidFill>
+                      <a:prstDash val="solid"/>
+                      <a:round/>
+                      <a:headEnd type="none" w="med" len="med"/>
+                      <a:tailEnd type="none" w="med" len="med"/>
+                    </a:lnR>
+                    <a:lnT w="12700" cap="flat" cmpd="sng" algn="ctr">
+                      <a:solidFill>
+                        <a:schemeClr val="bg1"/>
+                      </a:solidFill>
+                      <a:prstDash val="solid"/>
+                      <a:round/>
+                      <a:headEnd type="none" w="med" len="med"/>
+                      <a:tailEnd type="none" w="med" len="med"/>
+                    </a:lnT>
+                    <a:lnB w="12700" cap="flat" cmpd="sng" algn="ctr">
+                      <a:solidFill>
+                        <a:schemeClr val="bg1"/>
+                      </a:solidFill>
+                      <a:prstDash val="solid"/>
+                      <a:round/>
+                      <a:headEnd type="none" w="med" len="med"/>
+                      <a:tailEnd type="none" w="med" len="med"/>
+                    </a:lnB>
+                    <a:lnTlToBr w="12700" cmpd="sng">
+                      <a:noFill/>
+                      <a:prstDash val="solid"/>
+                    </a:lnTlToBr>
+                    <a:lnBlToTr w="12700" cmpd="sng">
+                      <a:noFill/>
+                      <a:prstDash val="solid"/>
+                    </a:lnBlToTr>
+                  </a:tcPr>
+                </a:tc>
+                <a:extLst>
+                  <a:ext uri="{0D108BD9-81ED-4DB2-BD59-A6C34878D82A}">
+                    <a16:rowId xmlns:a16="http://schemas.microsoft.com/office/drawing/2014/main" val="10014"/>
+                  </a:ext>
+                </a:extLst>
+              </a:tr>
+              <a:tr h="256080">
+                <a:tc>
+                  <a:txBody>
+                    <a:bodyPr/>
+                    <a:lstStyle/>
+                    <a:p>
+                      <a:pPr algn="ctr" fontAlgn="b"/>
+                      <a:r>
+                        <a:rPr lang="pt-BR" sz="1100" u="none" strike="noStrike" dirty="0">
+                          <a:solidFill>
+                            <a:srgbClr val="F94335"/>
+                          </a:solidFill>
+                          <a:latin typeface="Bahnschrift SemiBold SemiConden" panose="020B0502040204020203" pitchFamily="34" charset="0"/>
+                        </a:rPr>
+                        <a:t>13</a:t>
+                      </a:r>
+                      <a:endParaRPr lang="pt-BR" sz="1100" b="1" i="0" u="none" strike="noStrike" dirty="0">
+                        <a:solidFill>
+                          <a:srgbClr val="F94335"/>
+                        </a:solidFill>
+                        <a:latin typeface="Bahnschrift SemiBold SemiConden" panose="020B0502040204020203" pitchFamily="34" charset="0"/>
+                        <a:cs typeface="Arial" pitchFamily="34" charset="0"/>
+                      </a:endParaRPr>
+                    </a:p>
+                  </a:txBody>
+                  <a:tcPr marL="5795" marR="5795" marT="5795" marB="27814" anchor="b">
+                    <a:lnL w="12700" cmpd="sng">
+                      <a:noFill/>
+                    </a:lnL>
+                    <a:lnR w="12700" cap="flat" cmpd="sng" algn="ctr">
+                      <a:solidFill>
+                        <a:schemeClr val="bg1"/>
+                      </a:solidFill>
+                      <a:prstDash val="solid"/>
+                      <a:round/>
+                      <a:headEnd type="none" w="med" len="med"/>
+                      <a:tailEnd type="none" w="med" len="med"/>
+                    </a:lnR>
+                    <a:lnT w="12700" cap="flat" cmpd="sng" algn="ctr">
+                      <a:solidFill>
+                        <a:schemeClr val="bg1"/>
+                      </a:solidFill>
+                      <a:prstDash val="solid"/>
+                      <a:round/>
+                      <a:headEnd type="none" w="med" len="med"/>
+                      <a:tailEnd type="none" w="med" len="med"/>
+                    </a:lnT>
+                    <a:lnB w="12700" cap="flat" cmpd="sng" algn="ctr">
+                      <a:solidFill>
+                        <a:schemeClr val="bg1"/>
+                      </a:solidFill>
+                      <a:prstDash val="solid"/>
+                      <a:round/>
+                      <a:headEnd type="none" w="med" len="med"/>
+                      <a:tailEnd type="none" w="med" len="med"/>
+                    </a:lnB>
+                    <a:lnTlToBr w="12700" cmpd="sng">
+                      <a:noFill/>
+                      <a:prstDash val="solid"/>
+                    </a:lnTlToBr>
+                    <a:lnBlToTr w="12700" cmpd="sng">
+                      <a:noFill/>
+                      <a:prstDash val="solid"/>
+                    </a:lnBlToTr>
+                  </a:tcPr>
+                </a:tc>
+                <a:tc>
+                  <a:txBody>
+                    <a:bodyPr/>
+                    <a:lstStyle/>
+                    <a:p>
+                      <a:pPr algn="ctr" fontAlgn="b"/>
+                      <a:r>
+                        <a:rPr lang="pt-BR" sz="1100" b="0" i="0" u="none" strike="noStrike" dirty="0" smtClean="0">
+                          <a:solidFill>
+                            <a:srgbClr val="F94335"/>
+                          </a:solidFill>
+                          <a:latin typeface="Bahnschrift SemiBold SemiConden" panose="020B0502040204020203" pitchFamily="34" charset="0"/>
+                          <a:cs typeface="Arial" pitchFamily="34" charset="0"/>
+                        </a:rPr>
+                        <a:t>Gerenciar</a:t>
+                      </a:r>
+                      <a:r>
+                        <a:rPr lang="pt-BR" sz="1100" b="0" i="0" u="none" strike="noStrike" baseline="0" dirty="0" smtClean="0">
+                          <a:solidFill>
+                            <a:srgbClr val="F94335"/>
+                          </a:solidFill>
+                          <a:latin typeface="Bahnschrift SemiBold SemiConden" panose="020B0502040204020203" pitchFamily="34" charset="0"/>
+                          <a:cs typeface="Arial" pitchFamily="34" charset="0"/>
+                        </a:rPr>
+                        <a:t> consultas</a:t>
+                      </a:r>
+                    </a:p>
+                  </a:txBody>
+                  <a:tcPr marL="5795" marR="5795" marT="5795" marB="27814" anchor="b">
+                    <a:lnL w="12700" cap="flat" cmpd="sng" algn="ctr">
+                      <a:solidFill>
+                        <a:schemeClr val="bg1"/>
+                      </a:solidFill>
+                      <a:prstDash val="solid"/>
+                      <a:round/>
+                      <a:headEnd type="none" w="med" len="med"/>
+                      <a:tailEnd type="none" w="med" len="med"/>
+                    </a:lnL>
+                    <a:lnR w="12700" cap="flat" cmpd="sng" algn="ctr">
+                      <a:solidFill>
+                        <a:schemeClr val="bg1"/>
+                      </a:solidFill>
+                      <a:prstDash val="solid"/>
+                      <a:round/>
+                      <a:headEnd type="none" w="med" len="med"/>
+                      <a:tailEnd type="none" w="med" len="med"/>
+                    </a:lnR>
+                    <a:lnT w="12700" cap="flat" cmpd="sng" algn="ctr">
+                      <a:solidFill>
+                        <a:schemeClr val="bg1"/>
+                      </a:solidFill>
+                      <a:prstDash val="solid"/>
+                      <a:round/>
+                      <a:headEnd type="none" w="med" len="med"/>
+                      <a:tailEnd type="none" w="med" len="med"/>
+                    </a:lnT>
+                    <a:lnB w="12700" cap="flat" cmpd="sng" algn="ctr">
+                      <a:solidFill>
+                        <a:schemeClr val="bg1"/>
+                      </a:solidFill>
+                      <a:prstDash val="solid"/>
+                      <a:round/>
+                      <a:headEnd type="none" w="med" len="med"/>
+                      <a:tailEnd type="none" w="med" len="med"/>
+                    </a:lnB>
+                    <a:lnTlToBr w="12700" cmpd="sng">
+                      <a:noFill/>
+                      <a:prstDash val="solid"/>
+                    </a:lnTlToBr>
+                    <a:lnBlToTr w="12700" cmpd="sng">
+                      <a:noFill/>
+                      <a:prstDash val="solid"/>
+                    </a:lnBlToTr>
+                  </a:tcPr>
+                </a:tc>
+                <a:tc>
+                  <a:txBody>
+                    <a:bodyPr/>
+                    <a:lstStyle/>
+                    <a:p>
+                      <a:pPr algn="ctr" fontAlgn="b"/>
+                      <a:r>
+                        <a:rPr lang="pt-BR" sz="1100" u="none" strike="noStrike" dirty="0">
+                          <a:solidFill>
+                            <a:srgbClr val="F94335"/>
+                          </a:solidFill>
+                          <a:latin typeface="Bahnschrift SemiBold SemiConden" panose="020B0502040204020203" pitchFamily="34" charset="0"/>
+                        </a:rPr>
+                        <a:t>Importante</a:t>
+                      </a:r>
+                      <a:endParaRPr lang="pt-BR" sz="1100" b="0" i="0" u="none" strike="noStrike" dirty="0">
+                        <a:solidFill>
+                          <a:srgbClr val="F94335"/>
+                        </a:solidFill>
+                        <a:latin typeface="Bahnschrift SemiBold SemiConden" panose="020B0502040204020203" pitchFamily="34" charset="0"/>
+                        <a:cs typeface="Arial" pitchFamily="34" charset="0"/>
+                      </a:endParaRPr>
+                    </a:p>
+                  </a:txBody>
+                  <a:tcPr marL="5795" marR="5795" marT="5795" marB="27814" anchor="b">
+                    <a:lnL w="12700" cap="flat" cmpd="sng" algn="ctr">
+                      <a:solidFill>
+                        <a:schemeClr val="bg1"/>
+                      </a:solidFill>
+                      <a:prstDash val="solid"/>
+                      <a:round/>
+                      <a:headEnd type="none" w="med" len="med"/>
+                      <a:tailEnd type="none" w="med" len="med"/>
+                    </a:lnL>
+                    <a:lnR w="12700" cap="flat" cmpd="sng" algn="ctr">
+                      <a:solidFill>
+                        <a:schemeClr val="bg1"/>
+                      </a:solidFill>
+                      <a:prstDash val="solid"/>
+                      <a:round/>
+                      <a:headEnd type="none" w="med" len="med"/>
+                      <a:tailEnd type="none" w="med" len="med"/>
+                    </a:lnR>
+                    <a:lnT w="12700" cap="flat" cmpd="sng" algn="ctr">
+                      <a:solidFill>
+                        <a:schemeClr val="bg1"/>
+                      </a:solidFill>
+                      <a:prstDash val="solid"/>
+                      <a:round/>
+                      <a:headEnd type="none" w="med" len="med"/>
+                      <a:tailEnd type="none" w="med" len="med"/>
+                    </a:lnT>
+                    <a:lnB w="12700" cap="flat" cmpd="sng" algn="ctr">
+                      <a:solidFill>
+                        <a:schemeClr val="bg1"/>
+                      </a:solidFill>
+                      <a:prstDash val="solid"/>
+                      <a:round/>
+                      <a:headEnd type="none" w="med" len="med"/>
+                      <a:tailEnd type="none" w="med" len="med"/>
+                    </a:lnB>
+                    <a:lnTlToBr w="12700" cmpd="sng">
+                      <a:noFill/>
+                      <a:prstDash val="solid"/>
+                    </a:lnTlToBr>
+                    <a:lnBlToTr w="12700" cmpd="sng">
+                      <a:noFill/>
+                      <a:prstDash val="solid"/>
+                    </a:lnBlToTr>
+                  </a:tcPr>
+                </a:tc>
+                <a:tc>
+                  <a:txBody>
+                    <a:bodyPr/>
+                    <a:lstStyle/>
+                    <a:p>
+                      <a:pPr algn="ctr" fontAlgn="b"/>
+                      <a:r>
+                        <a:rPr lang="pt-BR" sz="1100" b="0" i="0" u="none" strike="noStrike" dirty="0">
+                          <a:solidFill>
+                            <a:srgbClr val="F94335"/>
+                          </a:solidFill>
+                          <a:latin typeface="Bahnschrift SemiBold SemiConden" panose="020B0502040204020203" pitchFamily="34" charset="0"/>
+                          <a:cs typeface="Arial" pitchFamily="34" charset="0"/>
+                        </a:rPr>
+                        <a:t>13</a:t>
+                      </a:r>
+                    </a:p>
+                  </a:txBody>
+                  <a:tcPr marL="5795" marR="5795" marT="5795" marB="27814" anchor="b">
+                    <a:lnL w="12700" cap="flat" cmpd="sng" algn="ctr">
+                      <a:solidFill>
+                        <a:schemeClr val="bg1"/>
+                      </a:solidFill>
+                      <a:prstDash val="solid"/>
+                      <a:round/>
+                      <a:headEnd type="none" w="med" len="med"/>
+                      <a:tailEnd type="none" w="med" len="med"/>
+                    </a:lnL>
+                    <a:lnR w="12700" cap="flat" cmpd="sng" algn="ctr">
+                      <a:solidFill>
+                        <a:schemeClr val="bg1"/>
+                      </a:solidFill>
+                      <a:prstDash val="solid"/>
+                      <a:round/>
+                      <a:headEnd type="none" w="med" len="med"/>
+                      <a:tailEnd type="none" w="med" len="med"/>
+                    </a:lnR>
+                    <a:lnT w="12700" cap="flat" cmpd="sng" algn="ctr">
+                      <a:solidFill>
+                        <a:schemeClr val="bg1"/>
+                      </a:solidFill>
+                      <a:prstDash val="solid"/>
+                      <a:round/>
+                      <a:headEnd type="none" w="med" len="med"/>
+                      <a:tailEnd type="none" w="med" len="med"/>
+                    </a:lnT>
+                    <a:lnB w="12700" cap="flat" cmpd="sng" algn="ctr">
+                      <a:solidFill>
+                        <a:schemeClr val="bg1"/>
+                      </a:solidFill>
+                      <a:prstDash val="solid"/>
+                      <a:round/>
+                      <a:headEnd type="none" w="med" len="med"/>
+                      <a:tailEnd type="none" w="med" len="med"/>
+                    </a:lnB>
+                    <a:lnTlToBr w="12700" cmpd="sng">
+                      <a:noFill/>
+                      <a:prstDash val="solid"/>
+                    </a:lnTlToBr>
+                    <a:lnBlToTr w="12700" cmpd="sng">
+                      <a:noFill/>
+                      <a:prstDash val="solid"/>
+                    </a:lnBlToTr>
+                  </a:tcPr>
+                </a:tc>
+                <a:tc>
+                  <a:txBody>
+                    <a:bodyPr/>
+                    <a:lstStyle/>
+                    <a:p>
+                      <a:pPr algn="ctr" fontAlgn="b"/>
+                      <a:endParaRPr lang="pt-BR" sz="1100" b="0" i="0" u="none" strike="noStrike" dirty="0">
+                        <a:solidFill>
+                          <a:srgbClr val="F94335"/>
+                        </a:solidFill>
+                        <a:latin typeface="Bahnschrift SemiBold SemiConden" panose="020B0502040204020203" pitchFamily="34" charset="0"/>
+                        <a:cs typeface="Arial" pitchFamily="34" charset="0"/>
+                      </a:endParaRPr>
+                    </a:p>
+                  </a:txBody>
+                  <a:tcPr marL="5795" marR="5795" marT="5795" marB="27814" anchor="b">
+                    <a:lnL w="12700" cap="flat" cmpd="sng" algn="ctr">
+                      <a:solidFill>
+                        <a:schemeClr val="bg1"/>
+                      </a:solidFill>
+                      <a:prstDash val="solid"/>
+                      <a:round/>
+                      <a:headEnd type="none" w="med" len="med"/>
+                      <a:tailEnd type="none" w="med" len="med"/>
+                    </a:lnL>
+                    <a:lnR w="12700" cap="flat" cmpd="sng" algn="ctr">
+                      <a:solidFill>
+                        <a:schemeClr val="bg1"/>
+                      </a:solidFill>
+                      <a:prstDash val="solid"/>
+                      <a:round/>
+                      <a:headEnd type="none" w="med" len="med"/>
+                      <a:tailEnd type="none" w="med" len="med"/>
+                    </a:lnR>
+                    <a:lnT w="12700" cap="flat" cmpd="sng" algn="ctr">
+                      <a:solidFill>
+                        <a:schemeClr val="bg1"/>
+                      </a:solidFill>
+                      <a:prstDash val="solid"/>
+                      <a:round/>
+                      <a:headEnd type="none" w="med" len="med"/>
+                      <a:tailEnd type="none" w="med" len="med"/>
+                    </a:lnT>
+                    <a:lnB w="12700" cap="flat" cmpd="sng" algn="ctr">
+                      <a:solidFill>
+                        <a:schemeClr val="bg1"/>
+                      </a:solidFill>
+                      <a:prstDash val="solid"/>
+                      <a:round/>
+                      <a:headEnd type="none" w="med" len="med"/>
+                      <a:tailEnd type="none" w="med" len="med"/>
+                    </a:lnB>
+                    <a:lnTlToBr w="12700" cmpd="sng">
+                      <a:noFill/>
+                      <a:prstDash val="solid"/>
+                    </a:lnTlToBr>
+                    <a:lnBlToTr w="12700" cmpd="sng">
+                      <a:noFill/>
+                      <a:prstDash val="solid"/>
+                    </a:lnBlToTr>
+                  </a:tcPr>
+                </a:tc>
+                <a:extLst>
+                  <a:ext uri="{0D108BD9-81ED-4DB2-BD59-A6C34878D82A}">
+                    <a16:rowId xmlns:a16="http://schemas.microsoft.com/office/drawing/2014/main" val="10015"/>
+                  </a:ext>
+                </a:extLst>
+              </a:tr>
+            </a:tbl>
+          </a:graphicData>
+        </a:graphic>
+      </p:graphicFrame>
+      <p:sp>
+        <p:nvSpPr>
+          <p:cNvPr id="5" name="CaixaDeTexto 4"/>
+          <p:cNvSpPr txBox="1"/>
+          <p:nvPr/>
+        </p:nvSpPr>
+        <p:spPr>
+          <a:xfrm>
+            <a:off x="3601979" y="488020"/>
+            <a:ext cx="4791094" cy="707886"/>
+          </a:xfrm>
+          <a:prstGeom prst="rect">
+            <a:avLst/>
+          </a:prstGeom>
+          <a:noFill/>
+        </p:spPr>
+        <p:txBody>
+          <a:bodyPr wrap="square" rtlCol="0">
+            <a:spAutoFit/>
+          </a:bodyPr>
+          <a:lstStyle/>
+          <a:p>
+            <a:r>
+              <a:rPr lang="pt-BR" sz="4000" dirty="0" smtClean="0">
+                <a:solidFill>
+                  <a:srgbClr val="F94335"/>
+                </a:solidFill>
+                <a:effectLst>
+                  <a:outerShdw blurRad="38100" dist="38100" dir="2700000" algn="tl">
+                    <a:srgbClr val="000000">
+                      <a:alpha val="43137"/>
+                    </a:srgbClr>
+                  </a:outerShdw>
+                </a:effectLst>
+                <a:latin typeface="Bahnschrift SemiBold SemiConden"/>
+                <a:cs typeface="Arial" pitchFamily="34" charset="0"/>
+              </a:rPr>
+              <a:t>PLANILHA</a:t>
+            </a:r>
+            <a:endParaRPr lang="pt-BR" sz="3600" dirty="0">
+              <a:solidFill>
+                <a:srgbClr val="F94335"/>
+              </a:solidFill>
+              <a:effectLst>
+                <a:outerShdw blurRad="38100" dist="38100" dir="2700000" algn="tl">
+                  <a:srgbClr val="000000">
+                    <a:alpha val="43137"/>
+                  </a:srgbClr>
+                </a:outerShdw>
+              </a:effectLst>
+              <a:latin typeface="Bahnschrift SemiBold SemiConden"/>
+              <a:cs typeface="Arial" pitchFamily="34" charset="0"/>
+            </a:endParaRPr>
+          </a:p>
+        </p:txBody>
+      </p:sp>
+      <p:cxnSp>
+        <p:nvCxnSpPr>
+          <p:cNvPr id="7" name="Conector reto 6"/>
+          <p:cNvCxnSpPr/>
+          <p:nvPr/>
+        </p:nvCxnSpPr>
+        <p:spPr>
+          <a:xfrm>
+            <a:off x="1336431" y="1195906"/>
+            <a:ext cx="10128737" cy="0"/>
+          </a:xfrm>
+          <a:prstGeom prst="line">
+            <a:avLst/>
+          </a:prstGeom>
+          <a:ln>
+            <a:solidFill>
+              <a:schemeClr val="tx1">
+                <a:lumMod val="50000"/>
+                <a:lumOff val="50000"/>
+              </a:schemeClr>
+            </a:solidFill>
+          </a:ln>
+        </p:spPr>
+        <p:style>
+          <a:lnRef idx="2">
+            <a:schemeClr val="dk1"/>
+          </a:lnRef>
+          <a:fillRef idx="0">
+            <a:schemeClr val="dk1"/>
+          </a:fillRef>
+          <a:effectRef idx="1">
+            <a:schemeClr val="dk1"/>
+          </a:effectRef>
+          <a:fontRef idx="minor">
+            <a:schemeClr val="tx1"/>
+          </a:fontRef>
+        </p:style>
+      </p:cxnSp>
+    </p:spTree>
+    <p:extLst>
+      <p:ext uri="{BB962C8B-B14F-4D97-AF65-F5344CB8AC3E}">
+        <p14:creationId xmlns:p14="http://schemas.microsoft.com/office/powerpoint/2010/main" val="2676128507"/>
+      </p:ext>
+    </p:extLst>
+  </p:cSld>
+  <p:clrMapOvr>
+    <a:masterClrMapping/>
+  </p:clrMapOvr>
 </p:sld>
 </file>
 
@@ -13420,7 +18531,7 @@
           <a:lstStyle/>
           <a:p>
             <a:pPr algn="ctr"/>
-            <a:endParaRPr lang="en-US"/>
+            <a:endParaRPr lang="en-US" dirty="0"/>
           </a:p>
         </p:txBody>
       </p:sp>
@@ -13934,36 +19045,18 @@
               </a:lnSpc>
             </a:pPr>
             <a:r>
-              <a:rPr lang="en-US" sz="3600" err="1">
+              <a:rPr lang="en-US" sz="3600" dirty="0">
                 <a:latin typeface="Verdana Pro"/>
               </a:rPr>
-              <a:t>Gerenciamento</a:t>
-            </a:r>
-            <a:r>
-              <a:rPr lang="en-US" sz="3600">
-                <a:latin typeface="Verdana Pro"/>
-              </a:rPr>
-              <a:t> dos </a:t>
-            </a:r>
-            <a:r>
-              <a:rPr lang="en-US" sz="3600" err="1">
-                <a:latin typeface="Verdana Pro"/>
-              </a:rPr>
-              <a:t>pacientes</a:t>
-            </a:r>
-            <a:r>
-              <a:rPr lang="en-US" sz="3600">
-                <a:latin typeface="Verdana Pro"/>
-              </a:rPr>
-              <a:t> </a:t>
+              <a:t>Gerenciamento dos pacientes </a:t>
             </a:r>
             <a:br>
-              <a:rPr lang="en-US" sz="3600">
+              <a:rPr lang="en-US" sz="3600" dirty="0">
                 <a:latin typeface="Verdana Pro"/>
               </a:rPr>
             </a:br>
             <a:r>
-              <a:rPr lang="en-US" sz="3600">
+              <a:rPr lang="en-US" sz="3600" dirty="0">
                 <a:latin typeface="Verdana Pro"/>
               </a:rPr>
               <a:t>(Hospital)</a:t>
@@ -14018,52 +19111,10 @@
               <a:buChar char="•"/>
             </a:pPr>
             <a:r>
-              <a:rPr lang="en-US" sz="2000" err="1">
+              <a:rPr lang="en-US" sz="2000" dirty="0">
                 <a:latin typeface="Verdana Pro"/>
               </a:rPr>
-              <a:t>Enorme</a:t>
-            </a:r>
-            <a:r>
-              <a:rPr lang="en-US" sz="2000">
-                <a:latin typeface="Verdana Pro"/>
-              </a:rPr>
-              <a:t> </a:t>
-            </a:r>
-            <a:r>
-              <a:rPr lang="en-US" sz="2000" err="1">
-                <a:latin typeface="Verdana Pro"/>
-              </a:rPr>
-              <a:t>gama</a:t>
-            </a:r>
-            <a:r>
-              <a:rPr lang="en-US" sz="2000">
-                <a:latin typeface="Verdana Pro"/>
-              </a:rPr>
-              <a:t> de dados </a:t>
-            </a:r>
-            <a:r>
-              <a:rPr lang="en-US" sz="2000" err="1">
-                <a:latin typeface="Verdana Pro"/>
-              </a:rPr>
-              <a:t>gerados</a:t>
-            </a:r>
-            <a:r>
-              <a:rPr lang="en-US" sz="2000">
-                <a:latin typeface="Verdana Pro"/>
-              </a:rPr>
-              <a:t> </a:t>
-            </a:r>
-            <a:r>
-              <a:rPr lang="en-US" sz="2000" err="1">
-                <a:latin typeface="Verdana Pro"/>
-              </a:rPr>
-              <a:t>pelo</a:t>
-            </a:r>
-            <a:r>
-              <a:rPr lang="en-US" sz="2000">
-                <a:latin typeface="Verdana Pro"/>
-              </a:rPr>
-              <a:t> hospital</a:t>
+              <a:t>Enorme gama de dados gerados pelo hospital</a:t>
             </a:r>
           </a:p>
           <a:p>
@@ -14084,38 +19135,11 @@
               <a:buChar char="•"/>
             </a:pPr>
             <a:r>
-              <a:rPr lang="en-US" sz="2000" err="1">
+              <a:rPr lang="en-US" sz="2000" dirty="0">
                 <a:latin typeface="Verdana Pro"/>
               </a:rPr>
-              <a:t>Diversidade</a:t>
+              <a:t>Diversidade de áreas de atendimento</a:t>
             </a:r>
-            <a:r>
-              <a:rPr lang="en-US" sz="2000">
-                <a:latin typeface="Verdana Pro"/>
-              </a:rPr>
-              <a:t> de </a:t>
-            </a:r>
-            <a:r>
-              <a:rPr lang="en-US" sz="2000" err="1">
-                <a:latin typeface="Verdana Pro"/>
-              </a:rPr>
-              <a:t>áreas</a:t>
-            </a:r>
-            <a:r>
-              <a:rPr lang="en-US" sz="2000">
-                <a:latin typeface="Verdana Pro"/>
-              </a:rPr>
-              <a:t> de </a:t>
-            </a:r>
-            <a:r>
-              <a:rPr lang="en-US" sz="2000" err="1">
-                <a:latin typeface="Verdana Pro"/>
-              </a:rPr>
-              <a:t>atendimento</a:t>
-            </a:r>
-            <a:endParaRPr lang="en-US" sz="2000">
-              <a:latin typeface="Verdana Pro"/>
-            </a:endParaRPr>
           </a:p>
           <a:p>
             <a:pPr marL="285750" indent="-285750" defTabSz="457200">
@@ -14135,38 +19159,11 @@
               <a:buChar char="•"/>
             </a:pPr>
             <a:r>
-              <a:rPr lang="en-US" sz="2000" err="1">
+              <a:rPr lang="en-US" sz="2000" dirty="0">
                 <a:latin typeface="Verdana Pro"/>
               </a:rPr>
-              <a:t>Fluxo</a:t>
+              <a:t>Fluxo inconstante de pessoas</a:t>
             </a:r>
-            <a:r>
-              <a:rPr lang="en-US" sz="2000">
-                <a:latin typeface="Verdana Pro"/>
-              </a:rPr>
-              <a:t> </a:t>
-            </a:r>
-            <a:r>
-              <a:rPr lang="en-US" sz="2000" err="1">
-                <a:latin typeface="Verdana Pro"/>
-              </a:rPr>
-              <a:t>inconstante</a:t>
-            </a:r>
-            <a:r>
-              <a:rPr lang="en-US" sz="2000">
-                <a:latin typeface="Verdana Pro"/>
-              </a:rPr>
-              <a:t> de </a:t>
-            </a:r>
-            <a:r>
-              <a:rPr lang="en-US" sz="2000" err="1">
-                <a:latin typeface="Verdana Pro"/>
-              </a:rPr>
-              <a:t>pessoas</a:t>
-            </a:r>
-            <a:endParaRPr lang="en-US" sz="2000">
-              <a:latin typeface="Verdana Pro"/>
-            </a:endParaRPr>
           </a:p>
           <a:p>
             <a:pPr marL="285750" indent="-285750" defTabSz="457200">
@@ -14186,26 +19183,11 @@
               <a:buChar char="•"/>
             </a:pPr>
             <a:r>
-              <a:rPr lang="en-US" sz="2000" err="1">
+              <a:rPr lang="en-US" sz="2000" dirty="0">
                 <a:latin typeface="Verdana Pro"/>
               </a:rPr>
-              <a:t>Organização</a:t>
+              <a:t>Organização de consultas</a:t>
             </a:r>
-            <a:r>
-              <a:rPr lang="en-US" sz="2000">
-                <a:latin typeface="Verdana Pro"/>
-              </a:rPr>
-              <a:t> de </a:t>
-            </a:r>
-            <a:r>
-              <a:rPr lang="en-US" sz="2000" err="1">
-                <a:latin typeface="Verdana Pro"/>
-              </a:rPr>
-              <a:t>consultas</a:t>
-            </a:r>
-            <a:endParaRPr lang="en-US" sz="2000">
-              <a:latin typeface="Verdana Pro"/>
-            </a:endParaRPr>
           </a:p>
           <a:p>
             <a:pPr marL="285750" indent="-285750" defTabSz="457200">
@@ -14224,7 +19206,7 @@
               <a:buFont typeface="Arial"/>
               <a:buChar char="•"/>
             </a:pPr>
-            <a:endParaRPr lang="en-US"/>
+            <a:endParaRPr lang="en-US" dirty="0"/>
           </a:p>
           <a:p>
             <a:pPr marL="285750" indent="-285750" defTabSz="457200">
@@ -14243,7 +19225,7 @@
               <a:buFont typeface="Arial"/>
               <a:buChar char="•"/>
             </a:pPr>
-            <a:endParaRPr lang="en-US" sz="2000"/>
+            <a:endParaRPr lang="en-US" sz="2000" dirty="0"/>
           </a:p>
           <a:p>
             <a:pPr marL="285750" indent="-285750" defTabSz="457200">
@@ -14262,7 +19244,7 @@
               <a:buFont typeface="Arial"/>
               <a:buChar char="•"/>
             </a:pPr>
-            <a:endParaRPr lang="en-US" sz="2000"/>
+            <a:endParaRPr lang="en-US" sz="2000" dirty="0"/>
           </a:p>
         </p:txBody>
       </p:sp>
@@ -14310,7 +19292,7 @@
           <a:lstStyle/>
           <a:p>
             <a:pPr algn="ctr"/>
-            <a:endParaRPr lang="pt-BR"/>
+            <a:endParaRPr lang="pt-BR" dirty="0"/>
           </a:p>
         </p:txBody>
       </p:sp>
@@ -14444,7 +19426,7 @@
           <a:lstStyle/>
           <a:p>
             <a:pPr algn="ctr"/>
-            <a:endParaRPr lang="en-US"/>
+            <a:endParaRPr lang="en-US" dirty="0"/>
           </a:p>
         </p:txBody>
       </p:sp>
@@ -14490,7 +19472,7 @@
           <a:lstStyle/>
           <a:p>
             <a:pPr algn="ctr"/>
-            <a:endParaRPr lang="en-US"/>
+            <a:endParaRPr lang="en-US" dirty="0"/>
           </a:p>
         </p:txBody>
       </p:sp>
@@ -14573,7 +19555,7 @@
           <a:lstStyle/>
           <a:p>
             <a:pPr algn="ctr"/>
-            <a:endParaRPr lang="en-US"/>
+            <a:endParaRPr lang="en-US" dirty="0"/>
           </a:p>
         </p:txBody>
       </p:sp>
@@ -14607,32 +19589,8 @@
           <a:p>
             <a:pPr algn="l"/>
             <a:r>
-              <a:rPr lang="en-US"/>
-              <a:t>DADOS A SEREM </a:t>
-            </a:r>
-            <a:r>
-              <a:rPr lang="en-US" err="1"/>
-              <a:t>CAPTURADOS</a:t>
-            </a:r>
-            <a:r>
-              <a:rPr lang="en-US"/>
-              <a:t> POR </a:t>
-            </a:r>
-            <a:r>
-              <a:rPr lang="en-US" err="1"/>
-              <a:t>NOSSA</a:t>
-            </a:r>
-            <a:r>
-              <a:rPr lang="en-US"/>
-              <a:t> </a:t>
-            </a:r>
-            <a:r>
-              <a:rPr lang="en-US" err="1"/>
-              <a:t>APLICAÇÃO</a:t>
-            </a:r>
-            <a:r>
-              <a:rPr lang="en-US"/>
-              <a:t> </a:t>
+              <a:rPr lang="en-US" dirty="0"/>
+              <a:t>DADOS A SEREM CAPTURADOS POR NOSSA APLICAÇÃO </a:t>
             </a:r>
           </a:p>
         </p:txBody>
@@ -14676,7 +19634,7 @@
           <a:lstStyle/>
           <a:p>
             <a:pPr algn="ctr"/>
-            <a:endParaRPr lang="pt-BR"/>
+            <a:endParaRPr lang="pt-BR" dirty="0"/>
           </a:p>
         </p:txBody>
       </p:sp>
@@ -14863,31 +19821,13 @@
               </a:lnSpc>
             </a:pPr>
             <a:r>
-              <a:rPr lang="en-US" sz="4000" spc="-40" dirty="0" err="1">
-                <a:solidFill>
-                  <a:srgbClr val="182722"/>
-                </a:solidFill>
-                <a:latin typeface="Verdana Pro"/>
-              </a:rPr>
-              <a:t>Etapas</a:t>
-            </a:r>
-            <a:r>
               <a:rPr lang="en-US" sz="4000" spc="-40" dirty="0">
                 <a:solidFill>
                   <a:srgbClr val="182722"/>
                 </a:solidFill>
                 <a:latin typeface="Verdana Pro"/>
               </a:rPr>
-              <a:t> da </a:t>
-            </a:r>
-            <a:r>
-              <a:rPr lang="en-US" sz="4000" spc="-40" dirty="0" err="1">
-                <a:solidFill>
-                  <a:srgbClr val="182722"/>
-                </a:solidFill>
-                <a:latin typeface="Verdana Pro"/>
-              </a:rPr>
-              <a:t>Aplicação</a:t>
+              <a:t>Etapas da Aplicação</a:t>
             </a:r>
           </a:p>
         </p:txBody>
@@ -14935,38 +19875,14 @@
                 <a:buChar char="•"/>
               </a:pPr>
               <a:r>
-                <a:rPr lang="en-US" sz="1450" b="1" spc="220" dirty="0" err="1" smtClean="0">
-                  <a:solidFill>
-                    <a:srgbClr val="182722"/>
-                  </a:solidFill>
-                  <a:latin typeface="Verdana Pro"/>
-                </a:rPr>
-                <a:t>Coleta</a:t>
-              </a:r>
-              <a:r>
                 <a:rPr lang="en-US" sz="1450" b="1" spc="220" dirty="0" smtClean="0">
                   <a:solidFill>
                     <a:srgbClr val="182722"/>
                   </a:solidFill>
                   <a:latin typeface="Verdana Pro"/>
                 </a:rPr>
-                <a:t> dados do </a:t>
+                <a:t>Coleta dados do paciente</a:t>
               </a:r>
-              <a:r>
-                <a:rPr lang="en-US" sz="1450" b="1" spc="220" dirty="0" err="1" smtClean="0">
-                  <a:solidFill>
-                    <a:srgbClr val="182722"/>
-                  </a:solidFill>
-                  <a:latin typeface="Verdana Pro"/>
-                </a:rPr>
-                <a:t>paciente</a:t>
-              </a:r>
-              <a:endParaRPr lang="en-US" sz="1450" b="1" spc="220" dirty="0" smtClean="0">
-                <a:solidFill>
-                  <a:srgbClr val="182722"/>
-                </a:solidFill>
-                <a:latin typeface="Verdana Pro"/>
-              </a:endParaRPr>
             </a:p>
             <a:p>
               <a:pPr marL="342900" indent="-342900">
@@ -14977,38 +19893,14 @@
                 <a:buChar char="•"/>
               </a:pPr>
               <a:r>
-                <a:rPr lang="en-US" sz="1450" b="1" spc="220" dirty="0" err="1" smtClean="0">
-                  <a:solidFill>
-                    <a:srgbClr val="182722"/>
-                  </a:solidFill>
-                  <a:latin typeface="Verdana Pro"/>
-                </a:rPr>
-                <a:t>Triagem</a:t>
-              </a:r>
-              <a:r>
                 <a:rPr lang="en-US" sz="1450" b="1" spc="220" dirty="0" smtClean="0">
                   <a:solidFill>
                     <a:srgbClr val="182722"/>
                   </a:solidFill>
                   <a:latin typeface="Verdana Pro"/>
                 </a:rPr>
-                <a:t> </a:t>
+                <a:t>Triagem Emergial</a:t>
               </a:r>
-              <a:r>
-                <a:rPr lang="en-US" sz="1450" b="1" spc="220" dirty="0" err="1" smtClean="0">
-                  <a:solidFill>
-                    <a:srgbClr val="182722"/>
-                  </a:solidFill>
-                  <a:latin typeface="Verdana Pro"/>
-                </a:rPr>
-                <a:t>Emergial</a:t>
-              </a:r>
-              <a:endParaRPr lang="en-US" sz="1450" b="1" spc="220" dirty="0" smtClean="0">
-                <a:solidFill>
-                  <a:srgbClr val="182722"/>
-                </a:solidFill>
-                <a:latin typeface="Verdana Pro"/>
-              </a:endParaRPr>
             </a:p>
             <a:p>
               <a:pPr marL="342900" indent="-342900">
@@ -15019,56 +19911,14 @@
                 <a:buChar char="•"/>
               </a:pPr>
               <a:r>
-                <a:rPr lang="en-US" sz="1450" b="1" spc="220" dirty="0" err="1" smtClean="0">
-                  <a:solidFill>
-                    <a:srgbClr val="182722"/>
-                  </a:solidFill>
-                  <a:latin typeface="Verdana Pro"/>
-                </a:rPr>
-                <a:t>Direcionar</a:t>
-              </a:r>
-              <a:r>
                 <a:rPr lang="en-US" sz="1450" b="1" spc="220" dirty="0" smtClean="0">
                   <a:solidFill>
                     <a:srgbClr val="182722"/>
                   </a:solidFill>
                   <a:latin typeface="Verdana Pro"/>
                 </a:rPr>
-                <a:t> </a:t>
+                <a:t>Direcionar ao colsutório</a:t>
               </a:r>
-              <a:r>
-                <a:rPr lang="en-US" sz="1450" b="1" spc="220" dirty="0" err="1" smtClean="0">
-                  <a:solidFill>
-                    <a:srgbClr val="182722"/>
-                  </a:solidFill>
-                  <a:latin typeface="Verdana Pro"/>
-                </a:rPr>
-                <a:t>ao</a:t>
-              </a:r>
-              <a:r>
-                <a:rPr lang="en-US" sz="1450" b="1" spc="220" dirty="0" smtClean="0">
-                  <a:solidFill>
-                    <a:srgbClr val="182722"/>
-                  </a:solidFill>
-                  <a:latin typeface="Verdana Pro"/>
-                </a:rPr>
-                <a:t> </a:t>
-              </a:r>
-              <a:r>
-                <a:rPr lang="en-US" sz="1450" b="1" spc="220" dirty="0" err="1" smtClean="0">
-                  <a:solidFill>
-                    <a:srgbClr val="182722"/>
-                  </a:solidFill>
-                  <a:latin typeface="Verdana Pro"/>
-                </a:rPr>
-                <a:t>colsutório</a:t>
-              </a:r>
-              <a:endParaRPr lang="en-US" sz="1450" b="1" spc="220" dirty="0" smtClean="0">
-                <a:solidFill>
-                  <a:srgbClr val="182722"/>
-                </a:solidFill>
-                <a:latin typeface="Verdana Pro"/>
-              </a:endParaRPr>
             </a:p>
             <a:p>
               <a:pPr marL="342900" indent="-342900">
@@ -15123,40 +19973,13 @@
                 <a:t>.</a:t>
               </a:r>
               <a:r>
-                <a:rPr lang="en-US" sz="1700" b="1" spc="17" dirty="0" err="1" smtClean="0">
-                  <a:solidFill>
-                    <a:srgbClr val="182722"/>
-                  </a:solidFill>
-                  <a:latin typeface="Verdana Pro"/>
-                </a:rPr>
-                <a:t>Disponibilidade</a:t>
-              </a:r>
-              <a:r>
                 <a:rPr lang="en-US" sz="1700" b="1" spc="17" dirty="0" smtClean="0">
                   <a:solidFill>
                     <a:srgbClr val="182722"/>
                   </a:solidFill>
                   <a:latin typeface="Verdana Pro"/>
                 </a:rPr>
-                <a:t> de </a:t>
-              </a:r>
-              <a:r>
-                <a:rPr lang="en-US" sz="1700" b="1" spc="17" dirty="0" err="1" smtClean="0">
-                  <a:solidFill>
-                    <a:srgbClr val="182722"/>
-                  </a:solidFill>
-                  <a:latin typeface="Verdana Pro"/>
-                </a:rPr>
-                <a:t>profissionais</a:t>
-              </a:r>
-              <a:r>
-                <a:rPr lang="en-US" sz="1700" b="1" spc="17" dirty="0" smtClean="0">
-                  <a:solidFill>
-                    <a:srgbClr val="182722"/>
-                  </a:solidFill>
-                  <a:latin typeface="Verdana Pro"/>
-                </a:rPr>
-                <a:t> </a:t>
+                <a:t>Disponibilidade de profissionais </a:t>
               </a:r>
               <a:endParaRPr lang="en-US" sz="1700" b="1" spc="17" dirty="0">
                 <a:solidFill>
@@ -15217,58 +20040,7 @@
                   </a:solidFill>
                   <a:latin typeface="Verdana Pro"/>
                 </a:rPr>
-                <a:t>Feedback do </a:t>
-              </a:r>
-              <a:r>
-                <a:rPr lang="en-US" b="1" spc="220" dirty="0" err="1">
-                  <a:solidFill>
-                    <a:srgbClr val="182722"/>
-                  </a:solidFill>
-                  <a:latin typeface="Verdana Pro"/>
-                </a:rPr>
-                <a:t>médico</a:t>
-              </a:r>
-              <a:endParaRPr lang="en-US" b="1" spc="220" dirty="0">
-                <a:solidFill>
-                  <a:srgbClr val="182722"/>
-                </a:solidFill>
-                <a:latin typeface="Verdana Pro"/>
-              </a:endParaRPr>
-            </a:p>
-            <a:p>
-              <a:pPr marL="342900" indent="-342900">
-                <a:lnSpc>
-                  <a:spcPts val="3080"/>
-                </a:lnSpc>
-                <a:buFont typeface="Arial"/>
-                <a:buChar char="•"/>
-              </a:pPr>
-              <a:r>
-                <a:rPr lang="en-US" b="1" spc="220" dirty="0" err="1">
-                  <a:solidFill>
-                    <a:srgbClr val="182722"/>
-                  </a:solidFill>
-                  <a:latin typeface="Verdana Pro"/>
-                </a:rPr>
-                <a:t>Resultados</a:t>
-              </a:r>
-              <a:r>
-                <a:rPr lang="en-US" b="1" spc="220" dirty="0">
-                  <a:solidFill>
-                    <a:srgbClr val="182722"/>
-                  </a:solidFill>
-                  <a:latin typeface="Verdana Pro"/>
-                </a:rPr>
-                <a:t> dos </a:t>
-              </a:r>
-              <a:r>
-                <a:rPr lang="en-US" b="1" spc="220" dirty="0" err="1">
-                  <a:solidFill>
-                    <a:srgbClr val="182722"/>
-                  </a:solidFill>
-                  <a:latin typeface="Verdana Pro"/>
-                </a:rPr>
-                <a:t>exames</a:t>
+                <a:t>Feedback do médico</a:t>
               </a:r>
             </a:p>
             <a:p>
@@ -15280,14 +20052,23 @@
                 <a:buChar char="•"/>
               </a:pPr>
               <a:r>
-                <a:rPr lang="en-US" b="1" spc="220" dirty="0" err="1">
+                <a:rPr lang="en-US" b="1" spc="220" dirty="0">
                   <a:solidFill>
                     <a:srgbClr val="182722"/>
                   </a:solidFill>
                   <a:latin typeface="Verdana Pro"/>
                 </a:rPr>
-                <a:t>Registro</a:t>
+                <a:t>Resultados dos exames</a:t>
               </a:r>
+            </a:p>
+            <a:p>
+              <a:pPr marL="342900" indent="-342900">
+                <a:lnSpc>
+                  <a:spcPts val="3080"/>
+                </a:lnSpc>
+                <a:buFont typeface="Arial"/>
+                <a:buChar char="•"/>
+              </a:pPr>
               <a:r>
                 <a:rPr lang="en-US" b="1" spc="220" dirty="0">
                   <a:solidFill>
@@ -15295,7 +20076,7 @@
                   </a:solidFill>
                   <a:latin typeface="Verdana Pro"/>
                 </a:rPr>
-                <a:t> de consulta</a:t>
+                <a:t>Registro de consulta</a:t>
               </a:r>
             </a:p>
             <a:p>
@@ -15348,20 +20129,9 @@
                   <a:ea typeface="+mn-lt"/>
                   <a:cs typeface="+mn-lt"/>
                 </a:rPr>
-                <a:t>Consulta </a:t>
+                <a:t>Consulta finalizada</a:t>
               </a:r>
-              <a:r>
-                <a:rPr lang="en-US" sz="1700" b="1" spc="17" dirty="0" err="1">
-                  <a:solidFill>
-                    <a:srgbClr val="182722"/>
-                  </a:solidFill>
-                  <a:latin typeface="Verdana Pro"/>
-                  <a:ea typeface="+mn-lt"/>
-                  <a:cs typeface="+mn-lt"/>
-                </a:rPr>
-                <a:t>finalizada</a:t>
-              </a:r>
-              <a:endParaRPr lang="en-US" b="1" dirty="0" err="1">
+              <a:endParaRPr lang="en-US" b="1" dirty="0">
                 <a:latin typeface="Verdana Pro"/>
               </a:endParaRPr>
             </a:p>
@@ -15417,18 +20187,9 @@
                   </a:solidFill>
                   <a:latin typeface="Verdana Pro"/>
                 </a:rPr>
-                <a:t>Tempo de </a:t>
+                <a:t>Tempo de espera</a:t>
               </a:r>
-              <a:r>
-                <a:rPr lang="en-US" b="1" spc="220" dirty="0" err="1">
-                  <a:solidFill>
-                    <a:srgbClr val="182722"/>
-                  </a:solidFill>
-                  <a:latin typeface="Verdana Pro"/>
-                </a:rPr>
-                <a:t>espera</a:t>
-              </a:r>
-              <a:endParaRPr lang="en-US" sz="1200" b="1" spc="220" dirty="0" err="1">
+              <a:endParaRPr lang="en-US" sz="1200" b="1" spc="220" dirty="0">
                 <a:solidFill>
                   <a:srgbClr val="182722"/>
                 </a:solidFill>
@@ -15470,61 +20231,7 @@
                   </a:solidFill>
                   <a:latin typeface="Verdana Pro"/>
                 </a:rPr>
-                <a:t>O </a:t>
-              </a:r>
-              <a:r>
-                <a:rPr lang="en-US" sz="1700" b="1" spc="17" dirty="0" err="1">
-                  <a:solidFill>
-                    <a:srgbClr val="182722"/>
-                  </a:solidFill>
-                  <a:latin typeface="Verdana Pro"/>
-                </a:rPr>
-                <a:t>processo</a:t>
-              </a:r>
-              <a:r>
-                <a:rPr lang="en-US" sz="1700" b="1" spc="17" dirty="0">
-                  <a:solidFill>
-                    <a:srgbClr val="182722"/>
-                  </a:solidFill>
-                  <a:latin typeface="Verdana Pro"/>
-                </a:rPr>
-                <a:t> de </a:t>
-              </a:r>
-              <a:r>
-                <a:rPr lang="en-US" sz="1700" b="1" spc="17" dirty="0" err="1">
-                  <a:solidFill>
-                    <a:srgbClr val="182722"/>
-                  </a:solidFill>
-                  <a:latin typeface="Verdana Pro"/>
-                </a:rPr>
-                <a:t>atendimento</a:t>
-              </a:r>
-              <a:r>
-                <a:rPr lang="en-US" sz="1700" b="1" spc="17" dirty="0">
-                  <a:solidFill>
-                    <a:srgbClr val="182722"/>
-                  </a:solidFill>
-                  <a:latin typeface="Verdana Pro"/>
-                </a:rPr>
-                <a:t> do </a:t>
-              </a:r>
-              <a:r>
-                <a:rPr lang="en-US" sz="1700" b="1" spc="17" dirty="0" err="1">
-                  <a:solidFill>
-                    <a:srgbClr val="182722"/>
-                  </a:solidFill>
-                  <a:latin typeface="Verdana Pro"/>
-                </a:rPr>
-                <a:t>paciente</a:t>
-              </a:r>
-              <a:r>
-                <a:rPr lang="en-US" sz="1700" b="1" spc="17" dirty="0">
-                  <a:solidFill>
-                    <a:srgbClr val="182722"/>
-                  </a:solidFill>
-                  <a:latin typeface="Verdana Pro"/>
-                </a:rPr>
-                <a:t> </a:t>
+                <a:t>O processo de atendimento do paciente </a:t>
               </a:r>
             </a:p>
           </p:txBody>
@@ -15848,14 +20555,7 @@
                 <a:latin typeface="Verdana Pro"/>
                 <a:cs typeface="Calibri"/>
               </a:rPr>
-              <a:t>Etapa 2 - </a:t>
-            </a:r>
-            <a:r>
-              <a:rPr lang="en-US" b="1" dirty="0" err="1">
-                <a:latin typeface="Verdana Pro"/>
-                <a:cs typeface="Calibri"/>
-              </a:rPr>
-              <a:t>Processamento</a:t>
+              <a:t>Etapa 2 - Processamento</a:t>
             </a:r>
           </a:p>
         </p:txBody>
@@ -15896,16 +20596,9 @@
                 <a:latin typeface="Verdana Pro"/>
                 <a:cs typeface="Calibri"/>
               </a:rPr>
-              <a:t>Etapa 3 - </a:t>
+              <a:t>Etapa 3 - Saída</a:t>
             </a:r>
-            <a:r>
-              <a:rPr lang="en-US" b="1" dirty="0" err="1">
-                <a:latin typeface="Verdana Pro"/>
-                <a:cs typeface="Calibri"/>
-              </a:rPr>
-              <a:t>Saída</a:t>
-            </a:r>
-            <a:endParaRPr lang="en-US" b="1" dirty="0" err="1">
+            <a:endParaRPr lang="en-US" b="1" dirty="0">
               <a:latin typeface="Verdana Pro"/>
             </a:endParaRPr>
           </a:p>
@@ -16196,7 +20889,7 @@
           <a:lstStyle/>
           <a:p>
             <a:pPr algn="ctr"/>
-            <a:endParaRPr lang="pt-BR"/>
+            <a:endParaRPr lang="pt-BR" dirty="0"/>
           </a:p>
         </p:txBody>
       </p:sp>
@@ -16913,7 +21606,7 @@
               <a:lstStyle/>
               <a:p>
                 <a:pPr algn="ctr"/>
-                <a:endParaRPr lang="pt-BR"/>
+                <a:endParaRPr lang="pt-BR" dirty="0"/>
               </a:p>
             </p:txBody>
           </p:sp>
@@ -16959,7 +21652,7 @@
               <a:lstStyle/>
               <a:p>
                 <a:pPr algn="ctr"/>
-                <a:endParaRPr lang="pt-BR"/>
+                <a:endParaRPr lang="pt-BR" dirty="0"/>
               </a:p>
             </p:txBody>
           </p:sp>
@@ -18353,7 +23046,7 @@
               <a:lstStyle/>
               <a:p>
                 <a:pPr algn="ctr"/>
-                <a:endParaRPr lang="pt-BR"/>
+                <a:endParaRPr lang="pt-BR" dirty="0"/>
               </a:p>
             </p:txBody>
           </p:sp>
@@ -18399,7 +23092,7 @@
               <a:lstStyle/>
               <a:p>
                 <a:pPr algn="ctr"/>
-                <a:endParaRPr lang="pt-BR"/>
+                <a:endParaRPr lang="pt-BR" dirty="0"/>
               </a:p>
             </p:txBody>
           </p:sp>
@@ -19689,7 +24382,7 @@
               <a:lstStyle/>
               <a:p>
                 <a:pPr algn="ctr"/>
-                <a:endParaRPr lang="pt-BR"/>
+                <a:endParaRPr lang="pt-BR" dirty="0"/>
               </a:p>
             </p:txBody>
           </p:sp>
@@ -19735,7 +24428,7 @@
               <a:lstStyle/>
               <a:p>
                 <a:pPr algn="ctr"/>
-                <a:endParaRPr lang="pt-BR"/>
+                <a:endParaRPr lang="pt-BR" dirty="0"/>
               </a:p>
             </p:txBody>
           </p:sp>
@@ -20874,7 +25567,7 @@
               <a:lstStyle/>
               <a:p>
                 <a:pPr algn="ctr"/>
-                <a:endParaRPr lang="pt-BR"/>
+                <a:endParaRPr lang="pt-BR" dirty="0"/>
               </a:p>
             </p:txBody>
           </p:sp>
@@ -20920,7 +25613,7 @@
               <a:lstStyle/>
               <a:p>
                 <a:pPr algn="ctr"/>
-                <a:endParaRPr lang="pt-BR"/>
+                <a:endParaRPr lang="pt-BR" dirty="0"/>
               </a:p>
             </p:txBody>
           </p:sp>
@@ -21583,6 +26276,545 @@
     <p:extLst>
       <p:ext uri="{BB962C8B-B14F-4D97-AF65-F5344CB8AC3E}">
         <p14:creationId xmlns:p14="http://schemas.microsoft.com/office/powerpoint/2010/main" val="1398424377"/>
+      </p:ext>
+    </p:extLst>
+  </p:cSld>
+  <p:clrMapOvr>
+    <a:masterClrMapping/>
+  </p:clrMapOvr>
+</p:sld>
+</file>
+
+<file path=ppt/slides/slide9.xml><?xml version="1.0" encoding="utf-8"?>
+<p:sld xmlns:a="http://schemas.openxmlformats.org/drawingml/2006/main" xmlns:r="http://schemas.openxmlformats.org/officeDocument/2006/relationships" xmlns:p="http://schemas.openxmlformats.org/presentationml/2006/main">
+  <p:cSld>
+    <p:spTree>
+      <p:nvGrpSpPr>
+        <p:cNvPr id="1" name=""/>
+        <p:cNvGrpSpPr/>
+        <p:nvPr/>
+      </p:nvGrpSpPr>
+      <p:grpSpPr>
+        <a:xfrm>
+          <a:off x="0" y="0"/>
+          <a:ext cx="0" cy="0"/>
+          <a:chOff x="0" y="0"/>
+          <a:chExt cx="0" cy="0"/>
+        </a:xfrm>
+      </p:grpSpPr>
+      <p:sp>
+        <p:nvSpPr>
+          <p:cNvPr id="5" name="CaixaDeTexto 4"/>
+          <p:cNvSpPr txBox="1"/>
+          <p:nvPr/>
+        </p:nvSpPr>
+        <p:spPr>
+          <a:xfrm>
+            <a:off x="554180" y="803561"/>
+            <a:ext cx="3131129" cy="2677656"/>
+          </a:xfrm>
+          <a:prstGeom prst="rect">
+            <a:avLst/>
+          </a:prstGeom>
+          <a:solidFill>
+            <a:srgbClr val="F94335"/>
+          </a:solidFill>
+          <a:ln>
+            <a:solidFill>
+              <a:schemeClr val="accent5">
+                <a:lumMod val="50000"/>
+              </a:schemeClr>
+            </a:solidFill>
+          </a:ln>
+          <a:effectLst>
+            <a:outerShdw blurRad="50800" dist="38100" dir="5400000" algn="t" rotWithShape="0">
+              <a:prstClr val="black">
+                <a:alpha val="40000"/>
+              </a:prstClr>
+            </a:outerShdw>
+          </a:effectLst>
+        </p:spPr>
+        <p:style>
+          <a:lnRef idx="2">
+            <a:schemeClr val="accent4">
+              <a:shade val="50000"/>
+            </a:schemeClr>
+          </a:lnRef>
+          <a:fillRef idx="1">
+            <a:schemeClr val="accent4"/>
+          </a:fillRef>
+          <a:effectRef idx="0">
+            <a:schemeClr val="accent4"/>
+          </a:effectRef>
+          <a:fontRef idx="minor">
+            <a:schemeClr val="lt1"/>
+          </a:fontRef>
+        </p:style>
+        <p:txBody>
+          <a:bodyPr wrap="square" rtlCol="0">
+            <a:spAutoFit/>
+          </a:bodyPr>
+          <a:lstStyle/>
+          <a:p>
+            <a:pPr algn="ctr"/>
+            <a:r>
+              <a:rPr lang="pt-BR" sz="2400" dirty="0" smtClean="0"/>
+              <a:t>Eu enquanto usuário,  quero  saber a situação da unidade de saúde, pois preciso me planejar</a:t>
+            </a:r>
+          </a:p>
+          <a:p>
+            <a:pPr algn="ctr"/>
+            <a:r>
+              <a:rPr lang="pt-BR" sz="2400" dirty="0"/>
+              <a:t>p</a:t>
+            </a:r>
+            <a:r>
+              <a:rPr lang="pt-BR" sz="2400" dirty="0" smtClean="0"/>
+              <a:t>ara </a:t>
+            </a:r>
+            <a:r>
+              <a:rPr lang="pt-BR" sz="2400" dirty="0" smtClean="0"/>
+              <a:t>me dirigir ao hospital mais </a:t>
+            </a:r>
+            <a:r>
+              <a:rPr lang="pt-BR" sz="2400" dirty="0" smtClean="0"/>
+              <a:t>viável</a:t>
+            </a:r>
+            <a:endParaRPr lang="pt-BR" sz="2400" dirty="0"/>
+          </a:p>
+        </p:txBody>
+      </p:sp>
+      <p:sp>
+        <p:nvSpPr>
+          <p:cNvPr id="7" name="CaixaDeTexto 6"/>
+          <p:cNvSpPr txBox="1"/>
+          <p:nvPr/>
+        </p:nvSpPr>
+        <p:spPr>
+          <a:xfrm>
+            <a:off x="1028361" y="0"/>
+            <a:ext cx="9710126" cy="769441"/>
+          </a:xfrm>
+          <a:prstGeom prst="rect">
+            <a:avLst/>
+          </a:prstGeom>
+          <a:noFill/>
+        </p:spPr>
+        <p:txBody>
+          <a:bodyPr wrap="square" rtlCol="0">
+            <a:spAutoFit/>
+          </a:bodyPr>
+          <a:lstStyle/>
+          <a:p>
+            <a:pPr algn="ctr"/>
+            <a:r>
+              <a:rPr lang="pt-BR" sz="4400" dirty="0" smtClean="0">
+                <a:solidFill>
+                  <a:srgbClr val="002060"/>
+                </a:solidFill>
+              </a:rPr>
+              <a:t>USER STORY</a:t>
+            </a:r>
+            <a:endParaRPr lang="pt-BR" sz="4400" dirty="0">
+              <a:solidFill>
+                <a:srgbClr val="002060"/>
+              </a:solidFill>
+            </a:endParaRPr>
+          </a:p>
+        </p:txBody>
+      </p:sp>
+      <p:pic>
+        <p:nvPicPr>
+          <p:cNvPr id="8" name="Graphic 5" descr="Medical">
+            <a:extLst>
+              <a:ext uri="{FF2B5EF4-FFF2-40B4-BE49-F238E27FC236}">
+                <a16:creationId xmlns:a16="http://schemas.microsoft.com/office/drawing/2014/main" id="{9239DDF4-05BD-434C-80A2-83C8A5CCCF40}"/>
+              </a:ext>
+            </a:extLst>
+          </p:cNvPr>
+          <p:cNvPicPr>
+            <a:picLocks noChangeAspect="1"/>
+          </p:cNvPicPr>
+          <p:nvPr/>
+        </p:nvPicPr>
+        <p:blipFill>
+          <a:blip r:embed="rId2">
+            <a:extLst>
+              <a:ext uri="{96DAC541-7B7A-43D3-8B79-37D633B846F1}">
+                <asvg:svgBlip xmlns="" xmlns:asvg="http://schemas.microsoft.com/office/drawing/2016/SVG/main" r:embed="rId8"/>
+              </a:ext>
+            </a:extLst>
+          </a:blip>
+          <a:stretch>
+            <a:fillRect/>
+          </a:stretch>
+        </p:blipFill>
+        <p:spPr>
+          <a:xfrm>
+            <a:off x="80000" y="5970317"/>
+            <a:ext cx="948361" cy="887683"/>
+          </a:xfrm>
+          <a:prstGeom prst="rect">
+            <a:avLst/>
+          </a:prstGeom>
+        </p:spPr>
+      </p:pic>
+      <p:sp>
+        <p:nvSpPr>
+          <p:cNvPr id="9" name="CaixaDeTexto 8"/>
+          <p:cNvSpPr txBox="1"/>
+          <p:nvPr/>
+        </p:nvSpPr>
+        <p:spPr>
+          <a:xfrm>
+            <a:off x="4391889" y="911283"/>
+            <a:ext cx="3131129" cy="2569934"/>
+          </a:xfrm>
+          <a:prstGeom prst="rect">
+            <a:avLst/>
+          </a:prstGeom>
+          <a:solidFill>
+            <a:srgbClr val="F94335"/>
+          </a:solidFill>
+          <a:ln>
+            <a:solidFill>
+              <a:schemeClr val="accent5">
+                <a:lumMod val="50000"/>
+              </a:schemeClr>
+            </a:solidFill>
+          </a:ln>
+          <a:effectLst>
+            <a:outerShdw blurRad="50800" dist="38100" dir="5400000" algn="t" rotWithShape="0">
+              <a:prstClr val="black">
+                <a:alpha val="40000"/>
+              </a:prstClr>
+            </a:outerShdw>
+          </a:effectLst>
+        </p:spPr>
+        <p:style>
+          <a:lnRef idx="2">
+            <a:schemeClr val="accent4">
+              <a:shade val="50000"/>
+            </a:schemeClr>
+          </a:lnRef>
+          <a:fillRef idx="1">
+            <a:schemeClr val="accent4"/>
+          </a:fillRef>
+          <a:effectRef idx="0">
+            <a:schemeClr val="accent4"/>
+          </a:effectRef>
+          <a:fontRef idx="minor">
+            <a:schemeClr val="lt1"/>
+          </a:fontRef>
+        </p:style>
+        <p:txBody>
+          <a:bodyPr wrap="square" rtlCol="0">
+            <a:spAutoFit/>
+          </a:bodyPr>
+          <a:lstStyle/>
+          <a:p>
+            <a:pPr algn="ctr"/>
+            <a:r>
+              <a:rPr lang="pt-BR" sz="2300" dirty="0" smtClean="0"/>
+              <a:t>Eu enquanto </a:t>
+            </a:r>
+            <a:r>
+              <a:rPr lang="pt-BR" sz="2300" dirty="0"/>
+              <a:t> </a:t>
+            </a:r>
+            <a:r>
+              <a:rPr lang="pt-BR" sz="2300" dirty="0" smtClean="0"/>
+              <a:t>médico</a:t>
+            </a:r>
+            <a:r>
+              <a:rPr lang="pt-BR" sz="2300" dirty="0" smtClean="0"/>
+              <a:t>,  </a:t>
+            </a:r>
+            <a:r>
+              <a:rPr lang="pt-BR" sz="2300" dirty="0" smtClean="0"/>
+              <a:t>quero  </a:t>
+            </a:r>
+            <a:r>
+              <a:rPr lang="pt-BR" sz="2300" dirty="0" smtClean="0"/>
+              <a:t>ter controle  sobre dados de meus paciente, </a:t>
+            </a:r>
+            <a:r>
+              <a:rPr lang="pt-BR" sz="2300" dirty="0" smtClean="0"/>
+              <a:t>pois </a:t>
+            </a:r>
+            <a:r>
+              <a:rPr lang="pt-BR" sz="2300" dirty="0" smtClean="0"/>
+              <a:t>preciso do controle e o entendimento de quem estou prestando serviço</a:t>
+            </a:r>
+            <a:endParaRPr lang="pt-BR" sz="2300" dirty="0"/>
+          </a:p>
+        </p:txBody>
+      </p:sp>
+      <p:sp>
+        <p:nvSpPr>
+          <p:cNvPr id="10" name="CaixaDeTexto 9"/>
+          <p:cNvSpPr txBox="1"/>
+          <p:nvPr/>
+        </p:nvSpPr>
+        <p:spPr>
+          <a:xfrm>
+            <a:off x="8229599" y="857422"/>
+            <a:ext cx="3131129" cy="2569934"/>
+          </a:xfrm>
+          <a:prstGeom prst="rect">
+            <a:avLst/>
+          </a:prstGeom>
+          <a:solidFill>
+            <a:srgbClr val="F94335"/>
+          </a:solidFill>
+          <a:ln>
+            <a:solidFill>
+              <a:schemeClr val="accent5">
+                <a:lumMod val="50000"/>
+              </a:schemeClr>
+            </a:solidFill>
+          </a:ln>
+          <a:effectLst>
+            <a:outerShdw blurRad="50800" dist="38100" dir="5400000" algn="t" rotWithShape="0">
+              <a:prstClr val="black">
+                <a:alpha val="40000"/>
+              </a:prstClr>
+            </a:outerShdw>
+          </a:effectLst>
+        </p:spPr>
+        <p:style>
+          <a:lnRef idx="2">
+            <a:schemeClr val="accent4">
+              <a:shade val="50000"/>
+            </a:schemeClr>
+          </a:lnRef>
+          <a:fillRef idx="1">
+            <a:schemeClr val="accent4"/>
+          </a:fillRef>
+          <a:effectRef idx="0">
+            <a:schemeClr val="accent4"/>
+          </a:effectRef>
+          <a:fontRef idx="minor">
+            <a:schemeClr val="lt1"/>
+          </a:fontRef>
+        </p:style>
+        <p:txBody>
+          <a:bodyPr wrap="square" rtlCol="0">
+            <a:spAutoFit/>
+          </a:bodyPr>
+          <a:lstStyle/>
+          <a:p>
+            <a:pPr algn="ctr"/>
+            <a:r>
+              <a:rPr lang="pt-BR" sz="2300" dirty="0" smtClean="0"/>
+              <a:t>Eu enquanto </a:t>
+            </a:r>
+            <a:r>
+              <a:rPr lang="pt-BR" sz="2300" dirty="0" smtClean="0"/>
+              <a:t>gerente,  </a:t>
+            </a:r>
+            <a:r>
+              <a:rPr lang="pt-BR" sz="2300" dirty="0" smtClean="0"/>
+              <a:t>quero  </a:t>
+            </a:r>
+            <a:r>
+              <a:rPr lang="pt-BR" sz="2300" dirty="0" smtClean="0"/>
+              <a:t>ter uma estrutura bem definida de dados </a:t>
+            </a:r>
+            <a:r>
+              <a:rPr lang="pt-BR" sz="2300" dirty="0" smtClean="0"/>
+              <a:t>, pois de uma modelagem bem definida </a:t>
+            </a:r>
+            <a:r>
+              <a:rPr lang="pt-BR" sz="2300" dirty="0" smtClean="0"/>
+              <a:t>p</a:t>
+            </a:r>
+            <a:r>
+              <a:rPr lang="pt-BR" sz="2300" dirty="0" smtClean="0"/>
+              <a:t>ara que não ocorra anomalia na aplicação</a:t>
+            </a:r>
+            <a:endParaRPr lang="pt-BR" sz="2300" dirty="0"/>
+          </a:p>
+        </p:txBody>
+      </p:sp>
+      <p:sp>
+        <p:nvSpPr>
+          <p:cNvPr id="11" name="CaixaDeTexto 10"/>
+          <p:cNvSpPr txBox="1"/>
+          <p:nvPr/>
+        </p:nvSpPr>
+        <p:spPr>
+          <a:xfrm>
+            <a:off x="2078179" y="3904410"/>
+            <a:ext cx="3131129" cy="2677656"/>
+          </a:xfrm>
+          <a:prstGeom prst="rect">
+            <a:avLst/>
+          </a:prstGeom>
+          <a:solidFill>
+            <a:srgbClr val="F94335"/>
+          </a:solidFill>
+          <a:ln>
+            <a:solidFill>
+              <a:schemeClr val="accent5">
+                <a:lumMod val="50000"/>
+              </a:schemeClr>
+            </a:solidFill>
+          </a:ln>
+          <a:effectLst>
+            <a:outerShdw blurRad="50800" dist="38100" dir="5400000" algn="t" rotWithShape="0">
+              <a:prstClr val="black">
+                <a:alpha val="40000"/>
+              </a:prstClr>
+            </a:outerShdw>
+          </a:effectLst>
+        </p:spPr>
+        <p:style>
+          <a:lnRef idx="2">
+            <a:schemeClr val="accent4">
+              <a:shade val="50000"/>
+            </a:schemeClr>
+          </a:lnRef>
+          <a:fillRef idx="1">
+            <a:schemeClr val="accent4"/>
+          </a:fillRef>
+          <a:effectRef idx="0">
+            <a:schemeClr val="accent4"/>
+          </a:effectRef>
+          <a:fontRef idx="minor">
+            <a:schemeClr val="lt1"/>
+          </a:fontRef>
+        </p:style>
+        <p:txBody>
+          <a:bodyPr wrap="square" rtlCol="0">
+            <a:spAutoFit/>
+          </a:bodyPr>
+          <a:lstStyle/>
+          <a:p>
+            <a:pPr algn="ctr"/>
+            <a:r>
+              <a:rPr lang="pt-BR" sz="2400" dirty="0" smtClean="0"/>
+              <a:t>Eu enquanto </a:t>
+            </a:r>
+            <a:r>
+              <a:rPr lang="pt-BR" sz="2400" dirty="0" smtClean="0"/>
+              <a:t>usuário, quero</a:t>
+            </a:r>
+            <a:r>
+              <a:rPr lang="pt-BR" sz="2400" dirty="0" smtClean="0"/>
+              <a:t> uma interface fácil e intuitiva</a:t>
+            </a:r>
+            <a:r>
+              <a:rPr lang="pt-BR" sz="2400" dirty="0" smtClean="0"/>
+              <a:t>, para manuseio correto das ferramentas</a:t>
+            </a:r>
+            <a:endParaRPr lang="pt-BR" sz="2400" dirty="0" smtClean="0"/>
+          </a:p>
+          <a:p>
+            <a:pPr algn="ctr"/>
+            <a:r>
+              <a:rPr lang="pt-BR" sz="2400" dirty="0" smtClean="0"/>
+              <a:t>P</a:t>
+            </a:r>
+            <a:r>
+              <a:rPr lang="pt-BR" sz="2400" dirty="0" smtClean="0"/>
+              <a:t>ara agilizar processos de consultas médicas</a:t>
+            </a:r>
+            <a:endParaRPr lang="pt-BR" sz="2400" dirty="0"/>
+          </a:p>
+        </p:txBody>
+      </p:sp>
+      <p:sp>
+        <p:nvSpPr>
+          <p:cNvPr id="12" name="CaixaDeTexto 11"/>
+          <p:cNvSpPr txBox="1"/>
+          <p:nvPr/>
+        </p:nvSpPr>
+        <p:spPr>
+          <a:xfrm>
+            <a:off x="6442360" y="3904410"/>
+            <a:ext cx="3131129" cy="2677656"/>
+          </a:xfrm>
+          <a:prstGeom prst="rect">
+            <a:avLst/>
+          </a:prstGeom>
+          <a:solidFill>
+            <a:srgbClr val="F94335"/>
+          </a:solidFill>
+          <a:ln>
+            <a:solidFill>
+              <a:schemeClr val="accent5">
+                <a:lumMod val="50000"/>
+              </a:schemeClr>
+            </a:solidFill>
+          </a:ln>
+          <a:effectLst>
+            <a:outerShdw blurRad="50800" dist="38100" dir="5400000" algn="t" rotWithShape="0">
+              <a:prstClr val="black">
+                <a:alpha val="40000"/>
+              </a:prstClr>
+            </a:outerShdw>
+          </a:effectLst>
+        </p:spPr>
+        <p:style>
+          <a:lnRef idx="2">
+            <a:schemeClr val="accent4">
+              <a:shade val="50000"/>
+            </a:schemeClr>
+          </a:lnRef>
+          <a:fillRef idx="1">
+            <a:schemeClr val="accent4"/>
+          </a:fillRef>
+          <a:effectRef idx="0">
+            <a:schemeClr val="accent4"/>
+          </a:effectRef>
+          <a:fontRef idx="minor">
+            <a:schemeClr val="lt1"/>
+          </a:fontRef>
+        </p:style>
+        <p:txBody>
+          <a:bodyPr wrap="square" rtlCol="0">
+            <a:spAutoFit/>
+          </a:bodyPr>
+          <a:lstStyle/>
+          <a:p>
+            <a:pPr algn="ctr"/>
+            <a:r>
+              <a:rPr lang="pt-BR" sz="2100" dirty="0" smtClean="0"/>
+              <a:t>Eu enquanto </a:t>
+            </a:r>
+            <a:r>
+              <a:rPr lang="pt-BR" sz="2100" dirty="0" smtClean="0"/>
+              <a:t>administrado</a:t>
+            </a:r>
+            <a:r>
+              <a:rPr lang="pt-BR" sz="2100" dirty="0" smtClean="0"/>
+              <a:t>,  quero o recebimento de dados dos pacientes, </a:t>
+            </a:r>
+            <a:r>
+              <a:rPr lang="pt-BR" sz="2100" dirty="0" smtClean="0"/>
+              <a:t>pois </a:t>
+            </a:r>
+            <a:r>
+              <a:rPr lang="pt-BR" sz="2100" dirty="0" smtClean="0"/>
+              <a:t>preciso gerenciar a unidade </a:t>
+            </a:r>
+            <a:r>
+              <a:rPr lang="pt-BR" sz="2100" dirty="0" smtClean="0"/>
+              <a:t>de saúde p</a:t>
+            </a:r>
+            <a:r>
+              <a:rPr lang="pt-BR" sz="2100" dirty="0" smtClean="0"/>
+              <a:t>ara ter o controle e a administração correta do local</a:t>
+            </a:r>
+            <a:endParaRPr lang="pt-BR" sz="2100" dirty="0"/>
+          </a:p>
+        </p:txBody>
+      </p:sp>
+    </p:spTree>
+    <p:extLst>
+      <p:ext uri="{BB962C8B-B14F-4D97-AF65-F5344CB8AC3E}">
+        <p14:creationId xmlns:p14="http://schemas.microsoft.com/office/powerpoint/2010/main" val="3200465656"/>
       </p:ext>
     </p:extLst>
   </p:cSld>

--- a/2020_2 Analise de Sistema/Aulas/2020_08_19 Etapas de Aplicação/Ativ(ADS).pptx
+++ b/2020_2 Analise de Sistema/Aulas/2020_08_19 Etapas de Aplicação/Ativ(ADS).pptx
@@ -1085,7 +1085,7 @@
           <a:blip xmlns:r="http://schemas.openxmlformats.org/officeDocument/2006/relationships" r:embed="rId1">
             <a:extLst>
               <a:ext uri="{96DAC541-7B7A-43D3-8B79-37D633B846F1}">
-                <asvg:svgBlip xmlns="" xmlns:asvg="http://schemas.microsoft.com/office/drawing/2016/SVG/main" r:embed="rId2"/>
+                <asvg:svgBlip xmlns:asvg="http://schemas.microsoft.com/office/drawing/2016/SVG/main" xmlns="" r:embed="rId2"/>
               </a:ext>
             </a:extLst>
           </a:blip>
@@ -1138,7 +1138,7 @@
                 <a14:useLocalDpi xmlns:a14="http://schemas.microsoft.com/office/drawing/2010/main" val="0"/>
               </a:ext>
               <a:ext uri="{96DAC541-7B7A-43D3-8B79-37D633B846F1}">
-                <asvg:svgBlip xmlns="" xmlns:asvg="http://schemas.microsoft.com/office/drawing/2016/SVG/main" r:embed="rId4"/>
+                <asvg:svgBlip xmlns:asvg="http://schemas.microsoft.com/office/drawing/2016/SVG/main" xmlns="" r:embed="rId4"/>
               </a:ext>
             </a:extLst>
           </a:blip>
@@ -1195,7 +1195,7 @@
           <a:blip xmlns:r="http://schemas.openxmlformats.org/officeDocument/2006/relationships" r:embed="rId5">
             <a:extLst>
               <a:ext uri="{96DAC541-7B7A-43D3-8B79-37D633B846F1}">
-                <asvg:svgBlip xmlns="" xmlns:asvg="http://schemas.microsoft.com/office/drawing/2016/SVG/main" r:embed="rId6"/>
+                <asvg:svgBlip xmlns:asvg="http://schemas.microsoft.com/office/drawing/2016/SVG/main" xmlns="" r:embed="rId6"/>
               </a:ext>
             </a:extLst>
           </a:blip>
@@ -1245,7 +1245,7 @@
           <a:blip xmlns:r="http://schemas.openxmlformats.org/officeDocument/2006/relationships" r:embed="rId7">
             <a:extLst>
               <a:ext uri="{96DAC541-7B7A-43D3-8B79-37D633B846F1}">
-                <asvg:svgBlip xmlns="" xmlns:asvg="http://schemas.microsoft.com/office/drawing/2016/SVG/main" r:embed="rId8"/>
+                <asvg:svgBlip xmlns:asvg="http://schemas.microsoft.com/office/drawing/2016/SVG/main" xmlns="" r:embed="rId8"/>
               </a:ext>
             </a:extLst>
           </a:blip>
@@ -1346,7 +1346,7 @@
           <a:blip xmlns:r="http://schemas.openxmlformats.org/officeDocument/2006/relationships" r:embed="rId1">
             <a:extLst>
               <a:ext uri="{96DAC541-7B7A-43D3-8B79-37D633B846F1}">
-                <asvg:svgBlip xmlns="" xmlns:asvg="http://schemas.microsoft.com/office/drawing/2016/SVG/main" r:embed="rId2"/>
+                <asvg:svgBlip xmlns:asvg="http://schemas.microsoft.com/office/drawing/2016/SVG/main" xmlns="" r:embed="rId2"/>
               </a:ext>
             </a:extLst>
           </a:blip>
@@ -1461,7 +1461,7 @@
                 <a14:useLocalDpi xmlns:a14="http://schemas.microsoft.com/office/drawing/2010/main" val="0"/>
               </a:ext>
               <a:ext uri="{96DAC541-7B7A-43D3-8B79-37D633B846F1}">
-                <asvg:svgBlip xmlns="" xmlns:asvg="http://schemas.microsoft.com/office/drawing/2016/SVG/main" r:embed="rId4"/>
+                <asvg:svgBlip xmlns:asvg="http://schemas.microsoft.com/office/drawing/2016/SVG/main" xmlns="" r:embed="rId4"/>
               </a:ext>
             </a:extLst>
           </a:blip>
@@ -1573,7 +1573,7 @@
           <a:blip xmlns:r="http://schemas.openxmlformats.org/officeDocument/2006/relationships" r:embed="rId5">
             <a:extLst>
               <a:ext uri="{96DAC541-7B7A-43D3-8B79-37D633B846F1}">
-                <asvg:svgBlip xmlns="" xmlns:asvg="http://schemas.microsoft.com/office/drawing/2016/SVG/main" r:embed="rId6"/>
+                <asvg:svgBlip xmlns:asvg="http://schemas.microsoft.com/office/drawing/2016/SVG/main" xmlns="" r:embed="rId6"/>
               </a:ext>
             </a:extLst>
           </a:blip>
@@ -1685,7 +1685,7 @@
           <a:blip xmlns:r="http://schemas.openxmlformats.org/officeDocument/2006/relationships" r:embed="rId7">
             <a:extLst>
               <a:ext uri="{96DAC541-7B7A-43D3-8B79-37D633B846F1}">
-                <asvg:svgBlip xmlns="" xmlns:asvg="http://schemas.microsoft.com/office/drawing/2016/SVG/main" r:embed="rId8"/>
+                <asvg:svgBlip xmlns:asvg="http://schemas.microsoft.com/office/drawing/2016/SVG/main" xmlns="" r:embed="rId8"/>
               </a:ext>
             </a:extLst>
           </a:blip>
@@ -1962,7 +1962,7 @@
   </dgm:layoutNode>
   <dgm:extLst>
     <a:ext uri="{68A01E43-0DF5-4B5B-8FA6-DAF915123BFB}">
-      <dgm1612:lstStyle xmlns="" xmlns:dgm1612="http://schemas.microsoft.com/office/drawing/2016/12/diagram">
+      <dgm1612:lstStyle xmlns:dgm1612="http://schemas.microsoft.com/office/drawing/2016/12/diagram" xmlns="">
         <a:lvl1pPr>
           <a:lnSpc>
             <a:spcPct val="100000"/>
@@ -3509,7 +3509,7 @@
             <a:fld id="{B61BEF0D-F0BB-DE4B-95CE-6DB70DBA9567}" type="datetimeFigureOut">
               <a:rPr lang="en-US" dirty="0"/>
               <a:pPr/>
-              <a:t>8/31/2020</a:t>
+              <a:t>9/4/2020</a:t>
             </a:fld>
             <a:endParaRPr lang="en-US" dirty="0"/>
           </a:p>
@@ -3802,7 +3802,7 @@
             <a:fld id="{B61BEF0D-F0BB-DE4B-95CE-6DB70DBA9567}" type="datetimeFigureOut">
               <a:rPr lang="en-US" dirty="0"/>
               <a:pPr/>
-              <a:t>8/31/2020</a:t>
+              <a:t>9/4/2020</a:t>
             </a:fld>
             <a:endParaRPr lang="en-US" dirty="0"/>
           </a:p>
@@ -4051,7 +4051,7 @@
             <a:fld id="{B61BEF0D-F0BB-DE4B-95CE-6DB70DBA9567}" type="datetimeFigureOut">
               <a:rPr lang="en-US" dirty="0"/>
               <a:pPr/>
-              <a:t>8/31/2020</a:t>
+              <a:t>9/4/2020</a:t>
             </a:fld>
             <a:endParaRPr lang="en-US" dirty="0"/>
           </a:p>
@@ -4592,7 +4592,7 @@
             <a:fld id="{B61BEF0D-F0BB-DE4B-95CE-6DB70DBA9567}" type="datetimeFigureOut">
               <a:rPr lang="en-US" dirty="0"/>
               <a:pPr/>
-              <a:t>8/31/2020</a:t>
+              <a:t>9/4/2020</a:t>
             </a:fld>
             <a:endParaRPr lang="en-US" dirty="0"/>
           </a:p>
@@ -4841,7 +4841,7 @@
             <a:fld id="{B61BEF0D-F0BB-DE4B-95CE-6DB70DBA9567}" type="datetimeFigureOut">
               <a:rPr lang="en-US" dirty="0"/>
               <a:pPr/>
-              <a:t>8/31/2020</a:t>
+              <a:t>9/4/2020</a:t>
             </a:fld>
             <a:endParaRPr lang="en-US" dirty="0"/>
           </a:p>
@@ -5374,7 +5374,7 @@
             <a:fld id="{B61BEF0D-F0BB-DE4B-95CE-6DB70DBA9567}" type="datetimeFigureOut">
               <a:rPr lang="en-US" dirty="0"/>
               <a:pPr/>
-              <a:t>8/31/2020</a:t>
+              <a:t>9/4/2020</a:t>
             </a:fld>
             <a:endParaRPr lang="en-US" dirty="0"/>
           </a:p>
@@ -5672,7 +5672,7 @@
             <a:fld id="{B61BEF0D-F0BB-DE4B-95CE-6DB70DBA9567}" type="datetimeFigureOut">
               <a:rPr lang="en-US" dirty="0"/>
               <a:pPr/>
-              <a:t>8/31/2020</a:t>
+              <a:t>9/4/2020</a:t>
             </a:fld>
             <a:endParaRPr lang="en-US" dirty="0"/>
           </a:p>
@@ -5846,7 +5846,7 @@
             <a:fld id="{B61BEF0D-F0BB-DE4B-95CE-6DB70DBA9567}" type="datetimeFigureOut">
               <a:rPr lang="en-US" dirty="0"/>
               <a:pPr/>
-              <a:t>8/31/2020</a:t>
+              <a:t>9/4/2020</a:t>
             </a:fld>
             <a:endParaRPr lang="en-US" dirty="0"/>
           </a:p>
@@ -6026,7 +6026,7 @@
             <a:fld id="{B61BEF0D-F0BB-DE4B-95CE-6DB70DBA9567}" type="datetimeFigureOut">
               <a:rPr lang="en-US" dirty="0"/>
               <a:pPr/>
-              <a:t>8/31/2020</a:t>
+              <a:t>9/4/2020</a:t>
             </a:fld>
             <a:endParaRPr lang="en-US" dirty="0"/>
           </a:p>
@@ -6268,7 +6268,7 @@
             <a:fld id="{1D8BD707-D9CF-40AE-B4C6-C98DA3205C09}" type="datetimeFigureOut">
               <a:rPr lang="en-US" smtClean="0"/>
               <a:pPr/>
-              <a:t>8/31/2020</a:t>
+              <a:t>9/4/2020</a:t>
             </a:fld>
             <a:endParaRPr lang="en-US" dirty="0"/>
           </a:p>
@@ -6433,7 +6433,7 @@
             <a:fld id="{1D8BD707-D9CF-40AE-B4C6-C98DA3205C09}" type="datetimeFigureOut">
               <a:rPr lang="en-US" smtClean="0"/>
               <a:pPr/>
-              <a:t>8/31/2020</a:t>
+              <a:t>9/4/2020</a:t>
             </a:fld>
             <a:endParaRPr lang="en-US" dirty="0"/>
           </a:p>
@@ -6598,7 +6598,7 @@
             <a:fld id="{B61BEF0D-F0BB-DE4B-95CE-6DB70DBA9567}" type="datetimeFigureOut">
               <a:rPr lang="en-US" dirty="0"/>
               <a:pPr/>
-              <a:t>8/31/2020</a:t>
+              <a:t>9/4/2020</a:t>
             </a:fld>
             <a:endParaRPr lang="en-US" dirty="0"/>
           </a:p>
@@ -6850,7 +6850,7 @@
             <a:fld id="{1D8BD707-D9CF-40AE-B4C6-C98DA3205C09}" type="datetimeFigureOut">
               <a:rPr lang="en-US" smtClean="0"/>
               <a:pPr/>
-              <a:t>8/31/2020</a:t>
+              <a:t>9/4/2020</a:t>
             </a:fld>
             <a:endParaRPr lang="en-US" dirty="0"/>
           </a:p>
@@ -7132,7 +7132,7 @@
             <a:fld id="{1D8BD707-D9CF-40AE-B4C6-C98DA3205C09}" type="datetimeFigureOut">
               <a:rPr lang="en-US" smtClean="0"/>
               <a:pPr/>
-              <a:t>8/31/2020</a:t>
+              <a:t>9/4/2020</a:t>
             </a:fld>
             <a:endParaRPr lang="en-US" dirty="0"/>
           </a:p>
@@ -7548,7 +7548,7 @@
             <a:fld id="{1D8BD707-D9CF-40AE-B4C6-C98DA3205C09}" type="datetimeFigureOut">
               <a:rPr lang="en-US" smtClean="0"/>
               <a:pPr/>
-              <a:t>8/31/2020</a:t>
+              <a:t>9/4/2020</a:t>
             </a:fld>
             <a:endParaRPr lang="en-US" dirty="0"/>
           </a:p>
@@ -7662,7 +7662,7 @@
             <a:fld id="{1D8BD707-D9CF-40AE-B4C6-C98DA3205C09}" type="datetimeFigureOut">
               <a:rPr lang="en-US" smtClean="0"/>
               <a:pPr/>
-              <a:t>8/31/2020</a:t>
+              <a:t>9/4/2020</a:t>
             </a:fld>
             <a:endParaRPr lang="en-US" dirty="0"/>
           </a:p>
@@ -7754,7 +7754,7 @@
             <a:fld id="{1D8BD707-D9CF-40AE-B4C6-C98DA3205C09}" type="datetimeFigureOut">
               <a:rPr lang="en-US" smtClean="0"/>
               <a:pPr/>
-              <a:t>8/31/2020</a:t>
+              <a:t>9/4/2020</a:t>
             </a:fld>
             <a:endParaRPr lang="en-US" dirty="0"/>
           </a:p>
@@ -8026,7 +8026,7 @@
             <a:fld id="{1D8BD707-D9CF-40AE-B4C6-C98DA3205C09}" type="datetimeFigureOut">
               <a:rPr lang="en-US" smtClean="0"/>
               <a:pPr/>
-              <a:t>8/31/2020</a:t>
+              <a:t>9/4/2020</a:t>
             </a:fld>
             <a:endParaRPr lang="en-US" dirty="0"/>
           </a:p>
@@ -8275,7 +8275,7 @@
             <a:fld id="{1D8BD707-D9CF-40AE-B4C6-C98DA3205C09}" type="datetimeFigureOut">
               <a:rPr lang="en-US" smtClean="0"/>
               <a:pPr/>
-              <a:t>8/31/2020</a:t>
+              <a:t>9/4/2020</a:t>
             </a:fld>
             <a:endParaRPr lang="en-US" dirty="0"/>
           </a:p>
@@ -8440,7 +8440,7 @@
             <a:fld id="{1D8BD707-D9CF-40AE-B4C6-C98DA3205C09}" type="datetimeFigureOut">
               <a:rPr lang="en-US" smtClean="0"/>
               <a:pPr/>
-              <a:t>8/31/2020</a:t>
+              <a:t>9/4/2020</a:t>
             </a:fld>
             <a:endParaRPr lang="en-US" dirty="0"/>
           </a:p>
@@ -8615,7 +8615,7 @@
             <a:fld id="{1D8BD707-D9CF-40AE-B4C6-C98DA3205C09}" type="datetimeFigureOut">
               <a:rPr lang="en-US" smtClean="0"/>
               <a:pPr/>
-              <a:t>8/31/2020</a:t>
+              <a:t>9/4/2020</a:t>
             </a:fld>
             <a:endParaRPr lang="en-US" dirty="0"/>
           </a:p>
@@ -8857,7 +8857,7 @@
             <a:fld id="{B61BEF0D-F0BB-DE4B-95CE-6DB70DBA9567}" type="datetimeFigureOut">
               <a:rPr lang="en-US" dirty="0"/>
               <a:pPr/>
-              <a:t>8/31/2020</a:t>
+              <a:t>9/4/2020</a:t>
             </a:fld>
             <a:endParaRPr lang="en-US" dirty="0"/>
           </a:p>
@@ -9153,7 +9153,7 @@
             <a:fld id="{B61BEF0D-F0BB-DE4B-95CE-6DB70DBA9567}" type="datetimeFigureOut">
               <a:rPr lang="en-US" dirty="0"/>
               <a:pPr/>
-              <a:t>8/31/2020</a:t>
+              <a:t>9/4/2020</a:t>
             </a:fld>
             <a:endParaRPr lang="en-US" dirty="0"/>
           </a:p>
@@ -9594,7 +9594,7 @@
             <a:fld id="{B61BEF0D-F0BB-DE4B-95CE-6DB70DBA9567}" type="datetimeFigureOut">
               <a:rPr lang="en-US" dirty="0"/>
               <a:pPr/>
-              <a:t>8/31/2020</a:t>
+              <a:t>9/4/2020</a:t>
             </a:fld>
             <a:endParaRPr lang="en-US" dirty="0"/>
           </a:p>
@@ -9713,7 +9713,7 @@
             <a:fld id="{B61BEF0D-F0BB-DE4B-95CE-6DB70DBA9567}" type="datetimeFigureOut">
               <a:rPr lang="en-US" dirty="0"/>
               <a:pPr/>
-              <a:t>8/31/2020</a:t>
+              <a:t>9/4/2020</a:t>
             </a:fld>
             <a:endParaRPr lang="en-US" dirty="0"/>
           </a:p>
@@ -9810,7 +9810,7 @@
             <a:fld id="{B61BEF0D-F0BB-DE4B-95CE-6DB70DBA9567}" type="datetimeFigureOut">
               <a:rPr lang="en-US" dirty="0"/>
               <a:pPr/>
-              <a:t>8/31/2020</a:t>
+              <a:t>9/4/2020</a:t>
             </a:fld>
             <a:endParaRPr lang="en-US" dirty="0"/>
           </a:p>
@@ -10093,7 +10093,7 @@
             <a:fld id="{B61BEF0D-F0BB-DE4B-95CE-6DB70DBA9567}" type="datetimeFigureOut">
               <a:rPr lang="en-US" dirty="0"/>
               <a:pPr/>
-              <a:t>8/31/2020</a:t>
+              <a:t>9/4/2020</a:t>
             </a:fld>
             <a:endParaRPr lang="en-US" dirty="0"/>
           </a:p>
@@ -10381,7 +10381,7 @@
             <a:fld id="{B61BEF0D-F0BB-DE4B-95CE-6DB70DBA9567}" type="datetimeFigureOut">
               <a:rPr lang="en-US" dirty="0"/>
               <a:pPr/>
-              <a:t>8/31/2020</a:t>
+              <a:t>9/4/2020</a:t>
             </a:fld>
             <a:endParaRPr lang="en-US" dirty="0"/>
           </a:p>
@@ -10911,7 +10911,7 @@
             <a:fld id="{B61BEF0D-F0BB-DE4B-95CE-6DB70DBA9567}" type="datetimeFigureOut">
               <a:rPr lang="en-US" dirty="0"/>
               <a:pPr/>
-              <a:t>8/31/2020</a:t>
+              <a:t>9/4/2020</a:t>
             </a:fld>
             <a:endParaRPr lang="en-US" dirty="0"/>
           </a:p>
@@ -11577,7 +11577,7 @@
             <a:fld id="{1D8BD707-D9CF-40AE-B4C6-C98DA3205C09}" type="datetimeFigureOut">
               <a:rPr lang="en-US" smtClean="0"/>
               <a:pPr/>
-              <a:t>8/31/2020</a:t>
+              <a:t>9/4/2020</a:t>
             </a:fld>
             <a:endParaRPr lang="en-US" dirty="0"/>
           </a:p>
@@ -11964,7 +11964,7 @@
                 <a16:creationId xmlns:a16="http://schemas.microsoft.com/office/drawing/2014/main" id="{E9D059B6-ADD8-488A-B346-63289E90D13F}"/>
               </a:ext>
               <a:ext uri="{C183D7F6-B498-43B3-948B-1728B52AA6E4}">
-                <adec:decorative xmlns="" xmlns:adec="http://schemas.microsoft.com/office/drawing/2017/decorative" val="1"/>
+                <adec:decorative xmlns:adec="http://schemas.microsoft.com/office/drawing/2017/decorative" xmlns="" val="1"/>
               </a:ext>
             </a:extLst>
           </p:cNvPr>
@@ -11995,7 +11995,7 @@
                   <a16:creationId xmlns:a16="http://schemas.microsoft.com/office/drawing/2014/main" id="{F69B42B4-BC82-4495-A6F9-A28167B56A0E}"/>
                 </a:ext>
                 <a:ext uri="{C183D7F6-B498-43B3-948B-1728B52AA6E4}">
-                  <adec:decorative xmlns="" xmlns:adec="http://schemas.microsoft.com/office/drawing/2017/decorative" val="1"/>
+                  <adec:decorative xmlns:adec="http://schemas.microsoft.com/office/drawing/2017/decorative" xmlns="" val="1"/>
                 </a:ext>
               </a:extLst>
             </p:cNvPr>
@@ -12056,7 +12056,7 @@
                   <a16:creationId xmlns:a16="http://schemas.microsoft.com/office/drawing/2014/main" id="{83CC168C-2AD4-4FFB-9F25-420ED6514C7D}"/>
                 </a:ext>
                 <a:ext uri="{C183D7F6-B498-43B3-948B-1728B52AA6E4}">
-                  <adec:decorative xmlns="" xmlns:adec="http://schemas.microsoft.com/office/drawing/2017/decorative" val="1"/>
+                  <adec:decorative xmlns:adec="http://schemas.microsoft.com/office/drawing/2017/decorative" xmlns="" val="1"/>
                 </a:ext>
               </a:extLst>
             </p:cNvPr>
@@ -12123,7 +12123,7 @@
                   <a16:creationId xmlns:a16="http://schemas.microsoft.com/office/drawing/2014/main" id="{6C9F369A-6158-4AE8-BA04-138A9DFFAE05}"/>
                 </a:ext>
                 <a:ext uri="{C183D7F6-B498-43B3-948B-1728B52AA6E4}">
-                  <adec:decorative xmlns="" xmlns:adec="http://schemas.microsoft.com/office/drawing/2017/decorative" val="1"/>
+                  <adec:decorative xmlns:adec="http://schemas.microsoft.com/office/drawing/2017/decorative" xmlns="" val="1"/>
                 </a:ext>
               </a:extLst>
             </p:cNvPr>
@@ -12184,7 +12184,7 @@
                   <a16:creationId xmlns:a16="http://schemas.microsoft.com/office/drawing/2014/main" id="{FC7B1DF4-AD98-42A8-820F-667A3DCC40AC}"/>
                 </a:ext>
                 <a:ext uri="{C183D7F6-B498-43B3-948B-1728B52AA6E4}">
-                  <adec:decorative xmlns="" xmlns:adec="http://schemas.microsoft.com/office/drawing/2017/decorative" val="1"/>
+                  <adec:decorative xmlns:adec="http://schemas.microsoft.com/office/drawing/2017/decorative" xmlns="" val="1"/>
                 </a:ext>
               </a:extLst>
             </p:cNvPr>
@@ -12244,7 +12244,7 @@
                   <a16:creationId xmlns:a16="http://schemas.microsoft.com/office/drawing/2014/main" id="{61C58B74-3656-4FD5-AC47-EE3A59EBB818}"/>
                 </a:ext>
                 <a:ext uri="{C183D7F6-B498-43B3-948B-1728B52AA6E4}">
-                  <adec:decorative xmlns="" xmlns:adec="http://schemas.microsoft.com/office/drawing/2017/decorative" val="1"/>
+                  <adec:decorative xmlns:adec="http://schemas.microsoft.com/office/drawing/2017/decorative" xmlns="" val="1"/>
                 </a:ext>
               </a:extLst>
             </p:cNvPr>
@@ -12310,7 +12310,7 @@
                   <a16:creationId xmlns:a16="http://schemas.microsoft.com/office/drawing/2014/main" id="{8B349A01-D803-4A18-B608-47BFCED43435}"/>
                 </a:ext>
                 <a:ext uri="{C183D7F6-B498-43B3-948B-1728B52AA6E4}">
-                  <adec:decorative xmlns="" xmlns:adec="http://schemas.microsoft.com/office/drawing/2017/decorative" val="1"/>
+                  <adec:decorative xmlns:adec="http://schemas.microsoft.com/office/drawing/2017/decorative" xmlns="" val="1"/>
                 </a:ext>
               </a:extLst>
             </p:cNvPr>
@@ -12384,7 +12384,7 @@
                 <a16:creationId xmlns:a16="http://schemas.microsoft.com/office/drawing/2014/main" id="{E67A1FC6-22FB-4EA7-B90A-C9F18FBEF30F}"/>
               </a:ext>
               <a:ext uri="{C183D7F6-B498-43B3-948B-1728B52AA6E4}">
-                <adec:decorative xmlns="" xmlns:adec="http://schemas.microsoft.com/office/drawing/2017/decorative" val="1"/>
+                <adec:decorative xmlns:adec="http://schemas.microsoft.com/office/drawing/2017/decorative" xmlns="" val="1"/>
               </a:ext>
             </a:extLst>
           </p:cNvPr>
@@ -12444,7 +12444,7 @@
                 <a16:creationId xmlns:a16="http://schemas.microsoft.com/office/drawing/2014/main" id="{6246FDC4-DD97-431A-914A-9EB57A4A3C7C}"/>
               </a:ext>
               <a:ext uri="{C183D7F6-B498-43B3-948B-1728B52AA6E4}">
-                <adec:decorative xmlns="" xmlns:adec="http://schemas.microsoft.com/office/drawing/2017/decorative" val="1"/>
+                <adec:decorative xmlns:adec="http://schemas.microsoft.com/office/drawing/2017/decorative" xmlns="" val="1"/>
               </a:ext>
             </a:extLst>
           </p:cNvPr>
@@ -12692,7 +12692,7 @@
                 <a16:creationId xmlns:a16="http://schemas.microsoft.com/office/drawing/2014/main" id="{CD4E68A2-74B0-42F5-BB75-2E1A7C2018C7}"/>
               </a:ext>
               <a:ext uri="{C183D7F6-B498-43B3-948B-1728B52AA6E4}">
-                <adec:decorative xmlns="" xmlns:adec="http://schemas.microsoft.com/office/drawing/2017/decorative" val="1"/>
+                <adec:decorative xmlns:adec="http://schemas.microsoft.com/office/drawing/2017/decorative" xmlns="" val="1"/>
               </a:ext>
             </a:extLst>
           </p:cNvPr>
@@ -13189,7 +13189,7 @@
           <a:blip r:embed="rId2">
             <a:extLst>
               <a:ext uri="{96DAC541-7B7A-43D3-8B79-37D633B846F1}">
-                <asvg:svgBlip xmlns="" xmlns:asvg="http://schemas.microsoft.com/office/drawing/2016/SVG/main" r:embed="rId8"/>
+                <asvg:svgBlip xmlns:asvg="http://schemas.microsoft.com/office/drawing/2016/SVG/main" xmlns="" r:embed="rId8"/>
               </a:ext>
             </a:extLst>
           </a:blip>
@@ -13218,7 +13218,7 @@
     <a:overrideClrMapping bg1="dk1" tx1="lt1" bg2="dk2" tx2="lt2" accent1="accent1" accent2="accent2" accent3="accent3" accent4="accent4" accent5="accent5" accent6="accent6" hlink="hlink" folHlink="folHlink"/>
   </p:clrMapOvr>
   <mc:AlternateContent xmlns:mc="http://schemas.openxmlformats.org/markup-compatibility/2006">
-    <mc:Choice xmlns="" xmlns:p159="http://schemas.microsoft.com/office/powerpoint/2015/09/main" Requires="p159">
+    <mc:Choice xmlns:p159="http://schemas.microsoft.com/office/powerpoint/2015/09/main" xmlns="" Requires="p159">
       <p:transition xmlns:p14="http://schemas.microsoft.com/office/powerpoint/2010/main" spd="slow" p14:dur="2000">
         <p159:morph option="byObject"/>
       </p:transition>
@@ -13269,14 +13269,14 @@
           <p:nvPr>
             <p:extLst>
               <p:ext uri="{D42A27DB-BD31-4B8C-83A1-F6EECF244321}">
-                <p14:modId xmlns:p14="http://schemas.microsoft.com/office/powerpoint/2010/main" val="366126427"/>
+                <p14:modId xmlns:p14="http://schemas.microsoft.com/office/powerpoint/2010/main" val="2755471801"/>
               </p:ext>
             </p:extLst>
           </p:nvPr>
         </p:nvGraphicFramePr>
         <p:xfrm>
-          <a:off x="928469" y="1195906"/>
-          <a:ext cx="10536699" cy="5331506"/>
+          <a:off x="928468" y="1195906"/>
+          <a:ext cx="10536698" cy="5331506"/>
         </p:xfrm>
         <a:graphic>
           <a:graphicData uri="http://schemas.openxmlformats.org/drawingml/2006/table">
@@ -13285,38 +13285,31 @@
                 <a:tableStyleId>{5940675A-B579-460E-94D1-54222C63F5DA}</a:tableStyleId>
               </a:tblPr>
               <a:tblGrid>
-                <a:gridCol w="391007">
+                <a:gridCol w="498550">
                   <a:extLst>
                     <a:ext uri="{9D8B030D-6E8A-4147-A177-3AD203B41FA5}">
                       <a16:colId xmlns:a16="http://schemas.microsoft.com/office/drawing/2014/main" val="20000"/>
                     </a:ext>
                   </a:extLst>
                 </a:gridCol>
-                <a:gridCol w="6070998">
+                <a:gridCol w="4325805">
+                  <a:extLst>
+                    <a:ext uri="{9D8B030D-6E8A-4147-A177-3AD203B41FA5}">
+                      <a16:colId xmlns:a16="http://schemas.microsoft.com/office/drawing/2014/main" val="316312984"/>
+                    </a:ext>
+                  </a:extLst>
+                </a:gridCol>
+                <a:gridCol w="4532440">
                   <a:extLst>
                     <a:ext uri="{9D8B030D-6E8A-4147-A177-3AD203B41FA5}">
                       <a16:colId xmlns:a16="http://schemas.microsoft.com/office/drawing/2014/main" val="20001"/>
                     </a:ext>
                   </a:extLst>
                 </a:gridCol>
-                <a:gridCol w="1580427">
+                <a:gridCol w="1179903">
                   <a:extLst>
                     <a:ext uri="{9D8B030D-6E8A-4147-A177-3AD203B41FA5}">
                       <a16:colId xmlns:a16="http://schemas.microsoft.com/office/drawing/2014/main" val="20002"/>
-                    </a:ext>
-                  </a:extLst>
-                </a:gridCol>
-                <a:gridCol w="1379307">
-                  <a:extLst>
-                    <a:ext uri="{9D8B030D-6E8A-4147-A177-3AD203B41FA5}">
-                      <a16:colId xmlns:a16="http://schemas.microsoft.com/office/drawing/2014/main" val="20004"/>
-                    </a:ext>
-                  </a:extLst>
-                </a:gridCol>
-                <a:gridCol w="1114960">
-                  <a:extLst>
-                    <a:ext uri="{9D8B030D-6E8A-4147-A177-3AD203B41FA5}">
-                      <a16:colId xmlns:a16="http://schemas.microsoft.com/office/drawing/2014/main" val="20005"/>
                     </a:ext>
                   </a:extLst>
                 </a:gridCol>
@@ -13388,7 +13381,91 @@
                     <a:p>
                       <a:pPr algn="ctr" fontAlgn="b"/>
                       <a:r>
-                        <a:rPr lang="pt-BR" sz="2000" u="none" strike="noStrike" dirty="0">
+                        <a:rPr lang="pt-BR" sz="2000" b="0" i="0" u="none" strike="noStrike" dirty="0" smtClean="0">
+                          <a:solidFill>
+                            <a:srgbClr val="F94335"/>
+                          </a:solidFill>
+                          <a:latin typeface="Bahnschrift SemiBold SemiConden" panose="020B0502040204020203" pitchFamily="34" charset="0"/>
+                          <a:cs typeface="Arial" pitchFamily="34" charset="0"/>
+                        </a:rPr>
+                        <a:t>Nome</a:t>
+                      </a:r>
+                      <a:endParaRPr lang="pt-BR" sz="2000" b="0" i="0" u="none" strike="noStrike" dirty="0">
+                        <a:solidFill>
+                          <a:srgbClr val="F94335"/>
+                        </a:solidFill>
+                        <a:latin typeface="Bahnschrift SemiBold SemiConden" panose="020B0502040204020203" pitchFamily="34" charset="0"/>
+                        <a:cs typeface="Arial" pitchFamily="34" charset="0"/>
+                      </a:endParaRPr>
+                    </a:p>
+                  </a:txBody>
+                  <a:tcPr marL="5795" marR="5795" marT="5795" marB="27814" anchor="ctr">
+                    <a:lnL w="12700" cap="flat" cmpd="sng" algn="ctr">
+                      <a:solidFill>
+                        <a:schemeClr val="bg1"/>
+                      </a:solidFill>
+                      <a:prstDash val="solid"/>
+                      <a:round/>
+                      <a:headEnd type="none" w="med" len="med"/>
+                      <a:tailEnd type="none" w="med" len="med"/>
+                    </a:lnL>
+                    <a:lnR w="12700" cap="flat" cmpd="sng" algn="ctr">
+                      <a:solidFill>
+                        <a:schemeClr val="bg1"/>
+                      </a:solidFill>
+                      <a:prstDash val="solid"/>
+                      <a:round/>
+                      <a:headEnd type="none" w="med" len="med"/>
+                      <a:tailEnd type="none" w="med" len="med"/>
+                    </a:lnR>
+                    <a:lnT w="12700" cmpd="sng">
+                      <a:noFill/>
+                    </a:lnT>
+                    <a:lnB w="12700" cap="flat" cmpd="sng" algn="ctr">
+                      <a:solidFill>
+                        <a:schemeClr val="bg1"/>
+                      </a:solidFill>
+                      <a:prstDash val="solid"/>
+                      <a:round/>
+                      <a:headEnd type="none" w="med" len="med"/>
+                      <a:tailEnd type="none" w="med" len="med"/>
+                    </a:lnB>
+                    <a:lnTlToBr w="12700" cmpd="sng">
+                      <a:noFill/>
+                      <a:prstDash val="solid"/>
+                    </a:lnTlToBr>
+                    <a:lnBlToTr w="12700" cmpd="sng">
+                      <a:noFill/>
+                      <a:prstDash val="solid"/>
+                    </a:lnBlToTr>
+                  </a:tcPr>
+                </a:tc>
+                <a:tc>
+                  <a:txBody>
+                    <a:bodyPr/>
+                    <a:lstStyle/>
+                    <a:p>
+                      <a:pPr algn="ctr" fontAlgn="b"/>
+                      <a:r>
+                        <a:rPr lang="pt-BR" sz="2000" u="none" strike="noStrike" dirty="0" smtClean="0">
+                          <a:solidFill>
+                            <a:srgbClr val="F94335"/>
+                          </a:solidFill>
+                          <a:latin typeface="Bahnschrift SemiBold SemiConden" panose="020B0502040204020203" pitchFamily="34" charset="0"/>
+                        </a:rPr>
+                        <a:t>Descrição</a:t>
+                      </a:r>
+                      <a:r>
+                        <a:rPr lang="pt-BR" sz="2000" u="none" strike="noStrike" baseline="0" dirty="0" smtClean="0">
+                          <a:solidFill>
+                            <a:srgbClr val="F94335"/>
+                          </a:solidFill>
+                          <a:latin typeface="Bahnschrift SemiBold SemiConden" panose="020B0502040204020203" pitchFamily="34" charset="0"/>
+                        </a:rPr>
+                        <a:t> do </a:t>
+                      </a:r>
+                      <a:r>
+                        <a:rPr lang="pt-BR" sz="2000" u="none" strike="noStrike" dirty="0" smtClean="0">
                           <a:solidFill>
                             <a:srgbClr val="F94335"/>
                           </a:solidFill>
@@ -13462,7 +13539,7 @@
                         <a:t>  </a:t>
                       </a:r>
                       <a:r>
-                        <a:rPr lang="pt-BR" sz="2000" u="none" strike="noStrike" dirty="0">
+                        <a:rPr lang="pt-BR" sz="1600" u="none" strike="noStrike" dirty="0">
                           <a:solidFill>
                             <a:srgbClr val="F94335"/>
                           </a:solidFill>
@@ -13470,197 +13547,7 @@
                         </a:rPr>
                         <a:t>Classificação</a:t>
                       </a:r>
-                      <a:endParaRPr lang="pt-BR" sz="2000" b="0" i="0" u="none" strike="noStrike" dirty="0">
-                        <a:solidFill>
-                          <a:srgbClr val="F94335"/>
-                        </a:solidFill>
-                        <a:latin typeface="Bahnschrift SemiBold SemiConden" panose="020B0502040204020203" pitchFamily="34" charset="0"/>
-                        <a:cs typeface="Arial" pitchFamily="34" charset="0"/>
-                      </a:endParaRPr>
-                    </a:p>
-                  </a:txBody>
-                  <a:tcPr marL="5795" marR="5795" marT="5795" marB="27814" anchor="ctr">
-                    <a:lnL w="12700" cap="flat" cmpd="sng" algn="ctr">
-                      <a:solidFill>
-                        <a:schemeClr val="bg1"/>
-                      </a:solidFill>
-                      <a:prstDash val="solid"/>
-                      <a:round/>
-                      <a:headEnd type="none" w="med" len="med"/>
-                      <a:tailEnd type="none" w="med" len="med"/>
-                    </a:lnL>
-                    <a:lnR w="12700" cap="flat" cmpd="sng" algn="ctr">
-                      <a:solidFill>
-                        <a:schemeClr val="bg1"/>
-                      </a:solidFill>
-                      <a:prstDash val="solid"/>
-                      <a:round/>
-                      <a:headEnd type="none" w="med" len="med"/>
-                      <a:tailEnd type="none" w="med" len="med"/>
-                    </a:lnR>
-                    <a:lnT w="12700" cmpd="sng">
-                      <a:noFill/>
-                    </a:lnT>
-                    <a:lnB w="12700" cap="flat" cmpd="sng" algn="ctr">
-                      <a:solidFill>
-                        <a:schemeClr val="bg1"/>
-                      </a:solidFill>
-                      <a:prstDash val="solid"/>
-                      <a:round/>
-                      <a:headEnd type="none" w="med" len="med"/>
-                      <a:tailEnd type="none" w="med" len="med"/>
-                    </a:lnB>
-                    <a:lnTlToBr w="12700" cmpd="sng">
-                      <a:noFill/>
-                      <a:prstDash val="solid"/>
-                    </a:lnTlToBr>
-                    <a:lnBlToTr w="12700" cmpd="sng">
-                      <a:noFill/>
-                      <a:prstDash val="solid"/>
-                    </a:lnBlToTr>
-                  </a:tcPr>
-                </a:tc>
-                <a:tc>
-                  <a:txBody>
-                    <a:bodyPr/>
-                    <a:lstStyle/>
-                    <a:p>
-                      <a:pPr algn="ctr" fontAlgn="b"/>
-                      <a:r>
-                        <a:rPr lang="pt-BR" sz="2000" u="none" strike="noStrike" dirty="0">
-                          <a:solidFill>
-                            <a:srgbClr val="F94335"/>
-                          </a:solidFill>
-                          <a:latin typeface="Bahnschrift SemiBold SemiConden" panose="020B0502040204020203" pitchFamily="34" charset="0"/>
-                        </a:rPr>
-                        <a:t>     Tamanho</a:t>
-                      </a:r>
-                    </a:p>
-                    <a:p>
-                      <a:pPr algn="ctr" fontAlgn="b"/>
-                      <a:r>
-                        <a:rPr lang="pt-BR" sz="2000" u="none" strike="noStrike" dirty="0">
-                          <a:solidFill>
-                            <a:srgbClr val="F94335"/>
-                          </a:solidFill>
-                          <a:latin typeface="Bahnschrift SemiBold SemiConden" panose="020B0502040204020203" pitchFamily="34" charset="0"/>
-                        </a:rPr>
-                        <a:t>/</a:t>
-                      </a:r>
-                    </a:p>
-                    <a:p>
-                      <a:pPr algn="ctr" fontAlgn="b"/>
-                      <a:r>
-                        <a:rPr lang="pt-BR" sz="2000" u="none" strike="noStrike" dirty="0">
-                          <a:solidFill>
-                            <a:srgbClr val="F94335"/>
-                          </a:solidFill>
-                          <a:latin typeface="Bahnschrift SemiBold SemiConden" panose="020B0502040204020203" pitchFamily="34" charset="0"/>
-                        </a:rPr>
-                        <a:t>Dificuldade</a:t>
-                      </a:r>
-                      <a:endParaRPr lang="pt-BR" sz="2000" b="0" i="0" u="none" strike="noStrike" dirty="0">
-                        <a:solidFill>
-                          <a:srgbClr val="F94335"/>
-                        </a:solidFill>
-                        <a:latin typeface="Bahnschrift SemiBold SemiConden" panose="020B0502040204020203" pitchFamily="34" charset="0"/>
-                        <a:cs typeface="Arial" pitchFamily="34" charset="0"/>
-                      </a:endParaRPr>
-                    </a:p>
-                  </a:txBody>
-                  <a:tcPr marL="5795" marR="5795" marT="5795" marB="27814" anchor="ctr">
-                    <a:lnL w="12700" cap="flat" cmpd="sng" algn="ctr">
-                      <a:solidFill>
-                        <a:schemeClr val="bg1"/>
-                      </a:solidFill>
-                      <a:prstDash val="solid"/>
-                      <a:round/>
-                      <a:headEnd type="none" w="med" len="med"/>
-                      <a:tailEnd type="none" w="med" len="med"/>
-                    </a:lnL>
-                    <a:lnR w="12700" cap="flat" cmpd="sng" algn="ctr">
-                      <a:solidFill>
-                        <a:schemeClr val="bg1"/>
-                      </a:solidFill>
-                      <a:prstDash val="solid"/>
-                      <a:round/>
-                      <a:headEnd type="none" w="med" len="med"/>
-                      <a:tailEnd type="none" w="med" len="med"/>
-                    </a:lnR>
-                    <a:lnT w="12700" cmpd="sng">
-                      <a:noFill/>
-                    </a:lnT>
-                    <a:lnB w="12700" cap="flat" cmpd="sng" algn="ctr">
-                      <a:solidFill>
-                        <a:schemeClr val="bg1"/>
-                      </a:solidFill>
-                      <a:prstDash val="solid"/>
-                      <a:round/>
-                      <a:headEnd type="none" w="med" len="med"/>
-                      <a:tailEnd type="none" w="med" len="med"/>
-                    </a:lnB>
-                    <a:lnTlToBr w="12700" cmpd="sng">
-                      <a:noFill/>
-                      <a:prstDash val="solid"/>
-                    </a:lnTlToBr>
-                    <a:lnBlToTr w="12700" cmpd="sng">
-                      <a:noFill/>
-                      <a:prstDash val="solid"/>
-                    </a:lnBlToTr>
-                  </a:tcPr>
-                </a:tc>
-                <a:tc>
-                  <a:txBody>
-                    <a:bodyPr/>
-                    <a:lstStyle/>
-                    <a:p>
-                      <a:pPr algn="ctr" fontAlgn="b"/>
-                      <a:r>
-                        <a:rPr lang="pt-BR" sz="2000" u="none" strike="noStrike" dirty="0">
-                          <a:solidFill>
-                            <a:srgbClr val="F94335"/>
-                          </a:solidFill>
-                          <a:latin typeface="Bahnschrift SemiBold SemiConden" panose="020B0502040204020203" pitchFamily="34" charset="0"/>
-                        </a:rPr>
-                        <a:t>Ordem</a:t>
-                      </a:r>
-                      <a:r>
-                        <a:rPr lang="pt-BR" sz="2000" u="none" strike="noStrike" baseline="0" dirty="0">
-                          <a:solidFill>
-                            <a:srgbClr val="F94335"/>
-                          </a:solidFill>
-                          <a:latin typeface="Bahnschrift SemiBold SemiConden" panose="020B0502040204020203" pitchFamily="34" charset="0"/>
-                        </a:rPr>
-                        <a:t> </a:t>
-                      </a:r>
-                      <a:r>
-                        <a:rPr lang="pt-BR" sz="2000" u="none" strike="noStrike" dirty="0">
-                          <a:solidFill>
-                            <a:srgbClr val="F94335"/>
-                          </a:solidFill>
-                          <a:latin typeface="Bahnschrift SemiBold SemiConden" panose="020B0502040204020203" pitchFamily="34" charset="0"/>
-                        </a:rPr>
-                        <a:t>de</a:t>
-                      </a:r>
-                      <a:r>
-                        <a:rPr lang="pt-BR" sz="2000" u="none" strike="noStrike" baseline="0" dirty="0">
-                          <a:solidFill>
-                            <a:srgbClr val="F94335"/>
-                          </a:solidFill>
-                          <a:latin typeface="Bahnschrift SemiBold SemiConden" panose="020B0502040204020203" pitchFamily="34" charset="0"/>
-                        </a:rPr>
-                        <a:t> </a:t>
-                      </a:r>
-                      <a:r>
-                        <a:rPr lang="pt-BR" sz="2000" u="none" strike="noStrike" dirty="0">
-                          <a:solidFill>
-                            <a:srgbClr val="F94335"/>
-                          </a:solidFill>
-                          <a:latin typeface="Bahnschrift SemiBold SemiConden" panose="020B0502040204020203" pitchFamily="34" charset="0"/>
-                        </a:rPr>
-                        <a:t>execução</a:t>
-                      </a:r>
-                      <a:endParaRPr lang="pt-BR" sz="2000" b="0" i="0" u="none" strike="noStrike" dirty="0">
+                      <a:endParaRPr lang="pt-BR" sz="1600" b="0" i="0" u="none" strike="noStrike" dirty="0">
                         <a:solidFill>
                           <a:srgbClr val="F94335"/>
                         </a:solidFill>
@@ -13744,6 +13631,68 @@
                   <a:tcPr marL="5795" marR="5795" marT="5795" marB="27814" anchor="b">
                     <a:lnL w="12700" cmpd="sng">
                       <a:noFill/>
+                    </a:lnL>
+                    <a:lnR w="12700" cap="flat" cmpd="sng" algn="ctr">
+                      <a:solidFill>
+                        <a:schemeClr val="bg1"/>
+                      </a:solidFill>
+                      <a:prstDash val="solid"/>
+                      <a:round/>
+                      <a:headEnd type="none" w="med" len="med"/>
+                      <a:tailEnd type="none" w="med" len="med"/>
+                    </a:lnR>
+                    <a:lnT w="12700" cap="flat" cmpd="sng" algn="ctr">
+                      <a:solidFill>
+                        <a:schemeClr val="bg1"/>
+                      </a:solidFill>
+                      <a:prstDash val="solid"/>
+                      <a:round/>
+                      <a:headEnd type="none" w="med" len="med"/>
+                      <a:tailEnd type="none" w="med" len="med"/>
+                    </a:lnT>
+                    <a:lnB w="12700" cap="flat" cmpd="sng" algn="ctr">
+                      <a:solidFill>
+                        <a:schemeClr val="bg1"/>
+                      </a:solidFill>
+                      <a:prstDash val="solid"/>
+                      <a:round/>
+                      <a:headEnd type="none" w="med" len="med"/>
+                      <a:tailEnd type="none" w="med" len="med"/>
+                    </a:lnB>
+                    <a:lnTlToBr w="12700" cmpd="sng">
+                      <a:noFill/>
+                      <a:prstDash val="solid"/>
+                    </a:lnTlToBr>
+                    <a:lnBlToTr w="12700" cmpd="sng">
+                      <a:noFill/>
+                      <a:prstDash val="solid"/>
+                    </a:lnBlToTr>
+                  </a:tcPr>
+                </a:tc>
+                <a:tc>
+                  <a:txBody>
+                    <a:bodyPr/>
+                    <a:lstStyle/>
+                    <a:p>
+                      <a:pPr algn="ctr" fontAlgn="b"/>
+                      <a:endParaRPr lang="pt-BR" sz="1100" b="0" i="0" u="none" strike="noStrike" dirty="0">
+                        <a:solidFill>
+                          <a:srgbClr val="F94335"/>
+                        </a:solidFill>
+                        <a:latin typeface="Bahnschrift SemiBold SemiConden" panose="020B0502040204020203" pitchFamily="34" charset="0"/>
+                        <a:cs typeface="Arial" pitchFamily="34" charset="0"/>
+                      </a:endParaRPr>
+                    </a:p>
+                  </a:txBody>
+                  <a:tcPr marL="5795" marR="5795" marT="5795" marB="27814" anchor="b">
+                    <a:lnL w="12700" cap="flat" cmpd="sng" algn="ctr">
+                      <a:solidFill>
+                        <a:schemeClr val="bg1"/>
+                      </a:solidFill>
+                      <a:prstDash val="solid"/>
+                      <a:round/>
+                      <a:headEnd type="none" w="med" len="med"/>
+                      <a:tailEnd type="none" w="med" len="med"/>
                     </a:lnL>
                     <a:lnR w="12700" cap="flat" cmpd="sng" algn="ctr">
                       <a:solidFill>
@@ -13935,139 +13884,6 @@
                     </a:lnBlToTr>
                   </a:tcPr>
                 </a:tc>
-                <a:tc>
-                  <a:txBody>
-                    <a:bodyPr/>
-                    <a:lstStyle/>
-                    <a:p>
-                      <a:pPr algn="ctr" fontAlgn="b"/>
-                      <a:r>
-                        <a:rPr lang="pt-BR" sz="1100" u="none" strike="noStrike" dirty="0">
-                          <a:solidFill>
-                            <a:srgbClr val="F94335"/>
-                          </a:solidFill>
-                          <a:latin typeface="Bahnschrift SemiBold SemiConden" panose="020B0502040204020203" pitchFamily="34" charset="0"/>
-                        </a:rPr>
-                        <a:t>8</a:t>
-                      </a:r>
-                      <a:endParaRPr lang="pt-BR" sz="1100" b="0" i="0" u="none" strike="noStrike" dirty="0">
-                        <a:solidFill>
-                          <a:srgbClr val="F94335"/>
-                        </a:solidFill>
-                        <a:latin typeface="Bahnschrift SemiBold SemiConden" panose="020B0502040204020203" pitchFamily="34" charset="0"/>
-                        <a:cs typeface="Arial" pitchFamily="34" charset="0"/>
-                      </a:endParaRPr>
-                    </a:p>
-                  </a:txBody>
-                  <a:tcPr marL="5795" marR="5795" marT="5795" marB="27814" anchor="b">
-                    <a:lnL w="12700" cap="flat" cmpd="sng" algn="ctr">
-                      <a:solidFill>
-                        <a:schemeClr val="bg1"/>
-                      </a:solidFill>
-                      <a:prstDash val="solid"/>
-                      <a:round/>
-                      <a:headEnd type="none" w="med" len="med"/>
-                      <a:tailEnd type="none" w="med" len="med"/>
-                    </a:lnL>
-                    <a:lnR w="12700" cap="flat" cmpd="sng" algn="ctr">
-                      <a:solidFill>
-                        <a:schemeClr val="bg1"/>
-                      </a:solidFill>
-                      <a:prstDash val="solid"/>
-                      <a:round/>
-                      <a:headEnd type="none" w="med" len="med"/>
-                      <a:tailEnd type="none" w="med" len="med"/>
-                    </a:lnR>
-                    <a:lnT w="12700" cap="flat" cmpd="sng" algn="ctr">
-                      <a:solidFill>
-                        <a:schemeClr val="bg1"/>
-                      </a:solidFill>
-                      <a:prstDash val="solid"/>
-                      <a:round/>
-                      <a:headEnd type="none" w="med" len="med"/>
-                      <a:tailEnd type="none" w="med" len="med"/>
-                    </a:lnT>
-                    <a:lnB w="12700" cap="flat" cmpd="sng" algn="ctr">
-                      <a:solidFill>
-                        <a:schemeClr val="bg1"/>
-                      </a:solidFill>
-                      <a:prstDash val="solid"/>
-                      <a:round/>
-                      <a:headEnd type="none" w="med" len="med"/>
-                      <a:tailEnd type="none" w="med" len="med"/>
-                    </a:lnB>
-                    <a:lnTlToBr w="12700" cmpd="sng">
-                      <a:noFill/>
-                      <a:prstDash val="solid"/>
-                    </a:lnTlToBr>
-                    <a:lnBlToTr w="12700" cmpd="sng">
-                      <a:noFill/>
-                      <a:prstDash val="solid"/>
-                    </a:lnBlToTr>
-                  </a:tcPr>
-                </a:tc>
-                <a:tc>
-                  <a:txBody>
-                    <a:bodyPr/>
-                    <a:lstStyle/>
-                    <a:p>
-                      <a:pPr algn="ctr" fontAlgn="b"/>
-                      <a:endParaRPr lang="pt-BR" sz="1100" b="0" i="0" u="none" strike="noStrike" dirty="0">
-                        <a:solidFill>
-                          <a:srgbClr val="F94335"/>
-                        </a:solidFill>
-                        <a:latin typeface="Bahnschrift SemiBold SemiConden" panose="020B0502040204020203" pitchFamily="34" charset="0"/>
-                        <a:cs typeface="Arial" pitchFamily="34" charset="0"/>
-                      </a:endParaRPr>
-                    </a:p>
-                  </a:txBody>
-                  <a:tcPr marL="5795" marR="5795" marT="5795" marB="27814" anchor="b">
-                    <a:lnL w="12700" cap="flat" cmpd="sng" algn="ctr">
-                      <a:solidFill>
-                        <a:schemeClr val="bg1"/>
-                      </a:solidFill>
-                      <a:prstDash val="solid"/>
-                      <a:round/>
-                      <a:headEnd type="none" w="med" len="med"/>
-                      <a:tailEnd type="none" w="med" len="med"/>
-                    </a:lnL>
-                    <a:lnR w="12700" cap="flat" cmpd="sng" algn="ctr">
-                      <a:solidFill>
-                        <a:schemeClr val="bg1"/>
-                      </a:solidFill>
-                      <a:prstDash val="solid"/>
-                      <a:round/>
-                      <a:headEnd type="none" w="med" len="med"/>
-                      <a:tailEnd type="none" w="med" len="med"/>
-                    </a:lnR>
-                    <a:lnT w="12700" cap="flat" cmpd="sng" algn="ctr">
-                      <a:solidFill>
-                        <a:schemeClr val="bg1"/>
-                      </a:solidFill>
-                      <a:prstDash val="solid"/>
-                      <a:round/>
-                      <a:headEnd type="none" w="med" len="med"/>
-                      <a:tailEnd type="none" w="med" len="med"/>
-                    </a:lnT>
-                    <a:lnB w="12700" cap="flat" cmpd="sng" algn="ctr">
-                      <a:solidFill>
-                        <a:schemeClr val="bg1"/>
-                      </a:solidFill>
-                      <a:prstDash val="solid"/>
-                      <a:round/>
-                      <a:headEnd type="none" w="med" len="med"/>
-                      <a:tailEnd type="none" w="med" len="med"/>
-                    </a:lnB>
-                    <a:lnTlToBr w="12700" cmpd="sng">
-                      <a:noFill/>
-                      <a:prstDash val="solid"/>
-                    </a:lnTlToBr>
-                    <a:lnBlToTr w="12700" cmpd="sng">
-                      <a:noFill/>
-                      <a:prstDash val="solid"/>
-                    </a:lnBlToTr>
-                  </a:tcPr>
-                </a:tc>
                 <a:extLst>
                   <a:ext uri="{0D108BD9-81ED-4DB2-BD59-A6C34878D82A}">
                     <a16:rowId xmlns:a16="http://schemas.microsoft.com/office/drawing/2014/main" val="10001"/>
@@ -14102,6 +13918,68 @@
                   <a:tcPr marL="5795" marR="5795" marT="5795" marB="27814" anchor="b">
                     <a:lnL w="12700" cmpd="sng">
                       <a:noFill/>
+                    </a:lnL>
+                    <a:lnR w="12700" cap="flat" cmpd="sng" algn="ctr">
+                      <a:solidFill>
+                        <a:schemeClr val="bg1"/>
+                      </a:solidFill>
+                      <a:prstDash val="solid"/>
+                      <a:round/>
+                      <a:headEnd type="none" w="med" len="med"/>
+                      <a:tailEnd type="none" w="med" len="med"/>
+                    </a:lnR>
+                    <a:lnT w="12700" cap="flat" cmpd="sng" algn="ctr">
+                      <a:solidFill>
+                        <a:schemeClr val="bg1"/>
+                      </a:solidFill>
+                      <a:prstDash val="solid"/>
+                      <a:round/>
+                      <a:headEnd type="none" w="med" len="med"/>
+                      <a:tailEnd type="none" w="med" len="med"/>
+                    </a:lnT>
+                    <a:lnB w="12700" cap="flat" cmpd="sng" algn="ctr">
+                      <a:solidFill>
+                        <a:schemeClr val="bg1"/>
+                      </a:solidFill>
+                      <a:prstDash val="solid"/>
+                      <a:round/>
+                      <a:headEnd type="none" w="med" len="med"/>
+                      <a:tailEnd type="none" w="med" len="med"/>
+                    </a:lnB>
+                    <a:lnTlToBr w="12700" cmpd="sng">
+                      <a:noFill/>
+                      <a:prstDash val="solid"/>
+                    </a:lnTlToBr>
+                    <a:lnBlToTr w="12700" cmpd="sng">
+                      <a:noFill/>
+                      <a:prstDash val="solid"/>
+                    </a:lnBlToTr>
+                  </a:tcPr>
+                </a:tc>
+                <a:tc>
+                  <a:txBody>
+                    <a:bodyPr/>
+                    <a:lstStyle/>
+                    <a:p>
+                      <a:pPr algn="ctr" fontAlgn="b"/>
+                      <a:endParaRPr lang="pt-BR" sz="1100" b="0" i="0" u="none" strike="noStrike" dirty="0">
+                        <a:solidFill>
+                          <a:srgbClr val="F94335"/>
+                        </a:solidFill>
+                        <a:latin typeface="Bahnschrift SemiBold SemiConden" panose="020B0502040204020203" pitchFamily="34" charset="0"/>
+                        <a:cs typeface="Arial" pitchFamily="34" charset="0"/>
+                      </a:endParaRPr>
+                    </a:p>
+                  </a:txBody>
+                  <a:tcPr marL="5795" marR="5795" marT="5795" marB="27814" anchor="b">
+                    <a:lnL w="12700" cap="flat" cmpd="sng" algn="ctr">
+                      <a:solidFill>
+                        <a:schemeClr val="bg1"/>
+                      </a:solidFill>
+                      <a:prstDash val="solid"/>
+                      <a:round/>
+                      <a:headEnd type="none" w="med" len="med"/>
+                      <a:tailEnd type="none" w="med" len="med"/>
                     </a:lnL>
                     <a:lnR w="12700" cap="flat" cmpd="sng" algn="ctr">
                       <a:solidFill>
@@ -14293,139 +14171,6 @@
                     </a:lnBlToTr>
                   </a:tcPr>
                 </a:tc>
-                <a:tc>
-                  <a:txBody>
-                    <a:bodyPr/>
-                    <a:lstStyle/>
-                    <a:p>
-                      <a:pPr algn="ctr" fontAlgn="b"/>
-                      <a:r>
-                        <a:rPr lang="pt-BR" sz="1100" u="none" strike="noStrike" dirty="0">
-                          <a:solidFill>
-                            <a:srgbClr val="F94335"/>
-                          </a:solidFill>
-                          <a:latin typeface="Bahnschrift SemiBold SemiConden" panose="020B0502040204020203" pitchFamily="34" charset="0"/>
-                        </a:rPr>
-                        <a:t>5</a:t>
-                      </a:r>
-                      <a:endParaRPr lang="pt-BR" sz="1100" b="0" i="0" u="none" strike="noStrike" dirty="0">
-                        <a:solidFill>
-                          <a:srgbClr val="F94335"/>
-                        </a:solidFill>
-                        <a:latin typeface="Bahnschrift SemiBold SemiConden" panose="020B0502040204020203" pitchFamily="34" charset="0"/>
-                        <a:cs typeface="Arial" pitchFamily="34" charset="0"/>
-                      </a:endParaRPr>
-                    </a:p>
-                  </a:txBody>
-                  <a:tcPr marL="5795" marR="5795" marT="5795" marB="27814" anchor="b">
-                    <a:lnL w="12700" cap="flat" cmpd="sng" algn="ctr">
-                      <a:solidFill>
-                        <a:schemeClr val="bg1"/>
-                      </a:solidFill>
-                      <a:prstDash val="solid"/>
-                      <a:round/>
-                      <a:headEnd type="none" w="med" len="med"/>
-                      <a:tailEnd type="none" w="med" len="med"/>
-                    </a:lnL>
-                    <a:lnR w="12700" cap="flat" cmpd="sng" algn="ctr">
-                      <a:solidFill>
-                        <a:schemeClr val="bg1"/>
-                      </a:solidFill>
-                      <a:prstDash val="solid"/>
-                      <a:round/>
-                      <a:headEnd type="none" w="med" len="med"/>
-                      <a:tailEnd type="none" w="med" len="med"/>
-                    </a:lnR>
-                    <a:lnT w="12700" cap="flat" cmpd="sng" algn="ctr">
-                      <a:solidFill>
-                        <a:schemeClr val="bg1"/>
-                      </a:solidFill>
-                      <a:prstDash val="solid"/>
-                      <a:round/>
-                      <a:headEnd type="none" w="med" len="med"/>
-                      <a:tailEnd type="none" w="med" len="med"/>
-                    </a:lnT>
-                    <a:lnB w="12700" cap="flat" cmpd="sng" algn="ctr">
-                      <a:solidFill>
-                        <a:schemeClr val="bg1"/>
-                      </a:solidFill>
-                      <a:prstDash val="solid"/>
-                      <a:round/>
-                      <a:headEnd type="none" w="med" len="med"/>
-                      <a:tailEnd type="none" w="med" len="med"/>
-                    </a:lnB>
-                    <a:lnTlToBr w="12700" cmpd="sng">
-                      <a:noFill/>
-                      <a:prstDash val="solid"/>
-                    </a:lnTlToBr>
-                    <a:lnBlToTr w="12700" cmpd="sng">
-                      <a:noFill/>
-                      <a:prstDash val="solid"/>
-                    </a:lnBlToTr>
-                  </a:tcPr>
-                </a:tc>
-                <a:tc>
-                  <a:txBody>
-                    <a:bodyPr/>
-                    <a:lstStyle/>
-                    <a:p>
-                      <a:pPr algn="ctr" fontAlgn="b"/>
-                      <a:endParaRPr lang="pt-BR" sz="1100" b="0" i="0" u="none" strike="noStrike" dirty="0">
-                        <a:solidFill>
-                          <a:srgbClr val="F94335"/>
-                        </a:solidFill>
-                        <a:latin typeface="Bahnschrift SemiBold SemiConden" panose="020B0502040204020203" pitchFamily="34" charset="0"/>
-                        <a:cs typeface="Arial" pitchFamily="34" charset="0"/>
-                      </a:endParaRPr>
-                    </a:p>
-                  </a:txBody>
-                  <a:tcPr marL="5795" marR="5795" marT="5795" marB="27814" anchor="b">
-                    <a:lnL w="12700" cap="flat" cmpd="sng" algn="ctr">
-                      <a:solidFill>
-                        <a:schemeClr val="bg1"/>
-                      </a:solidFill>
-                      <a:prstDash val="solid"/>
-                      <a:round/>
-                      <a:headEnd type="none" w="med" len="med"/>
-                      <a:tailEnd type="none" w="med" len="med"/>
-                    </a:lnL>
-                    <a:lnR w="12700" cap="flat" cmpd="sng" algn="ctr">
-                      <a:solidFill>
-                        <a:schemeClr val="bg1"/>
-                      </a:solidFill>
-                      <a:prstDash val="solid"/>
-                      <a:round/>
-                      <a:headEnd type="none" w="med" len="med"/>
-                      <a:tailEnd type="none" w="med" len="med"/>
-                    </a:lnR>
-                    <a:lnT w="12700" cap="flat" cmpd="sng" algn="ctr">
-                      <a:solidFill>
-                        <a:schemeClr val="bg1"/>
-                      </a:solidFill>
-                      <a:prstDash val="solid"/>
-                      <a:round/>
-                      <a:headEnd type="none" w="med" len="med"/>
-                      <a:tailEnd type="none" w="med" len="med"/>
-                    </a:lnT>
-                    <a:lnB w="12700" cap="flat" cmpd="sng" algn="ctr">
-                      <a:solidFill>
-                        <a:schemeClr val="bg1"/>
-                      </a:solidFill>
-                      <a:prstDash val="solid"/>
-                      <a:round/>
-                      <a:headEnd type="none" w="med" len="med"/>
-                      <a:tailEnd type="none" w="med" len="med"/>
-                    </a:lnB>
-                    <a:lnTlToBr w="12700" cmpd="sng">
-                      <a:noFill/>
-                      <a:prstDash val="solid"/>
-                    </a:lnTlToBr>
-                    <a:lnBlToTr w="12700" cmpd="sng">
-                      <a:noFill/>
-                      <a:prstDash val="solid"/>
-                    </a:lnBlToTr>
-                  </a:tcPr>
-                </a:tc>
                 <a:extLst>
                   <a:ext uri="{0D108BD9-81ED-4DB2-BD59-A6C34878D82A}">
                     <a16:rowId xmlns:a16="http://schemas.microsoft.com/office/drawing/2014/main" val="10002"/>
@@ -14460,6 +14205,68 @@
                   <a:tcPr marL="5795" marR="5795" marT="5795" marB="27814" anchor="b">
                     <a:lnL w="12700" cmpd="sng">
                       <a:noFill/>
+                    </a:lnL>
+                    <a:lnR w="12700" cap="flat" cmpd="sng" algn="ctr">
+                      <a:solidFill>
+                        <a:schemeClr val="bg1"/>
+                      </a:solidFill>
+                      <a:prstDash val="solid"/>
+                      <a:round/>
+                      <a:headEnd type="none" w="med" len="med"/>
+                      <a:tailEnd type="none" w="med" len="med"/>
+                    </a:lnR>
+                    <a:lnT w="12700" cap="flat" cmpd="sng" algn="ctr">
+                      <a:solidFill>
+                        <a:schemeClr val="bg1"/>
+                      </a:solidFill>
+                      <a:prstDash val="solid"/>
+                      <a:round/>
+                      <a:headEnd type="none" w="med" len="med"/>
+                      <a:tailEnd type="none" w="med" len="med"/>
+                    </a:lnT>
+                    <a:lnB w="12700" cap="flat" cmpd="sng" algn="ctr">
+                      <a:solidFill>
+                        <a:schemeClr val="bg1"/>
+                      </a:solidFill>
+                      <a:prstDash val="solid"/>
+                      <a:round/>
+                      <a:headEnd type="none" w="med" len="med"/>
+                      <a:tailEnd type="none" w="med" len="med"/>
+                    </a:lnB>
+                    <a:lnTlToBr w="12700" cmpd="sng">
+                      <a:noFill/>
+                      <a:prstDash val="solid"/>
+                    </a:lnTlToBr>
+                    <a:lnBlToTr w="12700" cmpd="sng">
+                      <a:noFill/>
+                      <a:prstDash val="solid"/>
+                    </a:lnBlToTr>
+                  </a:tcPr>
+                </a:tc>
+                <a:tc>
+                  <a:txBody>
+                    <a:bodyPr/>
+                    <a:lstStyle/>
+                    <a:p>
+                      <a:pPr algn="ctr" fontAlgn="b"/>
+                      <a:endParaRPr lang="pt-BR" sz="1100" b="0" i="0" u="none" strike="noStrike" dirty="0">
+                        <a:solidFill>
+                          <a:srgbClr val="F94335"/>
+                        </a:solidFill>
+                        <a:latin typeface="Bahnschrift SemiBold SemiConden" panose="020B0502040204020203" pitchFamily="34" charset="0"/>
+                        <a:cs typeface="Arial" pitchFamily="34" charset="0"/>
+                      </a:endParaRPr>
+                    </a:p>
+                  </a:txBody>
+                  <a:tcPr marL="5795" marR="5795" marT="5795" marB="27814" anchor="b">
+                    <a:lnL w="12700" cap="flat" cmpd="sng" algn="ctr">
+                      <a:solidFill>
+                        <a:schemeClr val="bg1"/>
+                      </a:solidFill>
+                      <a:prstDash val="solid"/>
+                      <a:round/>
+                      <a:headEnd type="none" w="med" len="med"/>
+                      <a:tailEnd type="none" w="med" len="med"/>
                     </a:lnL>
                     <a:lnR w="12700" cap="flat" cmpd="sng" algn="ctr">
                       <a:solidFill>
@@ -14651,139 +14458,6 @@
                     </a:lnBlToTr>
                   </a:tcPr>
                 </a:tc>
-                <a:tc>
-                  <a:txBody>
-                    <a:bodyPr/>
-                    <a:lstStyle/>
-                    <a:p>
-                      <a:pPr algn="ctr" fontAlgn="b"/>
-                      <a:r>
-                        <a:rPr lang="pt-BR" sz="1100" u="none" strike="noStrike" dirty="0">
-                          <a:solidFill>
-                            <a:srgbClr val="F94335"/>
-                          </a:solidFill>
-                          <a:latin typeface="Bahnschrift SemiBold SemiConden" panose="020B0502040204020203" pitchFamily="34" charset="0"/>
-                        </a:rPr>
-                        <a:t>5</a:t>
-                      </a:r>
-                      <a:endParaRPr lang="pt-BR" sz="1100" b="0" i="0" u="none" strike="noStrike" dirty="0">
-                        <a:solidFill>
-                          <a:srgbClr val="F94335"/>
-                        </a:solidFill>
-                        <a:latin typeface="Bahnschrift SemiBold SemiConden" panose="020B0502040204020203" pitchFamily="34" charset="0"/>
-                        <a:cs typeface="Arial" pitchFamily="34" charset="0"/>
-                      </a:endParaRPr>
-                    </a:p>
-                  </a:txBody>
-                  <a:tcPr marL="5795" marR="5795" marT="5795" marB="27814" anchor="b">
-                    <a:lnL w="12700" cap="flat" cmpd="sng" algn="ctr">
-                      <a:solidFill>
-                        <a:schemeClr val="bg1"/>
-                      </a:solidFill>
-                      <a:prstDash val="solid"/>
-                      <a:round/>
-                      <a:headEnd type="none" w="med" len="med"/>
-                      <a:tailEnd type="none" w="med" len="med"/>
-                    </a:lnL>
-                    <a:lnR w="12700" cap="flat" cmpd="sng" algn="ctr">
-                      <a:solidFill>
-                        <a:schemeClr val="bg1"/>
-                      </a:solidFill>
-                      <a:prstDash val="solid"/>
-                      <a:round/>
-                      <a:headEnd type="none" w="med" len="med"/>
-                      <a:tailEnd type="none" w="med" len="med"/>
-                    </a:lnR>
-                    <a:lnT w="12700" cap="flat" cmpd="sng" algn="ctr">
-                      <a:solidFill>
-                        <a:schemeClr val="bg1"/>
-                      </a:solidFill>
-                      <a:prstDash val="solid"/>
-                      <a:round/>
-                      <a:headEnd type="none" w="med" len="med"/>
-                      <a:tailEnd type="none" w="med" len="med"/>
-                    </a:lnT>
-                    <a:lnB w="12700" cap="flat" cmpd="sng" algn="ctr">
-                      <a:solidFill>
-                        <a:schemeClr val="bg1"/>
-                      </a:solidFill>
-                      <a:prstDash val="solid"/>
-                      <a:round/>
-                      <a:headEnd type="none" w="med" len="med"/>
-                      <a:tailEnd type="none" w="med" len="med"/>
-                    </a:lnB>
-                    <a:lnTlToBr w="12700" cmpd="sng">
-                      <a:noFill/>
-                      <a:prstDash val="solid"/>
-                    </a:lnTlToBr>
-                    <a:lnBlToTr w="12700" cmpd="sng">
-                      <a:noFill/>
-                      <a:prstDash val="solid"/>
-                    </a:lnBlToTr>
-                  </a:tcPr>
-                </a:tc>
-                <a:tc>
-                  <a:txBody>
-                    <a:bodyPr/>
-                    <a:lstStyle/>
-                    <a:p>
-                      <a:pPr algn="ctr" fontAlgn="b"/>
-                      <a:endParaRPr lang="pt-BR" sz="1100" b="0" i="0" u="none" strike="noStrike" dirty="0">
-                        <a:solidFill>
-                          <a:srgbClr val="F94335"/>
-                        </a:solidFill>
-                        <a:latin typeface="Bahnschrift SemiBold SemiConden" panose="020B0502040204020203" pitchFamily="34" charset="0"/>
-                        <a:cs typeface="Arial" pitchFamily="34" charset="0"/>
-                      </a:endParaRPr>
-                    </a:p>
-                  </a:txBody>
-                  <a:tcPr marL="5795" marR="5795" marT="5795" marB="27814" anchor="b">
-                    <a:lnL w="12700" cap="flat" cmpd="sng" algn="ctr">
-                      <a:solidFill>
-                        <a:schemeClr val="bg1"/>
-                      </a:solidFill>
-                      <a:prstDash val="solid"/>
-                      <a:round/>
-                      <a:headEnd type="none" w="med" len="med"/>
-                      <a:tailEnd type="none" w="med" len="med"/>
-                    </a:lnL>
-                    <a:lnR w="12700" cap="flat" cmpd="sng" algn="ctr">
-                      <a:solidFill>
-                        <a:schemeClr val="bg1"/>
-                      </a:solidFill>
-                      <a:prstDash val="solid"/>
-                      <a:round/>
-                      <a:headEnd type="none" w="med" len="med"/>
-                      <a:tailEnd type="none" w="med" len="med"/>
-                    </a:lnR>
-                    <a:lnT w="12700" cap="flat" cmpd="sng" algn="ctr">
-                      <a:solidFill>
-                        <a:schemeClr val="bg1"/>
-                      </a:solidFill>
-                      <a:prstDash val="solid"/>
-                      <a:round/>
-                      <a:headEnd type="none" w="med" len="med"/>
-                      <a:tailEnd type="none" w="med" len="med"/>
-                    </a:lnT>
-                    <a:lnB w="12700" cap="flat" cmpd="sng" algn="ctr">
-                      <a:solidFill>
-                        <a:schemeClr val="bg1"/>
-                      </a:solidFill>
-                      <a:prstDash val="solid"/>
-                      <a:round/>
-                      <a:headEnd type="none" w="med" len="med"/>
-                      <a:tailEnd type="none" w="med" len="med"/>
-                    </a:lnB>
-                    <a:lnTlToBr w="12700" cmpd="sng">
-                      <a:noFill/>
-                      <a:prstDash val="solid"/>
-                    </a:lnTlToBr>
-                    <a:lnBlToTr w="12700" cmpd="sng">
-                      <a:noFill/>
-                      <a:prstDash val="solid"/>
-                    </a:lnBlToTr>
-                  </a:tcPr>
-                </a:tc>
                 <a:extLst>
                   <a:ext uri="{0D108BD9-81ED-4DB2-BD59-A6C34878D82A}">
                     <a16:rowId xmlns:a16="http://schemas.microsoft.com/office/drawing/2014/main" val="10003"/>
@@ -14818,6 +14492,84 @@
                   <a:tcPr marL="5795" marR="5795" marT="5795" marB="27814" anchor="b">
                     <a:lnL w="12700" cmpd="sng">
                       <a:noFill/>
+                    </a:lnL>
+                    <a:lnR w="12700" cap="flat" cmpd="sng" algn="ctr">
+                      <a:solidFill>
+                        <a:schemeClr val="bg1"/>
+                      </a:solidFill>
+                      <a:prstDash val="solid"/>
+                      <a:round/>
+                      <a:headEnd type="none" w="med" len="med"/>
+                      <a:tailEnd type="none" w="med" len="med"/>
+                    </a:lnR>
+                    <a:lnT w="12700" cap="flat" cmpd="sng" algn="ctr">
+                      <a:solidFill>
+                        <a:schemeClr val="bg1"/>
+                      </a:solidFill>
+                      <a:prstDash val="solid"/>
+                      <a:round/>
+                      <a:headEnd type="none" w="med" len="med"/>
+                      <a:tailEnd type="none" w="med" len="med"/>
+                    </a:lnT>
+                    <a:lnB w="12700" cap="flat" cmpd="sng" algn="ctr">
+                      <a:solidFill>
+                        <a:schemeClr val="bg1"/>
+                      </a:solidFill>
+                      <a:prstDash val="solid"/>
+                      <a:round/>
+                      <a:headEnd type="none" w="med" len="med"/>
+                      <a:tailEnd type="none" w="med" len="med"/>
+                    </a:lnB>
+                    <a:lnTlToBr w="12700" cmpd="sng">
+                      <a:noFill/>
+                      <a:prstDash val="solid"/>
+                    </a:lnTlToBr>
+                    <a:lnBlToTr w="12700" cmpd="sng">
+                      <a:noFill/>
+                      <a:prstDash val="solid"/>
+                    </a:lnBlToTr>
+                  </a:tcPr>
+                </a:tc>
+                <a:tc>
+                  <a:txBody>
+                    <a:bodyPr/>
+                    <a:lstStyle/>
+                    <a:p>
+                      <a:pPr marL="0" marR="0" lvl="0" indent="0" algn="ctr" defTabSz="914400" rtl="0" eaLnBrk="1" fontAlgn="b" latinLnBrk="0" hangingPunct="1">
+                        <a:lnSpc>
+                          <a:spcPct val="100000"/>
+                        </a:lnSpc>
+                        <a:spcBef>
+                          <a:spcPts val="0"/>
+                        </a:spcBef>
+                        <a:spcAft>
+                          <a:spcPts val="0"/>
+                        </a:spcAft>
+                        <a:buClrTx/>
+                        <a:buSzTx/>
+                        <a:buFontTx/>
+                        <a:buNone/>
+                        <a:tabLst/>
+                        <a:defRPr/>
+                      </a:pPr>
+                      <a:endParaRPr lang="pt-BR" sz="1100" b="0" i="0" u="none" strike="noStrike" dirty="0">
+                        <a:solidFill>
+                          <a:srgbClr val="F94335"/>
+                        </a:solidFill>
+                        <a:latin typeface="Bahnschrift SemiBold SemiConden" panose="020B0502040204020203" pitchFamily="34" charset="0"/>
+                        <a:cs typeface="Arial" pitchFamily="34" charset="0"/>
+                      </a:endParaRPr>
+                    </a:p>
+                  </a:txBody>
+                  <a:tcPr marL="5795" marR="5795" marT="5795" marB="27814" anchor="b">
+                    <a:lnL w="12700" cap="flat" cmpd="sng" algn="ctr">
+                      <a:solidFill>
+                        <a:schemeClr val="bg1"/>
+                      </a:solidFill>
+                      <a:prstDash val="solid"/>
+                      <a:round/>
+                      <a:headEnd type="none" w="med" len="med"/>
+                      <a:tailEnd type="none" w="med" len="med"/>
                     </a:lnL>
                     <a:lnR w="12700" cap="flat" cmpd="sng" algn="ctr">
                       <a:solidFill>
@@ -15014,139 +14766,6 @@
                     </a:lnBlToTr>
                   </a:tcPr>
                 </a:tc>
-                <a:tc>
-                  <a:txBody>
-                    <a:bodyPr/>
-                    <a:lstStyle/>
-                    <a:p>
-                      <a:pPr algn="ctr" fontAlgn="b"/>
-                      <a:r>
-                        <a:rPr lang="pt-BR" sz="1100" u="none" strike="noStrike" dirty="0">
-                          <a:solidFill>
-                            <a:srgbClr val="F94335"/>
-                          </a:solidFill>
-                          <a:latin typeface="Bahnschrift SemiBold SemiConden" panose="020B0502040204020203" pitchFamily="34" charset="0"/>
-                        </a:rPr>
-                        <a:t>5</a:t>
-                      </a:r>
-                      <a:endParaRPr lang="pt-BR" sz="1100" b="0" i="0" u="none" strike="noStrike" dirty="0">
-                        <a:solidFill>
-                          <a:srgbClr val="F94335"/>
-                        </a:solidFill>
-                        <a:latin typeface="Bahnschrift SemiBold SemiConden" panose="020B0502040204020203" pitchFamily="34" charset="0"/>
-                        <a:cs typeface="Arial" pitchFamily="34" charset="0"/>
-                      </a:endParaRPr>
-                    </a:p>
-                  </a:txBody>
-                  <a:tcPr marL="5795" marR="5795" marT="5795" marB="27814" anchor="b">
-                    <a:lnL w="12700" cap="flat" cmpd="sng" algn="ctr">
-                      <a:solidFill>
-                        <a:schemeClr val="bg1"/>
-                      </a:solidFill>
-                      <a:prstDash val="solid"/>
-                      <a:round/>
-                      <a:headEnd type="none" w="med" len="med"/>
-                      <a:tailEnd type="none" w="med" len="med"/>
-                    </a:lnL>
-                    <a:lnR w="12700" cap="flat" cmpd="sng" algn="ctr">
-                      <a:solidFill>
-                        <a:schemeClr val="bg1"/>
-                      </a:solidFill>
-                      <a:prstDash val="solid"/>
-                      <a:round/>
-                      <a:headEnd type="none" w="med" len="med"/>
-                      <a:tailEnd type="none" w="med" len="med"/>
-                    </a:lnR>
-                    <a:lnT w="12700" cap="flat" cmpd="sng" algn="ctr">
-                      <a:solidFill>
-                        <a:schemeClr val="bg1"/>
-                      </a:solidFill>
-                      <a:prstDash val="solid"/>
-                      <a:round/>
-                      <a:headEnd type="none" w="med" len="med"/>
-                      <a:tailEnd type="none" w="med" len="med"/>
-                    </a:lnT>
-                    <a:lnB w="12700" cap="flat" cmpd="sng" algn="ctr">
-                      <a:solidFill>
-                        <a:schemeClr val="bg1"/>
-                      </a:solidFill>
-                      <a:prstDash val="solid"/>
-                      <a:round/>
-                      <a:headEnd type="none" w="med" len="med"/>
-                      <a:tailEnd type="none" w="med" len="med"/>
-                    </a:lnB>
-                    <a:lnTlToBr w="12700" cmpd="sng">
-                      <a:noFill/>
-                      <a:prstDash val="solid"/>
-                    </a:lnTlToBr>
-                    <a:lnBlToTr w="12700" cmpd="sng">
-                      <a:noFill/>
-                      <a:prstDash val="solid"/>
-                    </a:lnBlToTr>
-                  </a:tcPr>
-                </a:tc>
-                <a:tc>
-                  <a:txBody>
-                    <a:bodyPr/>
-                    <a:lstStyle/>
-                    <a:p>
-                      <a:pPr algn="ctr" fontAlgn="b"/>
-                      <a:endParaRPr lang="pt-BR" sz="1100" b="0" i="0" u="none" strike="noStrike" dirty="0">
-                        <a:solidFill>
-                          <a:srgbClr val="F94335"/>
-                        </a:solidFill>
-                        <a:latin typeface="Bahnschrift SemiBold SemiConden" panose="020B0502040204020203" pitchFamily="34" charset="0"/>
-                        <a:cs typeface="Arial" pitchFamily="34" charset="0"/>
-                      </a:endParaRPr>
-                    </a:p>
-                  </a:txBody>
-                  <a:tcPr marL="5795" marR="5795" marT="5795" marB="27814" anchor="b">
-                    <a:lnL w="12700" cap="flat" cmpd="sng" algn="ctr">
-                      <a:solidFill>
-                        <a:schemeClr val="bg1"/>
-                      </a:solidFill>
-                      <a:prstDash val="solid"/>
-                      <a:round/>
-                      <a:headEnd type="none" w="med" len="med"/>
-                      <a:tailEnd type="none" w="med" len="med"/>
-                    </a:lnL>
-                    <a:lnR w="12700" cap="flat" cmpd="sng" algn="ctr">
-                      <a:solidFill>
-                        <a:schemeClr val="bg1"/>
-                      </a:solidFill>
-                      <a:prstDash val="solid"/>
-                      <a:round/>
-                      <a:headEnd type="none" w="med" len="med"/>
-                      <a:tailEnd type="none" w="med" len="med"/>
-                    </a:lnR>
-                    <a:lnT w="12700" cap="flat" cmpd="sng" algn="ctr">
-                      <a:solidFill>
-                        <a:schemeClr val="bg1"/>
-                      </a:solidFill>
-                      <a:prstDash val="solid"/>
-                      <a:round/>
-                      <a:headEnd type="none" w="med" len="med"/>
-                      <a:tailEnd type="none" w="med" len="med"/>
-                    </a:lnT>
-                    <a:lnB w="12700" cap="flat" cmpd="sng" algn="ctr">
-                      <a:solidFill>
-                        <a:schemeClr val="bg1"/>
-                      </a:solidFill>
-                      <a:prstDash val="solid"/>
-                      <a:round/>
-                      <a:headEnd type="none" w="med" len="med"/>
-                      <a:tailEnd type="none" w="med" len="med"/>
-                    </a:lnB>
-                    <a:lnTlToBr w="12700" cmpd="sng">
-                      <a:noFill/>
-                      <a:prstDash val="solid"/>
-                    </a:lnTlToBr>
-                    <a:lnBlToTr w="12700" cmpd="sng">
-                      <a:noFill/>
-                      <a:prstDash val="solid"/>
-                    </a:lnBlToTr>
-                  </a:tcPr>
-                </a:tc>
                 <a:extLst>
                   <a:ext uri="{0D108BD9-81ED-4DB2-BD59-A6C34878D82A}">
                     <a16:rowId xmlns:a16="http://schemas.microsoft.com/office/drawing/2014/main" val="10004"/>
@@ -15225,6 +14844,68 @@
                     <a:lstStyle/>
                     <a:p>
                       <a:pPr algn="ctr" fontAlgn="b"/>
+                      <a:endParaRPr lang="pt-BR" sz="1100" b="0" i="0" u="none" strike="noStrike" dirty="0">
+                        <a:solidFill>
+                          <a:srgbClr val="F94335"/>
+                        </a:solidFill>
+                        <a:latin typeface="Bahnschrift SemiBold SemiConden" panose="020B0502040204020203" pitchFamily="34" charset="0"/>
+                        <a:cs typeface="Arial" pitchFamily="34" charset="0"/>
+                      </a:endParaRPr>
+                    </a:p>
+                  </a:txBody>
+                  <a:tcPr marL="5795" marR="5795" marT="5795" marB="27814" anchor="b">
+                    <a:lnL w="12700" cap="flat" cmpd="sng" algn="ctr">
+                      <a:solidFill>
+                        <a:schemeClr val="bg1"/>
+                      </a:solidFill>
+                      <a:prstDash val="solid"/>
+                      <a:round/>
+                      <a:headEnd type="none" w="med" len="med"/>
+                      <a:tailEnd type="none" w="med" len="med"/>
+                    </a:lnL>
+                    <a:lnR w="12700" cap="flat" cmpd="sng" algn="ctr">
+                      <a:solidFill>
+                        <a:schemeClr val="bg1"/>
+                      </a:solidFill>
+                      <a:prstDash val="solid"/>
+                      <a:round/>
+                      <a:headEnd type="none" w="med" len="med"/>
+                      <a:tailEnd type="none" w="med" len="med"/>
+                    </a:lnR>
+                    <a:lnT w="12700" cap="flat" cmpd="sng" algn="ctr">
+                      <a:solidFill>
+                        <a:schemeClr val="bg1"/>
+                      </a:solidFill>
+                      <a:prstDash val="solid"/>
+                      <a:round/>
+                      <a:headEnd type="none" w="med" len="med"/>
+                      <a:tailEnd type="none" w="med" len="med"/>
+                    </a:lnT>
+                    <a:lnB w="12700" cap="flat" cmpd="sng" algn="ctr">
+                      <a:solidFill>
+                        <a:schemeClr val="bg1"/>
+                      </a:solidFill>
+                      <a:prstDash val="solid"/>
+                      <a:round/>
+                      <a:headEnd type="none" w="med" len="med"/>
+                      <a:tailEnd type="none" w="med" len="med"/>
+                    </a:lnB>
+                    <a:lnTlToBr w="12700" cmpd="sng">
+                      <a:noFill/>
+                      <a:prstDash val="solid"/>
+                    </a:lnTlToBr>
+                    <a:lnBlToTr w="12700" cmpd="sng">
+                      <a:noFill/>
+                      <a:prstDash val="solid"/>
+                    </a:lnBlToTr>
+                  </a:tcPr>
+                </a:tc>
+                <a:tc>
+                  <a:txBody>
+                    <a:bodyPr/>
+                    <a:lstStyle/>
+                    <a:p>
+                      <a:pPr algn="ctr" fontAlgn="b"/>
                       <a:r>
                         <a:rPr lang="pt-BR" sz="1100" u="none" strike="noStrike" dirty="0">
                           <a:solidFill>
@@ -15361,133 +15042,6 @@
                     </a:lnBlToTr>
                   </a:tcPr>
                 </a:tc>
-                <a:tc>
-                  <a:txBody>
-                    <a:bodyPr/>
-                    <a:lstStyle/>
-                    <a:p>
-                      <a:pPr algn="ctr" fontAlgn="b"/>
-                      <a:r>
-                        <a:rPr lang="pt-BR" sz="1100" b="0" i="0" u="none" strike="noStrike" dirty="0">
-                          <a:solidFill>
-                            <a:srgbClr val="F94335"/>
-                          </a:solidFill>
-                          <a:latin typeface="Bahnschrift SemiBold SemiConden" panose="020B0502040204020203" pitchFamily="34" charset="0"/>
-                          <a:cs typeface="Arial" pitchFamily="34" charset="0"/>
-                        </a:rPr>
-                        <a:t>13</a:t>
-                      </a:r>
-                    </a:p>
-                  </a:txBody>
-                  <a:tcPr marL="5795" marR="5795" marT="5795" marB="27814" anchor="b">
-                    <a:lnL w="12700" cap="flat" cmpd="sng" algn="ctr">
-                      <a:solidFill>
-                        <a:schemeClr val="bg1"/>
-                      </a:solidFill>
-                      <a:prstDash val="solid"/>
-                      <a:round/>
-                      <a:headEnd type="none" w="med" len="med"/>
-                      <a:tailEnd type="none" w="med" len="med"/>
-                    </a:lnL>
-                    <a:lnR w="12700" cap="flat" cmpd="sng" algn="ctr">
-                      <a:solidFill>
-                        <a:schemeClr val="bg1"/>
-                      </a:solidFill>
-                      <a:prstDash val="solid"/>
-                      <a:round/>
-                      <a:headEnd type="none" w="med" len="med"/>
-                      <a:tailEnd type="none" w="med" len="med"/>
-                    </a:lnR>
-                    <a:lnT w="12700" cap="flat" cmpd="sng" algn="ctr">
-                      <a:solidFill>
-                        <a:schemeClr val="bg1"/>
-                      </a:solidFill>
-                      <a:prstDash val="solid"/>
-                      <a:round/>
-                      <a:headEnd type="none" w="med" len="med"/>
-                      <a:tailEnd type="none" w="med" len="med"/>
-                    </a:lnT>
-                    <a:lnB w="12700" cap="flat" cmpd="sng" algn="ctr">
-                      <a:solidFill>
-                        <a:schemeClr val="bg1"/>
-                      </a:solidFill>
-                      <a:prstDash val="solid"/>
-                      <a:round/>
-                      <a:headEnd type="none" w="med" len="med"/>
-                      <a:tailEnd type="none" w="med" len="med"/>
-                    </a:lnB>
-                    <a:lnTlToBr w="12700" cmpd="sng">
-                      <a:noFill/>
-                      <a:prstDash val="solid"/>
-                    </a:lnTlToBr>
-                    <a:lnBlToTr w="12700" cmpd="sng">
-                      <a:noFill/>
-                      <a:prstDash val="solid"/>
-                    </a:lnBlToTr>
-                  </a:tcPr>
-                </a:tc>
-                <a:tc>
-                  <a:txBody>
-                    <a:bodyPr/>
-                    <a:lstStyle/>
-                    <a:p>
-                      <a:pPr algn="ctr" fontAlgn="b"/>
-                      <a:endParaRPr lang="pt-BR" sz="1100" b="0" i="0" u="none" strike="noStrike" dirty="0">
-                        <a:solidFill>
-                          <a:srgbClr val="F94335"/>
-                        </a:solidFill>
-                        <a:latin typeface="Bahnschrift SemiBold SemiConden" panose="020B0502040204020203" pitchFamily="34" charset="0"/>
-                        <a:cs typeface="Arial" pitchFamily="34" charset="0"/>
-                      </a:endParaRPr>
-                    </a:p>
-                  </a:txBody>
-                  <a:tcPr marL="5795" marR="5795" marT="5795" marB="27814" anchor="b">
-                    <a:lnL w="12700" cap="flat" cmpd="sng" algn="ctr">
-                      <a:solidFill>
-                        <a:schemeClr val="bg1"/>
-                      </a:solidFill>
-                      <a:prstDash val="solid"/>
-                      <a:round/>
-                      <a:headEnd type="none" w="med" len="med"/>
-                      <a:tailEnd type="none" w="med" len="med"/>
-                    </a:lnL>
-                    <a:lnR w="12700" cap="flat" cmpd="sng" algn="ctr">
-                      <a:solidFill>
-                        <a:schemeClr val="bg1"/>
-                      </a:solidFill>
-                      <a:prstDash val="solid"/>
-                      <a:round/>
-                      <a:headEnd type="none" w="med" len="med"/>
-                      <a:tailEnd type="none" w="med" len="med"/>
-                    </a:lnR>
-                    <a:lnT w="12700" cap="flat" cmpd="sng" algn="ctr">
-                      <a:solidFill>
-                        <a:schemeClr val="bg1"/>
-                      </a:solidFill>
-                      <a:prstDash val="solid"/>
-                      <a:round/>
-                      <a:headEnd type="none" w="med" len="med"/>
-                      <a:tailEnd type="none" w="med" len="med"/>
-                    </a:lnT>
-                    <a:lnB w="12700" cap="flat" cmpd="sng" algn="ctr">
-                      <a:solidFill>
-                        <a:schemeClr val="bg1"/>
-                      </a:solidFill>
-                      <a:prstDash val="solid"/>
-                      <a:round/>
-                      <a:headEnd type="none" w="med" len="med"/>
-                      <a:tailEnd type="none" w="med" len="med"/>
-                    </a:lnB>
-                    <a:lnTlToBr w="12700" cmpd="sng">
-                      <a:noFill/>
-                      <a:prstDash val="solid"/>
-                    </a:lnTlToBr>
-                    <a:lnBlToTr w="12700" cmpd="sng">
-                      <a:noFill/>
-                      <a:prstDash val="solid"/>
-                    </a:lnBlToTr>
-                  </a:tcPr>
-                </a:tc>
                 <a:extLst>
                   <a:ext uri="{0D108BD9-81ED-4DB2-BD59-A6C34878D82A}">
                     <a16:rowId xmlns:a16="http://schemas.microsoft.com/office/drawing/2014/main" val="10005"/>
@@ -15516,6 +15070,68 @@
                   <a:tcPr marL="5795" marR="5795" marT="5795" marB="27814" anchor="b">
                     <a:lnL w="12700" cmpd="sng">
                       <a:noFill/>
+                    </a:lnL>
+                    <a:lnR w="12700" cap="flat" cmpd="sng" algn="ctr">
+                      <a:solidFill>
+                        <a:schemeClr val="bg1"/>
+                      </a:solidFill>
+                      <a:prstDash val="solid"/>
+                      <a:round/>
+                      <a:headEnd type="none" w="med" len="med"/>
+                      <a:tailEnd type="none" w="med" len="med"/>
+                    </a:lnR>
+                    <a:lnT w="12700" cap="flat" cmpd="sng" algn="ctr">
+                      <a:solidFill>
+                        <a:schemeClr val="bg1"/>
+                      </a:solidFill>
+                      <a:prstDash val="solid"/>
+                      <a:round/>
+                      <a:headEnd type="none" w="med" len="med"/>
+                      <a:tailEnd type="none" w="med" len="med"/>
+                    </a:lnT>
+                    <a:lnB w="12700" cap="flat" cmpd="sng" algn="ctr">
+                      <a:solidFill>
+                        <a:schemeClr val="bg1"/>
+                      </a:solidFill>
+                      <a:prstDash val="solid"/>
+                      <a:round/>
+                      <a:headEnd type="none" w="med" len="med"/>
+                      <a:tailEnd type="none" w="med" len="med"/>
+                    </a:lnB>
+                    <a:lnTlToBr w="12700" cmpd="sng">
+                      <a:noFill/>
+                      <a:prstDash val="solid"/>
+                    </a:lnTlToBr>
+                    <a:lnBlToTr w="12700" cmpd="sng">
+                      <a:noFill/>
+                      <a:prstDash val="solid"/>
+                    </a:lnBlToTr>
+                  </a:tcPr>
+                </a:tc>
+                <a:tc>
+                  <a:txBody>
+                    <a:bodyPr/>
+                    <a:lstStyle/>
+                    <a:p>
+                      <a:pPr algn="ctr" fontAlgn="b"/>
+                      <a:endParaRPr lang="pt-BR" sz="1100" b="0" i="0" u="none" strike="noStrike" dirty="0">
+                        <a:solidFill>
+                          <a:srgbClr val="F94335"/>
+                        </a:solidFill>
+                        <a:latin typeface="Bahnschrift SemiBold SemiConden" panose="020B0502040204020203" pitchFamily="34" charset="0"/>
+                        <a:cs typeface="Arial" pitchFamily="34" charset="0"/>
+                      </a:endParaRPr>
+                    </a:p>
+                  </a:txBody>
+                  <a:tcPr marL="5795" marR="5795" marT="5795" marB="27814" anchor="b">
+                    <a:lnL w="12700" cap="flat" cmpd="sng" algn="ctr">
+                      <a:solidFill>
+                        <a:schemeClr val="bg1"/>
+                      </a:solidFill>
+                      <a:prstDash val="solid"/>
+                      <a:round/>
+                      <a:headEnd type="none" w="med" len="med"/>
+                      <a:tailEnd type="none" w="med" len="med"/>
                     </a:lnL>
                     <a:lnR w="12700" cap="flat" cmpd="sng" algn="ctr">
                       <a:solidFill>
@@ -15714,139 +15330,6 @@
                     </a:lnBlToTr>
                   </a:tcPr>
                 </a:tc>
-                <a:tc>
-                  <a:txBody>
-                    <a:bodyPr/>
-                    <a:lstStyle/>
-                    <a:p>
-                      <a:pPr algn="ctr" fontAlgn="b"/>
-                      <a:r>
-                        <a:rPr lang="pt-BR" sz="1100" u="none" strike="noStrike" dirty="0">
-                          <a:solidFill>
-                            <a:srgbClr val="F94335"/>
-                          </a:solidFill>
-                          <a:latin typeface="Bahnschrift SemiBold SemiConden" panose="020B0502040204020203" pitchFamily="34" charset="0"/>
-                        </a:rPr>
-                        <a:t>13</a:t>
-                      </a:r>
-                      <a:endParaRPr lang="pt-BR" sz="1100" b="0" i="0" u="none" strike="noStrike" dirty="0">
-                        <a:solidFill>
-                          <a:srgbClr val="F94335"/>
-                        </a:solidFill>
-                        <a:latin typeface="Bahnschrift SemiBold SemiConden" panose="020B0502040204020203" pitchFamily="34" charset="0"/>
-                        <a:cs typeface="Arial" pitchFamily="34" charset="0"/>
-                      </a:endParaRPr>
-                    </a:p>
-                  </a:txBody>
-                  <a:tcPr marL="5795" marR="5795" marT="5795" marB="27814" anchor="b">
-                    <a:lnL w="12700" cap="flat" cmpd="sng" algn="ctr">
-                      <a:solidFill>
-                        <a:schemeClr val="bg1"/>
-                      </a:solidFill>
-                      <a:prstDash val="solid"/>
-                      <a:round/>
-                      <a:headEnd type="none" w="med" len="med"/>
-                      <a:tailEnd type="none" w="med" len="med"/>
-                    </a:lnL>
-                    <a:lnR w="12700" cap="flat" cmpd="sng" algn="ctr">
-                      <a:solidFill>
-                        <a:schemeClr val="bg1"/>
-                      </a:solidFill>
-                      <a:prstDash val="solid"/>
-                      <a:round/>
-                      <a:headEnd type="none" w="med" len="med"/>
-                      <a:tailEnd type="none" w="med" len="med"/>
-                    </a:lnR>
-                    <a:lnT w="12700" cap="flat" cmpd="sng" algn="ctr">
-                      <a:solidFill>
-                        <a:schemeClr val="bg1"/>
-                      </a:solidFill>
-                      <a:prstDash val="solid"/>
-                      <a:round/>
-                      <a:headEnd type="none" w="med" len="med"/>
-                      <a:tailEnd type="none" w="med" len="med"/>
-                    </a:lnT>
-                    <a:lnB w="12700" cap="flat" cmpd="sng" algn="ctr">
-                      <a:solidFill>
-                        <a:schemeClr val="bg1"/>
-                      </a:solidFill>
-                      <a:prstDash val="solid"/>
-                      <a:round/>
-                      <a:headEnd type="none" w="med" len="med"/>
-                      <a:tailEnd type="none" w="med" len="med"/>
-                    </a:lnB>
-                    <a:lnTlToBr w="12700" cmpd="sng">
-                      <a:noFill/>
-                      <a:prstDash val="solid"/>
-                    </a:lnTlToBr>
-                    <a:lnBlToTr w="12700" cmpd="sng">
-                      <a:noFill/>
-                      <a:prstDash val="solid"/>
-                    </a:lnBlToTr>
-                  </a:tcPr>
-                </a:tc>
-                <a:tc>
-                  <a:txBody>
-                    <a:bodyPr/>
-                    <a:lstStyle/>
-                    <a:p>
-                      <a:pPr algn="ctr" fontAlgn="b"/>
-                      <a:endParaRPr lang="pt-BR" sz="1100" b="0" i="0" u="none" strike="noStrike" dirty="0">
-                        <a:solidFill>
-                          <a:srgbClr val="F94335"/>
-                        </a:solidFill>
-                        <a:latin typeface="Bahnschrift SemiBold SemiConden" panose="020B0502040204020203" pitchFamily="34" charset="0"/>
-                        <a:cs typeface="Arial" pitchFamily="34" charset="0"/>
-                      </a:endParaRPr>
-                    </a:p>
-                  </a:txBody>
-                  <a:tcPr marL="5795" marR="5795" marT="5795" marB="27814" anchor="b">
-                    <a:lnL w="12700" cap="flat" cmpd="sng" algn="ctr">
-                      <a:solidFill>
-                        <a:schemeClr val="bg1"/>
-                      </a:solidFill>
-                      <a:prstDash val="solid"/>
-                      <a:round/>
-                      <a:headEnd type="none" w="med" len="med"/>
-                      <a:tailEnd type="none" w="med" len="med"/>
-                    </a:lnL>
-                    <a:lnR w="12700" cap="flat" cmpd="sng" algn="ctr">
-                      <a:solidFill>
-                        <a:schemeClr val="bg1"/>
-                      </a:solidFill>
-                      <a:prstDash val="solid"/>
-                      <a:round/>
-                      <a:headEnd type="none" w="med" len="med"/>
-                      <a:tailEnd type="none" w="med" len="med"/>
-                    </a:lnR>
-                    <a:lnT w="12700" cap="flat" cmpd="sng" algn="ctr">
-                      <a:solidFill>
-                        <a:schemeClr val="bg1"/>
-                      </a:solidFill>
-                      <a:prstDash val="solid"/>
-                      <a:round/>
-                      <a:headEnd type="none" w="med" len="med"/>
-                      <a:tailEnd type="none" w="med" len="med"/>
-                    </a:lnT>
-                    <a:lnB w="12700" cap="flat" cmpd="sng" algn="ctr">
-                      <a:solidFill>
-                        <a:schemeClr val="bg1"/>
-                      </a:solidFill>
-                      <a:prstDash val="solid"/>
-                      <a:round/>
-                      <a:headEnd type="none" w="med" len="med"/>
-                      <a:tailEnd type="none" w="med" len="med"/>
-                    </a:lnB>
-                    <a:lnTlToBr w="12700" cmpd="sng">
-                      <a:noFill/>
-                      <a:prstDash val="solid"/>
-                    </a:lnTlToBr>
-                    <a:lnBlToTr w="12700" cmpd="sng">
-                      <a:noFill/>
-                      <a:prstDash val="solid"/>
-                    </a:lnBlToTr>
-                  </a:tcPr>
-                </a:tc>
                 <a:extLst>
                   <a:ext uri="{0D108BD9-81ED-4DB2-BD59-A6C34878D82A}">
                     <a16:rowId xmlns:a16="http://schemas.microsoft.com/office/drawing/2014/main" val="10007"/>
@@ -15919,6 +15402,68 @@
                     <a:lstStyle/>
                     <a:p>
                       <a:pPr algn="ctr" fontAlgn="b"/>
+                      <a:endParaRPr lang="pt-BR" sz="1100" b="0" i="0" u="none" strike="noStrike" dirty="0">
+                        <a:solidFill>
+                          <a:srgbClr val="F94335"/>
+                        </a:solidFill>
+                        <a:latin typeface="Bahnschrift SemiBold SemiConden" panose="020B0502040204020203" pitchFamily="34" charset="0"/>
+                        <a:cs typeface="Arial" pitchFamily="34" charset="0"/>
+                      </a:endParaRPr>
+                    </a:p>
+                  </a:txBody>
+                  <a:tcPr marL="5795" marR="5795" marT="5795" marB="27814" anchor="b">
+                    <a:lnL w="12700" cap="flat" cmpd="sng" algn="ctr">
+                      <a:solidFill>
+                        <a:schemeClr val="bg1"/>
+                      </a:solidFill>
+                      <a:prstDash val="solid"/>
+                      <a:round/>
+                      <a:headEnd type="none" w="med" len="med"/>
+                      <a:tailEnd type="none" w="med" len="med"/>
+                    </a:lnL>
+                    <a:lnR w="12700" cap="flat" cmpd="sng" algn="ctr">
+                      <a:solidFill>
+                        <a:schemeClr val="bg1"/>
+                      </a:solidFill>
+                      <a:prstDash val="solid"/>
+                      <a:round/>
+                      <a:headEnd type="none" w="med" len="med"/>
+                      <a:tailEnd type="none" w="med" len="med"/>
+                    </a:lnR>
+                    <a:lnT w="12700" cap="flat" cmpd="sng" algn="ctr">
+                      <a:solidFill>
+                        <a:schemeClr val="bg1"/>
+                      </a:solidFill>
+                      <a:prstDash val="solid"/>
+                      <a:round/>
+                      <a:headEnd type="none" w="med" len="med"/>
+                      <a:tailEnd type="none" w="med" len="med"/>
+                    </a:lnT>
+                    <a:lnB w="12700" cap="flat" cmpd="sng" algn="ctr">
+                      <a:solidFill>
+                        <a:schemeClr val="bg1"/>
+                      </a:solidFill>
+                      <a:prstDash val="solid"/>
+                      <a:round/>
+                      <a:headEnd type="none" w="med" len="med"/>
+                      <a:tailEnd type="none" w="med" len="med"/>
+                    </a:lnB>
+                    <a:lnTlToBr w="12700" cmpd="sng">
+                      <a:noFill/>
+                      <a:prstDash val="solid"/>
+                    </a:lnTlToBr>
+                    <a:lnBlToTr w="12700" cmpd="sng">
+                      <a:noFill/>
+                      <a:prstDash val="solid"/>
+                    </a:lnBlToTr>
+                  </a:tcPr>
+                </a:tc>
+                <a:tc>
+                  <a:txBody>
+                    <a:bodyPr/>
+                    <a:lstStyle/>
+                    <a:p>
+                      <a:pPr algn="ctr" fontAlgn="b"/>
                       <a:r>
                         <a:rPr lang="pt-BR" sz="1100" b="0" i="0" u="none" strike="noStrike" dirty="0" smtClean="0">
                           <a:solidFill>
@@ -16056,133 +15601,6 @@
                     </a:lnBlToTr>
                   </a:tcPr>
                 </a:tc>
-                <a:tc>
-                  <a:txBody>
-                    <a:bodyPr/>
-                    <a:lstStyle/>
-                    <a:p>
-                      <a:pPr algn="ctr" fontAlgn="b"/>
-                      <a:r>
-                        <a:rPr lang="pt-BR" sz="1100" b="0" i="0" u="none" strike="noStrike" dirty="0">
-                          <a:solidFill>
-                            <a:srgbClr val="F94335"/>
-                          </a:solidFill>
-                          <a:latin typeface="Bahnschrift SemiBold SemiConden" panose="020B0502040204020203" pitchFamily="34" charset="0"/>
-                          <a:cs typeface="Arial" pitchFamily="34" charset="0"/>
-                        </a:rPr>
-                        <a:t>8</a:t>
-                      </a:r>
-                    </a:p>
-                  </a:txBody>
-                  <a:tcPr marL="5795" marR="5795" marT="5795" marB="27814" anchor="b">
-                    <a:lnL w="12700" cap="flat" cmpd="sng" algn="ctr">
-                      <a:solidFill>
-                        <a:schemeClr val="bg1"/>
-                      </a:solidFill>
-                      <a:prstDash val="solid"/>
-                      <a:round/>
-                      <a:headEnd type="none" w="med" len="med"/>
-                      <a:tailEnd type="none" w="med" len="med"/>
-                    </a:lnL>
-                    <a:lnR w="12700" cap="flat" cmpd="sng" algn="ctr">
-                      <a:solidFill>
-                        <a:schemeClr val="bg1"/>
-                      </a:solidFill>
-                      <a:prstDash val="solid"/>
-                      <a:round/>
-                      <a:headEnd type="none" w="med" len="med"/>
-                      <a:tailEnd type="none" w="med" len="med"/>
-                    </a:lnR>
-                    <a:lnT w="12700" cap="flat" cmpd="sng" algn="ctr">
-                      <a:solidFill>
-                        <a:schemeClr val="bg1"/>
-                      </a:solidFill>
-                      <a:prstDash val="solid"/>
-                      <a:round/>
-                      <a:headEnd type="none" w="med" len="med"/>
-                      <a:tailEnd type="none" w="med" len="med"/>
-                    </a:lnT>
-                    <a:lnB w="12700" cap="flat" cmpd="sng" algn="ctr">
-                      <a:solidFill>
-                        <a:schemeClr val="bg1"/>
-                      </a:solidFill>
-                      <a:prstDash val="solid"/>
-                      <a:round/>
-                      <a:headEnd type="none" w="med" len="med"/>
-                      <a:tailEnd type="none" w="med" len="med"/>
-                    </a:lnB>
-                    <a:lnTlToBr w="12700" cmpd="sng">
-                      <a:noFill/>
-                      <a:prstDash val="solid"/>
-                    </a:lnTlToBr>
-                    <a:lnBlToTr w="12700" cmpd="sng">
-                      <a:noFill/>
-                      <a:prstDash val="solid"/>
-                    </a:lnBlToTr>
-                  </a:tcPr>
-                </a:tc>
-                <a:tc>
-                  <a:txBody>
-                    <a:bodyPr/>
-                    <a:lstStyle/>
-                    <a:p>
-                      <a:pPr algn="ctr" fontAlgn="b"/>
-                      <a:endParaRPr lang="pt-BR" sz="1100" b="0" i="0" u="none" strike="noStrike" dirty="0">
-                        <a:solidFill>
-                          <a:srgbClr val="F94335"/>
-                        </a:solidFill>
-                        <a:latin typeface="Bahnschrift SemiBold SemiConden" panose="020B0502040204020203" pitchFamily="34" charset="0"/>
-                        <a:cs typeface="Arial" pitchFamily="34" charset="0"/>
-                      </a:endParaRPr>
-                    </a:p>
-                  </a:txBody>
-                  <a:tcPr marL="5795" marR="5795" marT="5795" marB="27814" anchor="b">
-                    <a:lnL w="12700" cap="flat" cmpd="sng" algn="ctr">
-                      <a:solidFill>
-                        <a:schemeClr val="bg1"/>
-                      </a:solidFill>
-                      <a:prstDash val="solid"/>
-                      <a:round/>
-                      <a:headEnd type="none" w="med" len="med"/>
-                      <a:tailEnd type="none" w="med" len="med"/>
-                    </a:lnL>
-                    <a:lnR w="12700" cap="flat" cmpd="sng" algn="ctr">
-                      <a:solidFill>
-                        <a:schemeClr val="bg1"/>
-                      </a:solidFill>
-                      <a:prstDash val="solid"/>
-                      <a:round/>
-                      <a:headEnd type="none" w="med" len="med"/>
-                      <a:tailEnd type="none" w="med" len="med"/>
-                    </a:lnR>
-                    <a:lnT w="12700" cap="flat" cmpd="sng" algn="ctr">
-                      <a:solidFill>
-                        <a:schemeClr val="bg1"/>
-                      </a:solidFill>
-                      <a:prstDash val="solid"/>
-                      <a:round/>
-                      <a:headEnd type="none" w="med" len="med"/>
-                      <a:tailEnd type="none" w="med" len="med"/>
-                    </a:lnT>
-                    <a:lnB w="12700" cap="flat" cmpd="sng" algn="ctr">
-                      <a:solidFill>
-                        <a:schemeClr val="bg1"/>
-                      </a:solidFill>
-                      <a:prstDash val="solid"/>
-                      <a:round/>
-                      <a:headEnd type="none" w="med" len="med"/>
-                      <a:tailEnd type="none" w="med" len="med"/>
-                    </a:lnB>
-                    <a:lnTlToBr w="12700" cmpd="sng">
-                      <a:noFill/>
-                      <a:prstDash val="solid"/>
-                    </a:lnTlToBr>
-                    <a:lnBlToTr w="12700" cmpd="sng">
-                      <a:noFill/>
-                      <a:prstDash val="solid"/>
-                    </a:lnBlToTr>
-                  </a:tcPr>
-                </a:tc>
                 <a:extLst>
                   <a:ext uri="{0D108BD9-81ED-4DB2-BD59-A6C34878D82A}">
                     <a16:rowId xmlns:a16="http://schemas.microsoft.com/office/drawing/2014/main" val="10009"/>
@@ -16211,6 +15629,68 @@
                   <a:tcPr marL="5795" marR="5795" marT="5795" marB="27814" anchor="b">
                     <a:lnL w="12700" cmpd="sng">
                       <a:noFill/>
+                    </a:lnL>
+                    <a:lnR w="12700" cap="flat" cmpd="sng" algn="ctr">
+                      <a:solidFill>
+                        <a:schemeClr val="bg1"/>
+                      </a:solidFill>
+                      <a:prstDash val="solid"/>
+                      <a:round/>
+                      <a:headEnd type="none" w="med" len="med"/>
+                      <a:tailEnd type="none" w="med" len="med"/>
+                    </a:lnR>
+                    <a:lnT w="12700" cap="flat" cmpd="sng" algn="ctr">
+                      <a:solidFill>
+                        <a:schemeClr val="bg1"/>
+                      </a:solidFill>
+                      <a:prstDash val="solid"/>
+                      <a:round/>
+                      <a:headEnd type="none" w="med" len="med"/>
+                      <a:tailEnd type="none" w="med" len="med"/>
+                    </a:lnT>
+                    <a:lnB w="12700" cap="flat" cmpd="sng" algn="ctr">
+                      <a:solidFill>
+                        <a:schemeClr val="bg1"/>
+                      </a:solidFill>
+                      <a:prstDash val="solid"/>
+                      <a:round/>
+                      <a:headEnd type="none" w="med" len="med"/>
+                      <a:tailEnd type="none" w="med" len="med"/>
+                    </a:lnB>
+                    <a:lnTlToBr w="12700" cmpd="sng">
+                      <a:noFill/>
+                      <a:prstDash val="solid"/>
+                    </a:lnTlToBr>
+                    <a:lnBlToTr w="12700" cmpd="sng">
+                      <a:noFill/>
+                      <a:prstDash val="solid"/>
+                    </a:lnBlToTr>
+                  </a:tcPr>
+                </a:tc>
+                <a:tc>
+                  <a:txBody>
+                    <a:bodyPr/>
+                    <a:lstStyle/>
+                    <a:p>
+                      <a:pPr algn="ctr" fontAlgn="b"/>
+                      <a:endParaRPr lang="pt-BR" sz="1100" b="0" i="0" u="none" strike="noStrike" dirty="0">
+                        <a:solidFill>
+                          <a:srgbClr val="F94335"/>
+                        </a:solidFill>
+                        <a:latin typeface="Bahnschrift SemiBold SemiConden" panose="020B0502040204020203" pitchFamily="34" charset="0"/>
+                        <a:cs typeface="Arial" pitchFamily="34" charset="0"/>
+                      </a:endParaRPr>
+                    </a:p>
+                  </a:txBody>
+                  <a:tcPr marL="5795" marR="5795" marT="5795" marB="27814" anchor="b">
+                    <a:lnL w="12700" cap="flat" cmpd="sng" algn="ctr">
+                      <a:solidFill>
+                        <a:schemeClr val="bg1"/>
+                      </a:solidFill>
+                      <a:prstDash val="solid"/>
+                      <a:round/>
+                      <a:headEnd type="none" w="med" len="med"/>
+                      <a:tailEnd type="none" w="med" len="med"/>
                     </a:lnL>
                     <a:lnR w="12700" cap="flat" cmpd="sng" algn="ctr">
                       <a:solidFill>
@@ -16402,139 +15882,6 @@
                     </a:lnBlToTr>
                   </a:tcPr>
                 </a:tc>
-                <a:tc>
-                  <a:txBody>
-                    <a:bodyPr/>
-                    <a:lstStyle/>
-                    <a:p>
-                      <a:pPr algn="ctr" fontAlgn="b"/>
-                      <a:r>
-                        <a:rPr lang="pt-BR" sz="1100" u="none" strike="noStrike" dirty="0">
-                          <a:solidFill>
-                            <a:srgbClr val="F94335"/>
-                          </a:solidFill>
-                          <a:latin typeface="Bahnschrift SemiBold SemiConden" panose="020B0502040204020203" pitchFamily="34" charset="0"/>
-                        </a:rPr>
-                        <a:t>13</a:t>
-                      </a:r>
-                      <a:endParaRPr lang="pt-BR" sz="1100" b="0" i="0" u="none" strike="noStrike" dirty="0">
-                        <a:solidFill>
-                          <a:srgbClr val="F94335"/>
-                        </a:solidFill>
-                        <a:latin typeface="Bahnschrift SemiBold SemiConden" panose="020B0502040204020203" pitchFamily="34" charset="0"/>
-                        <a:cs typeface="Arial" pitchFamily="34" charset="0"/>
-                      </a:endParaRPr>
-                    </a:p>
-                  </a:txBody>
-                  <a:tcPr marL="5795" marR="5795" marT="5795" marB="27814" anchor="b">
-                    <a:lnL w="12700" cap="flat" cmpd="sng" algn="ctr">
-                      <a:solidFill>
-                        <a:schemeClr val="bg1"/>
-                      </a:solidFill>
-                      <a:prstDash val="solid"/>
-                      <a:round/>
-                      <a:headEnd type="none" w="med" len="med"/>
-                      <a:tailEnd type="none" w="med" len="med"/>
-                    </a:lnL>
-                    <a:lnR w="12700" cap="flat" cmpd="sng" algn="ctr">
-                      <a:solidFill>
-                        <a:schemeClr val="bg1"/>
-                      </a:solidFill>
-                      <a:prstDash val="solid"/>
-                      <a:round/>
-                      <a:headEnd type="none" w="med" len="med"/>
-                      <a:tailEnd type="none" w="med" len="med"/>
-                    </a:lnR>
-                    <a:lnT w="12700" cap="flat" cmpd="sng" algn="ctr">
-                      <a:solidFill>
-                        <a:schemeClr val="bg1"/>
-                      </a:solidFill>
-                      <a:prstDash val="solid"/>
-                      <a:round/>
-                      <a:headEnd type="none" w="med" len="med"/>
-                      <a:tailEnd type="none" w="med" len="med"/>
-                    </a:lnT>
-                    <a:lnB w="12700" cap="flat" cmpd="sng" algn="ctr">
-                      <a:solidFill>
-                        <a:schemeClr val="bg1"/>
-                      </a:solidFill>
-                      <a:prstDash val="solid"/>
-                      <a:round/>
-                      <a:headEnd type="none" w="med" len="med"/>
-                      <a:tailEnd type="none" w="med" len="med"/>
-                    </a:lnB>
-                    <a:lnTlToBr w="12700" cmpd="sng">
-                      <a:noFill/>
-                      <a:prstDash val="solid"/>
-                    </a:lnTlToBr>
-                    <a:lnBlToTr w="12700" cmpd="sng">
-                      <a:noFill/>
-                      <a:prstDash val="solid"/>
-                    </a:lnBlToTr>
-                  </a:tcPr>
-                </a:tc>
-                <a:tc>
-                  <a:txBody>
-                    <a:bodyPr/>
-                    <a:lstStyle/>
-                    <a:p>
-                      <a:pPr algn="ctr" fontAlgn="b"/>
-                      <a:endParaRPr lang="pt-BR" sz="1100" b="0" i="0" u="none" strike="noStrike" dirty="0">
-                        <a:solidFill>
-                          <a:srgbClr val="F94335"/>
-                        </a:solidFill>
-                        <a:latin typeface="Bahnschrift SemiBold SemiConden" panose="020B0502040204020203" pitchFamily="34" charset="0"/>
-                        <a:cs typeface="Arial" pitchFamily="34" charset="0"/>
-                      </a:endParaRPr>
-                    </a:p>
-                  </a:txBody>
-                  <a:tcPr marL="5795" marR="5795" marT="5795" marB="27814" anchor="b">
-                    <a:lnL w="12700" cap="flat" cmpd="sng" algn="ctr">
-                      <a:solidFill>
-                        <a:schemeClr val="bg1"/>
-                      </a:solidFill>
-                      <a:prstDash val="solid"/>
-                      <a:round/>
-                      <a:headEnd type="none" w="med" len="med"/>
-                      <a:tailEnd type="none" w="med" len="med"/>
-                    </a:lnL>
-                    <a:lnR w="12700" cap="flat" cmpd="sng" algn="ctr">
-                      <a:solidFill>
-                        <a:schemeClr val="bg1"/>
-                      </a:solidFill>
-                      <a:prstDash val="solid"/>
-                      <a:round/>
-                      <a:headEnd type="none" w="med" len="med"/>
-                      <a:tailEnd type="none" w="med" len="med"/>
-                    </a:lnR>
-                    <a:lnT w="12700" cap="flat" cmpd="sng" algn="ctr">
-                      <a:solidFill>
-                        <a:schemeClr val="bg1"/>
-                      </a:solidFill>
-                      <a:prstDash val="solid"/>
-                      <a:round/>
-                      <a:headEnd type="none" w="med" len="med"/>
-                      <a:tailEnd type="none" w="med" len="med"/>
-                    </a:lnT>
-                    <a:lnB w="12700" cap="flat" cmpd="sng" algn="ctr">
-                      <a:solidFill>
-                        <a:schemeClr val="bg1"/>
-                      </a:solidFill>
-                      <a:prstDash val="solid"/>
-                      <a:round/>
-                      <a:headEnd type="none" w="med" len="med"/>
-                      <a:tailEnd type="none" w="med" len="med"/>
-                    </a:lnB>
-                    <a:lnTlToBr w="12700" cmpd="sng">
-                      <a:noFill/>
-                      <a:prstDash val="solid"/>
-                    </a:lnTlToBr>
-                    <a:lnBlToTr w="12700" cmpd="sng">
-                      <a:noFill/>
-                      <a:prstDash val="solid"/>
-                    </a:lnBlToTr>
-                  </a:tcPr>
-                </a:tc>
                 <a:extLst>
                   <a:ext uri="{0D108BD9-81ED-4DB2-BD59-A6C34878D82A}">
                     <a16:rowId xmlns:a16="http://schemas.microsoft.com/office/drawing/2014/main" val="10010"/>
@@ -16563,6 +15910,68 @@
                   <a:tcPr marL="5795" marR="5795" marT="5795" marB="27814" anchor="b">
                     <a:lnL w="12700" cmpd="sng">
                       <a:noFill/>
+                    </a:lnL>
+                    <a:lnR w="12700" cap="flat" cmpd="sng" algn="ctr">
+                      <a:solidFill>
+                        <a:schemeClr val="bg1"/>
+                      </a:solidFill>
+                      <a:prstDash val="solid"/>
+                      <a:round/>
+                      <a:headEnd type="none" w="med" len="med"/>
+                      <a:tailEnd type="none" w="med" len="med"/>
+                    </a:lnR>
+                    <a:lnT w="12700" cap="flat" cmpd="sng" algn="ctr">
+                      <a:solidFill>
+                        <a:schemeClr val="bg1"/>
+                      </a:solidFill>
+                      <a:prstDash val="solid"/>
+                      <a:round/>
+                      <a:headEnd type="none" w="med" len="med"/>
+                      <a:tailEnd type="none" w="med" len="med"/>
+                    </a:lnT>
+                    <a:lnB w="12700" cap="flat" cmpd="sng" algn="ctr">
+                      <a:solidFill>
+                        <a:schemeClr val="bg1"/>
+                      </a:solidFill>
+                      <a:prstDash val="solid"/>
+                      <a:round/>
+                      <a:headEnd type="none" w="med" len="med"/>
+                      <a:tailEnd type="none" w="med" len="med"/>
+                    </a:lnB>
+                    <a:lnTlToBr w="12700" cmpd="sng">
+                      <a:noFill/>
+                      <a:prstDash val="solid"/>
+                    </a:lnTlToBr>
+                    <a:lnBlToTr w="12700" cmpd="sng">
+                      <a:noFill/>
+                      <a:prstDash val="solid"/>
+                    </a:lnBlToTr>
+                  </a:tcPr>
+                </a:tc>
+                <a:tc>
+                  <a:txBody>
+                    <a:bodyPr/>
+                    <a:lstStyle/>
+                    <a:p>
+                      <a:pPr algn="ctr" fontAlgn="b"/>
+                      <a:endParaRPr lang="pt-BR" sz="1100" b="0" i="0" u="none" strike="noStrike" dirty="0">
+                        <a:solidFill>
+                          <a:srgbClr val="F94335"/>
+                        </a:solidFill>
+                        <a:latin typeface="Bahnschrift SemiBold SemiConden" panose="020B0502040204020203" pitchFamily="34" charset="0"/>
+                        <a:cs typeface="Arial" pitchFamily="34" charset="0"/>
+                      </a:endParaRPr>
+                    </a:p>
+                  </a:txBody>
+                  <a:tcPr marL="5795" marR="5795" marT="5795" marB="27814" anchor="b">
+                    <a:lnL w="12700" cap="flat" cmpd="sng" algn="ctr">
+                      <a:solidFill>
+                        <a:schemeClr val="bg1"/>
+                      </a:solidFill>
+                      <a:prstDash val="solid"/>
+                      <a:round/>
+                      <a:headEnd type="none" w="med" len="med"/>
+                      <a:tailEnd type="none" w="med" len="med"/>
                     </a:lnL>
                     <a:lnR w="12700" cap="flat" cmpd="sng" algn="ctr">
                       <a:solidFill>
@@ -16754,139 +16163,6 @@
                     </a:lnBlToTr>
                   </a:tcPr>
                 </a:tc>
-                <a:tc>
-                  <a:txBody>
-                    <a:bodyPr/>
-                    <a:lstStyle/>
-                    <a:p>
-                      <a:pPr algn="ctr" fontAlgn="b"/>
-                      <a:r>
-                        <a:rPr lang="pt-BR" sz="1100" u="none" strike="noStrike" dirty="0">
-                          <a:solidFill>
-                            <a:srgbClr val="F94335"/>
-                          </a:solidFill>
-                          <a:latin typeface="Bahnschrift SemiBold SemiConden" panose="020B0502040204020203" pitchFamily="34" charset="0"/>
-                        </a:rPr>
-                        <a:t>8</a:t>
-                      </a:r>
-                      <a:endParaRPr lang="pt-BR" sz="1100" b="0" i="0" u="none" strike="noStrike" dirty="0">
-                        <a:solidFill>
-                          <a:srgbClr val="F94335"/>
-                        </a:solidFill>
-                        <a:latin typeface="Bahnschrift SemiBold SemiConden" panose="020B0502040204020203" pitchFamily="34" charset="0"/>
-                        <a:cs typeface="Arial" pitchFamily="34" charset="0"/>
-                      </a:endParaRPr>
-                    </a:p>
-                  </a:txBody>
-                  <a:tcPr marL="5795" marR="5795" marT="5795" marB="27814" anchor="b">
-                    <a:lnL w="12700" cap="flat" cmpd="sng" algn="ctr">
-                      <a:solidFill>
-                        <a:schemeClr val="bg1"/>
-                      </a:solidFill>
-                      <a:prstDash val="solid"/>
-                      <a:round/>
-                      <a:headEnd type="none" w="med" len="med"/>
-                      <a:tailEnd type="none" w="med" len="med"/>
-                    </a:lnL>
-                    <a:lnR w="12700" cap="flat" cmpd="sng" algn="ctr">
-                      <a:solidFill>
-                        <a:schemeClr val="bg1"/>
-                      </a:solidFill>
-                      <a:prstDash val="solid"/>
-                      <a:round/>
-                      <a:headEnd type="none" w="med" len="med"/>
-                      <a:tailEnd type="none" w="med" len="med"/>
-                    </a:lnR>
-                    <a:lnT w="12700" cap="flat" cmpd="sng" algn="ctr">
-                      <a:solidFill>
-                        <a:schemeClr val="bg1"/>
-                      </a:solidFill>
-                      <a:prstDash val="solid"/>
-                      <a:round/>
-                      <a:headEnd type="none" w="med" len="med"/>
-                      <a:tailEnd type="none" w="med" len="med"/>
-                    </a:lnT>
-                    <a:lnB w="12700" cap="flat" cmpd="sng" algn="ctr">
-                      <a:solidFill>
-                        <a:schemeClr val="bg1"/>
-                      </a:solidFill>
-                      <a:prstDash val="solid"/>
-                      <a:round/>
-                      <a:headEnd type="none" w="med" len="med"/>
-                      <a:tailEnd type="none" w="med" len="med"/>
-                    </a:lnB>
-                    <a:lnTlToBr w="12700" cmpd="sng">
-                      <a:noFill/>
-                      <a:prstDash val="solid"/>
-                    </a:lnTlToBr>
-                    <a:lnBlToTr w="12700" cmpd="sng">
-                      <a:noFill/>
-                      <a:prstDash val="solid"/>
-                    </a:lnBlToTr>
-                  </a:tcPr>
-                </a:tc>
-                <a:tc>
-                  <a:txBody>
-                    <a:bodyPr/>
-                    <a:lstStyle/>
-                    <a:p>
-                      <a:pPr algn="ctr" fontAlgn="b"/>
-                      <a:endParaRPr lang="pt-BR" sz="1100" b="0" i="0" u="none" strike="noStrike" dirty="0">
-                        <a:solidFill>
-                          <a:srgbClr val="F94335"/>
-                        </a:solidFill>
-                        <a:latin typeface="Bahnschrift SemiBold SemiConden" panose="020B0502040204020203" pitchFamily="34" charset="0"/>
-                        <a:cs typeface="Arial" pitchFamily="34" charset="0"/>
-                      </a:endParaRPr>
-                    </a:p>
-                  </a:txBody>
-                  <a:tcPr marL="5795" marR="5795" marT="5795" marB="27814" anchor="b">
-                    <a:lnL w="12700" cap="flat" cmpd="sng" algn="ctr">
-                      <a:solidFill>
-                        <a:schemeClr val="bg1"/>
-                      </a:solidFill>
-                      <a:prstDash val="solid"/>
-                      <a:round/>
-                      <a:headEnd type="none" w="med" len="med"/>
-                      <a:tailEnd type="none" w="med" len="med"/>
-                    </a:lnL>
-                    <a:lnR w="12700" cap="flat" cmpd="sng" algn="ctr">
-                      <a:solidFill>
-                        <a:schemeClr val="bg1"/>
-                      </a:solidFill>
-                      <a:prstDash val="solid"/>
-                      <a:round/>
-                      <a:headEnd type="none" w="med" len="med"/>
-                      <a:tailEnd type="none" w="med" len="med"/>
-                    </a:lnR>
-                    <a:lnT w="12700" cap="flat" cmpd="sng" algn="ctr">
-                      <a:solidFill>
-                        <a:schemeClr val="bg1"/>
-                      </a:solidFill>
-                      <a:prstDash val="solid"/>
-                      <a:round/>
-                      <a:headEnd type="none" w="med" len="med"/>
-                      <a:tailEnd type="none" w="med" len="med"/>
-                    </a:lnT>
-                    <a:lnB w="12700" cap="flat" cmpd="sng" algn="ctr">
-                      <a:solidFill>
-                        <a:schemeClr val="bg1"/>
-                      </a:solidFill>
-                      <a:prstDash val="solid"/>
-                      <a:round/>
-                      <a:headEnd type="none" w="med" len="med"/>
-                      <a:tailEnd type="none" w="med" len="med"/>
-                    </a:lnB>
-                    <a:lnTlToBr w="12700" cmpd="sng">
-                      <a:noFill/>
-                      <a:prstDash val="solid"/>
-                    </a:lnTlToBr>
-                    <a:lnBlToTr w="12700" cmpd="sng">
-                      <a:noFill/>
-                      <a:prstDash val="solid"/>
-                    </a:lnBlToTr>
-                  </a:tcPr>
-                </a:tc>
                 <a:extLst>
                   <a:ext uri="{0D108BD9-81ED-4DB2-BD59-A6C34878D82A}">
                     <a16:rowId xmlns:a16="http://schemas.microsoft.com/office/drawing/2014/main" val="10011"/>
@@ -16921,6 +16197,68 @@
                   <a:tcPr marL="5795" marR="5795" marT="5795" marB="27814" anchor="b">
                     <a:lnL w="12700" cmpd="sng">
                       <a:noFill/>
+                    </a:lnL>
+                    <a:lnR w="12700" cap="flat" cmpd="sng" algn="ctr">
+                      <a:solidFill>
+                        <a:schemeClr val="bg1"/>
+                      </a:solidFill>
+                      <a:prstDash val="solid"/>
+                      <a:round/>
+                      <a:headEnd type="none" w="med" len="med"/>
+                      <a:tailEnd type="none" w="med" len="med"/>
+                    </a:lnR>
+                    <a:lnT w="12700" cap="flat" cmpd="sng" algn="ctr">
+                      <a:solidFill>
+                        <a:schemeClr val="bg1"/>
+                      </a:solidFill>
+                      <a:prstDash val="solid"/>
+                      <a:round/>
+                      <a:headEnd type="none" w="med" len="med"/>
+                      <a:tailEnd type="none" w="med" len="med"/>
+                    </a:lnT>
+                    <a:lnB w="12700" cap="flat" cmpd="sng" algn="ctr">
+                      <a:solidFill>
+                        <a:schemeClr val="bg1"/>
+                      </a:solidFill>
+                      <a:prstDash val="solid"/>
+                      <a:round/>
+                      <a:headEnd type="none" w="med" len="med"/>
+                      <a:tailEnd type="none" w="med" len="med"/>
+                    </a:lnB>
+                    <a:lnTlToBr w="12700" cmpd="sng">
+                      <a:noFill/>
+                      <a:prstDash val="solid"/>
+                    </a:lnTlToBr>
+                    <a:lnBlToTr w="12700" cmpd="sng">
+                      <a:noFill/>
+                      <a:prstDash val="solid"/>
+                    </a:lnBlToTr>
+                  </a:tcPr>
+                </a:tc>
+                <a:tc>
+                  <a:txBody>
+                    <a:bodyPr/>
+                    <a:lstStyle/>
+                    <a:p>
+                      <a:pPr algn="ctr" fontAlgn="b"/>
+                      <a:endParaRPr lang="pt-BR" sz="1100" b="0" i="0" u="none" strike="noStrike" dirty="0">
+                        <a:solidFill>
+                          <a:srgbClr val="F94335"/>
+                        </a:solidFill>
+                        <a:latin typeface="Bahnschrift SemiBold SemiConden" panose="020B0502040204020203" pitchFamily="34" charset="0"/>
+                        <a:cs typeface="Arial" pitchFamily="34" charset="0"/>
+                      </a:endParaRPr>
+                    </a:p>
+                  </a:txBody>
+                  <a:tcPr marL="5795" marR="5795" marT="5795" marB="27814" anchor="b">
+                    <a:lnL w="12700" cap="flat" cmpd="sng" algn="ctr">
+                      <a:solidFill>
+                        <a:schemeClr val="bg1"/>
+                      </a:solidFill>
+                      <a:prstDash val="solid"/>
+                      <a:round/>
+                      <a:headEnd type="none" w="med" len="med"/>
+                      <a:tailEnd type="none" w="med" len="med"/>
                     </a:lnL>
                     <a:lnR w="12700" cap="flat" cmpd="sng" algn="ctr">
                       <a:solidFill>
@@ -17112,133 +16450,6 @@
                     </a:lnBlToTr>
                   </a:tcPr>
                 </a:tc>
-                <a:tc>
-                  <a:txBody>
-                    <a:bodyPr/>
-                    <a:lstStyle/>
-                    <a:p>
-                      <a:pPr algn="ctr" fontAlgn="b"/>
-                      <a:r>
-                        <a:rPr lang="pt-BR" sz="1100" b="0" i="0" u="none" strike="noStrike" dirty="0">
-                          <a:solidFill>
-                            <a:srgbClr val="F94335"/>
-                          </a:solidFill>
-                          <a:latin typeface="Bahnschrift SemiBold SemiConden" panose="020B0502040204020203" pitchFamily="34" charset="0"/>
-                          <a:cs typeface="Arial" pitchFamily="34" charset="0"/>
-                        </a:rPr>
-                        <a:t>8</a:t>
-                      </a:r>
-                    </a:p>
-                  </a:txBody>
-                  <a:tcPr marL="5795" marR="5795" marT="5795" marB="27814" anchor="b">
-                    <a:lnL w="12700" cap="flat" cmpd="sng" algn="ctr">
-                      <a:solidFill>
-                        <a:schemeClr val="bg1"/>
-                      </a:solidFill>
-                      <a:prstDash val="solid"/>
-                      <a:round/>
-                      <a:headEnd type="none" w="med" len="med"/>
-                      <a:tailEnd type="none" w="med" len="med"/>
-                    </a:lnL>
-                    <a:lnR w="12700" cap="flat" cmpd="sng" algn="ctr">
-                      <a:solidFill>
-                        <a:schemeClr val="bg1"/>
-                      </a:solidFill>
-                      <a:prstDash val="solid"/>
-                      <a:round/>
-                      <a:headEnd type="none" w="med" len="med"/>
-                      <a:tailEnd type="none" w="med" len="med"/>
-                    </a:lnR>
-                    <a:lnT w="12700" cap="flat" cmpd="sng" algn="ctr">
-                      <a:solidFill>
-                        <a:schemeClr val="bg1"/>
-                      </a:solidFill>
-                      <a:prstDash val="solid"/>
-                      <a:round/>
-                      <a:headEnd type="none" w="med" len="med"/>
-                      <a:tailEnd type="none" w="med" len="med"/>
-                    </a:lnT>
-                    <a:lnB w="12700" cap="flat" cmpd="sng" algn="ctr">
-                      <a:solidFill>
-                        <a:schemeClr val="bg1"/>
-                      </a:solidFill>
-                      <a:prstDash val="solid"/>
-                      <a:round/>
-                      <a:headEnd type="none" w="med" len="med"/>
-                      <a:tailEnd type="none" w="med" len="med"/>
-                    </a:lnB>
-                    <a:lnTlToBr w="12700" cmpd="sng">
-                      <a:noFill/>
-                      <a:prstDash val="solid"/>
-                    </a:lnTlToBr>
-                    <a:lnBlToTr w="12700" cmpd="sng">
-                      <a:noFill/>
-                      <a:prstDash val="solid"/>
-                    </a:lnBlToTr>
-                  </a:tcPr>
-                </a:tc>
-                <a:tc>
-                  <a:txBody>
-                    <a:bodyPr/>
-                    <a:lstStyle/>
-                    <a:p>
-                      <a:pPr algn="ctr" fontAlgn="b"/>
-                      <a:endParaRPr lang="pt-BR" sz="1100" b="0" i="0" u="none" strike="noStrike" dirty="0">
-                        <a:solidFill>
-                          <a:srgbClr val="F94335"/>
-                        </a:solidFill>
-                        <a:latin typeface="Bahnschrift SemiBold SemiConden" panose="020B0502040204020203" pitchFamily="34" charset="0"/>
-                        <a:cs typeface="Arial" pitchFamily="34" charset="0"/>
-                      </a:endParaRPr>
-                    </a:p>
-                  </a:txBody>
-                  <a:tcPr marL="5795" marR="5795" marT="5795" marB="27814" anchor="b">
-                    <a:lnL w="12700" cap="flat" cmpd="sng" algn="ctr">
-                      <a:solidFill>
-                        <a:schemeClr val="bg1"/>
-                      </a:solidFill>
-                      <a:prstDash val="solid"/>
-                      <a:round/>
-                      <a:headEnd type="none" w="med" len="med"/>
-                      <a:tailEnd type="none" w="med" len="med"/>
-                    </a:lnL>
-                    <a:lnR w="12700" cap="flat" cmpd="sng" algn="ctr">
-                      <a:solidFill>
-                        <a:schemeClr val="bg1"/>
-                      </a:solidFill>
-                      <a:prstDash val="solid"/>
-                      <a:round/>
-                      <a:headEnd type="none" w="med" len="med"/>
-                      <a:tailEnd type="none" w="med" len="med"/>
-                    </a:lnR>
-                    <a:lnT w="12700" cap="flat" cmpd="sng" algn="ctr">
-                      <a:solidFill>
-                        <a:schemeClr val="bg1"/>
-                      </a:solidFill>
-                      <a:prstDash val="solid"/>
-                      <a:round/>
-                      <a:headEnd type="none" w="med" len="med"/>
-                      <a:tailEnd type="none" w="med" len="med"/>
-                    </a:lnT>
-                    <a:lnB w="12700" cap="flat" cmpd="sng" algn="ctr">
-                      <a:solidFill>
-                        <a:schemeClr val="bg1"/>
-                      </a:solidFill>
-                      <a:prstDash val="solid"/>
-                      <a:round/>
-                      <a:headEnd type="none" w="med" len="med"/>
-                      <a:tailEnd type="none" w="med" len="med"/>
-                    </a:lnB>
-                    <a:lnTlToBr w="12700" cmpd="sng">
-                      <a:noFill/>
-                      <a:prstDash val="solid"/>
-                    </a:lnTlToBr>
-                    <a:lnBlToTr w="12700" cmpd="sng">
-                      <a:noFill/>
-                      <a:prstDash val="solid"/>
-                    </a:lnBlToTr>
-                  </a:tcPr>
-                </a:tc>
                 <a:extLst>
                   <a:ext uri="{0D108BD9-81ED-4DB2-BD59-A6C34878D82A}">
                     <a16:rowId xmlns:a16="http://schemas.microsoft.com/office/drawing/2014/main" val="10012"/>
@@ -17273,6 +16484,84 @@
                   <a:tcPr marL="5795" marR="5795" marT="5795" marB="27814" anchor="b">
                     <a:lnL w="12700" cmpd="sng">
                       <a:noFill/>
+                    </a:lnL>
+                    <a:lnR w="12700" cap="flat" cmpd="sng" algn="ctr">
+                      <a:solidFill>
+                        <a:schemeClr val="bg1"/>
+                      </a:solidFill>
+                      <a:prstDash val="solid"/>
+                      <a:round/>
+                      <a:headEnd type="none" w="med" len="med"/>
+                      <a:tailEnd type="none" w="med" len="med"/>
+                    </a:lnR>
+                    <a:lnT w="12700" cap="flat" cmpd="sng" algn="ctr">
+                      <a:solidFill>
+                        <a:schemeClr val="bg1"/>
+                      </a:solidFill>
+                      <a:prstDash val="solid"/>
+                      <a:round/>
+                      <a:headEnd type="none" w="med" len="med"/>
+                      <a:tailEnd type="none" w="med" len="med"/>
+                    </a:lnT>
+                    <a:lnB w="12700" cap="flat" cmpd="sng" algn="ctr">
+                      <a:solidFill>
+                        <a:schemeClr val="bg1"/>
+                      </a:solidFill>
+                      <a:prstDash val="solid"/>
+                      <a:round/>
+                      <a:headEnd type="none" w="med" len="med"/>
+                      <a:tailEnd type="none" w="med" len="med"/>
+                    </a:lnB>
+                    <a:lnTlToBr w="12700" cmpd="sng">
+                      <a:noFill/>
+                      <a:prstDash val="solid"/>
+                    </a:lnTlToBr>
+                    <a:lnBlToTr w="12700" cmpd="sng">
+                      <a:noFill/>
+                      <a:prstDash val="solid"/>
+                    </a:lnBlToTr>
+                  </a:tcPr>
+                </a:tc>
+                <a:tc>
+                  <a:txBody>
+                    <a:bodyPr/>
+                    <a:lstStyle/>
+                    <a:p>
+                      <a:pPr marL="0" marR="0" lvl="0" indent="0" algn="ctr" defTabSz="914400" rtl="0" eaLnBrk="1" fontAlgn="b" latinLnBrk="0" hangingPunct="1">
+                        <a:lnSpc>
+                          <a:spcPct val="100000"/>
+                        </a:lnSpc>
+                        <a:spcBef>
+                          <a:spcPts val="0"/>
+                        </a:spcBef>
+                        <a:spcAft>
+                          <a:spcPts val="0"/>
+                        </a:spcAft>
+                        <a:buClrTx/>
+                        <a:buSzTx/>
+                        <a:buFontTx/>
+                        <a:buNone/>
+                        <a:tabLst/>
+                        <a:defRPr/>
+                      </a:pPr>
+                      <a:endParaRPr lang="pt-BR" sz="1100" b="0" i="0" u="none" strike="noStrike" dirty="0">
+                        <a:solidFill>
+                          <a:srgbClr val="F94335"/>
+                        </a:solidFill>
+                        <a:latin typeface="Bahnschrift SemiBold SemiConden" panose="020B0502040204020203" pitchFamily="34" charset="0"/>
+                        <a:cs typeface="Arial" pitchFamily="34" charset="0"/>
+                      </a:endParaRPr>
+                    </a:p>
+                  </a:txBody>
+                  <a:tcPr marL="5795" marR="5795" marT="5795" marB="27814" anchor="b">
+                    <a:lnL w="12700" cap="flat" cmpd="sng" algn="ctr">
+                      <a:solidFill>
+                        <a:schemeClr val="bg1"/>
+                      </a:solidFill>
+                      <a:prstDash val="solid"/>
+                      <a:round/>
+                      <a:headEnd type="none" w="med" len="med"/>
+                      <a:tailEnd type="none" w="med" len="med"/>
                     </a:lnL>
                     <a:lnR w="12700" cap="flat" cmpd="sng" algn="ctr">
                       <a:solidFill>
@@ -17480,133 +16769,6 @@
                     </a:lnBlToTr>
                   </a:tcPr>
                 </a:tc>
-                <a:tc>
-                  <a:txBody>
-                    <a:bodyPr/>
-                    <a:lstStyle/>
-                    <a:p>
-                      <a:pPr algn="ctr" fontAlgn="b"/>
-                      <a:r>
-                        <a:rPr lang="pt-BR" sz="1100" b="0" i="0" u="none" strike="noStrike" dirty="0">
-                          <a:solidFill>
-                            <a:srgbClr val="F94335"/>
-                          </a:solidFill>
-                          <a:latin typeface="Bahnschrift SemiBold SemiConden" panose="020B0502040204020203" pitchFamily="34" charset="0"/>
-                          <a:cs typeface="Arial" pitchFamily="34" charset="0"/>
-                        </a:rPr>
-                        <a:t>8</a:t>
-                      </a:r>
-                    </a:p>
-                  </a:txBody>
-                  <a:tcPr marL="5795" marR="5795" marT="5795" marB="27814" anchor="b">
-                    <a:lnL w="12700" cap="flat" cmpd="sng" algn="ctr">
-                      <a:solidFill>
-                        <a:schemeClr val="bg1"/>
-                      </a:solidFill>
-                      <a:prstDash val="solid"/>
-                      <a:round/>
-                      <a:headEnd type="none" w="med" len="med"/>
-                      <a:tailEnd type="none" w="med" len="med"/>
-                    </a:lnL>
-                    <a:lnR w="12700" cap="flat" cmpd="sng" algn="ctr">
-                      <a:solidFill>
-                        <a:schemeClr val="bg1"/>
-                      </a:solidFill>
-                      <a:prstDash val="solid"/>
-                      <a:round/>
-                      <a:headEnd type="none" w="med" len="med"/>
-                      <a:tailEnd type="none" w="med" len="med"/>
-                    </a:lnR>
-                    <a:lnT w="12700" cap="flat" cmpd="sng" algn="ctr">
-                      <a:solidFill>
-                        <a:schemeClr val="bg1"/>
-                      </a:solidFill>
-                      <a:prstDash val="solid"/>
-                      <a:round/>
-                      <a:headEnd type="none" w="med" len="med"/>
-                      <a:tailEnd type="none" w="med" len="med"/>
-                    </a:lnT>
-                    <a:lnB w="12700" cap="flat" cmpd="sng" algn="ctr">
-                      <a:solidFill>
-                        <a:schemeClr val="bg1"/>
-                      </a:solidFill>
-                      <a:prstDash val="solid"/>
-                      <a:round/>
-                      <a:headEnd type="none" w="med" len="med"/>
-                      <a:tailEnd type="none" w="med" len="med"/>
-                    </a:lnB>
-                    <a:lnTlToBr w="12700" cmpd="sng">
-                      <a:noFill/>
-                      <a:prstDash val="solid"/>
-                    </a:lnTlToBr>
-                    <a:lnBlToTr w="12700" cmpd="sng">
-                      <a:noFill/>
-                      <a:prstDash val="solid"/>
-                    </a:lnBlToTr>
-                  </a:tcPr>
-                </a:tc>
-                <a:tc>
-                  <a:txBody>
-                    <a:bodyPr/>
-                    <a:lstStyle/>
-                    <a:p>
-                      <a:pPr algn="ctr" fontAlgn="b"/>
-                      <a:endParaRPr lang="pt-BR" sz="1100" b="0" i="0" u="none" strike="noStrike" dirty="0">
-                        <a:solidFill>
-                          <a:srgbClr val="F94335"/>
-                        </a:solidFill>
-                        <a:latin typeface="Bahnschrift SemiBold SemiConden" panose="020B0502040204020203" pitchFamily="34" charset="0"/>
-                        <a:cs typeface="Arial" pitchFamily="34" charset="0"/>
-                      </a:endParaRPr>
-                    </a:p>
-                  </a:txBody>
-                  <a:tcPr marL="5795" marR="5795" marT="5795" marB="27814" anchor="b">
-                    <a:lnL w="12700" cap="flat" cmpd="sng" algn="ctr">
-                      <a:solidFill>
-                        <a:schemeClr val="bg1"/>
-                      </a:solidFill>
-                      <a:prstDash val="solid"/>
-                      <a:round/>
-                      <a:headEnd type="none" w="med" len="med"/>
-                      <a:tailEnd type="none" w="med" len="med"/>
-                    </a:lnL>
-                    <a:lnR w="12700" cap="flat" cmpd="sng" algn="ctr">
-                      <a:solidFill>
-                        <a:schemeClr val="bg1"/>
-                      </a:solidFill>
-                      <a:prstDash val="solid"/>
-                      <a:round/>
-                      <a:headEnd type="none" w="med" len="med"/>
-                      <a:tailEnd type="none" w="med" len="med"/>
-                    </a:lnR>
-                    <a:lnT w="12700" cap="flat" cmpd="sng" algn="ctr">
-                      <a:solidFill>
-                        <a:schemeClr val="bg1"/>
-                      </a:solidFill>
-                      <a:prstDash val="solid"/>
-                      <a:round/>
-                      <a:headEnd type="none" w="med" len="med"/>
-                      <a:tailEnd type="none" w="med" len="med"/>
-                    </a:lnT>
-                    <a:lnB w="12700" cap="flat" cmpd="sng" algn="ctr">
-                      <a:solidFill>
-                        <a:schemeClr val="bg1"/>
-                      </a:solidFill>
-                      <a:prstDash val="solid"/>
-                      <a:round/>
-                      <a:headEnd type="none" w="med" len="med"/>
-                      <a:tailEnd type="none" w="med" len="med"/>
-                    </a:lnB>
-                    <a:lnTlToBr w="12700" cmpd="sng">
-                      <a:noFill/>
-                      <a:prstDash val="solid"/>
-                    </a:lnTlToBr>
-                    <a:lnBlToTr w="12700" cmpd="sng">
-                      <a:noFill/>
-                      <a:prstDash val="solid"/>
-                    </a:lnBlToTr>
-                  </a:tcPr>
-                </a:tc>
                 <a:extLst>
                   <a:ext uri="{0D108BD9-81ED-4DB2-BD59-A6C34878D82A}">
                     <a16:rowId xmlns:a16="http://schemas.microsoft.com/office/drawing/2014/main" val="10013"/>
@@ -17641,6 +16803,84 @@
                   <a:tcPr marL="5795" marR="5795" marT="5795" marB="27814" anchor="b">
                     <a:lnL w="12700" cmpd="sng">
                       <a:noFill/>
+                    </a:lnL>
+                    <a:lnR w="12700" cap="flat" cmpd="sng" algn="ctr">
+                      <a:solidFill>
+                        <a:schemeClr val="bg1"/>
+                      </a:solidFill>
+                      <a:prstDash val="solid"/>
+                      <a:round/>
+                      <a:headEnd type="none" w="med" len="med"/>
+                      <a:tailEnd type="none" w="med" len="med"/>
+                    </a:lnR>
+                    <a:lnT w="12700" cap="flat" cmpd="sng" algn="ctr">
+                      <a:solidFill>
+                        <a:schemeClr val="bg1"/>
+                      </a:solidFill>
+                      <a:prstDash val="solid"/>
+                      <a:round/>
+                      <a:headEnd type="none" w="med" len="med"/>
+                      <a:tailEnd type="none" w="med" len="med"/>
+                    </a:lnT>
+                    <a:lnB w="12700" cap="flat" cmpd="sng" algn="ctr">
+                      <a:solidFill>
+                        <a:schemeClr val="bg1"/>
+                      </a:solidFill>
+                      <a:prstDash val="solid"/>
+                      <a:round/>
+                      <a:headEnd type="none" w="med" len="med"/>
+                      <a:tailEnd type="none" w="med" len="med"/>
+                    </a:lnB>
+                    <a:lnTlToBr w="12700" cmpd="sng">
+                      <a:noFill/>
+                      <a:prstDash val="solid"/>
+                    </a:lnTlToBr>
+                    <a:lnBlToTr w="12700" cmpd="sng">
+                      <a:noFill/>
+                      <a:prstDash val="solid"/>
+                    </a:lnBlToTr>
+                  </a:tcPr>
+                </a:tc>
+                <a:tc>
+                  <a:txBody>
+                    <a:bodyPr/>
+                    <a:lstStyle/>
+                    <a:p>
+                      <a:pPr marL="0" marR="0" lvl="0" indent="0" algn="ctr" defTabSz="914400" rtl="0" eaLnBrk="1" fontAlgn="b" latinLnBrk="0" hangingPunct="1">
+                        <a:lnSpc>
+                          <a:spcPct val="100000"/>
+                        </a:lnSpc>
+                        <a:spcBef>
+                          <a:spcPts val="0"/>
+                        </a:spcBef>
+                        <a:spcAft>
+                          <a:spcPts val="0"/>
+                        </a:spcAft>
+                        <a:buClrTx/>
+                        <a:buSzTx/>
+                        <a:buFontTx/>
+                        <a:buNone/>
+                        <a:tabLst/>
+                        <a:defRPr/>
+                      </a:pPr>
+                      <a:endParaRPr lang="pt-BR" sz="1100" b="0" i="0" u="none" strike="noStrike" dirty="0">
+                        <a:solidFill>
+                          <a:srgbClr val="F94335"/>
+                        </a:solidFill>
+                        <a:latin typeface="Bahnschrift SemiBold SemiConden" panose="020B0502040204020203" pitchFamily="34" charset="0"/>
+                        <a:cs typeface="Arial" pitchFamily="34" charset="0"/>
+                      </a:endParaRPr>
+                    </a:p>
+                  </a:txBody>
+                  <a:tcPr marL="5795" marR="5795" marT="5795" marB="27814" anchor="b">
+                    <a:lnL w="12700" cap="flat" cmpd="sng" algn="ctr">
+                      <a:solidFill>
+                        <a:schemeClr val="bg1"/>
+                      </a:solidFill>
+                      <a:prstDash val="solid"/>
+                      <a:round/>
+                      <a:headEnd type="none" w="med" len="med"/>
+                      <a:tailEnd type="none" w="med" len="med"/>
                     </a:lnL>
                     <a:lnR w="12700" cap="flat" cmpd="sng" algn="ctr">
                       <a:solidFill>
@@ -17848,133 +17088,6 @@
                     </a:lnBlToTr>
                   </a:tcPr>
                 </a:tc>
-                <a:tc>
-                  <a:txBody>
-                    <a:bodyPr/>
-                    <a:lstStyle/>
-                    <a:p>
-                      <a:pPr algn="ctr" fontAlgn="b"/>
-                      <a:r>
-                        <a:rPr lang="pt-BR" sz="1100" b="0" i="0" u="none" strike="noStrike" dirty="0">
-                          <a:solidFill>
-                            <a:srgbClr val="F94335"/>
-                          </a:solidFill>
-                          <a:latin typeface="Bahnschrift SemiBold SemiConden" panose="020B0502040204020203" pitchFamily="34" charset="0"/>
-                          <a:cs typeface="Arial" pitchFamily="34" charset="0"/>
-                        </a:rPr>
-                        <a:t>8</a:t>
-                      </a:r>
-                    </a:p>
-                  </a:txBody>
-                  <a:tcPr marL="5795" marR="5795" marT="5795" marB="27814" anchor="b">
-                    <a:lnL w="12700" cap="flat" cmpd="sng" algn="ctr">
-                      <a:solidFill>
-                        <a:schemeClr val="bg1"/>
-                      </a:solidFill>
-                      <a:prstDash val="solid"/>
-                      <a:round/>
-                      <a:headEnd type="none" w="med" len="med"/>
-                      <a:tailEnd type="none" w="med" len="med"/>
-                    </a:lnL>
-                    <a:lnR w="12700" cap="flat" cmpd="sng" algn="ctr">
-                      <a:solidFill>
-                        <a:schemeClr val="bg1"/>
-                      </a:solidFill>
-                      <a:prstDash val="solid"/>
-                      <a:round/>
-                      <a:headEnd type="none" w="med" len="med"/>
-                      <a:tailEnd type="none" w="med" len="med"/>
-                    </a:lnR>
-                    <a:lnT w="12700" cap="flat" cmpd="sng" algn="ctr">
-                      <a:solidFill>
-                        <a:schemeClr val="bg1"/>
-                      </a:solidFill>
-                      <a:prstDash val="solid"/>
-                      <a:round/>
-                      <a:headEnd type="none" w="med" len="med"/>
-                      <a:tailEnd type="none" w="med" len="med"/>
-                    </a:lnT>
-                    <a:lnB w="12700" cap="flat" cmpd="sng" algn="ctr">
-                      <a:solidFill>
-                        <a:schemeClr val="bg1"/>
-                      </a:solidFill>
-                      <a:prstDash val="solid"/>
-                      <a:round/>
-                      <a:headEnd type="none" w="med" len="med"/>
-                      <a:tailEnd type="none" w="med" len="med"/>
-                    </a:lnB>
-                    <a:lnTlToBr w="12700" cmpd="sng">
-                      <a:noFill/>
-                      <a:prstDash val="solid"/>
-                    </a:lnTlToBr>
-                    <a:lnBlToTr w="12700" cmpd="sng">
-                      <a:noFill/>
-                      <a:prstDash val="solid"/>
-                    </a:lnBlToTr>
-                  </a:tcPr>
-                </a:tc>
-                <a:tc>
-                  <a:txBody>
-                    <a:bodyPr/>
-                    <a:lstStyle/>
-                    <a:p>
-                      <a:pPr algn="ctr" fontAlgn="b"/>
-                      <a:endParaRPr lang="pt-BR" sz="1100" b="0" i="0" u="none" strike="noStrike" dirty="0">
-                        <a:solidFill>
-                          <a:srgbClr val="F94335"/>
-                        </a:solidFill>
-                        <a:latin typeface="Bahnschrift SemiBold SemiConden" panose="020B0502040204020203" pitchFamily="34" charset="0"/>
-                        <a:cs typeface="Arial" pitchFamily="34" charset="0"/>
-                      </a:endParaRPr>
-                    </a:p>
-                  </a:txBody>
-                  <a:tcPr marL="5795" marR="5795" marT="5795" marB="27814" anchor="b">
-                    <a:lnL w="12700" cap="flat" cmpd="sng" algn="ctr">
-                      <a:solidFill>
-                        <a:schemeClr val="bg1"/>
-                      </a:solidFill>
-                      <a:prstDash val="solid"/>
-                      <a:round/>
-                      <a:headEnd type="none" w="med" len="med"/>
-                      <a:tailEnd type="none" w="med" len="med"/>
-                    </a:lnL>
-                    <a:lnR w="12700" cap="flat" cmpd="sng" algn="ctr">
-                      <a:solidFill>
-                        <a:schemeClr val="bg1"/>
-                      </a:solidFill>
-                      <a:prstDash val="solid"/>
-                      <a:round/>
-                      <a:headEnd type="none" w="med" len="med"/>
-                      <a:tailEnd type="none" w="med" len="med"/>
-                    </a:lnR>
-                    <a:lnT w="12700" cap="flat" cmpd="sng" algn="ctr">
-                      <a:solidFill>
-                        <a:schemeClr val="bg1"/>
-                      </a:solidFill>
-                      <a:prstDash val="solid"/>
-                      <a:round/>
-                      <a:headEnd type="none" w="med" len="med"/>
-                      <a:tailEnd type="none" w="med" len="med"/>
-                    </a:lnT>
-                    <a:lnB w="12700" cap="flat" cmpd="sng" algn="ctr">
-                      <a:solidFill>
-                        <a:schemeClr val="bg1"/>
-                      </a:solidFill>
-                      <a:prstDash val="solid"/>
-                      <a:round/>
-                      <a:headEnd type="none" w="med" len="med"/>
-                      <a:tailEnd type="none" w="med" len="med"/>
-                    </a:lnB>
-                    <a:lnTlToBr w="12700" cmpd="sng">
-                      <a:noFill/>
-                      <a:prstDash val="solid"/>
-                    </a:lnTlToBr>
-                    <a:lnBlToTr w="12700" cmpd="sng">
-                      <a:noFill/>
-                      <a:prstDash val="solid"/>
-                    </a:lnBlToTr>
-                  </a:tcPr>
-                </a:tc>
                 <a:extLst>
                   <a:ext uri="{0D108BD9-81ED-4DB2-BD59-A6C34878D82A}">
                     <a16:rowId xmlns:a16="http://schemas.microsoft.com/office/drawing/2014/main" val="10014"/>
@@ -18053,6 +17166,68 @@
                     <a:lstStyle/>
                     <a:p>
                       <a:pPr algn="ctr" fontAlgn="b"/>
+                      <a:endParaRPr lang="pt-BR" sz="1100" b="0" i="0" u="none" strike="noStrike" baseline="0" dirty="0" smtClean="0">
+                        <a:solidFill>
+                          <a:srgbClr val="F94335"/>
+                        </a:solidFill>
+                        <a:latin typeface="Bahnschrift SemiBold SemiConden" panose="020B0502040204020203" pitchFamily="34" charset="0"/>
+                        <a:cs typeface="Arial" pitchFamily="34" charset="0"/>
+                      </a:endParaRPr>
+                    </a:p>
+                  </a:txBody>
+                  <a:tcPr marL="5795" marR="5795" marT="5795" marB="27814" anchor="b">
+                    <a:lnL w="12700" cap="flat" cmpd="sng" algn="ctr">
+                      <a:solidFill>
+                        <a:schemeClr val="bg1"/>
+                      </a:solidFill>
+                      <a:prstDash val="solid"/>
+                      <a:round/>
+                      <a:headEnd type="none" w="med" len="med"/>
+                      <a:tailEnd type="none" w="med" len="med"/>
+                    </a:lnL>
+                    <a:lnR w="12700" cap="flat" cmpd="sng" algn="ctr">
+                      <a:solidFill>
+                        <a:schemeClr val="bg1"/>
+                      </a:solidFill>
+                      <a:prstDash val="solid"/>
+                      <a:round/>
+                      <a:headEnd type="none" w="med" len="med"/>
+                      <a:tailEnd type="none" w="med" len="med"/>
+                    </a:lnR>
+                    <a:lnT w="12700" cap="flat" cmpd="sng" algn="ctr">
+                      <a:solidFill>
+                        <a:schemeClr val="bg1"/>
+                      </a:solidFill>
+                      <a:prstDash val="solid"/>
+                      <a:round/>
+                      <a:headEnd type="none" w="med" len="med"/>
+                      <a:tailEnd type="none" w="med" len="med"/>
+                    </a:lnT>
+                    <a:lnB w="12700" cap="flat" cmpd="sng" algn="ctr">
+                      <a:solidFill>
+                        <a:schemeClr val="bg1"/>
+                      </a:solidFill>
+                      <a:prstDash val="solid"/>
+                      <a:round/>
+                      <a:headEnd type="none" w="med" len="med"/>
+                      <a:tailEnd type="none" w="med" len="med"/>
+                    </a:lnB>
+                    <a:lnTlToBr w="12700" cmpd="sng">
+                      <a:noFill/>
+                      <a:prstDash val="solid"/>
+                    </a:lnTlToBr>
+                    <a:lnBlToTr w="12700" cmpd="sng">
+                      <a:noFill/>
+                      <a:prstDash val="solid"/>
+                    </a:lnBlToTr>
+                  </a:tcPr>
+                </a:tc>
+                <a:tc>
+                  <a:txBody>
+                    <a:bodyPr/>
+                    <a:lstStyle/>
+                    <a:p>
+                      <a:pPr algn="ctr" fontAlgn="b"/>
                       <a:r>
                         <a:rPr lang="pt-BR" sz="1100" b="0" i="0" u="none" strike="noStrike" dirty="0" smtClean="0">
                           <a:solidFill>
@@ -18193,133 +17368,6 @@
                     </a:lnBlToTr>
                   </a:tcPr>
                 </a:tc>
-                <a:tc>
-                  <a:txBody>
-                    <a:bodyPr/>
-                    <a:lstStyle/>
-                    <a:p>
-                      <a:pPr algn="ctr" fontAlgn="b"/>
-                      <a:r>
-                        <a:rPr lang="pt-BR" sz="1100" b="0" i="0" u="none" strike="noStrike" dirty="0">
-                          <a:solidFill>
-                            <a:srgbClr val="F94335"/>
-                          </a:solidFill>
-                          <a:latin typeface="Bahnschrift SemiBold SemiConden" panose="020B0502040204020203" pitchFamily="34" charset="0"/>
-                          <a:cs typeface="Arial" pitchFamily="34" charset="0"/>
-                        </a:rPr>
-                        <a:t>13</a:t>
-                      </a:r>
-                    </a:p>
-                  </a:txBody>
-                  <a:tcPr marL="5795" marR="5795" marT="5795" marB="27814" anchor="b">
-                    <a:lnL w="12700" cap="flat" cmpd="sng" algn="ctr">
-                      <a:solidFill>
-                        <a:schemeClr val="bg1"/>
-                      </a:solidFill>
-                      <a:prstDash val="solid"/>
-                      <a:round/>
-                      <a:headEnd type="none" w="med" len="med"/>
-                      <a:tailEnd type="none" w="med" len="med"/>
-                    </a:lnL>
-                    <a:lnR w="12700" cap="flat" cmpd="sng" algn="ctr">
-                      <a:solidFill>
-                        <a:schemeClr val="bg1"/>
-                      </a:solidFill>
-                      <a:prstDash val="solid"/>
-                      <a:round/>
-                      <a:headEnd type="none" w="med" len="med"/>
-                      <a:tailEnd type="none" w="med" len="med"/>
-                    </a:lnR>
-                    <a:lnT w="12700" cap="flat" cmpd="sng" algn="ctr">
-                      <a:solidFill>
-                        <a:schemeClr val="bg1"/>
-                      </a:solidFill>
-                      <a:prstDash val="solid"/>
-                      <a:round/>
-                      <a:headEnd type="none" w="med" len="med"/>
-                      <a:tailEnd type="none" w="med" len="med"/>
-                    </a:lnT>
-                    <a:lnB w="12700" cap="flat" cmpd="sng" algn="ctr">
-                      <a:solidFill>
-                        <a:schemeClr val="bg1"/>
-                      </a:solidFill>
-                      <a:prstDash val="solid"/>
-                      <a:round/>
-                      <a:headEnd type="none" w="med" len="med"/>
-                      <a:tailEnd type="none" w="med" len="med"/>
-                    </a:lnB>
-                    <a:lnTlToBr w="12700" cmpd="sng">
-                      <a:noFill/>
-                      <a:prstDash val="solid"/>
-                    </a:lnTlToBr>
-                    <a:lnBlToTr w="12700" cmpd="sng">
-                      <a:noFill/>
-                      <a:prstDash val="solid"/>
-                    </a:lnBlToTr>
-                  </a:tcPr>
-                </a:tc>
-                <a:tc>
-                  <a:txBody>
-                    <a:bodyPr/>
-                    <a:lstStyle/>
-                    <a:p>
-                      <a:pPr algn="ctr" fontAlgn="b"/>
-                      <a:endParaRPr lang="pt-BR" sz="1100" b="0" i="0" u="none" strike="noStrike" dirty="0">
-                        <a:solidFill>
-                          <a:srgbClr val="F94335"/>
-                        </a:solidFill>
-                        <a:latin typeface="Bahnschrift SemiBold SemiConden" panose="020B0502040204020203" pitchFamily="34" charset="0"/>
-                        <a:cs typeface="Arial" pitchFamily="34" charset="0"/>
-                      </a:endParaRPr>
-                    </a:p>
-                  </a:txBody>
-                  <a:tcPr marL="5795" marR="5795" marT="5795" marB="27814" anchor="b">
-                    <a:lnL w="12700" cap="flat" cmpd="sng" algn="ctr">
-                      <a:solidFill>
-                        <a:schemeClr val="bg1"/>
-                      </a:solidFill>
-                      <a:prstDash val="solid"/>
-                      <a:round/>
-                      <a:headEnd type="none" w="med" len="med"/>
-                      <a:tailEnd type="none" w="med" len="med"/>
-                    </a:lnL>
-                    <a:lnR w="12700" cap="flat" cmpd="sng" algn="ctr">
-                      <a:solidFill>
-                        <a:schemeClr val="bg1"/>
-                      </a:solidFill>
-                      <a:prstDash val="solid"/>
-                      <a:round/>
-                      <a:headEnd type="none" w="med" len="med"/>
-                      <a:tailEnd type="none" w="med" len="med"/>
-                    </a:lnR>
-                    <a:lnT w="12700" cap="flat" cmpd="sng" algn="ctr">
-                      <a:solidFill>
-                        <a:schemeClr val="bg1"/>
-                      </a:solidFill>
-                      <a:prstDash val="solid"/>
-                      <a:round/>
-                      <a:headEnd type="none" w="med" len="med"/>
-                      <a:tailEnd type="none" w="med" len="med"/>
-                    </a:lnT>
-                    <a:lnB w="12700" cap="flat" cmpd="sng" algn="ctr">
-                      <a:solidFill>
-                        <a:schemeClr val="bg1"/>
-                      </a:solidFill>
-                      <a:prstDash val="solid"/>
-                      <a:round/>
-                      <a:headEnd type="none" w="med" len="med"/>
-                      <a:tailEnd type="none" w="med" len="med"/>
-                    </a:lnB>
-                    <a:lnTlToBr w="12700" cmpd="sng">
-                      <a:noFill/>
-                      <a:prstDash val="solid"/>
-                    </a:lnTlToBr>
-                    <a:lnBlToTr w="12700" cmpd="sng">
-                      <a:noFill/>
-                      <a:prstDash val="solid"/>
-                    </a:lnBlToTr>
-                  </a:tcPr>
-                </a:tc>
                 <a:extLst>
                   <a:ext uri="{0D108BD9-81ED-4DB2-BD59-A6C34878D82A}">
                     <a16:rowId xmlns:a16="http://schemas.microsoft.com/office/drawing/2014/main" val="10015"/>
@@ -18339,7 +17387,7 @@
         <p:spPr>
           <a:xfrm>
             <a:off x="3601979" y="488020"/>
-            <a:ext cx="4791094" cy="707886"/>
+            <a:ext cx="4791094" cy="646331"/>
           </a:xfrm>
           <a:prstGeom prst="rect">
             <a:avLst/>
@@ -18353,7 +17401,7 @@
           <a:lstStyle/>
           <a:p>
             <a:r>
-              <a:rPr lang="pt-BR" sz="4000" dirty="0" smtClean="0">
+              <a:rPr lang="pt-BR" sz="3600" dirty="0" err="1" smtClean="0">
                 <a:solidFill>
                   <a:srgbClr val="F94335"/>
                 </a:solidFill>
@@ -18367,7 +17415,41 @@
                 <a:latin typeface="Bahnschrift SemiBold SemiConden"/>
                 <a:cs typeface="Arial" pitchFamily="34" charset="0"/>
               </a:rPr>
-              <a:t>PLANILHA</a:t>
+              <a:t>Product</a:t>
+            </a:r>
+            <a:r>
+              <a:rPr lang="pt-BR" sz="3600" dirty="0" smtClean="0">
+                <a:solidFill>
+                  <a:srgbClr val="F94335"/>
+                </a:solidFill>
+                <a:effectLst>
+                  <a:outerShdw blurRad="38100" dist="38100" dir="2700000" algn="tl">
+                    <a:srgbClr val="000000">
+                      <a:alpha val="43137"/>
+                    </a:srgbClr>
+                  </a:outerShdw>
+                </a:effectLst>
+                <a:latin typeface="Bahnschrift SemiBold SemiConden"/>
+                <a:cs typeface="Arial" pitchFamily="34" charset="0"/>
+              </a:rPr>
+              <a:t> </a:t>
+            </a:r>
+            <a:r>
+              <a:rPr lang="pt-BR" sz="3600" dirty="0" err="1" smtClean="0">
+                <a:solidFill>
+                  <a:srgbClr val="F94335"/>
+                </a:solidFill>
+                <a:effectLst>
+                  <a:outerShdw blurRad="38100" dist="38100" dir="2700000" algn="tl">
+                    <a:srgbClr val="000000">
+                      <a:alpha val="43137"/>
+                    </a:srgbClr>
+                  </a:outerShdw>
+                </a:effectLst>
+                <a:latin typeface="Bahnschrift SemiBold SemiConden"/>
+                <a:cs typeface="Arial" pitchFamily="34" charset="0"/>
+              </a:rPr>
+              <a:t>Backlog</a:t>
             </a:r>
             <a:endParaRPr lang="pt-BR" sz="3600" dirty="0">
               <a:solidFill>
@@ -18483,7 +17565,7 @@
                 <a16:creationId xmlns:a16="http://schemas.microsoft.com/office/drawing/2014/main" id="{6AD30037-67ED-4367-9BE0-45787510BF13}"/>
               </a:ext>
               <a:ext uri="{C183D7F6-B498-43B3-948B-1728B52AA6E4}">
-                <adec:decorative xmlns="" xmlns:adec="http://schemas.microsoft.com/office/drawing/2017/decorative" val="1"/>
+                <adec:decorative xmlns:adec="http://schemas.microsoft.com/office/drawing/2017/decorative" xmlns="" val="1"/>
               </a:ext>
             </a:extLst>
           </p:cNvPr>
@@ -18596,7 +17678,7 @@
                 <a16:creationId xmlns:a16="http://schemas.microsoft.com/office/drawing/2014/main" id="{50841A4E-5BC1-44B4-83CF-D524E8AEAD64}"/>
               </a:ext>
               <a:ext uri="{C183D7F6-B498-43B3-948B-1728B52AA6E4}">
-                <adec:decorative xmlns="" xmlns:adec="http://schemas.microsoft.com/office/drawing/2017/decorative" val="1"/>
+                <adec:decorative xmlns:adec="http://schemas.microsoft.com/office/drawing/2017/decorative" xmlns="" val="1"/>
               </a:ext>
             </a:extLst>
           </p:cNvPr>
@@ -18627,7 +17709,7 @@
                   <a16:creationId xmlns:a16="http://schemas.microsoft.com/office/drawing/2014/main" id="{BF371BCC-8954-44E2-8C4F-29DC188727AC}"/>
                 </a:ext>
                 <a:ext uri="{C183D7F6-B498-43B3-948B-1728B52AA6E4}">
-                  <adec:decorative xmlns="" xmlns:adec="http://schemas.microsoft.com/office/drawing/2017/decorative" val="1"/>
+                  <adec:decorative xmlns:adec="http://schemas.microsoft.com/office/drawing/2017/decorative" xmlns="" val="1"/>
                 </a:ext>
               </a:extLst>
             </p:cNvPr>
@@ -18688,7 +17770,7 @@
                   <a16:creationId xmlns:a16="http://schemas.microsoft.com/office/drawing/2014/main" id="{CD3505BE-B420-41C5-BE34-3E7652D37A5F}"/>
                 </a:ext>
                 <a:ext uri="{C183D7F6-B498-43B3-948B-1728B52AA6E4}">
-                  <adec:decorative xmlns="" xmlns:adec="http://schemas.microsoft.com/office/drawing/2017/decorative" val="1"/>
+                  <adec:decorative xmlns:adec="http://schemas.microsoft.com/office/drawing/2017/decorative" xmlns="" val="1"/>
                 </a:ext>
               </a:extLst>
             </p:cNvPr>
@@ -18752,7 +17834,7 @@
                   <a16:creationId xmlns:a16="http://schemas.microsoft.com/office/drawing/2014/main" id="{4B68A05B-A78B-4D59-8CF9-1900731A2188}"/>
                 </a:ext>
                 <a:ext uri="{C183D7F6-B498-43B3-948B-1728B52AA6E4}">
-                  <adec:decorative xmlns="" xmlns:adec="http://schemas.microsoft.com/office/drawing/2017/decorative" val="1"/>
+                  <adec:decorative xmlns:adec="http://schemas.microsoft.com/office/drawing/2017/decorative" xmlns="" val="1"/>
                 </a:ext>
               </a:extLst>
             </p:cNvPr>
@@ -18813,7 +17895,7 @@
                   <a16:creationId xmlns:a16="http://schemas.microsoft.com/office/drawing/2014/main" id="{84D57A01-C112-4FF2-B5ED-0B762AAD9CE2}"/>
                 </a:ext>
                 <a:ext uri="{C183D7F6-B498-43B3-948B-1728B52AA6E4}">
-                  <adec:decorative xmlns="" xmlns:adec="http://schemas.microsoft.com/office/drawing/2017/decorative" val="1"/>
+                  <adec:decorative xmlns:adec="http://schemas.microsoft.com/office/drawing/2017/decorative" xmlns="" val="1"/>
                 </a:ext>
               </a:extLst>
             </p:cNvPr>
@@ -18873,7 +17955,7 @@
                   <a16:creationId xmlns:a16="http://schemas.microsoft.com/office/drawing/2014/main" id="{6CCCCDF1-5D4F-4CA1-8400-DFBB96BB011D}"/>
                 </a:ext>
                 <a:ext uri="{C183D7F6-B498-43B3-948B-1728B52AA6E4}">
-                  <adec:decorative xmlns="" xmlns:adec="http://schemas.microsoft.com/office/drawing/2017/decorative" val="1"/>
+                  <adec:decorative xmlns:adec="http://schemas.microsoft.com/office/drawing/2017/decorative" xmlns="" val="1"/>
                 </a:ext>
               </a:extLst>
             </p:cNvPr>
@@ -18939,7 +18021,7 @@
                   <a16:creationId xmlns:a16="http://schemas.microsoft.com/office/drawing/2014/main" id="{20A090B2-5344-43CD-BC70-A6D44F15E800}"/>
                 </a:ext>
                 <a:ext uri="{C183D7F6-B498-43B3-948B-1728B52AA6E4}">
-                  <adec:decorative xmlns="" xmlns:adec="http://schemas.microsoft.com/office/drawing/2017/decorative" val="1"/>
+                  <adec:decorative xmlns:adec="http://schemas.microsoft.com/office/drawing/2017/decorative" xmlns="" val="1"/>
                 </a:ext>
               </a:extLst>
             </p:cNvPr>
@@ -19314,7 +18396,7 @@
           <a:blip r:embed="rId4">
             <a:extLst>
               <a:ext uri="{96DAC541-7B7A-43D3-8B79-37D633B846F1}">
-                <asvg:svgBlip xmlns="" xmlns:asvg="http://schemas.microsoft.com/office/drawing/2016/SVG/main" r:embed="rId8"/>
+                <asvg:svgBlip xmlns:asvg="http://schemas.microsoft.com/office/drawing/2016/SVG/main" xmlns="" r:embed="rId8"/>
               </a:ext>
             </a:extLst>
           </a:blip>
@@ -19378,7 +18460,7 @@
                 <a16:creationId xmlns:a16="http://schemas.microsoft.com/office/drawing/2014/main" id="{2FCD9B94-D70B-4446-85E5-ACD3904289CB}"/>
               </a:ext>
               <a:ext uri="{C183D7F6-B498-43B3-948B-1728B52AA6E4}">
-                <adec:decorative xmlns="" xmlns:adec="http://schemas.microsoft.com/office/drawing/2017/decorative" val="1"/>
+                <adec:decorative xmlns:adec="http://schemas.microsoft.com/office/drawing/2017/decorative" xmlns="" val="1"/>
               </a:ext>
             </a:extLst>
           </p:cNvPr>
@@ -19656,7 +18738,7 @@
           <a:blip r:embed="rId7">
             <a:extLst>
               <a:ext uri="{96DAC541-7B7A-43D3-8B79-37D633B846F1}">
-                <asvg:svgBlip xmlns="" xmlns:asvg="http://schemas.microsoft.com/office/drawing/2016/SVG/main" r:embed="rId8"/>
+                <asvg:svgBlip xmlns:asvg="http://schemas.microsoft.com/office/drawing/2016/SVG/main" xmlns="" r:embed="rId8"/>
               </a:ext>
             </a:extLst>
           </a:blip>
@@ -20911,7 +19993,7 @@
           <a:blip r:embed="rId2">
             <a:extLst>
               <a:ext uri="{96DAC541-7B7A-43D3-8B79-37D633B846F1}">
-                <asvg:svgBlip xmlns="" xmlns:asvg="http://schemas.microsoft.com/office/drawing/2016/SVG/main" r:embed="rId8"/>
+                <asvg:svgBlip xmlns:asvg="http://schemas.microsoft.com/office/drawing/2016/SVG/main" xmlns="" r:embed="rId8"/>
               </a:ext>
             </a:extLst>
           </a:blip>
@@ -21872,7 +20954,7 @@
           <a:blip r:embed="rId2">
             <a:extLst>
               <a:ext uri="{96DAC541-7B7A-43D3-8B79-37D633B846F1}">
-                <asvg:svgBlip xmlns="" xmlns:asvg="http://schemas.microsoft.com/office/drawing/2016/SVG/main" r:embed="rId8"/>
+                <asvg:svgBlip xmlns:asvg="http://schemas.microsoft.com/office/drawing/2016/SVG/main" xmlns="" r:embed="rId8"/>
               </a:ext>
             </a:extLst>
           </a:blip>
@@ -23312,7 +22394,7 @@
           <a:blip r:embed="rId2">
             <a:extLst>
               <a:ext uri="{96DAC541-7B7A-43D3-8B79-37D633B846F1}">
-                <asvg:svgBlip xmlns="" xmlns:asvg="http://schemas.microsoft.com/office/drawing/2016/SVG/main" r:embed="rId8"/>
+                <asvg:svgBlip xmlns:asvg="http://schemas.microsoft.com/office/drawing/2016/SVG/main" xmlns="" r:embed="rId8"/>
               </a:ext>
             </a:extLst>
           </a:blip>
@@ -24648,7 +23730,7 @@
           <a:blip r:embed="rId2">
             <a:extLst>
               <a:ext uri="{96DAC541-7B7A-43D3-8B79-37D633B846F1}">
-                <asvg:svgBlip xmlns="" xmlns:asvg="http://schemas.microsoft.com/office/drawing/2016/SVG/main" r:embed="rId8"/>
+                <asvg:svgBlip xmlns:asvg="http://schemas.microsoft.com/office/drawing/2016/SVG/main" xmlns="" r:embed="rId8"/>
               </a:ext>
             </a:extLst>
           </a:blip>
@@ -25833,7 +24915,7 @@
           <a:blip r:embed="rId2">
             <a:extLst>
               <a:ext uri="{96DAC541-7B7A-43D3-8B79-37D633B846F1}">
-                <asvg:svgBlip xmlns="" xmlns:asvg="http://schemas.microsoft.com/office/drawing/2016/SVG/main" r:embed="rId8"/>
+                <asvg:svgBlip xmlns:asvg="http://schemas.microsoft.com/office/drawing/2016/SVG/main" xmlns="" r:embed="rId8"/>
               </a:ext>
             </a:extLst>
           </a:blip>
@@ -26311,7 +25393,7 @@
         <p:spPr>
           <a:xfrm>
             <a:off x="554180" y="803561"/>
-            <a:ext cx="3131129" cy="2677656"/>
+            <a:ext cx="2327565" cy="2031325"/>
           </a:xfrm>
           <a:prstGeom prst="rect">
             <a:avLst/>
@@ -26358,29 +25440,21 @@
           <a:p>
             <a:pPr algn="ctr"/>
             <a:r>
-              <a:rPr lang="pt-BR" sz="2400" dirty="0" smtClean="0"/>
+              <a:rPr lang="pt-BR" dirty="0" smtClean="0"/>
               <a:t>Eu enquanto usuário,  quero  saber a situação da unidade de saúde, pois preciso me planejar</a:t>
             </a:r>
           </a:p>
           <a:p>
             <a:pPr algn="ctr"/>
             <a:r>
-              <a:rPr lang="pt-BR" sz="2400" dirty="0"/>
+              <a:rPr lang="pt-BR" dirty="0"/>
               <a:t>p</a:t>
             </a:r>
             <a:r>
-              <a:rPr lang="pt-BR" sz="2400" dirty="0" smtClean="0"/>
-              <a:t>ara </a:t>
+              <a:rPr lang="pt-BR" dirty="0" smtClean="0"/>
+              <a:t>ara me dirigir ao hospital mais viável</a:t>
             </a:r>
-            <a:r>
-              <a:rPr lang="pt-BR" sz="2400" dirty="0" smtClean="0"/>
-              <a:t>me dirigir ao hospital mais </a:t>
-            </a:r>
-            <a:r>
-              <a:rPr lang="pt-BR" sz="2400" dirty="0" smtClean="0"/>
-              <a:t>viável</a:t>
-            </a:r>
-            <a:endParaRPr lang="pt-BR" sz="2400" dirty="0"/>
+            <a:endParaRPr lang="pt-BR" dirty="0"/>
           </a:p>
         </p:txBody>
       </p:sp>
@@ -26392,7 +25466,7 @@
         </p:nvSpPr>
         <p:spPr>
           <a:xfrm>
-            <a:off x="1028361" y="0"/>
+            <a:off x="936137" y="-115921"/>
             <a:ext cx="9710126" cy="769441"/>
           </a:xfrm>
           <a:prstGeom prst="rect">
@@ -26441,7 +25515,7 @@
           <a:blip r:embed="rId2">
             <a:extLst>
               <a:ext uri="{96DAC541-7B7A-43D3-8B79-37D633B846F1}">
-                <asvg:svgBlip xmlns="" xmlns:asvg="http://schemas.microsoft.com/office/drawing/2016/SVG/main" r:embed="rId8"/>
+                <asvg:svgBlip xmlns:asvg="http://schemas.microsoft.com/office/drawing/2016/SVG/main" xmlns="" r:embed="rId8"/>
               </a:ext>
             </a:extLst>
           </a:blip>
@@ -26451,7 +25525,7 @@
         </p:blipFill>
         <p:spPr>
           <a:xfrm>
-            <a:off x="80000" y="5970317"/>
+            <a:off x="11243639" y="-84122"/>
             <a:ext cx="948361" cy="887683"/>
           </a:xfrm>
           <a:prstGeom prst="rect">
@@ -26467,8 +25541,8 @@
         </p:nvSpPr>
         <p:spPr>
           <a:xfrm>
-            <a:off x="4391889" y="911283"/>
-            <a:ext cx="3131129" cy="2569934"/>
+            <a:off x="3103413" y="803561"/>
+            <a:ext cx="2479968" cy="2031325"/>
           </a:xfrm>
           <a:prstGeom prst="rect">
             <a:avLst/>
@@ -26515,38 +25589,18 @@
           <a:p>
             <a:pPr algn="ctr"/>
             <a:r>
-              <a:rPr lang="pt-BR" sz="2300" dirty="0" smtClean="0"/>
+              <a:rPr lang="pt-BR" dirty="0" smtClean="0"/>
               <a:t>Eu enquanto </a:t>
             </a:r>
             <a:r>
-              <a:rPr lang="pt-BR" sz="2300" dirty="0"/>
+              <a:rPr lang="pt-BR" dirty="0"/>
               <a:t> </a:t>
             </a:r>
             <a:r>
-              <a:rPr lang="pt-BR" sz="2300" dirty="0" smtClean="0"/>
-              <a:t>médico</a:t>
+              <a:rPr lang="pt-BR" dirty="0" smtClean="0"/>
+              <a:t>médico,  quero  ter controle  sobre dados de meus paciente, pois preciso do controle e o entendimento de quem estou prestando serviço</a:t>
             </a:r>
-            <a:r>
-              <a:rPr lang="pt-BR" sz="2300" dirty="0" smtClean="0"/>
-              <a:t>,  </a:t>
-            </a:r>
-            <a:r>
-              <a:rPr lang="pt-BR" sz="2300" dirty="0" smtClean="0"/>
-              <a:t>quero  </a:t>
-            </a:r>
-            <a:r>
-              <a:rPr lang="pt-BR" sz="2300" dirty="0" smtClean="0"/>
-              <a:t>ter controle  sobre dados de meus paciente, </a:t>
-            </a:r>
-            <a:r>
-              <a:rPr lang="pt-BR" sz="2300" dirty="0" smtClean="0"/>
-              <a:t>pois </a:t>
-            </a:r>
-            <a:r>
-              <a:rPr lang="pt-BR" sz="2300" dirty="0" smtClean="0"/>
-              <a:t>preciso do controle e o entendimento de quem estou prestando serviço</a:t>
-            </a:r>
-            <a:endParaRPr lang="pt-BR" sz="2300" dirty="0"/>
+            <a:endParaRPr lang="pt-BR" dirty="0"/>
           </a:p>
         </p:txBody>
       </p:sp>
@@ -26558,8 +25612,8 @@
         </p:nvSpPr>
         <p:spPr>
           <a:xfrm>
-            <a:off x="8229599" y="857422"/>
-            <a:ext cx="3131129" cy="2569934"/>
+            <a:off x="5805049" y="803561"/>
+            <a:ext cx="2784765" cy="2031325"/>
           </a:xfrm>
           <a:prstGeom prst="rect">
             <a:avLst/>
@@ -26606,34 +25660,10 @@
           <a:p>
             <a:pPr algn="ctr"/>
             <a:r>
-              <a:rPr lang="pt-BR" sz="2300" dirty="0" smtClean="0"/>
-              <a:t>Eu enquanto </a:t>
+              <a:rPr lang="pt-BR" dirty="0" smtClean="0"/>
+              <a:t>Eu enquanto gerente,  quero  ter uma estrutura bem definida de dados , pois de uma modelagem bem definida para que não ocorra anomalia na aplicação</a:t>
             </a:r>
-            <a:r>
-              <a:rPr lang="pt-BR" sz="2300" dirty="0" smtClean="0"/>
-              <a:t>gerente,  </a:t>
-            </a:r>
-            <a:r>
-              <a:rPr lang="pt-BR" sz="2300" dirty="0" smtClean="0"/>
-              <a:t>quero  </a:t>
-            </a:r>
-            <a:r>
-              <a:rPr lang="pt-BR" sz="2300" dirty="0" smtClean="0"/>
-              <a:t>ter uma estrutura bem definida de dados </a:t>
-            </a:r>
-            <a:r>
-              <a:rPr lang="pt-BR" sz="2300" dirty="0" smtClean="0"/>
-              <a:t>, pois de uma modelagem bem definida </a:t>
-            </a:r>
-            <a:r>
-              <a:rPr lang="pt-BR" sz="2300" dirty="0" smtClean="0"/>
-              <a:t>p</a:t>
-            </a:r>
-            <a:r>
-              <a:rPr lang="pt-BR" sz="2300" dirty="0" smtClean="0"/>
-              <a:t>ara que não ocorra anomalia na aplicação</a:t>
-            </a:r>
-            <a:endParaRPr lang="pt-BR" sz="2300" dirty="0"/>
+            <a:endParaRPr lang="pt-BR" dirty="0"/>
           </a:p>
         </p:txBody>
       </p:sp>
@@ -26645,8 +25675,8 @@
         </p:nvSpPr>
         <p:spPr>
           <a:xfrm>
-            <a:off x="2078179" y="3904410"/>
-            <a:ext cx="3131129" cy="2677656"/>
+            <a:off x="8811482" y="803561"/>
+            <a:ext cx="2590809" cy="2031325"/>
           </a:xfrm>
           <a:prstGeom prst="rect">
             <a:avLst/>
@@ -26693,34 +25723,17 @@
           <a:p>
             <a:pPr algn="ctr"/>
             <a:r>
-              <a:rPr lang="pt-BR" sz="2400" dirty="0" smtClean="0"/>
-              <a:t>Eu enquanto </a:t>
+              <a:rPr lang="pt-BR" dirty="0" smtClean="0"/>
+              <a:t>Eu enquanto usuário, quero uma interface fácil e intuitiva, para manuseio correto das ferramentas</a:t>
             </a:r>
-            <a:r>
-              <a:rPr lang="pt-BR" sz="2400" dirty="0" smtClean="0"/>
-              <a:t>usuário, quero</a:t>
-            </a:r>
-            <a:r>
-              <a:rPr lang="pt-BR" sz="2400" dirty="0" smtClean="0"/>
-              <a:t> uma interface fácil e intuitiva</a:t>
-            </a:r>
-            <a:r>
-              <a:rPr lang="pt-BR" sz="2400" dirty="0" smtClean="0"/>
-              <a:t>, para manuseio correto das ferramentas</a:t>
-            </a:r>
-            <a:endParaRPr lang="pt-BR" sz="2400" dirty="0" smtClean="0"/>
           </a:p>
           <a:p>
             <a:pPr algn="ctr"/>
             <a:r>
-              <a:rPr lang="pt-BR" sz="2400" dirty="0" smtClean="0"/>
-              <a:t>P</a:t>
+              <a:rPr lang="pt-BR" dirty="0" smtClean="0"/>
+              <a:t>Para agilizar processos de consultas médicas</a:t>
             </a:r>
-            <a:r>
-              <a:rPr lang="pt-BR" sz="2400" dirty="0" smtClean="0"/>
-              <a:t>ara agilizar processos de consultas médicas</a:t>
-            </a:r>
-            <a:endParaRPr lang="pt-BR" sz="2400" dirty="0"/>
+            <a:endParaRPr lang="pt-BR" dirty="0"/>
           </a:p>
         </p:txBody>
       </p:sp>
@@ -26732,8 +25745,8 @@
         </p:nvSpPr>
         <p:spPr>
           <a:xfrm>
-            <a:off x="6442360" y="3904410"/>
-            <a:ext cx="3131129" cy="2677656"/>
+            <a:off x="554180" y="3532909"/>
+            <a:ext cx="2327565" cy="2585323"/>
           </a:xfrm>
           <a:prstGeom prst="rect">
             <a:avLst/>
@@ -26780,34 +25793,10 @@
           <a:p>
             <a:pPr algn="ctr"/>
             <a:r>
-              <a:rPr lang="pt-BR" sz="2100" dirty="0" smtClean="0"/>
-              <a:t>Eu enquanto </a:t>
+              <a:rPr lang="pt-BR" dirty="0" smtClean="0"/>
+              <a:t>Eu enquanto administrado,  quero o recebimento de dados dos pacientes, pois preciso gerenciar a unidade de saúde para ter o controle e a administração correta do local</a:t>
             </a:r>
-            <a:r>
-              <a:rPr lang="pt-BR" sz="2100" dirty="0" smtClean="0"/>
-              <a:t>administrado</a:t>
-            </a:r>
-            <a:r>
-              <a:rPr lang="pt-BR" sz="2100" dirty="0" smtClean="0"/>
-              <a:t>,  quero o recebimento de dados dos pacientes, </a:t>
-            </a:r>
-            <a:r>
-              <a:rPr lang="pt-BR" sz="2100" dirty="0" smtClean="0"/>
-              <a:t>pois </a:t>
-            </a:r>
-            <a:r>
-              <a:rPr lang="pt-BR" sz="2100" dirty="0" smtClean="0"/>
-              <a:t>preciso gerenciar a unidade </a:t>
-            </a:r>
-            <a:r>
-              <a:rPr lang="pt-BR" sz="2100" dirty="0" smtClean="0"/>
-              <a:t>de saúde p</a:t>
-            </a:r>
-            <a:r>
-              <a:rPr lang="pt-BR" sz="2100" dirty="0" smtClean="0"/>
-              <a:t>ara ter o controle e a administração correta do local</a:t>
-            </a:r>
-            <a:endParaRPr lang="pt-BR" sz="2100" dirty="0"/>
+            <a:endParaRPr lang="pt-BR" dirty="0"/>
           </a:p>
         </p:txBody>
       </p:sp>
